--- a/Report/Presentation.pptx
+++ b/Report/Presentation.pptx
@@ -5,18 +5,21 @@
     <p:sldMasterId id="2147483648" r:id="rId1"/>
   </p:sldMasterIdLst>
   <p:notesMasterIdLst>
-    <p:notesMasterId r:id="rId11"/>
+    <p:notesMasterId r:id="rId14"/>
   </p:notesMasterIdLst>
   <p:sldIdLst>
     <p:sldId id="256" r:id="rId2"/>
     <p:sldId id="257" r:id="rId3"/>
     <p:sldId id="258" r:id="rId4"/>
-    <p:sldId id="260" r:id="rId5"/>
-    <p:sldId id="263" r:id="rId6"/>
-    <p:sldId id="261" r:id="rId7"/>
-    <p:sldId id="265" r:id="rId8"/>
-    <p:sldId id="262" r:id="rId9"/>
-    <p:sldId id="264" r:id="rId10"/>
+    <p:sldId id="268" r:id="rId5"/>
+    <p:sldId id="266" r:id="rId6"/>
+    <p:sldId id="267" r:id="rId7"/>
+    <p:sldId id="260" r:id="rId8"/>
+    <p:sldId id="263" r:id="rId9"/>
+    <p:sldId id="261" r:id="rId10"/>
+    <p:sldId id="265" r:id="rId11"/>
+    <p:sldId id="262" r:id="rId12"/>
+    <p:sldId id="264" r:id="rId13"/>
   </p:sldIdLst>
   <p:sldSz cx="9144000" cy="6858000" type="screen4x3"/>
   <p:notesSz cx="6858000" cy="9144000"/>
@@ -200,7 +203,8 @@
           <a:p>
             <a:fld id="{3CD1CA91-51A7-4ECC-91D7-AEEF339E51C4}" type="datetimeFigureOut">
               <a:rPr lang="nl-NL" smtClean="0"/>
-              <a:t>25-6-2018</a:t>
+              <a:pPr/>
+              <a:t>26-6-2018</a:t>
             </a:fld>
             <a:endParaRPr lang="nl-NL"/>
           </a:p>
@@ -361,6 +365,7 @@
           <a:p>
             <a:fld id="{FFA4179D-8304-4936-9189-F5352923CC4A}" type="slidenum">
               <a:rPr lang="nl-NL" smtClean="0"/>
+              <a:pPr/>
               <a:t>‹nr.›</a:t>
             </a:fld>
             <a:endParaRPr lang="nl-NL"/>
@@ -532,7 +537,8 @@
           <a:p>
             <a:fld id="{FFA4179D-8304-4936-9189-F5352923CC4A}" type="slidenum">
               <a:rPr lang="nl-NL" smtClean="0"/>
-              <a:t>9</a:t>
+              <a:pPr/>
+              <a:t>12</a:t>
             </a:fld>
             <a:endParaRPr lang="nl-NL"/>
           </a:p>
@@ -727,7 +733,8 @@
           <a:p>
             <a:fld id="{87C0663B-BC95-4BFA-83BA-447A6B96687E}" type="datetimeFigureOut">
               <a:rPr lang="nl-NL" smtClean="0"/>
-              <a:t>25-6-2018</a:t>
+              <a:pPr/>
+              <a:t>26-6-2018</a:t>
             </a:fld>
             <a:endParaRPr lang="nl-NL"/>
           </a:p>
@@ -769,6 +776,7 @@
           <a:p>
             <a:fld id="{7E750BC6-6922-4415-B478-D62852FE04FE}" type="slidenum">
               <a:rPr lang="nl-NL" smtClean="0"/>
+              <a:pPr/>
               <a:t>‹nr.›</a:t>
             </a:fld>
             <a:endParaRPr lang="nl-NL"/>
@@ -892,7 +900,8 @@
           <a:p>
             <a:fld id="{87C0663B-BC95-4BFA-83BA-447A6B96687E}" type="datetimeFigureOut">
               <a:rPr lang="nl-NL" smtClean="0"/>
-              <a:t>25-6-2018</a:t>
+              <a:pPr/>
+              <a:t>26-6-2018</a:t>
             </a:fld>
             <a:endParaRPr lang="nl-NL"/>
           </a:p>
@@ -934,6 +943,7 @@
           <a:p>
             <a:fld id="{7E750BC6-6922-4415-B478-D62852FE04FE}" type="slidenum">
               <a:rPr lang="nl-NL" smtClean="0"/>
+              <a:pPr/>
               <a:t>‹nr.›</a:t>
             </a:fld>
             <a:endParaRPr lang="nl-NL"/>
@@ -1067,7 +1077,8 @@
           <a:p>
             <a:fld id="{87C0663B-BC95-4BFA-83BA-447A6B96687E}" type="datetimeFigureOut">
               <a:rPr lang="nl-NL" smtClean="0"/>
-              <a:t>25-6-2018</a:t>
+              <a:pPr/>
+              <a:t>26-6-2018</a:t>
             </a:fld>
             <a:endParaRPr lang="nl-NL"/>
           </a:p>
@@ -1109,6 +1120,7 @@
           <a:p>
             <a:fld id="{7E750BC6-6922-4415-B478-D62852FE04FE}" type="slidenum">
               <a:rPr lang="nl-NL" smtClean="0"/>
+              <a:pPr/>
               <a:t>‹nr.›</a:t>
             </a:fld>
             <a:endParaRPr lang="nl-NL"/>
@@ -1232,7 +1244,8 @@
           <a:p>
             <a:fld id="{87C0663B-BC95-4BFA-83BA-447A6B96687E}" type="datetimeFigureOut">
               <a:rPr lang="nl-NL" smtClean="0"/>
-              <a:t>25-6-2018</a:t>
+              <a:pPr/>
+              <a:t>26-6-2018</a:t>
             </a:fld>
             <a:endParaRPr lang="nl-NL"/>
           </a:p>
@@ -1274,6 +1287,7 @@
           <a:p>
             <a:fld id="{7E750BC6-6922-4415-B478-D62852FE04FE}" type="slidenum">
               <a:rPr lang="nl-NL" smtClean="0"/>
+              <a:pPr/>
               <a:t>‹nr.›</a:t>
             </a:fld>
             <a:endParaRPr lang="nl-NL"/>
@@ -1473,7 +1487,8 @@
           <a:p>
             <a:fld id="{87C0663B-BC95-4BFA-83BA-447A6B96687E}" type="datetimeFigureOut">
               <a:rPr lang="nl-NL" smtClean="0"/>
-              <a:t>25-6-2018</a:t>
+              <a:pPr/>
+              <a:t>26-6-2018</a:t>
             </a:fld>
             <a:endParaRPr lang="nl-NL"/>
           </a:p>
@@ -1515,6 +1530,7 @@
           <a:p>
             <a:fld id="{7E750BC6-6922-4415-B478-D62852FE04FE}" type="slidenum">
               <a:rPr lang="nl-NL" smtClean="0"/>
+              <a:pPr/>
               <a:t>‹nr.›</a:t>
             </a:fld>
             <a:endParaRPr lang="nl-NL"/>
@@ -1756,7 +1772,8 @@
           <a:p>
             <a:fld id="{87C0663B-BC95-4BFA-83BA-447A6B96687E}" type="datetimeFigureOut">
               <a:rPr lang="nl-NL" smtClean="0"/>
-              <a:t>25-6-2018</a:t>
+              <a:pPr/>
+              <a:t>26-6-2018</a:t>
             </a:fld>
             <a:endParaRPr lang="nl-NL"/>
           </a:p>
@@ -1798,6 +1815,7 @@
           <a:p>
             <a:fld id="{7E750BC6-6922-4415-B478-D62852FE04FE}" type="slidenum">
               <a:rPr lang="nl-NL" smtClean="0"/>
+              <a:pPr/>
               <a:t>‹nr.›</a:t>
             </a:fld>
             <a:endParaRPr lang="nl-NL"/>
@@ -2173,7 +2191,8 @@
           <a:p>
             <a:fld id="{87C0663B-BC95-4BFA-83BA-447A6B96687E}" type="datetimeFigureOut">
               <a:rPr lang="nl-NL" smtClean="0"/>
-              <a:t>25-6-2018</a:t>
+              <a:pPr/>
+              <a:t>26-6-2018</a:t>
             </a:fld>
             <a:endParaRPr lang="nl-NL"/>
           </a:p>
@@ -2215,6 +2234,7 @@
           <a:p>
             <a:fld id="{7E750BC6-6922-4415-B478-D62852FE04FE}" type="slidenum">
               <a:rPr lang="nl-NL" smtClean="0"/>
+              <a:pPr/>
               <a:t>‹nr.›</a:t>
             </a:fld>
             <a:endParaRPr lang="nl-NL"/>
@@ -2286,7 +2306,8 @@
           <a:p>
             <a:fld id="{87C0663B-BC95-4BFA-83BA-447A6B96687E}" type="datetimeFigureOut">
               <a:rPr lang="nl-NL" smtClean="0"/>
-              <a:t>25-6-2018</a:t>
+              <a:pPr/>
+              <a:t>26-6-2018</a:t>
             </a:fld>
             <a:endParaRPr lang="nl-NL"/>
           </a:p>
@@ -2328,6 +2349,7 @@
           <a:p>
             <a:fld id="{7E750BC6-6922-4415-B478-D62852FE04FE}" type="slidenum">
               <a:rPr lang="nl-NL" smtClean="0"/>
+              <a:pPr/>
               <a:t>‹nr.›</a:t>
             </a:fld>
             <a:endParaRPr lang="nl-NL"/>
@@ -2376,7 +2398,8 @@
           <a:p>
             <a:fld id="{87C0663B-BC95-4BFA-83BA-447A6B96687E}" type="datetimeFigureOut">
               <a:rPr lang="nl-NL" smtClean="0"/>
-              <a:t>25-6-2018</a:t>
+              <a:pPr/>
+              <a:t>26-6-2018</a:t>
             </a:fld>
             <a:endParaRPr lang="nl-NL"/>
           </a:p>
@@ -2418,6 +2441,7 @@
           <a:p>
             <a:fld id="{7E750BC6-6922-4415-B478-D62852FE04FE}" type="slidenum">
               <a:rPr lang="nl-NL" smtClean="0"/>
+              <a:pPr/>
               <a:t>‹nr.›</a:t>
             </a:fld>
             <a:endParaRPr lang="nl-NL"/>
@@ -2648,7 +2672,8 @@
           <a:p>
             <a:fld id="{87C0663B-BC95-4BFA-83BA-447A6B96687E}" type="datetimeFigureOut">
               <a:rPr lang="nl-NL" smtClean="0"/>
-              <a:t>25-6-2018</a:t>
+              <a:pPr/>
+              <a:t>26-6-2018</a:t>
             </a:fld>
             <a:endParaRPr lang="nl-NL"/>
           </a:p>
@@ -2690,6 +2715,7 @@
           <a:p>
             <a:fld id="{7E750BC6-6922-4415-B478-D62852FE04FE}" type="slidenum">
               <a:rPr lang="nl-NL" smtClean="0"/>
+              <a:pPr/>
               <a:t>‹nr.›</a:t>
             </a:fld>
             <a:endParaRPr lang="nl-NL"/>
@@ -2896,7 +2922,8 @@
           <a:p>
             <a:fld id="{87C0663B-BC95-4BFA-83BA-447A6B96687E}" type="datetimeFigureOut">
               <a:rPr lang="nl-NL" smtClean="0"/>
-              <a:t>25-6-2018</a:t>
+              <a:pPr/>
+              <a:t>26-6-2018</a:t>
             </a:fld>
             <a:endParaRPr lang="nl-NL"/>
           </a:p>
@@ -2938,6 +2965,7 @@
           <a:p>
             <a:fld id="{7E750BC6-6922-4415-B478-D62852FE04FE}" type="slidenum">
               <a:rPr lang="nl-NL" smtClean="0"/>
+              <a:pPr/>
               <a:t>‹nr.›</a:t>
             </a:fld>
             <a:endParaRPr lang="nl-NL"/>
@@ -3104,7 +3132,8 @@
           <a:p>
             <a:fld id="{87C0663B-BC95-4BFA-83BA-447A6B96687E}" type="datetimeFigureOut">
               <a:rPr lang="nl-NL" smtClean="0"/>
-              <a:t>25-6-2018</a:t>
+              <a:pPr/>
+              <a:t>26-6-2018</a:t>
             </a:fld>
             <a:endParaRPr lang="nl-NL"/>
           </a:p>
@@ -3182,6 +3211,7 @@
           <a:p>
             <a:fld id="{7E750BC6-6922-4415-B478-D62852FE04FE}" type="slidenum">
               <a:rPr lang="nl-NL" smtClean="0"/>
+              <a:pPr/>
               <a:t>‹nr.›</a:t>
             </a:fld>
             <a:endParaRPr lang="nl-NL"/>
@@ -3486,42 +3516,8 @@
         </p:nvSpPr>
         <p:spPr>
           <a:xfrm>
-            <a:off x="827584" y="1196752"/>
-            <a:ext cx="7772400" cy="1470025"/>
-          </a:xfrm>
-        </p:spPr>
-        <p:txBody>
-          <a:bodyPr>
-            <a:normAutofit fontScale="90000"/>
-          </a:bodyPr>
-          <a:lstStyle/>
-          <a:p>
-            <a:r>
-              <a:rPr lang="nl-NL" sz="3600" b="1" dirty="0" smtClean="0"/>
-              <a:t>“</a:t>
-            </a:r>
-            <a:r>
-              <a:rPr lang="en-US" sz="3600" b="1" dirty="0" smtClean="0"/>
-              <a:t>Can a planning intervention with a light-based cue reduce bedtime procrastination?”</a:t>
-            </a:r>
-            <a:endParaRPr lang="nl-NL" sz="3600" b="1" dirty="0" smtClean="0"/>
-          </a:p>
-        </p:txBody>
-      </p:sp>
-      <p:sp>
-        <p:nvSpPr>
-          <p:cNvPr id="3" name="Ondertitel 2"/>
-          <p:cNvSpPr>
-            <a:spLocks noGrp="1"/>
-          </p:cNvSpPr>
-          <p:nvPr>
-            <p:ph type="subTitle" idx="1"/>
-          </p:nvPr>
-        </p:nvSpPr>
-        <p:spPr>
-          <a:xfrm>
-            <a:off x="1331640" y="2996952"/>
-            <a:ext cx="6400800" cy="3168352"/>
+            <a:off x="827584" y="1052736"/>
+            <a:ext cx="7772400" cy="2808312"/>
           </a:xfrm>
         </p:spPr>
         <p:txBody>
@@ -3530,6 +3526,60 @@
           </a:bodyPr>
           <a:lstStyle/>
           <a:p>
+            <a:r>
+              <a:rPr lang="nl-NL" sz="3600" b="1" dirty="0" err="1" smtClean="0"/>
+              <a:t>Analysis</a:t>
+            </a:r>
+            <a:r>
+              <a:rPr lang="nl-NL" sz="3600" b="1" dirty="0" smtClean="0"/>
+              <a:t> of a </a:t>
+            </a:r>
+            <a:r>
+              <a:rPr lang="nl-NL" sz="3600" b="1" dirty="0" err="1" smtClean="0"/>
+              <a:t>bedtime</a:t>
+            </a:r>
+            <a:r>
+              <a:rPr lang="nl-NL" sz="3600" b="1" dirty="0" smtClean="0"/>
+              <a:t> </a:t>
+            </a:r>
+            <a:r>
+              <a:rPr lang="nl-NL" sz="3600" b="1" dirty="0" err="1" smtClean="0"/>
+              <a:t>procrastination</a:t>
+            </a:r>
+            <a:r>
+              <a:rPr lang="nl-NL" sz="3600" b="1" dirty="0" smtClean="0"/>
+              <a:t> </a:t>
+            </a:r>
+            <a:r>
+              <a:rPr lang="nl-NL" sz="3600" b="1" dirty="0" err="1" smtClean="0"/>
+              <a:t>study</a:t>
+            </a:r>
+            <a:endParaRPr lang="nl-NL" sz="3600" b="1" dirty="0" smtClean="0"/>
+          </a:p>
+        </p:txBody>
+      </p:sp>
+      <p:sp>
+        <p:nvSpPr>
+          <p:cNvPr id="3" name="Ondertitel 2"/>
+          <p:cNvSpPr>
+            <a:spLocks noGrp="1"/>
+          </p:cNvSpPr>
+          <p:nvPr>
+            <p:ph type="subTitle" idx="1"/>
+          </p:nvPr>
+        </p:nvSpPr>
+        <p:spPr>
+          <a:xfrm>
+            <a:off x="1331640" y="3933056"/>
+            <a:ext cx="6400800" cy="2664296"/>
+          </a:xfrm>
+        </p:spPr>
+        <p:txBody>
+          <a:bodyPr>
+            <a:normAutofit/>
+          </a:bodyPr>
+          <a:lstStyle/>
+          <a:p>
             <a:pPr algn="l"/>
             <a:r>
               <a:rPr lang="nl-NL" sz="2400" b="1" dirty="0" err="1" smtClean="0"/>
@@ -3564,18 +3614,27 @@
             </a:r>
             <a:r>
               <a:rPr lang="nl-NL" sz="2400" dirty="0" smtClean="0"/>
-              <a:t>Schouten (2621562)</a:t>
-            </a:r>
+              <a:t>Schouten (2621562</a:t>
+            </a:r>
+            <a:r>
+              <a:rPr lang="nl-NL" sz="2400" dirty="0" smtClean="0"/>
+              <a:t>)</a:t>
+            </a:r>
+            <a:endParaRPr lang="nl-NL" sz="2400" dirty="0" smtClean="0"/>
           </a:p>
           <a:p>
             <a:pPr algn="l"/>
-            <a:endParaRPr lang="nl-NL" dirty="0"/>
+            <a:endParaRPr lang="nl-NL" sz="2400" dirty="0" smtClean="0"/>
           </a:p>
           <a:p>
             <a:pPr algn="l"/>
             <a:r>
+              <a:rPr lang="en-US" sz="2400" b="1" dirty="0" smtClean="0"/>
+              <a:t>Business </a:t>
+            </a:r>
+            <a:r>
               <a:rPr lang="en-US" sz="2400" b="1" dirty="0"/>
-              <a:t>Business Analytics </a:t>
+              <a:t>Analytics </a:t>
             </a:r>
             <a:br>
               <a:rPr lang="en-US" sz="2400" b="1" dirty="0"/>
@@ -3606,7 +3665,7 @@
           <a:blip r:embed="rId2" cstate="print">
             <a:extLst>
               <a:ext uri="{28A0092B-C50C-407E-A947-70E740481C1C}">
-                <a14:useLocalDpi xmlns:ve="http://schemas.openxmlformats.org/markup-compatibility/2006" xmlns:m="http://schemas.openxmlformats.org/officeDocument/2006/math" xmlns:wp="http://schemas.openxmlformats.org/drawingml/2006/wordprocessingDrawing" xmlns:wne="http://schemas.microsoft.com/office/word/2006/wordml" xmlns:a14="http://schemas.microsoft.com/office/drawing/2010/main" xmlns:wps="http://schemas.microsoft.com/office/word/2010/wordprocessingShape" xmlns:wpi="http://schemas.microsoft.com/office/word/2010/wordprocessingInk" xmlns:wpg="http://schemas.microsoft.com/office/word/2010/wordprocessingGroup" xmlns:w16se="http://schemas.microsoft.com/office/word/2015/wordml/symex" xmlns:w16cid="http://schemas.microsoft.com/office/word/2016/wordml/cid" xmlns:w15="http://schemas.microsoft.com/office/word/2012/wordml" xmlns:w14="http://schemas.microsoft.com/office/word/2010/wordml" xmlns:w="http://schemas.openxmlformats.org/wordprocessingml/2006/main" xmlns:w10="urn:schemas-microsoft-com:office:word" xmlns:wp14="http://schemas.microsoft.com/office/word/2010/wordprocessingDrawing" xmlns:v="urn:schemas-microsoft-com:vml" xmlns:o="urn:schemas-microsoft-com:office:office" xmlns:am3d="http://schemas.microsoft.com/office/drawing/2017/model3d" xmlns:aink="http://schemas.microsoft.com/office/drawing/2016/ink" xmlns:mc="http://schemas.openxmlformats.org/markup-compatibility/2006" xmlns:cx8="http://schemas.microsoft.com/office/drawing/2016/5/14/chartex" xmlns:cx7="http://schemas.microsoft.com/office/drawing/2016/5/13/chartex" xmlns:cx6="http://schemas.microsoft.com/office/drawing/2016/5/12/chartex" xmlns:cx5="http://schemas.microsoft.com/office/drawing/2016/5/11/chartex" xmlns:cx4="http://schemas.microsoft.com/office/drawing/2016/5/10/chartex" xmlns:cx3="http://schemas.microsoft.com/office/drawing/2016/5/9/chartex" xmlns:cx2="http://schemas.microsoft.com/office/drawing/2015/10/21/chartex" xmlns:cx1="http://schemas.microsoft.com/office/drawing/2015/9/8/chartex" xmlns:cx="http://schemas.microsoft.com/office/drawing/2014/chartex" xmlns:wpc="http://schemas.microsoft.com/office/word/2010/wordprocessingCanvas" xmlns="" xmlns:pic="http://schemas.openxmlformats.org/drawingml/2006/picture" xmlns:lc="http://schemas.openxmlformats.org/drawingml/2006/lockedCanvas" val="0"/>
+                <a14:useLocalDpi xmlns:lc="http://schemas.openxmlformats.org/drawingml/2006/lockedCanvas" xmlns:pic="http://schemas.openxmlformats.org/drawingml/2006/picture" xmlns="" xmlns:wpc="http://schemas.microsoft.com/office/word/2010/wordprocessingCanvas" xmlns:cx="http://schemas.microsoft.com/office/drawing/2014/chartex" xmlns:cx1="http://schemas.microsoft.com/office/drawing/2015/9/8/chartex" xmlns:cx2="http://schemas.microsoft.com/office/drawing/2015/10/21/chartex" xmlns:cx3="http://schemas.microsoft.com/office/drawing/2016/5/9/chartex" xmlns:cx4="http://schemas.microsoft.com/office/drawing/2016/5/10/chartex" xmlns:cx5="http://schemas.microsoft.com/office/drawing/2016/5/11/chartex" xmlns:cx6="http://schemas.microsoft.com/office/drawing/2016/5/12/chartex" xmlns:cx7="http://schemas.microsoft.com/office/drawing/2016/5/13/chartex" xmlns:cx8="http://schemas.microsoft.com/office/drawing/2016/5/14/chartex" xmlns:mc="http://schemas.openxmlformats.org/markup-compatibility/2006" xmlns:aink="http://schemas.microsoft.com/office/drawing/2016/ink" xmlns:am3d="http://schemas.microsoft.com/office/drawing/2017/model3d" xmlns:o="urn:schemas-microsoft-com:office:office" xmlns:v="urn:schemas-microsoft-com:vml" xmlns:wp14="http://schemas.microsoft.com/office/word/2010/wordprocessingDrawing" xmlns:w10="urn:schemas-microsoft-com:office:word" xmlns:w="http://schemas.openxmlformats.org/wordprocessingml/2006/main" xmlns:w14="http://schemas.microsoft.com/office/word/2010/wordml" xmlns:w15="http://schemas.microsoft.com/office/word/2012/wordml" xmlns:w16cid="http://schemas.microsoft.com/office/word/2016/wordml/cid" xmlns:w16se="http://schemas.microsoft.com/office/word/2015/wordml/symex" xmlns:wpg="http://schemas.microsoft.com/office/word/2010/wordprocessingGroup" xmlns:wpi="http://schemas.microsoft.com/office/word/2010/wordprocessingInk" xmlns:wps="http://schemas.microsoft.com/office/word/2010/wordprocessingShape" xmlns:a14="http://schemas.microsoft.com/office/drawing/2010/main" xmlns:wne="http://schemas.microsoft.com/office/word/2006/wordml" xmlns:wp="http://schemas.openxmlformats.org/drawingml/2006/wordprocessingDrawing" xmlns:m="http://schemas.openxmlformats.org/officeDocument/2006/math" xmlns:ve="http://schemas.openxmlformats.org/markup-compatibility/2006" val="0"/>
               </a:ext>
             </a:extLst>
           </a:blip>
@@ -3622,6 +3681,556 @@
           <a:prstGeom prst="rect">
             <a:avLst/>
           </a:prstGeom>
+        </p:spPr>
+      </p:pic>
+      <p:sp>
+        <p:nvSpPr>
+          <p:cNvPr id="5" name="Rechthoek 4"/>
+          <p:cNvSpPr/>
+          <p:nvPr/>
+        </p:nvSpPr>
+        <p:spPr>
+          <a:xfrm>
+            <a:off x="7882116" y="0"/>
+            <a:ext cx="1261884" cy="369332"/>
+          </a:xfrm>
+          <a:prstGeom prst="rect">
+            <a:avLst/>
+          </a:prstGeom>
+        </p:spPr>
+        <p:txBody>
+          <a:bodyPr wrap="none">
+            <a:spAutoFit/>
+          </a:bodyPr>
+          <a:lstStyle/>
+          <a:p>
+            <a:r>
+              <a:rPr lang="nl-NL" dirty="0" smtClean="0"/>
+              <a:t>28-06-2018</a:t>
+            </a:r>
+            <a:endParaRPr lang="nl-NL" dirty="0" smtClean="0"/>
+          </a:p>
+        </p:txBody>
+      </p:sp>
+    </p:spTree>
+  </p:cSld>
+  <p:clrMapOvr>
+    <a:masterClrMapping/>
+  </p:clrMapOvr>
+</p:sld>
+</file>
+
+<file path=ppt/slides/slide10.xml><?xml version="1.0" encoding="utf-8"?>
+<p:sld xmlns:a="http://schemas.openxmlformats.org/drawingml/2006/main" xmlns:r="http://schemas.openxmlformats.org/officeDocument/2006/relationships" xmlns:p="http://schemas.openxmlformats.org/presentationml/2006/main">
+  <p:cSld>
+    <p:spTree>
+      <p:nvGrpSpPr>
+        <p:cNvPr id="1" name=""/>
+        <p:cNvGrpSpPr/>
+        <p:nvPr/>
+      </p:nvGrpSpPr>
+      <p:grpSpPr>
+        <a:xfrm>
+          <a:off x="0" y="0"/>
+          <a:ext cx="0" cy="0"/>
+          <a:chOff x="0" y="0"/>
+          <a:chExt cx="0" cy="0"/>
+        </a:xfrm>
+      </p:grpSpPr>
+      <p:sp>
+        <p:nvSpPr>
+          <p:cNvPr id="2" name="Titel 1"/>
+          <p:cNvSpPr>
+            <a:spLocks noGrp="1"/>
+          </p:cNvSpPr>
+          <p:nvPr>
+            <p:ph type="ctrTitle"/>
+          </p:nvPr>
+        </p:nvSpPr>
+        <p:spPr>
+          <a:xfrm>
+            <a:off x="827584" y="1196752"/>
+            <a:ext cx="7772400" cy="1470025"/>
+          </a:xfrm>
+        </p:spPr>
+        <p:txBody>
+          <a:bodyPr/>
+          <a:lstStyle/>
+          <a:p>
+            <a:r>
+              <a:rPr lang="nl-NL" dirty="0" err="1" smtClean="0"/>
+              <a:t>Analysis</a:t>
+            </a:r>
+            <a:r>
+              <a:rPr lang="nl-NL" dirty="0" smtClean="0"/>
+              <a:t> of a HUE </a:t>
+            </a:r>
+            <a:r>
+              <a:rPr lang="nl-NL" dirty="0" err="1" smtClean="0"/>
+              <a:t>bedtime</a:t>
+            </a:r>
+            <a:r>
+              <a:rPr lang="nl-NL" dirty="0" smtClean="0"/>
+              <a:t> </a:t>
+            </a:r>
+            <a:r>
+              <a:rPr lang="nl-NL" dirty="0" err="1" smtClean="0"/>
+              <a:t>procastination</a:t>
+            </a:r>
+            <a:r>
+              <a:rPr lang="nl-NL" dirty="0" smtClean="0"/>
+              <a:t> </a:t>
+            </a:r>
+            <a:r>
+              <a:rPr lang="nl-NL" dirty="0" err="1" smtClean="0"/>
+              <a:t>study</a:t>
+            </a:r>
+            <a:endParaRPr lang="nl-NL" dirty="0"/>
+          </a:p>
+        </p:txBody>
+      </p:sp>
+      <p:sp>
+        <p:nvSpPr>
+          <p:cNvPr id="3" name="Ondertitel 2"/>
+          <p:cNvSpPr>
+            <a:spLocks noGrp="1"/>
+          </p:cNvSpPr>
+          <p:nvPr>
+            <p:ph type="subTitle" idx="1"/>
+          </p:nvPr>
+        </p:nvSpPr>
+        <p:spPr>
+          <a:xfrm>
+            <a:off x="1331640" y="2996952"/>
+            <a:ext cx="6400800" cy="3168352"/>
+          </a:xfrm>
+        </p:spPr>
+        <p:txBody>
+          <a:bodyPr>
+            <a:normAutofit lnSpcReduction="10000"/>
+          </a:bodyPr>
+          <a:lstStyle/>
+          <a:p>
+            <a:pPr algn="l"/>
+            <a:r>
+              <a:rPr lang="nl-NL" b="1" dirty="0" err="1" smtClean="0"/>
+              <a:t>Students</a:t>
+            </a:r>
+            <a:r>
+              <a:rPr lang="nl-NL" b="1" dirty="0" smtClean="0"/>
+              <a:t>:</a:t>
+            </a:r>
+            <a:endParaRPr lang="nl-NL" dirty="0"/>
+          </a:p>
+          <a:p>
+            <a:pPr algn="l"/>
+            <a:r>
+              <a:rPr lang="nl-NL" dirty="0"/>
+              <a:t>Yannick Hogebrug (</a:t>
+            </a:r>
+            <a:r>
+              <a:rPr lang="nl-NL" dirty="0" smtClean="0"/>
+              <a:t>2626424)</a:t>
+            </a:r>
+            <a:r>
+              <a:rPr lang="nl-NL" dirty="0"/>
+              <a:t/>
+            </a:r>
+            <a:br>
+              <a:rPr lang="nl-NL" dirty="0"/>
+            </a:br>
+            <a:r>
+              <a:rPr lang="nl-NL" dirty="0"/>
+              <a:t>Jesse </a:t>
+            </a:r>
+            <a:r>
+              <a:rPr lang="nl-NL" dirty="0" smtClean="0"/>
+              <a:t>Schouten (2621562)</a:t>
+            </a:r>
+          </a:p>
+          <a:p>
+            <a:pPr algn="l"/>
+            <a:endParaRPr lang="nl-NL" dirty="0"/>
+          </a:p>
+          <a:p>
+            <a:pPr algn="l"/>
+            <a:r>
+              <a:rPr lang="en-US" b="1" dirty="0"/>
+              <a:t>Business Analytics </a:t>
+            </a:r>
+            <a:br>
+              <a:rPr lang="en-US" b="1" dirty="0"/>
+            </a:br>
+            <a:r>
+              <a:rPr lang="en-US" b="1" dirty="0"/>
+              <a:t>Course: Project Big data (X_400645).</a:t>
+            </a:r>
+            <a:endParaRPr lang="nl-NL" dirty="0"/>
+          </a:p>
+          <a:p>
+            <a:pPr algn="l"/>
+            <a:endParaRPr lang="nl-NL" dirty="0"/>
+          </a:p>
+        </p:txBody>
+      </p:sp>
+      <p:pic>
+        <p:nvPicPr>
+          <p:cNvPr id="4" name="Picture 1"/>
+          <p:cNvPicPr/>
+          <p:nvPr/>
+        </p:nvPicPr>
+        <p:blipFill>
+          <a:blip r:embed="rId2" cstate="print">
+            <a:extLst>
+              <a:ext uri="{28A0092B-C50C-407E-A947-70E740481C1C}">
+                <a14:useLocalDpi xmlns:lc="http://schemas.openxmlformats.org/drawingml/2006/lockedCanvas" xmlns:pic="http://schemas.openxmlformats.org/drawingml/2006/picture" xmlns="" xmlns:wpc="http://schemas.microsoft.com/office/word/2010/wordprocessingCanvas" xmlns:cx="http://schemas.microsoft.com/office/drawing/2014/chartex" xmlns:cx1="http://schemas.microsoft.com/office/drawing/2015/9/8/chartex" xmlns:cx2="http://schemas.microsoft.com/office/drawing/2015/10/21/chartex" xmlns:cx3="http://schemas.microsoft.com/office/drawing/2016/5/9/chartex" xmlns:cx4="http://schemas.microsoft.com/office/drawing/2016/5/10/chartex" xmlns:cx5="http://schemas.microsoft.com/office/drawing/2016/5/11/chartex" xmlns:cx6="http://schemas.microsoft.com/office/drawing/2016/5/12/chartex" xmlns:cx7="http://schemas.microsoft.com/office/drawing/2016/5/13/chartex" xmlns:cx8="http://schemas.microsoft.com/office/drawing/2016/5/14/chartex" xmlns:mc="http://schemas.openxmlformats.org/markup-compatibility/2006" xmlns:aink="http://schemas.microsoft.com/office/drawing/2016/ink" xmlns:am3d="http://schemas.microsoft.com/office/drawing/2017/model3d" xmlns:o="urn:schemas-microsoft-com:office:office" xmlns:v="urn:schemas-microsoft-com:vml" xmlns:wp14="http://schemas.microsoft.com/office/word/2010/wordprocessingDrawing" xmlns:w10="urn:schemas-microsoft-com:office:word" xmlns:w="http://schemas.openxmlformats.org/wordprocessingml/2006/main" xmlns:w14="http://schemas.microsoft.com/office/word/2010/wordml" xmlns:w15="http://schemas.microsoft.com/office/word/2012/wordml" xmlns:w16cid="http://schemas.microsoft.com/office/word/2016/wordml/cid" xmlns:w16se="http://schemas.microsoft.com/office/word/2015/wordml/symex" xmlns:wpg="http://schemas.microsoft.com/office/word/2010/wordprocessingGroup" xmlns:wpi="http://schemas.microsoft.com/office/word/2010/wordprocessingInk" xmlns:wps="http://schemas.microsoft.com/office/word/2010/wordprocessingShape" xmlns:a14="http://schemas.microsoft.com/office/drawing/2010/main" xmlns:wne="http://schemas.microsoft.com/office/word/2006/wordml" xmlns:wp="http://schemas.openxmlformats.org/drawingml/2006/wordprocessingDrawing" xmlns:m="http://schemas.openxmlformats.org/officeDocument/2006/math" xmlns:ve="http://schemas.openxmlformats.org/markup-compatibility/2006" val="0"/>
+              </a:ext>
+            </a:extLst>
+          </a:blip>
+          <a:stretch>
+            <a:fillRect/>
+          </a:stretch>
+        </p:blipFill>
+        <p:spPr>
+          <a:xfrm>
+            <a:off x="0" y="0"/>
+            <a:ext cx="3933825" cy="1162050"/>
+          </a:xfrm>
+          <a:prstGeom prst="rect">
+            <a:avLst/>
+          </a:prstGeom>
+        </p:spPr>
+      </p:pic>
+    </p:spTree>
+  </p:cSld>
+  <p:clrMapOvr>
+    <a:masterClrMapping/>
+  </p:clrMapOvr>
+</p:sld>
+</file>
+
+<file path=ppt/slides/slide11.xml><?xml version="1.0" encoding="utf-8"?>
+<p:sld xmlns:a="http://schemas.openxmlformats.org/drawingml/2006/main" xmlns:r="http://schemas.openxmlformats.org/officeDocument/2006/relationships" xmlns:p="http://schemas.openxmlformats.org/presentationml/2006/main">
+  <p:cSld>
+    <p:spTree>
+      <p:nvGrpSpPr>
+        <p:cNvPr id="1" name=""/>
+        <p:cNvGrpSpPr/>
+        <p:nvPr/>
+      </p:nvGrpSpPr>
+      <p:grpSpPr>
+        <a:xfrm>
+          <a:off x="0" y="0"/>
+          <a:ext cx="0" cy="0"/>
+          <a:chOff x="0" y="0"/>
+          <a:chExt cx="0" cy="0"/>
+        </a:xfrm>
+      </p:grpSpPr>
+      <p:sp>
+        <p:nvSpPr>
+          <p:cNvPr id="2" name="Titel 1"/>
+          <p:cNvSpPr>
+            <a:spLocks noGrp="1"/>
+          </p:cNvSpPr>
+          <p:nvPr>
+            <p:ph type="ctrTitle"/>
+          </p:nvPr>
+        </p:nvSpPr>
+        <p:spPr>
+          <a:xfrm>
+            <a:off x="827584" y="1196752"/>
+            <a:ext cx="7772400" cy="1470025"/>
+          </a:xfrm>
+        </p:spPr>
+        <p:txBody>
+          <a:bodyPr/>
+          <a:lstStyle/>
+          <a:p>
+            <a:r>
+              <a:rPr lang="nl-NL" dirty="0" err="1" smtClean="0"/>
+              <a:t>Conclusion</a:t>
+            </a:r>
+            <a:endParaRPr lang="nl-NL" dirty="0"/>
+          </a:p>
+        </p:txBody>
+      </p:sp>
+      <p:sp>
+        <p:nvSpPr>
+          <p:cNvPr id="3" name="Ondertitel 2"/>
+          <p:cNvSpPr>
+            <a:spLocks noGrp="1"/>
+          </p:cNvSpPr>
+          <p:nvPr>
+            <p:ph type="subTitle" idx="1"/>
+          </p:nvPr>
+        </p:nvSpPr>
+        <p:spPr>
+          <a:xfrm>
+            <a:off x="1331640" y="2996952"/>
+            <a:ext cx="6400800" cy="3168352"/>
+          </a:xfrm>
+        </p:spPr>
+        <p:txBody>
+          <a:bodyPr>
+            <a:normAutofit lnSpcReduction="10000"/>
+          </a:bodyPr>
+          <a:lstStyle/>
+          <a:p>
+            <a:pPr algn="l"/>
+            <a:r>
+              <a:rPr lang="nl-NL" b="1" dirty="0" err="1" smtClean="0"/>
+              <a:t>Students</a:t>
+            </a:r>
+            <a:r>
+              <a:rPr lang="nl-NL" b="1" dirty="0" smtClean="0"/>
+              <a:t>:</a:t>
+            </a:r>
+            <a:endParaRPr lang="nl-NL" dirty="0"/>
+          </a:p>
+          <a:p>
+            <a:pPr algn="l"/>
+            <a:r>
+              <a:rPr lang="nl-NL" dirty="0"/>
+              <a:t>Yannick Hogebrug (</a:t>
+            </a:r>
+            <a:r>
+              <a:rPr lang="nl-NL" dirty="0" smtClean="0"/>
+              <a:t>2626424)</a:t>
+            </a:r>
+            <a:r>
+              <a:rPr lang="nl-NL" dirty="0"/>
+              <a:t/>
+            </a:r>
+            <a:br>
+              <a:rPr lang="nl-NL" dirty="0"/>
+            </a:br>
+            <a:r>
+              <a:rPr lang="nl-NL" dirty="0"/>
+              <a:t>Jesse </a:t>
+            </a:r>
+            <a:r>
+              <a:rPr lang="nl-NL" dirty="0" smtClean="0"/>
+              <a:t>Schouten (2621562)</a:t>
+            </a:r>
+          </a:p>
+          <a:p>
+            <a:pPr algn="l"/>
+            <a:endParaRPr lang="nl-NL" dirty="0"/>
+          </a:p>
+          <a:p>
+            <a:pPr algn="l"/>
+            <a:r>
+              <a:rPr lang="en-US" b="1" dirty="0"/>
+              <a:t>Business Analytics </a:t>
+            </a:r>
+            <a:br>
+              <a:rPr lang="en-US" b="1" dirty="0"/>
+            </a:br>
+            <a:r>
+              <a:rPr lang="en-US" b="1" dirty="0"/>
+              <a:t>Course: Project Big data (X_400645).</a:t>
+            </a:r>
+            <a:endParaRPr lang="nl-NL" dirty="0"/>
+          </a:p>
+          <a:p>
+            <a:pPr algn="l"/>
+            <a:endParaRPr lang="nl-NL" dirty="0"/>
+          </a:p>
+        </p:txBody>
+      </p:sp>
+      <p:pic>
+        <p:nvPicPr>
+          <p:cNvPr id="4" name="Picture 1"/>
+          <p:cNvPicPr/>
+          <p:nvPr/>
+        </p:nvPicPr>
+        <p:blipFill>
+          <a:blip r:embed="rId2" cstate="print">
+            <a:extLst>
+              <a:ext uri="{28A0092B-C50C-407E-A947-70E740481C1C}">
+                <a14:useLocalDpi xmlns:lc="http://schemas.openxmlformats.org/drawingml/2006/lockedCanvas" xmlns:pic="http://schemas.openxmlformats.org/drawingml/2006/picture" xmlns="" xmlns:wpc="http://schemas.microsoft.com/office/word/2010/wordprocessingCanvas" xmlns:cx="http://schemas.microsoft.com/office/drawing/2014/chartex" xmlns:cx1="http://schemas.microsoft.com/office/drawing/2015/9/8/chartex" xmlns:cx2="http://schemas.microsoft.com/office/drawing/2015/10/21/chartex" xmlns:cx3="http://schemas.microsoft.com/office/drawing/2016/5/9/chartex" xmlns:cx4="http://schemas.microsoft.com/office/drawing/2016/5/10/chartex" xmlns:cx5="http://schemas.microsoft.com/office/drawing/2016/5/11/chartex" xmlns:cx6="http://schemas.microsoft.com/office/drawing/2016/5/12/chartex" xmlns:cx7="http://schemas.microsoft.com/office/drawing/2016/5/13/chartex" xmlns:cx8="http://schemas.microsoft.com/office/drawing/2016/5/14/chartex" xmlns:mc="http://schemas.openxmlformats.org/markup-compatibility/2006" xmlns:aink="http://schemas.microsoft.com/office/drawing/2016/ink" xmlns:am3d="http://schemas.microsoft.com/office/drawing/2017/model3d" xmlns:o="urn:schemas-microsoft-com:office:office" xmlns:v="urn:schemas-microsoft-com:vml" xmlns:wp14="http://schemas.microsoft.com/office/word/2010/wordprocessingDrawing" xmlns:w10="urn:schemas-microsoft-com:office:word" xmlns:w="http://schemas.openxmlformats.org/wordprocessingml/2006/main" xmlns:w14="http://schemas.microsoft.com/office/word/2010/wordml" xmlns:w15="http://schemas.microsoft.com/office/word/2012/wordml" xmlns:w16cid="http://schemas.microsoft.com/office/word/2016/wordml/cid" xmlns:w16se="http://schemas.microsoft.com/office/word/2015/wordml/symex" xmlns:wpg="http://schemas.microsoft.com/office/word/2010/wordprocessingGroup" xmlns:wpi="http://schemas.microsoft.com/office/word/2010/wordprocessingInk" xmlns:wps="http://schemas.microsoft.com/office/word/2010/wordprocessingShape" xmlns:a14="http://schemas.microsoft.com/office/drawing/2010/main" xmlns:wne="http://schemas.microsoft.com/office/word/2006/wordml" xmlns:wp="http://schemas.openxmlformats.org/drawingml/2006/wordprocessingDrawing" xmlns:m="http://schemas.openxmlformats.org/officeDocument/2006/math" xmlns:ve="http://schemas.openxmlformats.org/markup-compatibility/2006" val="0"/>
+              </a:ext>
+            </a:extLst>
+          </a:blip>
+          <a:stretch>
+            <a:fillRect/>
+          </a:stretch>
+        </p:blipFill>
+        <p:spPr>
+          <a:xfrm>
+            <a:off x="0" y="0"/>
+            <a:ext cx="3933825" cy="1162050"/>
+          </a:xfrm>
+          <a:prstGeom prst="rect">
+            <a:avLst/>
+          </a:prstGeom>
+        </p:spPr>
+      </p:pic>
+    </p:spTree>
+  </p:cSld>
+  <p:clrMapOvr>
+    <a:masterClrMapping/>
+  </p:clrMapOvr>
+</p:sld>
+</file>
+
+<file path=ppt/slides/slide12.xml><?xml version="1.0" encoding="utf-8"?>
+<p:sld xmlns:a="http://schemas.openxmlformats.org/drawingml/2006/main" xmlns:r="http://schemas.openxmlformats.org/officeDocument/2006/relationships" xmlns:p="http://schemas.openxmlformats.org/presentationml/2006/main">
+  <p:cSld>
+    <p:spTree>
+      <p:nvGrpSpPr>
+        <p:cNvPr id="1" name=""/>
+        <p:cNvGrpSpPr/>
+        <p:nvPr/>
+      </p:nvGrpSpPr>
+      <p:grpSpPr>
+        <a:xfrm>
+          <a:off x="0" y="0"/>
+          <a:ext cx="0" cy="0"/>
+          <a:chOff x="0" y="0"/>
+          <a:chExt cx="0" cy="0"/>
+        </a:xfrm>
+      </p:grpSpPr>
+      <p:sp>
+        <p:nvSpPr>
+          <p:cNvPr id="2" name="Titel 1"/>
+          <p:cNvSpPr>
+            <a:spLocks noGrp="1"/>
+          </p:cNvSpPr>
+          <p:nvPr>
+            <p:ph type="ctrTitle"/>
+          </p:nvPr>
+        </p:nvSpPr>
+        <p:spPr>
+          <a:xfrm>
+            <a:off x="827584" y="1196752"/>
+            <a:ext cx="7772400" cy="1470025"/>
+          </a:xfrm>
+        </p:spPr>
+        <p:txBody>
+          <a:bodyPr/>
+          <a:lstStyle/>
+          <a:p>
+            <a:r>
+              <a:rPr lang="nl-NL" dirty="0" err="1" smtClean="0"/>
+              <a:t>Questions</a:t>
+            </a:r>
+            <a:endParaRPr lang="nl-NL" dirty="0"/>
+          </a:p>
+        </p:txBody>
+      </p:sp>
+      <p:pic>
+        <p:nvPicPr>
+          <p:cNvPr id="4" name="Picture 1"/>
+          <p:cNvPicPr/>
+          <p:nvPr/>
+        </p:nvPicPr>
+        <p:blipFill>
+          <a:blip r:embed="rId3" cstate="print">
+            <a:extLst>
+              <a:ext uri="{28A0092B-C50C-407E-A947-70E740481C1C}">
+                <a14:useLocalDpi xmlns:lc="http://schemas.openxmlformats.org/drawingml/2006/lockedCanvas" xmlns:pic="http://schemas.openxmlformats.org/drawingml/2006/picture" xmlns="" xmlns:wpc="http://schemas.microsoft.com/office/word/2010/wordprocessingCanvas" xmlns:cx="http://schemas.microsoft.com/office/drawing/2014/chartex" xmlns:cx1="http://schemas.microsoft.com/office/drawing/2015/9/8/chartex" xmlns:cx2="http://schemas.microsoft.com/office/drawing/2015/10/21/chartex" xmlns:cx3="http://schemas.microsoft.com/office/drawing/2016/5/9/chartex" xmlns:cx4="http://schemas.microsoft.com/office/drawing/2016/5/10/chartex" xmlns:cx5="http://schemas.microsoft.com/office/drawing/2016/5/11/chartex" xmlns:cx6="http://schemas.microsoft.com/office/drawing/2016/5/12/chartex" xmlns:cx7="http://schemas.microsoft.com/office/drawing/2016/5/13/chartex" xmlns:cx8="http://schemas.microsoft.com/office/drawing/2016/5/14/chartex" xmlns:mc="http://schemas.openxmlformats.org/markup-compatibility/2006" xmlns:aink="http://schemas.microsoft.com/office/drawing/2016/ink" xmlns:am3d="http://schemas.microsoft.com/office/drawing/2017/model3d" xmlns:o="urn:schemas-microsoft-com:office:office" xmlns:v="urn:schemas-microsoft-com:vml" xmlns:wp14="http://schemas.microsoft.com/office/word/2010/wordprocessingDrawing" xmlns:w10="urn:schemas-microsoft-com:office:word" xmlns:w="http://schemas.openxmlformats.org/wordprocessingml/2006/main" xmlns:w14="http://schemas.microsoft.com/office/word/2010/wordml" xmlns:w15="http://schemas.microsoft.com/office/word/2012/wordml" xmlns:w16cid="http://schemas.microsoft.com/office/word/2016/wordml/cid" xmlns:w16se="http://schemas.microsoft.com/office/word/2015/wordml/symex" xmlns:wpg="http://schemas.microsoft.com/office/word/2010/wordprocessingGroup" xmlns:wpi="http://schemas.microsoft.com/office/word/2010/wordprocessingInk" xmlns:wps="http://schemas.microsoft.com/office/word/2010/wordprocessingShape" xmlns:a14="http://schemas.microsoft.com/office/drawing/2010/main" xmlns:wne="http://schemas.microsoft.com/office/word/2006/wordml" xmlns:wp="http://schemas.openxmlformats.org/drawingml/2006/wordprocessingDrawing" xmlns:m="http://schemas.openxmlformats.org/officeDocument/2006/math" xmlns:ve="http://schemas.openxmlformats.org/markup-compatibility/2006" val="0"/>
+              </a:ext>
+            </a:extLst>
+          </a:blip>
+          <a:stretch>
+            <a:fillRect/>
+          </a:stretch>
+        </p:blipFill>
+        <p:spPr>
+          <a:xfrm>
+            <a:off x="0" y="0"/>
+            <a:ext cx="3933825" cy="1162050"/>
+          </a:xfrm>
+          <a:prstGeom prst="rect">
+            <a:avLst/>
+          </a:prstGeom>
+        </p:spPr>
+      </p:pic>
+      <p:sp>
+        <p:nvSpPr>
+          <p:cNvPr id="2050" name="AutoShape 2" descr="Afbeeldingsresultaat voor questions in sleep"/>
+          <p:cNvSpPr>
+            <a:spLocks noChangeAspect="1" noChangeArrowheads="1"/>
+          </p:cNvSpPr>
+          <p:nvPr/>
+        </p:nvSpPr>
+        <p:spPr bwMode="auto">
+          <a:xfrm>
+            <a:off x="155575" y="-144463"/>
+            <a:ext cx="304800" cy="304801"/>
+          </a:xfrm>
+          <a:prstGeom prst="rect">
+            <a:avLst/>
+          </a:prstGeom>
+          <a:noFill/>
+        </p:spPr>
+        <p:txBody>
+          <a:bodyPr vert="horz" wrap="square" lIns="91440" tIns="45720" rIns="91440" bIns="45720" numCol="1" anchor="t" anchorCtr="0" compatLnSpc="1">
+            <a:prstTxWarp prst="textNoShape">
+              <a:avLst/>
+            </a:prstTxWarp>
+          </a:bodyPr>
+          <a:lstStyle/>
+          <a:p>
+            <a:endParaRPr lang="nl-NL"/>
+          </a:p>
+        </p:txBody>
+      </p:sp>
+      <p:sp>
+        <p:nvSpPr>
+          <p:cNvPr id="2052" name="AutoShape 4" descr="Afbeeldingsresultaat voor questions in sleep"/>
+          <p:cNvSpPr>
+            <a:spLocks noChangeAspect="1" noChangeArrowheads="1"/>
+          </p:cNvSpPr>
+          <p:nvPr/>
+        </p:nvSpPr>
+        <p:spPr bwMode="auto">
+          <a:xfrm>
+            <a:off x="155575" y="-144463"/>
+            <a:ext cx="304800" cy="304801"/>
+          </a:xfrm>
+          <a:prstGeom prst="rect">
+            <a:avLst/>
+          </a:prstGeom>
+          <a:noFill/>
+        </p:spPr>
+        <p:txBody>
+          <a:bodyPr vert="horz" wrap="square" lIns="91440" tIns="45720" rIns="91440" bIns="45720" numCol="1" anchor="t" anchorCtr="0" compatLnSpc="1">
+            <a:prstTxWarp prst="textNoShape">
+              <a:avLst/>
+            </a:prstTxWarp>
+          </a:bodyPr>
+          <a:lstStyle/>
+          <a:p>
+            <a:endParaRPr lang="nl-NL"/>
+          </a:p>
+        </p:txBody>
+      </p:sp>
+      <p:pic>
+        <p:nvPicPr>
+          <p:cNvPr id="2054" name="Picture 6" descr="Afbeeldingsresultaat voor sleep question mark"/>
+          <p:cNvPicPr>
+            <a:picLocks noChangeAspect="1" noChangeArrowheads="1"/>
+          </p:cNvPicPr>
+          <p:nvPr/>
+        </p:nvPicPr>
+        <p:blipFill>
+          <a:blip r:embed="rId4" cstate="print"/>
+          <a:srcRect/>
+          <a:stretch>
+            <a:fillRect/>
+          </a:stretch>
+        </p:blipFill>
+        <p:spPr bwMode="auto">
+          <a:xfrm>
+            <a:off x="2555776" y="2564904"/>
+            <a:ext cx="4536504" cy="4021810"/>
+          </a:xfrm>
+          <a:prstGeom prst="rect">
+            <a:avLst/>
+          </a:prstGeom>
+          <a:noFill/>
         </p:spPr>
       </p:pic>
     </p:spTree>
@@ -3671,10 +4280,10 @@
           <a:p>
             <a:pPr algn="l"/>
             <a:r>
-              <a:rPr lang="nl-NL" dirty="0" err="1" smtClean="0"/>
+              <a:rPr lang="nl-NL" b="1" dirty="0" err="1" smtClean="0"/>
               <a:t>Today</a:t>
             </a:r>
-            <a:endParaRPr lang="nl-NL" dirty="0"/>
+            <a:endParaRPr lang="nl-NL" b="1" dirty="0"/>
           </a:p>
         </p:txBody>
       </p:sp>
@@ -3818,7 +4427,7 @@
           <a:blip r:embed="rId2" cstate="print">
             <a:extLst>
               <a:ext uri="{28A0092B-C50C-407E-A947-70E740481C1C}">
-                <a14:useLocalDpi xmlns:ve="http://schemas.openxmlformats.org/markup-compatibility/2006" xmlns:m="http://schemas.openxmlformats.org/officeDocument/2006/math" xmlns:wp="http://schemas.openxmlformats.org/drawingml/2006/wordprocessingDrawing" xmlns:wne="http://schemas.microsoft.com/office/word/2006/wordml" xmlns:a14="http://schemas.microsoft.com/office/drawing/2010/main" xmlns:wps="http://schemas.microsoft.com/office/word/2010/wordprocessingShape" xmlns:wpi="http://schemas.microsoft.com/office/word/2010/wordprocessingInk" xmlns:wpg="http://schemas.microsoft.com/office/word/2010/wordprocessingGroup" xmlns:w16se="http://schemas.microsoft.com/office/word/2015/wordml/symex" xmlns:w16cid="http://schemas.microsoft.com/office/word/2016/wordml/cid" xmlns:w15="http://schemas.microsoft.com/office/word/2012/wordml" xmlns:w14="http://schemas.microsoft.com/office/word/2010/wordml" xmlns:w="http://schemas.openxmlformats.org/wordprocessingml/2006/main" xmlns:w10="urn:schemas-microsoft-com:office:word" xmlns:wp14="http://schemas.microsoft.com/office/word/2010/wordprocessingDrawing" xmlns:v="urn:schemas-microsoft-com:vml" xmlns:o="urn:schemas-microsoft-com:office:office" xmlns:am3d="http://schemas.microsoft.com/office/drawing/2017/model3d" xmlns:aink="http://schemas.microsoft.com/office/drawing/2016/ink" xmlns:mc="http://schemas.openxmlformats.org/markup-compatibility/2006" xmlns:cx8="http://schemas.microsoft.com/office/drawing/2016/5/14/chartex" xmlns:cx7="http://schemas.microsoft.com/office/drawing/2016/5/13/chartex" xmlns:cx6="http://schemas.microsoft.com/office/drawing/2016/5/12/chartex" xmlns:cx5="http://schemas.microsoft.com/office/drawing/2016/5/11/chartex" xmlns:cx4="http://schemas.microsoft.com/office/drawing/2016/5/10/chartex" xmlns:cx3="http://schemas.microsoft.com/office/drawing/2016/5/9/chartex" xmlns:cx2="http://schemas.microsoft.com/office/drawing/2015/10/21/chartex" xmlns:cx1="http://schemas.microsoft.com/office/drawing/2015/9/8/chartex" xmlns:cx="http://schemas.microsoft.com/office/drawing/2014/chartex" xmlns:wpc="http://schemas.microsoft.com/office/word/2010/wordprocessingCanvas" xmlns="" xmlns:pic="http://schemas.openxmlformats.org/drawingml/2006/picture" xmlns:lc="http://schemas.openxmlformats.org/drawingml/2006/lockedCanvas" val="0"/>
+                <a14:useLocalDpi xmlns:lc="http://schemas.openxmlformats.org/drawingml/2006/lockedCanvas" xmlns:pic="http://schemas.openxmlformats.org/drawingml/2006/picture" xmlns="" xmlns:wpc="http://schemas.microsoft.com/office/word/2010/wordprocessingCanvas" xmlns:cx="http://schemas.microsoft.com/office/drawing/2014/chartex" xmlns:cx1="http://schemas.microsoft.com/office/drawing/2015/9/8/chartex" xmlns:cx2="http://schemas.microsoft.com/office/drawing/2015/10/21/chartex" xmlns:cx3="http://schemas.microsoft.com/office/drawing/2016/5/9/chartex" xmlns:cx4="http://schemas.microsoft.com/office/drawing/2016/5/10/chartex" xmlns:cx5="http://schemas.microsoft.com/office/drawing/2016/5/11/chartex" xmlns:cx6="http://schemas.microsoft.com/office/drawing/2016/5/12/chartex" xmlns:cx7="http://schemas.microsoft.com/office/drawing/2016/5/13/chartex" xmlns:cx8="http://schemas.microsoft.com/office/drawing/2016/5/14/chartex" xmlns:mc="http://schemas.openxmlformats.org/markup-compatibility/2006" xmlns:aink="http://schemas.microsoft.com/office/drawing/2016/ink" xmlns:am3d="http://schemas.microsoft.com/office/drawing/2017/model3d" xmlns:o="urn:schemas-microsoft-com:office:office" xmlns:v="urn:schemas-microsoft-com:vml" xmlns:wp14="http://schemas.microsoft.com/office/word/2010/wordprocessingDrawing" xmlns:w10="urn:schemas-microsoft-com:office:word" xmlns:w="http://schemas.openxmlformats.org/wordprocessingml/2006/main" xmlns:w14="http://schemas.microsoft.com/office/word/2010/wordml" xmlns:w15="http://schemas.microsoft.com/office/word/2012/wordml" xmlns:w16cid="http://schemas.microsoft.com/office/word/2016/wordml/cid" xmlns:w16se="http://schemas.microsoft.com/office/word/2015/wordml/symex" xmlns:wpg="http://schemas.microsoft.com/office/word/2010/wordprocessingGroup" xmlns:wpi="http://schemas.microsoft.com/office/word/2010/wordprocessingInk" xmlns:wps="http://schemas.microsoft.com/office/word/2010/wordprocessingShape" xmlns:a14="http://schemas.microsoft.com/office/drawing/2010/main" xmlns:wne="http://schemas.microsoft.com/office/word/2006/wordml" xmlns:wp="http://schemas.openxmlformats.org/drawingml/2006/wordprocessingDrawing" xmlns:m="http://schemas.openxmlformats.org/officeDocument/2006/math" xmlns:ve="http://schemas.openxmlformats.org/markup-compatibility/2006" val="0"/>
               </a:ext>
             </a:extLst>
           </a:blip>
@@ -3883,10 +4492,10 @@
           <a:p>
             <a:pPr algn="l"/>
             <a:r>
-              <a:rPr lang="nl-NL" dirty="0" err="1" smtClean="0"/>
+              <a:rPr lang="nl-NL" b="1" dirty="0" err="1" smtClean="0"/>
               <a:t>Introduction</a:t>
             </a:r>
-            <a:endParaRPr lang="nl-NL" dirty="0"/>
+            <a:endParaRPr lang="nl-NL" b="1" dirty="0"/>
           </a:p>
         </p:txBody>
       </p:sp>
@@ -3970,39 +4579,6 @@
               <a:rPr lang="nl-NL" dirty="0" err="1" smtClean="0"/>
               <a:t>group</a:t>
             </a:r>
-            <a:endParaRPr lang="nl-NL" dirty="0" smtClean="0"/>
-          </a:p>
-          <a:p>
-            <a:pPr algn="l">
-              <a:buFont typeface="Arial" pitchFamily="34" charset="0"/>
-              <a:buChar char="•"/>
-            </a:pPr>
-            <a:endParaRPr lang="nl-NL" dirty="0"/>
-          </a:p>
-          <a:p>
-            <a:pPr algn="l">
-              <a:buFont typeface="Arial" pitchFamily="34" charset="0"/>
-              <a:buChar char="•"/>
-            </a:pPr>
-            <a:r>
-              <a:rPr lang="nl-NL" dirty="0"/>
-              <a:t> </a:t>
-            </a:r>
-            <a:r>
-              <a:rPr lang="nl-NL" dirty="0" smtClean="0"/>
-              <a:t>Research </a:t>
-            </a:r>
-            <a:r>
-              <a:rPr lang="nl-NL" dirty="0" err="1" smtClean="0"/>
-              <a:t>question</a:t>
-            </a:r>
-            <a:endParaRPr lang="nl-NL" dirty="0" smtClean="0"/>
-          </a:p>
-          <a:p>
-            <a:pPr algn="l">
-              <a:buFont typeface="Arial" pitchFamily="34" charset="0"/>
-              <a:buChar char="•"/>
-            </a:pPr>
             <a:endParaRPr lang="nl-NL" dirty="0"/>
           </a:p>
           <a:p>
@@ -4042,7 +4618,7 @@
           <a:blip r:embed="rId2" cstate="print">
             <a:extLst>
               <a:ext uri="{28A0092B-C50C-407E-A947-70E740481C1C}">
-                <a14:useLocalDpi xmlns:ve="http://schemas.openxmlformats.org/markup-compatibility/2006" xmlns:m="http://schemas.openxmlformats.org/officeDocument/2006/math" xmlns:wp="http://schemas.openxmlformats.org/drawingml/2006/wordprocessingDrawing" xmlns:wne="http://schemas.microsoft.com/office/word/2006/wordml" xmlns:a14="http://schemas.microsoft.com/office/drawing/2010/main" xmlns:wps="http://schemas.microsoft.com/office/word/2010/wordprocessingShape" xmlns:wpi="http://schemas.microsoft.com/office/word/2010/wordprocessingInk" xmlns:wpg="http://schemas.microsoft.com/office/word/2010/wordprocessingGroup" xmlns:w16se="http://schemas.microsoft.com/office/word/2015/wordml/symex" xmlns:w16cid="http://schemas.microsoft.com/office/word/2016/wordml/cid" xmlns:w15="http://schemas.microsoft.com/office/word/2012/wordml" xmlns:w14="http://schemas.microsoft.com/office/word/2010/wordml" xmlns:w="http://schemas.openxmlformats.org/wordprocessingml/2006/main" xmlns:w10="urn:schemas-microsoft-com:office:word" xmlns:wp14="http://schemas.microsoft.com/office/word/2010/wordprocessingDrawing" xmlns:v="urn:schemas-microsoft-com:vml" xmlns:o="urn:schemas-microsoft-com:office:office" xmlns:am3d="http://schemas.microsoft.com/office/drawing/2017/model3d" xmlns:aink="http://schemas.microsoft.com/office/drawing/2016/ink" xmlns:mc="http://schemas.openxmlformats.org/markup-compatibility/2006" xmlns:cx8="http://schemas.microsoft.com/office/drawing/2016/5/14/chartex" xmlns:cx7="http://schemas.microsoft.com/office/drawing/2016/5/13/chartex" xmlns:cx6="http://schemas.microsoft.com/office/drawing/2016/5/12/chartex" xmlns:cx5="http://schemas.microsoft.com/office/drawing/2016/5/11/chartex" xmlns:cx4="http://schemas.microsoft.com/office/drawing/2016/5/10/chartex" xmlns:cx3="http://schemas.microsoft.com/office/drawing/2016/5/9/chartex" xmlns:cx2="http://schemas.microsoft.com/office/drawing/2015/10/21/chartex" xmlns:cx1="http://schemas.microsoft.com/office/drawing/2015/9/8/chartex" xmlns:cx="http://schemas.microsoft.com/office/drawing/2014/chartex" xmlns:wpc="http://schemas.microsoft.com/office/word/2010/wordprocessingCanvas" xmlns="" xmlns:pic="http://schemas.openxmlformats.org/drawingml/2006/picture" xmlns:lc="http://schemas.openxmlformats.org/drawingml/2006/lockedCanvas" val="0"/>
+                <a14:useLocalDpi xmlns:lc="http://schemas.openxmlformats.org/drawingml/2006/lockedCanvas" xmlns:pic="http://schemas.openxmlformats.org/drawingml/2006/picture" xmlns="" xmlns:wpc="http://schemas.microsoft.com/office/word/2010/wordprocessingCanvas" xmlns:cx="http://schemas.microsoft.com/office/drawing/2014/chartex" xmlns:cx1="http://schemas.microsoft.com/office/drawing/2015/9/8/chartex" xmlns:cx2="http://schemas.microsoft.com/office/drawing/2015/10/21/chartex" xmlns:cx3="http://schemas.microsoft.com/office/drawing/2016/5/9/chartex" xmlns:cx4="http://schemas.microsoft.com/office/drawing/2016/5/10/chartex" xmlns:cx5="http://schemas.microsoft.com/office/drawing/2016/5/11/chartex" xmlns:cx6="http://schemas.microsoft.com/office/drawing/2016/5/12/chartex" xmlns:cx7="http://schemas.microsoft.com/office/drawing/2016/5/13/chartex" xmlns:cx8="http://schemas.microsoft.com/office/drawing/2016/5/14/chartex" xmlns:mc="http://schemas.openxmlformats.org/markup-compatibility/2006" xmlns:aink="http://schemas.microsoft.com/office/drawing/2016/ink" xmlns:am3d="http://schemas.microsoft.com/office/drawing/2017/model3d" xmlns:o="urn:schemas-microsoft-com:office:office" xmlns:v="urn:schemas-microsoft-com:vml" xmlns:wp14="http://schemas.microsoft.com/office/word/2010/wordprocessingDrawing" xmlns:w10="urn:schemas-microsoft-com:office:word" xmlns:w="http://schemas.openxmlformats.org/wordprocessingml/2006/main" xmlns:w14="http://schemas.microsoft.com/office/word/2010/wordml" xmlns:w15="http://schemas.microsoft.com/office/word/2012/wordml" xmlns:w16cid="http://schemas.microsoft.com/office/word/2016/wordml/cid" xmlns:w16se="http://schemas.microsoft.com/office/word/2015/wordml/symex" xmlns:wpg="http://schemas.microsoft.com/office/word/2010/wordprocessingGroup" xmlns:wpi="http://schemas.microsoft.com/office/word/2010/wordprocessingInk" xmlns:wps="http://schemas.microsoft.com/office/word/2010/wordprocessingShape" xmlns:a14="http://schemas.microsoft.com/office/drawing/2010/main" xmlns:wne="http://schemas.microsoft.com/office/word/2006/wordml" xmlns:wp="http://schemas.openxmlformats.org/drawingml/2006/wordprocessingDrawing" xmlns:m="http://schemas.openxmlformats.org/officeDocument/2006/math" xmlns:ve="http://schemas.openxmlformats.org/markup-compatibility/2006" val="0"/>
               </a:ext>
             </a:extLst>
           </a:blip>
@@ -4105,114 +4681,196 @@
           <a:bodyPr/>
           <a:lstStyle/>
           <a:p>
-            <a:r>
-              <a:rPr lang="nl-NL" dirty="0" err="1" smtClean="0"/>
-              <a:t>Analysis</a:t>
-            </a:r>
-            <a:r>
-              <a:rPr lang="nl-NL" dirty="0" smtClean="0"/>
-              <a:t> of a HUE </a:t>
-            </a:r>
-            <a:r>
-              <a:rPr lang="nl-NL" dirty="0" err="1" smtClean="0"/>
+            <a:pPr algn="l"/>
+            <a:r>
+              <a:rPr lang="nl-NL" b="1" dirty="0" smtClean="0"/>
+              <a:t>Research </a:t>
+            </a:r>
+            <a:r>
+              <a:rPr lang="nl-NL" b="1" dirty="0" err="1" smtClean="0"/>
+              <a:t>questions</a:t>
+            </a:r>
+            <a:endParaRPr lang="nl-NL" b="1" dirty="0"/>
+          </a:p>
+        </p:txBody>
+      </p:sp>
+      <p:sp>
+        <p:nvSpPr>
+          <p:cNvPr id="3" name="Ondertitel 2"/>
+          <p:cNvSpPr>
+            <a:spLocks noGrp="1"/>
+          </p:cNvSpPr>
+          <p:nvPr>
+            <p:ph type="subTitle" idx="1"/>
+          </p:nvPr>
+        </p:nvSpPr>
+        <p:spPr>
+          <a:xfrm>
+            <a:off x="899592" y="2852936"/>
+            <a:ext cx="6400800" cy="3168352"/>
+          </a:xfrm>
+        </p:spPr>
+        <p:txBody>
+          <a:bodyPr>
+            <a:normAutofit/>
+          </a:bodyPr>
+          <a:lstStyle/>
+          <a:p>
+            <a:r>
+              <a:rPr lang="nl-NL" i="1" dirty="0" smtClean="0"/>
+              <a:t>“</a:t>
+            </a:r>
+            <a:r>
+              <a:rPr lang="nl-NL" i="1" dirty="0" err="1" smtClean="0"/>
+              <a:t>Can</a:t>
+            </a:r>
+            <a:r>
+              <a:rPr lang="nl-NL" i="1" dirty="0" smtClean="0"/>
+              <a:t> </a:t>
+            </a:r>
+            <a:r>
+              <a:rPr lang="nl-NL" i="1" dirty="0" err="1" smtClean="0"/>
               <a:t>bedtime</a:t>
             </a:r>
             <a:r>
-              <a:rPr lang="nl-NL" dirty="0" smtClean="0"/>
+              <a:rPr lang="nl-NL" i="1" dirty="0" smtClean="0"/>
               <a:t> </a:t>
             </a:r>
             <a:r>
-              <a:rPr lang="nl-NL" dirty="0" err="1" smtClean="0"/>
-              <a:t>procastination</a:t>
-            </a:r>
-            <a:r>
-              <a:rPr lang="nl-NL" dirty="0" smtClean="0"/>
+              <a:rPr lang="nl-NL" i="1" dirty="0" err="1" smtClean="0"/>
+              <a:t>procrastination</a:t>
+            </a:r>
+            <a:r>
+              <a:rPr lang="nl-NL" i="1" dirty="0" smtClean="0"/>
               <a:t> </a:t>
             </a:r>
             <a:r>
-              <a:rPr lang="nl-NL" dirty="0" err="1" smtClean="0"/>
-              <a:t>study</a:t>
+              <a:rPr lang="nl-NL" i="1" dirty="0" err="1" smtClean="0"/>
+              <a:t>be</a:t>
+            </a:r>
+            <a:r>
+              <a:rPr lang="nl-NL" i="1" dirty="0" smtClean="0"/>
+              <a:t> </a:t>
+            </a:r>
+            <a:r>
+              <a:rPr lang="nl-NL" i="1" dirty="0" err="1" smtClean="0"/>
+              <a:t>significantly</a:t>
+            </a:r>
+            <a:r>
+              <a:rPr lang="nl-NL" i="1" dirty="0" smtClean="0"/>
+              <a:t> </a:t>
+            </a:r>
+            <a:r>
+              <a:rPr lang="nl-NL" i="1" dirty="0" err="1" smtClean="0"/>
+              <a:t>influenced</a:t>
+            </a:r>
+            <a:r>
+              <a:rPr lang="nl-NL" i="1" dirty="0" smtClean="0"/>
+              <a:t> </a:t>
+            </a:r>
+            <a:r>
+              <a:rPr lang="nl-NL" i="1" dirty="0" err="1" smtClean="0"/>
+              <a:t>by</a:t>
+            </a:r>
+            <a:r>
+              <a:rPr lang="nl-NL" i="1" dirty="0" smtClean="0"/>
+              <a:t> experiment?”</a:t>
+            </a:r>
+            <a:r>
+              <a:rPr lang="nl-NL" b="1" dirty="0" smtClean="0"/>
+              <a:t/>
+            </a:r>
+            <a:br>
+              <a:rPr lang="nl-NL" b="1" dirty="0" smtClean="0"/>
+            </a:br>
+            <a:r>
+              <a:rPr lang="nl-NL" b="1" dirty="0" smtClean="0"/>
+              <a:t/>
+            </a:r>
+            <a:br>
+              <a:rPr lang="nl-NL" b="1" dirty="0" smtClean="0"/>
+            </a:br>
+            <a:r>
+              <a:rPr lang="nl-NL" i="1" dirty="0" smtClean="0"/>
+              <a:t>“</a:t>
+            </a:r>
+            <a:r>
+              <a:rPr lang="nl-NL" i="1" dirty="0" err="1" smtClean="0"/>
+              <a:t>How</a:t>
+            </a:r>
+            <a:r>
+              <a:rPr lang="nl-NL" i="1" dirty="0" smtClean="0"/>
+              <a:t> </a:t>
+            </a:r>
+            <a:r>
+              <a:rPr lang="nl-NL" i="1" dirty="0" err="1" smtClean="0"/>
+              <a:t>well</a:t>
+            </a:r>
+            <a:r>
+              <a:rPr lang="nl-NL" i="1" dirty="0" smtClean="0"/>
+              <a:t> </a:t>
+            </a:r>
+            <a:r>
+              <a:rPr lang="nl-NL" i="1" dirty="0" err="1" smtClean="0"/>
+              <a:t>can</a:t>
+            </a:r>
+            <a:r>
+              <a:rPr lang="nl-NL" i="1" dirty="0" smtClean="0"/>
+              <a:t> </a:t>
+            </a:r>
+            <a:r>
+              <a:rPr lang="nl-NL" i="1" dirty="0" err="1" smtClean="0"/>
+              <a:t>bedtime</a:t>
+            </a:r>
+            <a:r>
+              <a:rPr lang="nl-NL" i="1" dirty="0" smtClean="0"/>
+              <a:t> </a:t>
+            </a:r>
+            <a:r>
+              <a:rPr lang="nl-NL" i="1" dirty="0" err="1" smtClean="0"/>
+              <a:t>procrastination</a:t>
+            </a:r>
+            <a:r>
+              <a:rPr lang="nl-NL" i="1" dirty="0" smtClean="0"/>
+              <a:t> </a:t>
+            </a:r>
+            <a:r>
+              <a:rPr lang="nl-NL" i="1" dirty="0" err="1" smtClean="0"/>
+              <a:t>be</a:t>
+            </a:r>
+            <a:r>
+              <a:rPr lang="nl-NL" i="1" dirty="0" smtClean="0"/>
+              <a:t> </a:t>
+            </a:r>
+            <a:r>
+              <a:rPr lang="nl-NL" i="1" dirty="0" err="1" smtClean="0"/>
+              <a:t>predicted</a:t>
+            </a:r>
+            <a:r>
+              <a:rPr lang="nl-NL" i="1" dirty="0" smtClean="0"/>
+              <a:t>?”</a:t>
             </a:r>
             <a:endParaRPr lang="nl-NL" dirty="0"/>
           </a:p>
-        </p:txBody>
-      </p:sp>
-      <p:sp>
-        <p:nvSpPr>
-          <p:cNvPr id="3" name="Ondertitel 2"/>
-          <p:cNvSpPr>
-            <a:spLocks noGrp="1"/>
-          </p:cNvSpPr>
-          <p:nvPr>
-            <p:ph type="subTitle" idx="1"/>
-          </p:nvPr>
-        </p:nvSpPr>
-        <p:spPr>
-          <a:xfrm>
-            <a:off x="1331640" y="2996952"/>
-            <a:ext cx="6400800" cy="3168352"/>
-          </a:xfrm>
-        </p:spPr>
-        <p:txBody>
-          <a:bodyPr>
-            <a:normAutofit lnSpcReduction="10000"/>
-          </a:bodyPr>
-          <a:lstStyle/>
-          <a:p>
-            <a:pPr algn="l"/>
-            <a:r>
-              <a:rPr lang="nl-NL" b="1" dirty="0" err="1" smtClean="0"/>
-              <a:t>Students</a:t>
-            </a:r>
-            <a:r>
-              <a:rPr lang="nl-NL" b="1" dirty="0" smtClean="0"/>
-              <a:t>:</a:t>
-            </a:r>
-            <a:endParaRPr lang="nl-NL" dirty="0"/>
-          </a:p>
-          <a:p>
-            <a:pPr algn="l"/>
-            <a:r>
-              <a:rPr lang="nl-NL" dirty="0"/>
-              <a:t>Yannick Hogebrug (</a:t>
-            </a:r>
-            <a:r>
-              <a:rPr lang="nl-NL" dirty="0" smtClean="0"/>
-              <a:t>2626424)</a:t>
-            </a:r>
-            <a:r>
-              <a:rPr lang="nl-NL" dirty="0"/>
-              <a:t/>
-            </a:r>
-            <a:br>
-              <a:rPr lang="nl-NL" dirty="0"/>
-            </a:br>
-            <a:r>
-              <a:rPr lang="nl-NL" dirty="0"/>
-              <a:t>Jesse </a:t>
-            </a:r>
-            <a:r>
-              <a:rPr lang="nl-NL" dirty="0" smtClean="0"/>
-              <a:t>Schouten (2621562)</a:t>
-            </a:r>
-          </a:p>
-          <a:p>
-            <a:pPr algn="l"/>
-            <a:endParaRPr lang="nl-NL" dirty="0"/>
-          </a:p>
-          <a:p>
-            <a:pPr algn="l"/>
-            <a:r>
-              <a:rPr lang="en-US" b="1" dirty="0"/>
-              <a:t>Business Analytics </a:t>
-            </a:r>
-            <a:br>
-              <a:rPr lang="en-US" b="1" dirty="0"/>
-            </a:br>
-            <a:r>
-              <a:rPr lang="en-US" b="1" dirty="0"/>
-              <a:t>Course: Project Big data (X_400645).</a:t>
-            </a:r>
+          <a:p>
+            <a:pPr algn="l">
+              <a:buFont typeface="Arial" pitchFamily="34" charset="0"/>
+              <a:buChar char="•"/>
+            </a:pPr>
+            <a:endParaRPr lang="nl-NL" dirty="0" smtClean="0"/>
+          </a:p>
+          <a:p>
+            <a:pPr algn="l">
+              <a:buFont typeface="Arial" pitchFamily="34" charset="0"/>
+              <a:buChar char="•"/>
+            </a:pPr>
+            <a:endParaRPr lang="nl-NL" b="1" dirty="0"/>
+          </a:p>
+          <a:p>
+            <a:pPr algn="l">
+              <a:buFont typeface="Arial" pitchFamily="34" charset="0"/>
+              <a:buChar char="•"/>
+            </a:pPr>
             <a:endParaRPr lang="nl-NL" dirty="0"/>
           </a:p>
           <a:p>
@@ -4231,7 +4889,7 @@
           <a:blip r:embed="rId2" cstate="print">
             <a:extLst>
               <a:ext uri="{28A0092B-C50C-407E-A947-70E740481C1C}">
-                <a14:useLocalDpi xmlns:ve="http://schemas.openxmlformats.org/markup-compatibility/2006" xmlns:m="http://schemas.openxmlformats.org/officeDocument/2006/math" xmlns:wp="http://schemas.openxmlformats.org/drawingml/2006/wordprocessingDrawing" xmlns:wne="http://schemas.microsoft.com/office/word/2006/wordml" xmlns:a14="http://schemas.microsoft.com/office/drawing/2010/main" xmlns:wps="http://schemas.microsoft.com/office/word/2010/wordprocessingShape" xmlns:wpi="http://schemas.microsoft.com/office/word/2010/wordprocessingInk" xmlns:wpg="http://schemas.microsoft.com/office/word/2010/wordprocessingGroup" xmlns:w16se="http://schemas.microsoft.com/office/word/2015/wordml/symex" xmlns:w16cid="http://schemas.microsoft.com/office/word/2016/wordml/cid" xmlns:w15="http://schemas.microsoft.com/office/word/2012/wordml" xmlns:w14="http://schemas.microsoft.com/office/word/2010/wordml" xmlns:w="http://schemas.openxmlformats.org/wordprocessingml/2006/main" xmlns:w10="urn:schemas-microsoft-com:office:word" xmlns:wp14="http://schemas.microsoft.com/office/word/2010/wordprocessingDrawing" xmlns:v="urn:schemas-microsoft-com:vml" xmlns:o="urn:schemas-microsoft-com:office:office" xmlns:am3d="http://schemas.microsoft.com/office/drawing/2017/model3d" xmlns:aink="http://schemas.microsoft.com/office/drawing/2016/ink" xmlns:mc="http://schemas.openxmlformats.org/markup-compatibility/2006" xmlns:cx8="http://schemas.microsoft.com/office/drawing/2016/5/14/chartex" xmlns:cx7="http://schemas.microsoft.com/office/drawing/2016/5/13/chartex" xmlns:cx6="http://schemas.microsoft.com/office/drawing/2016/5/12/chartex" xmlns:cx5="http://schemas.microsoft.com/office/drawing/2016/5/11/chartex" xmlns:cx4="http://schemas.microsoft.com/office/drawing/2016/5/10/chartex" xmlns:cx3="http://schemas.microsoft.com/office/drawing/2016/5/9/chartex" xmlns:cx2="http://schemas.microsoft.com/office/drawing/2015/10/21/chartex" xmlns:cx1="http://schemas.microsoft.com/office/drawing/2015/9/8/chartex" xmlns:cx="http://schemas.microsoft.com/office/drawing/2014/chartex" xmlns:wpc="http://schemas.microsoft.com/office/word/2010/wordprocessingCanvas" xmlns="" xmlns:pic="http://schemas.openxmlformats.org/drawingml/2006/picture" xmlns:lc="http://schemas.openxmlformats.org/drawingml/2006/lockedCanvas" val="0"/>
+                <a14:useLocalDpi xmlns:lc="http://schemas.openxmlformats.org/drawingml/2006/lockedCanvas" xmlns:pic="http://schemas.openxmlformats.org/drawingml/2006/picture" xmlns="" xmlns:wpc="http://schemas.microsoft.com/office/word/2010/wordprocessingCanvas" xmlns:cx="http://schemas.microsoft.com/office/drawing/2014/chartex" xmlns:cx1="http://schemas.microsoft.com/office/drawing/2015/9/8/chartex" xmlns:cx2="http://schemas.microsoft.com/office/drawing/2015/10/21/chartex" xmlns:cx3="http://schemas.microsoft.com/office/drawing/2016/5/9/chartex" xmlns:cx4="http://schemas.microsoft.com/office/drawing/2016/5/10/chartex" xmlns:cx5="http://schemas.microsoft.com/office/drawing/2016/5/11/chartex" xmlns:cx6="http://schemas.microsoft.com/office/drawing/2016/5/12/chartex" xmlns:cx7="http://schemas.microsoft.com/office/drawing/2016/5/13/chartex" xmlns:cx8="http://schemas.microsoft.com/office/drawing/2016/5/14/chartex" xmlns:mc="http://schemas.openxmlformats.org/markup-compatibility/2006" xmlns:aink="http://schemas.microsoft.com/office/drawing/2016/ink" xmlns:am3d="http://schemas.microsoft.com/office/drawing/2017/model3d" xmlns:o="urn:schemas-microsoft-com:office:office" xmlns:v="urn:schemas-microsoft-com:vml" xmlns:wp14="http://schemas.microsoft.com/office/word/2010/wordprocessingDrawing" xmlns:w10="urn:schemas-microsoft-com:office:word" xmlns:w="http://schemas.openxmlformats.org/wordprocessingml/2006/main" xmlns:w14="http://schemas.microsoft.com/office/word/2010/wordml" xmlns:w15="http://schemas.microsoft.com/office/word/2012/wordml" xmlns:w16cid="http://schemas.microsoft.com/office/word/2016/wordml/cid" xmlns:w16se="http://schemas.microsoft.com/office/word/2015/wordml/symex" xmlns:wpg="http://schemas.microsoft.com/office/word/2010/wordprocessingGroup" xmlns:wpi="http://schemas.microsoft.com/office/word/2010/wordprocessingInk" xmlns:wps="http://schemas.microsoft.com/office/word/2010/wordprocessingShape" xmlns:a14="http://schemas.microsoft.com/office/drawing/2010/main" xmlns:wne="http://schemas.microsoft.com/office/word/2006/wordml" xmlns:wp="http://schemas.openxmlformats.org/drawingml/2006/wordprocessingDrawing" xmlns:m="http://schemas.openxmlformats.org/officeDocument/2006/math" xmlns:ve="http://schemas.openxmlformats.org/markup-compatibility/2006" val="0"/>
               </a:ext>
             </a:extLst>
           </a:blip>
@@ -4294,114 +4952,101 @@
           <a:bodyPr/>
           <a:lstStyle/>
           <a:p>
-            <a:r>
-              <a:rPr lang="nl-NL" dirty="0" err="1" smtClean="0"/>
-              <a:t>Analysis</a:t>
-            </a:r>
-            <a:r>
-              <a:rPr lang="nl-NL" dirty="0" smtClean="0"/>
-              <a:t> of a HUE </a:t>
-            </a:r>
-            <a:r>
-              <a:rPr lang="nl-NL" dirty="0" err="1" smtClean="0"/>
-              <a:t>bedtime</a:t>
-            </a:r>
-            <a:r>
-              <a:rPr lang="nl-NL" dirty="0" smtClean="0"/>
+            <a:pPr algn="l"/>
+            <a:r>
+              <a:rPr lang="nl-NL" b="1" dirty="0" smtClean="0"/>
+              <a:t>Data </a:t>
+            </a:r>
+            <a:r>
+              <a:rPr lang="nl-NL" b="1" dirty="0" err="1" smtClean="0"/>
+              <a:t>description</a:t>
+            </a:r>
+            <a:endParaRPr lang="nl-NL" b="1" dirty="0"/>
+          </a:p>
+        </p:txBody>
+      </p:sp>
+      <p:sp>
+        <p:nvSpPr>
+          <p:cNvPr id="3" name="Ondertitel 2"/>
+          <p:cNvSpPr>
+            <a:spLocks noGrp="1"/>
+          </p:cNvSpPr>
+          <p:nvPr>
+            <p:ph type="subTitle" idx="1"/>
+          </p:nvPr>
+        </p:nvSpPr>
+        <p:spPr>
+          <a:xfrm>
+            <a:off x="899592" y="2852936"/>
+            <a:ext cx="6400800" cy="3168352"/>
+          </a:xfrm>
+        </p:spPr>
+        <p:txBody>
+          <a:bodyPr>
+            <a:normAutofit/>
+          </a:bodyPr>
+          <a:lstStyle/>
+          <a:p>
+            <a:pPr marL="514350" indent="-514350" algn="l">
+              <a:buFont typeface="Arial" pitchFamily="34" charset="0"/>
+              <a:buChar char="•"/>
+            </a:pPr>
+            <a:r>
+              <a:rPr lang="nl-NL" sz="2600" dirty="0" smtClean="0"/>
+              <a:t>42 </a:t>
+            </a:r>
+            <a:r>
+              <a:rPr lang="nl-NL" sz="2600" dirty="0" err="1" smtClean="0"/>
+              <a:t>participants</a:t>
+            </a:r>
+            <a:r>
+              <a:rPr lang="nl-NL" sz="2600" dirty="0" smtClean="0"/>
               <a:t> </a:t>
             </a:r>
             <a:r>
-              <a:rPr lang="nl-NL" dirty="0" err="1" smtClean="0"/>
-              <a:t>procastination</a:t>
-            </a:r>
-            <a:r>
-              <a:rPr lang="nl-NL" dirty="0" smtClean="0"/>
+              <a:rPr lang="nl-NL" sz="2600" dirty="0" err="1" smtClean="0"/>
+              <a:t>described</a:t>
+            </a:r>
+            <a:r>
+              <a:rPr lang="nl-NL" sz="2600" dirty="0" smtClean="0"/>
               <a:t> </a:t>
             </a:r>
             <a:r>
-              <a:rPr lang="nl-NL" dirty="0" err="1" smtClean="0"/>
-              <a:t>study</a:t>
-            </a:r>
+              <a:rPr lang="nl-NL" sz="2600" dirty="0" err="1" smtClean="0"/>
+              <a:t>by</a:t>
+            </a:r>
+            <a:r>
+              <a:rPr lang="nl-NL" sz="2600" dirty="0" smtClean="0"/>
+              <a:t> 11 variables</a:t>
+            </a:r>
+            <a:endParaRPr lang="nl-NL" dirty="0" smtClean="0"/>
+          </a:p>
+          <a:p>
+            <a:pPr algn="l">
+              <a:buFont typeface="Arial" pitchFamily="34" charset="0"/>
+              <a:buChar char="•"/>
+            </a:pPr>
             <a:endParaRPr lang="nl-NL" dirty="0"/>
           </a:p>
-        </p:txBody>
-      </p:sp>
-      <p:sp>
-        <p:nvSpPr>
-          <p:cNvPr id="3" name="Ondertitel 2"/>
-          <p:cNvSpPr>
-            <a:spLocks noGrp="1"/>
-          </p:cNvSpPr>
-          <p:nvPr>
-            <p:ph type="subTitle" idx="1"/>
-          </p:nvPr>
-        </p:nvSpPr>
-        <p:spPr>
-          <a:xfrm>
-            <a:off x="1331640" y="2996952"/>
-            <a:ext cx="6400800" cy="3168352"/>
-          </a:xfrm>
-        </p:spPr>
-        <p:txBody>
-          <a:bodyPr>
-            <a:normAutofit lnSpcReduction="10000"/>
-          </a:bodyPr>
-          <a:lstStyle/>
-          <a:p>
-            <a:pPr algn="l"/>
-            <a:r>
-              <a:rPr lang="nl-NL" b="1" dirty="0" err="1" smtClean="0"/>
-              <a:t>Students</a:t>
-            </a:r>
-            <a:r>
-              <a:rPr lang="nl-NL" b="1" dirty="0" smtClean="0"/>
-              <a:t>:</a:t>
-            </a:r>
-            <a:endParaRPr lang="nl-NL" dirty="0"/>
-          </a:p>
-          <a:p>
-            <a:pPr algn="l"/>
-            <a:r>
-              <a:rPr lang="nl-NL" dirty="0"/>
-              <a:t>Yannick Hogebrug (</a:t>
-            </a:r>
-            <a:r>
-              <a:rPr lang="nl-NL" dirty="0" smtClean="0"/>
-              <a:t>2626424)</a:t>
-            </a:r>
-            <a:r>
-              <a:rPr lang="nl-NL" dirty="0"/>
-              <a:t/>
-            </a:r>
-            <a:br>
-              <a:rPr lang="nl-NL" dirty="0"/>
-            </a:br>
-            <a:r>
-              <a:rPr lang="nl-NL" dirty="0"/>
-              <a:t>Jesse </a:t>
-            </a:r>
-            <a:r>
-              <a:rPr lang="nl-NL" dirty="0" smtClean="0"/>
-              <a:t>Schouten (2621562)</a:t>
-            </a:r>
-          </a:p>
-          <a:p>
-            <a:pPr algn="l"/>
-            <a:endParaRPr lang="nl-NL" dirty="0"/>
-          </a:p>
-          <a:p>
-            <a:pPr algn="l"/>
-            <a:r>
-              <a:rPr lang="en-US" b="1" dirty="0"/>
-              <a:t>Business Analytics </a:t>
-            </a:r>
-            <a:br>
-              <a:rPr lang="en-US" b="1" dirty="0"/>
-            </a:br>
-            <a:r>
-              <a:rPr lang="en-US" b="1" dirty="0"/>
-              <a:t>Course: Project Big data (X_400645).</a:t>
-            </a:r>
+          <a:p>
+            <a:pPr algn="l">
+              <a:buFont typeface="Arial" pitchFamily="34" charset="0"/>
+              <a:buChar char="•"/>
+            </a:pPr>
+            <a:endParaRPr lang="nl-NL" dirty="0" smtClean="0"/>
+          </a:p>
+          <a:p>
+            <a:pPr algn="l">
+              <a:buFont typeface="Arial" pitchFamily="34" charset="0"/>
+              <a:buChar char="•"/>
+            </a:pPr>
+            <a:endParaRPr lang="nl-NL" b="1" dirty="0"/>
+          </a:p>
+          <a:p>
+            <a:pPr algn="l">
+              <a:buFont typeface="Arial" pitchFamily="34" charset="0"/>
+              <a:buChar char="•"/>
+            </a:pPr>
             <a:endParaRPr lang="nl-NL" dirty="0"/>
           </a:p>
           <a:p>
@@ -4420,7 +5065,7 @@
           <a:blip r:embed="rId2" cstate="print">
             <a:extLst>
               <a:ext uri="{28A0092B-C50C-407E-A947-70E740481C1C}">
-                <a14:useLocalDpi xmlns:ve="http://schemas.openxmlformats.org/markup-compatibility/2006" xmlns:m="http://schemas.openxmlformats.org/officeDocument/2006/math" xmlns:wp="http://schemas.openxmlformats.org/drawingml/2006/wordprocessingDrawing" xmlns:wne="http://schemas.microsoft.com/office/word/2006/wordml" xmlns:a14="http://schemas.microsoft.com/office/drawing/2010/main" xmlns:wps="http://schemas.microsoft.com/office/word/2010/wordprocessingShape" xmlns:wpi="http://schemas.microsoft.com/office/word/2010/wordprocessingInk" xmlns:wpg="http://schemas.microsoft.com/office/word/2010/wordprocessingGroup" xmlns:w16se="http://schemas.microsoft.com/office/word/2015/wordml/symex" xmlns:w16cid="http://schemas.microsoft.com/office/word/2016/wordml/cid" xmlns:w15="http://schemas.microsoft.com/office/word/2012/wordml" xmlns:w14="http://schemas.microsoft.com/office/word/2010/wordml" xmlns:w="http://schemas.openxmlformats.org/wordprocessingml/2006/main" xmlns:w10="urn:schemas-microsoft-com:office:word" xmlns:wp14="http://schemas.microsoft.com/office/word/2010/wordprocessingDrawing" xmlns:v="urn:schemas-microsoft-com:vml" xmlns:o="urn:schemas-microsoft-com:office:office" xmlns:am3d="http://schemas.microsoft.com/office/drawing/2017/model3d" xmlns:aink="http://schemas.microsoft.com/office/drawing/2016/ink" xmlns:mc="http://schemas.openxmlformats.org/markup-compatibility/2006" xmlns:cx8="http://schemas.microsoft.com/office/drawing/2016/5/14/chartex" xmlns:cx7="http://schemas.microsoft.com/office/drawing/2016/5/13/chartex" xmlns:cx6="http://schemas.microsoft.com/office/drawing/2016/5/12/chartex" xmlns:cx5="http://schemas.microsoft.com/office/drawing/2016/5/11/chartex" xmlns:cx4="http://schemas.microsoft.com/office/drawing/2016/5/10/chartex" xmlns:cx3="http://schemas.microsoft.com/office/drawing/2016/5/9/chartex" xmlns:cx2="http://schemas.microsoft.com/office/drawing/2015/10/21/chartex" xmlns:cx1="http://schemas.microsoft.com/office/drawing/2015/9/8/chartex" xmlns:cx="http://schemas.microsoft.com/office/drawing/2014/chartex" xmlns:wpc="http://schemas.microsoft.com/office/word/2010/wordprocessingCanvas" xmlns="" xmlns:pic="http://schemas.openxmlformats.org/drawingml/2006/picture" xmlns:lc="http://schemas.openxmlformats.org/drawingml/2006/lockedCanvas" val="0"/>
+                <a14:useLocalDpi xmlns:lc="http://schemas.openxmlformats.org/drawingml/2006/lockedCanvas" xmlns:pic="http://schemas.openxmlformats.org/drawingml/2006/picture" xmlns="" xmlns:wpc="http://schemas.microsoft.com/office/word/2010/wordprocessingCanvas" xmlns:cx="http://schemas.microsoft.com/office/drawing/2014/chartex" xmlns:cx1="http://schemas.microsoft.com/office/drawing/2015/9/8/chartex" xmlns:cx2="http://schemas.microsoft.com/office/drawing/2015/10/21/chartex" xmlns:cx3="http://schemas.microsoft.com/office/drawing/2016/5/9/chartex" xmlns:cx4="http://schemas.microsoft.com/office/drawing/2016/5/10/chartex" xmlns:cx5="http://schemas.microsoft.com/office/drawing/2016/5/11/chartex" xmlns:cx6="http://schemas.microsoft.com/office/drawing/2016/5/12/chartex" xmlns:cx7="http://schemas.microsoft.com/office/drawing/2016/5/13/chartex" xmlns:cx8="http://schemas.microsoft.com/office/drawing/2016/5/14/chartex" xmlns:mc="http://schemas.openxmlformats.org/markup-compatibility/2006" xmlns:aink="http://schemas.microsoft.com/office/drawing/2016/ink" xmlns:am3d="http://schemas.microsoft.com/office/drawing/2017/model3d" xmlns:o="urn:schemas-microsoft-com:office:office" xmlns:v="urn:schemas-microsoft-com:vml" xmlns:wp14="http://schemas.microsoft.com/office/word/2010/wordprocessingDrawing" xmlns:w10="urn:schemas-microsoft-com:office:word" xmlns:w="http://schemas.openxmlformats.org/wordprocessingml/2006/main" xmlns:w14="http://schemas.microsoft.com/office/word/2010/wordml" xmlns:w15="http://schemas.microsoft.com/office/word/2012/wordml" xmlns:w16cid="http://schemas.microsoft.com/office/word/2016/wordml/cid" xmlns:w16se="http://schemas.microsoft.com/office/word/2015/wordml/symex" xmlns:wpg="http://schemas.microsoft.com/office/word/2010/wordprocessingGroup" xmlns:wpi="http://schemas.microsoft.com/office/word/2010/wordprocessingInk" xmlns:wps="http://schemas.microsoft.com/office/word/2010/wordprocessingShape" xmlns:a14="http://schemas.microsoft.com/office/drawing/2010/main" xmlns:wne="http://schemas.microsoft.com/office/word/2006/wordml" xmlns:wp="http://schemas.openxmlformats.org/drawingml/2006/wordprocessingDrawing" xmlns:m="http://schemas.openxmlformats.org/officeDocument/2006/math" xmlns:ve="http://schemas.openxmlformats.org/markup-compatibility/2006" val="0"/>
               </a:ext>
             </a:extLst>
           </a:blip>
@@ -4436,6 +5081,39 @@
           <a:prstGeom prst="rect">
             <a:avLst/>
           </a:prstGeom>
+        </p:spPr>
+      </p:pic>
+      <p:pic>
+        <p:nvPicPr>
+          <p:cNvPr id="1026" name="Picture 2"/>
+          <p:cNvPicPr>
+            <a:picLocks noChangeAspect="1" noChangeArrowheads="1"/>
+          </p:cNvPicPr>
+          <p:nvPr/>
+        </p:nvPicPr>
+        <p:blipFill>
+          <a:blip r:embed="rId3" cstate="print"/>
+          <a:srcRect/>
+          <a:stretch>
+            <a:fillRect/>
+          </a:stretch>
+        </p:blipFill>
+        <p:spPr bwMode="auto">
+          <a:xfrm>
+            <a:off x="23355" y="3573016"/>
+            <a:ext cx="9120645" cy="2952328"/>
+          </a:xfrm>
+          <a:prstGeom prst="rect">
+            <a:avLst/>
+          </a:prstGeom>
+          <a:noFill/>
+          <a:ln w="9525">
+            <a:noFill/>
+            <a:miter lim="800000"/>
+            <a:headEnd/>
+            <a:tailEnd/>
+          </a:ln>
+          <a:effectLst/>
         </p:spPr>
       </p:pic>
     </p:spTree>
@@ -4483,114 +5161,69 @@
           <a:bodyPr/>
           <a:lstStyle/>
           <a:p>
-            <a:r>
-              <a:rPr lang="nl-NL" dirty="0" err="1" smtClean="0"/>
-              <a:t>Analysis</a:t>
-            </a:r>
-            <a:r>
-              <a:rPr lang="nl-NL" dirty="0" smtClean="0"/>
-              <a:t> of a HUE </a:t>
-            </a:r>
-            <a:r>
-              <a:rPr lang="nl-NL" dirty="0" err="1" smtClean="0"/>
-              <a:t>bedtime</a:t>
-            </a:r>
-            <a:r>
-              <a:rPr lang="nl-NL" dirty="0" smtClean="0"/>
-              <a:t> </a:t>
-            </a:r>
-            <a:r>
-              <a:rPr lang="nl-NL" dirty="0" err="1" smtClean="0"/>
-              <a:t>procastination</a:t>
-            </a:r>
-            <a:r>
-              <a:rPr lang="nl-NL" dirty="0" smtClean="0"/>
-              <a:t> </a:t>
-            </a:r>
-            <a:r>
-              <a:rPr lang="nl-NL" dirty="0" err="1" smtClean="0"/>
-              <a:t>study</a:t>
-            </a:r>
-            <a:endParaRPr lang="nl-NL" dirty="0"/>
-          </a:p>
-        </p:txBody>
-      </p:sp>
-      <p:sp>
-        <p:nvSpPr>
-          <p:cNvPr id="3" name="Ondertitel 2"/>
-          <p:cNvSpPr>
-            <a:spLocks noGrp="1"/>
-          </p:cNvSpPr>
-          <p:nvPr>
-            <p:ph type="subTitle" idx="1"/>
-          </p:nvPr>
-        </p:nvSpPr>
-        <p:spPr>
-          <a:xfrm>
-            <a:off x="1331640" y="2996952"/>
-            <a:ext cx="6400800" cy="3168352"/>
-          </a:xfrm>
-        </p:spPr>
-        <p:txBody>
-          <a:bodyPr>
-            <a:normAutofit lnSpcReduction="10000"/>
-          </a:bodyPr>
-          <a:lstStyle/>
-          <a:p>
-            <a:pPr algn="l"/>
-            <a:r>
-              <a:rPr lang="nl-NL" b="1" dirty="0" err="1" smtClean="0"/>
-              <a:t>Students</a:t>
-            </a:r>
-            <a:r>
-              <a:rPr lang="nl-NL" b="1" dirty="0" smtClean="0"/>
-              <a:t>:</a:t>
-            </a:r>
-            <a:endParaRPr lang="nl-NL" dirty="0"/>
-          </a:p>
-          <a:p>
-            <a:pPr algn="l"/>
-            <a:r>
-              <a:rPr lang="nl-NL" dirty="0"/>
-              <a:t>Yannick Hogebrug (</a:t>
-            </a:r>
-            <a:r>
-              <a:rPr lang="nl-NL" dirty="0" smtClean="0"/>
-              <a:t>2626424)</a:t>
-            </a:r>
-            <a:r>
-              <a:rPr lang="nl-NL" dirty="0"/>
-              <a:t/>
-            </a:r>
-            <a:br>
-              <a:rPr lang="nl-NL" dirty="0"/>
-            </a:br>
-            <a:r>
-              <a:rPr lang="nl-NL" dirty="0"/>
-              <a:t>Jesse </a:t>
-            </a:r>
-            <a:r>
-              <a:rPr lang="nl-NL" dirty="0" smtClean="0"/>
-              <a:t>Schouten (2621562)</a:t>
-            </a:r>
-          </a:p>
-          <a:p>
             <a:pPr algn="l"/>
             <a:endParaRPr lang="nl-NL" dirty="0"/>
           </a:p>
-          <a:p>
-            <a:pPr algn="l"/>
-            <a:r>
-              <a:rPr lang="en-US" b="1" dirty="0"/>
-              <a:t>Business Analytics </a:t>
-            </a:r>
-            <a:br>
-              <a:rPr lang="en-US" b="1" dirty="0"/>
-            </a:br>
-            <a:r>
-              <a:rPr lang="en-US" b="1" dirty="0"/>
-              <a:t>Course: Project Big data (X_400645).</a:t>
-            </a:r>
+        </p:txBody>
+      </p:sp>
+      <p:sp>
+        <p:nvSpPr>
+          <p:cNvPr id="3" name="Ondertitel 2"/>
+          <p:cNvSpPr>
+            <a:spLocks noGrp="1"/>
+          </p:cNvSpPr>
+          <p:nvPr>
+            <p:ph type="subTitle" idx="1"/>
+          </p:nvPr>
+        </p:nvSpPr>
+        <p:spPr>
+          <a:xfrm>
+            <a:off x="899592" y="2852936"/>
+            <a:ext cx="6400800" cy="3168352"/>
+          </a:xfrm>
+        </p:spPr>
+        <p:txBody>
+          <a:bodyPr>
+            <a:normAutofit/>
+          </a:bodyPr>
+          <a:lstStyle/>
+          <a:p>
+            <a:pPr algn="l">
+              <a:buFont typeface="Arial" pitchFamily="34" charset="0"/>
+              <a:buChar char="•"/>
+            </a:pPr>
+            <a:r>
+              <a:rPr lang="nl-NL" sz="2600" b="1" dirty="0" smtClean="0"/>
+              <a:t> </a:t>
+            </a:r>
+            <a:endParaRPr lang="nl-NL" sz="2600" dirty="0" smtClean="0"/>
+          </a:p>
+          <a:p>
+            <a:pPr algn="l">
+              <a:buFont typeface="Arial" pitchFamily="34" charset="0"/>
+              <a:buChar char="•"/>
+            </a:pPr>
+            <a:endParaRPr lang="nl-NL" dirty="0"/>
+          </a:p>
+          <a:p>
+            <a:pPr algn="l">
+              <a:buFont typeface="Arial" pitchFamily="34" charset="0"/>
+              <a:buChar char="•"/>
+            </a:pPr>
+            <a:endParaRPr lang="nl-NL" dirty="0" smtClean="0"/>
+          </a:p>
+          <a:p>
+            <a:pPr algn="l">
+              <a:buFont typeface="Arial" pitchFamily="34" charset="0"/>
+              <a:buChar char="•"/>
+            </a:pPr>
+            <a:endParaRPr lang="nl-NL" b="1" dirty="0"/>
+          </a:p>
+          <a:p>
+            <a:pPr algn="l">
+              <a:buFont typeface="Arial" pitchFamily="34" charset="0"/>
+              <a:buChar char="•"/>
+            </a:pPr>
             <a:endParaRPr lang="nl-NL" dirty="0"/>
           </a:p>
           <a:p>
@@ -4609,7 +5242,7 @@
           <a:blip r:embed="rId2" cstate="print">
             <a:extLst>
               <a:ext uri="{28A0092B-C50C-407E-A947-70E740481C1C}">
-                <a14:useLocalDpi xmlns:ve="http://schemas.openxmlformats.org/markup-compatibility/2006" xmlns:m="http://schemas.openxmlformats.org/officeDocument/2006/math" xmlns:wp="http://schemas.openxmlformats.org/drawingml/2006/wordprocessingDrawing" xmlns:wne="http://schemas.microsoft.com/office/word/2006/wordml" xmlns:a14="http://schemas.microsoft.com/office/drawing/2010/main" xmlns:wps="http://schemas.microsoft.com/office/word/2010/wordprocessingShape" xmlns:wpi="http://schemas.microsoft.com/office/word/2010/wordprocessingInk" xmlns:wpg="http://schemas.microsoft.com/office/word/2010/wordprocessingGroup" xmlns:w16se="http://schemas.microsoft.com/office/word/2015/wordml/symex" xmlns:w16cid="http://schemas.microsoft.com/office/word/2016/wordml/cid" xmlns:w15="http://schemas.microsoft.com/office/word/2012/wordml" xmlns:w14="http://schemas.microsoft.com/office/word/2010/wordml" xmlns:w="http://schemas.openxmlformats.org/wordprocessingml/2006/main" xmlns:w10="urn:schemas-microsoft-com:office:word" xmlns:wp14="http://schemas.microsoft.com/office/word/2010/wordprocessingDrawing" xmlns:v="urn:schemas-microsoft-com:vml" xmlns:o="urn:schemas-microsoft-com:office:office" xmlns:am3d="http://schemas.microsoft.com/office/drawing/2017/model3d" xmlns:aink="http://schemas.microsoft.com/office/drawing/2016/ink" xmlns:mc="http://schemas.openxmlformats.org/markup-compatibility/2006" xmlns:cx8="http://schemas.microsoft.com/office/drawing/2016/5/14/chartex" xmlns:cx7="http://schemas.microsoft.com/office/drawing/2016/5/13/chartex" xmlns:cx6="http://schemas.microsoft.com/office/drawing/2016/5/12/chartex" xmlns:cx5="http://schemas.microsoft.com/office/drawing/2016/5/11/chartex" xmlns:cx4="http://schemas.microsoft.com/office/drawing/2016/5/10/chartex" xmlns:cx3="http://schemas.microsoft.com/office/drawing/2016/5/9/chartex" xmlns:cx2="http://schemas.microsoft.com/office/drawing/2015/10/21/chartex" xmlns:cx1="http://schemas.microsoft.com/office/drawing/2015/9/8/chartex" xmlns:cx="http://schemas.microsoft.com/office/drawing/2014/chartex" xmlns:wpc="http://schemas.microsoft.com/office/word/2010/wordprocessingCanvas" xmlns="" xmlns:pic="http://schemas.openxmlformats.org/drawingml/2006/picture" xmlns:lc="http://schemas.openxmlformats.org/drawingml/2006/lockedCanvas" val="0"/>
+                <a14:useLocalDpi xmlns:lc="http://schemas.openxmlformats.org/drawingml/2006/lockedCanvas" xmlns:pic="http://schemas.openxmlformats.org/drawingml/2006/picture" xmlns="" xmlns:wpc="http://schemas.microsoft.com/office/word/2010/wordprocessingCanvas" xmlns:cx="http://schemas.microsoft.com/office/drawing/2014/chartex" xmlns:cx1="http://schemas.microsoft.com/office/drawing/2015/9/8/chartex" xmlns:cx2="http://schemas.microsoft.com/office/drawing/2015/10/21/chartex" xmlns:cx3="http://schemas.microsoft.com/office/drawing/2016/5/9/chartex" xmlns:cx4="http://schemas.microsoft.com/office/drawing/2016/5/10/chartex" xmlns:cx5="http://schemas.microsoft.com/office/drawing/2016/5/11/chartex" xmlns:cx6="http://schemas.microsoft.com/office/drawing/2016/5/12/chartex" xmlns:cx7="http://schemas.microsoft.com/office/drawing/2016/5/13/chartex" xmlns:cx8="http://schemas.microsoft.com/office/drawing/2016/5/14/chartex" xmlns:mc="http://schemas.openxmlformats.org/markup-compatibility/2006" xmlns:aink="http://schemas.microsoft.com/office/drawing/2016/ink" xmlns:am3d="http://schemas.microsoft.com/office/drawing/2017/model3d" xmlns:o="urn:schemas-microsoft-com:office:office" xmlns:v="urn:schemas-microsoft-com:vml" xmlns:wp14="http://schemas.microsoft.com/office/word/2010/wordprocessingDrawing" xmlns:w10="urn:schemas-microsoft-com:office:word" xmlns:w="http://schemas.openxmlformats.org/wordprocessingml/2006/main" xmlns:w14="http://schemas.microsoft.com/office/word/2010/wordml" xmlns:w15="http://schemas.microsoft.com/office/word/2012/wordml" xmlns:w16cid="http://schemas.microsoft.com/office/word/2016/wordml/cid" xmlns:w16se="http://schemas.microsoft.com/office/word/2015/wordml/symex" xmlns:wpg="http://schemas.microsoft.com/office/word/2010/wordprocessingGroup" xmlns:wpi="http://schemas.microsoft.com/office/word/2010/wordprocessingInk" xmlns:wps="http://schemas.microsoft.com/office/word/2010/wordprocessingShape" xmlns:a14="http://schemas.microsoft.com/office/drawing/2010/main" xmlns:wne="http://schemas.microsoft.com/office/word/2006/wordml" xmlns:wp="http://schemas.openxmlformats.org/drawingml/2006/wordprocessingDrawing" xmlns:m="http://schemas.openxmlformats.org/officeDocument/2006/math" xmlns:ve="http://schemas.openxmlformats.org/markup-compatibility/2006" val="0"/>
               </a:ext>
             </a:extLst>
           </a:blip>
@@ -4664,7 +5297,7 @@
         </p:nvSpPr>
         <p:spPr>
           <a:xfrm>
-            <a:off x="827584" y="1196752"/>
+            <a:off x="899592" y="692696"/>
             <a:ext cx="7772400" cy="1470025"/>
           </a:xfrm>
         </p:spPr>
@@ -4674,117 +5307,87 @@
           <a:p>
             <a:r>
               <a:rPr lang="nl-NL" dirty="0" err="1" smtClean="0"/>
-              <a:t>Analysis</a:t>
-            </a:r>
-            <a:r>
-              <a:rPr lang="nl-NL" dirty="0" smtClean="0"/>
-              <a:t> of a HUE </a:t>
-            </a:r>
-            <a:r>
-              <a:rPr lang="nl-NL" dirty="0" err="1" smtClean="0"/>
-              <a:t>bedtime</a:t>
-            </a:r>
-            <a:r>
-              <a:rPr lang="nl-NL" dirty="0" smtClean="0"/>
+              <a:t>Correlation</a:t>
+            </a:r>
+            <a:endParaRPr lang="nl-NL" dirty="0"/>
+          </a:p>
+        </p:txBody>
+      </p:sp>
+      <p:sp>
+        <p:nvSpPr>
+          <p:cNvPr id="3" name="Ondertitel 2"/>
+          <p:cNvSpPr>
+            <a:spLocks noGrp="1"/>
+          </p:cNvSpPr>
+          <p:nvPr>
+            <p:ph type="subTitle" idx="1"/>
+          </p:nvPr>
+        </p:nvSpPr>
+        <p:spPr>
+          <a:xfrm>
+            <a:off x="755576" y="5373216"/>
+            <a:ext cx="7632848" cy="1080120"/>
+          </a:xfrm>
+        </p:spPr>
+        <p:txBody>
+          <a:bodyPr>
+            <a:normAutofit/>
+          </a:bodyPr>
+          <a:lstStyle/>
+          <a:p>
+            <a:pPr algn="l">
+              <a:buFont typeface="Arial" pitchFamily="34" charset="0"/>
+              <a:buChar char="•"/>
+            </a:pPr>
+            <a:r>
+              <a:rPr lang="nl-NL" sz="2800" dirty="0" smtClean="0"/>
               <a:t> </a:t>
             </a:r>
             <a:r>
-              <a:rPr lang="nl-NL" dirty="0" err="1" smtClean="0"/>
-              <a:t>procastination</a:t>
-            </a:r>
-            <a:r>
-              <a:rPr lang="nl-NL" dirty="0" smtClean="0"/>
+              <a:rPr lang="nl-NL" sz="2800" dirty="0" smtClean="0"/>
+              <a:t>Strong </a:t>
+            </a:r>
+            <a:r>
+              <a:rPr lang="nl-NL" sz="2800" dirty="0" err="1" smtClean="0"/>
+              <a:t>correlation</a:t>
+            </a:r>
+            <a:r>
+              <a:rPr lang="nl-NL" sz="2800" dirty="0" smtClean="0"/>
               <a:t> </a:t>
             </a:r>
             <a:r>
-              <a:rPr lang="nl-NL" dirty="0" err="1" smtClean="0"/>
-              <a:t>study</a:t>
-            </a:r>
-            <a:endParaRPr lang="nl-NL" dirty="0"/>
-          </a:p>
-        </p:txBody>
-      </p:sp>
-      <p:sp>
-        <p:nvSpPr>
-          <p:cNvPr id="3" name="Ondertitel 2"/>
-          <p:cNvSpPr>
-            <a:spLocks noGrp="1"/>
-          </p:cNvSpPr>
-          <p:nvPr>
-            <p:ph type="subTitle" idx="1"/>
-          </p:nvPr>
-        </p:nvSpPr>
-        <p:spPr>
-          <a:xfrm>
-            <a:off x="1331640" y="2996952"/>
-            <a:ext cx="6400800" cy="3168352"/>
-          </a:xfrm>
-        </p:spPr>
-        <p:txBody>
-          <a:bodyPr>
-            <a:normAutofit lnSpcReduction="10000"/>
-          </a:bodyPr>
-          <a:lstStyle/>
-          <a:p>
-            <a:pPr algn="l"/>
-            <a:r>
-              <a:rPr lang="nl-NL" b="1" dirty="0" err="1" smtClean="0"/>
-              <a:t>Students</a:t>
-            </a:r>
-            <a:r>
-              <a:rPr lang="nl-NL" b="1" dirty="0" smtClean="0"/>
-              <a:t>:</a:t>
-            </a:r>
-            <a:endParaRPr lang="nl-NL" dirty="0"/>
-          </a:p>
-          <a:p>
-            <a:pPr algn="l"/>
-            <a:r>
-              <a:rPr lang="nl-NL" dirty="0"/>
-              <a:t>Yannick Hogebrug (</a:t>
-            </a:r>
-            <a:r>
-              <a:rPr lang="nl-NL" dirty="0" smtClean="0"/>
-              <a:t>2626424)</a:t>
-            </a:r>
-            <a:r>
-              <a:rPr lang="nl-NL" dirty="0"/>
-              <a:t/>
-            </a:r>
-            <a:br>
-              <a:rPr lang="nl-NL" dirty="0"/>
-            </a:br>
-            <a:r>
-              <a:rPr lang="nl-NL" dirty="0"/>
-              <a:t>Jesse </a:t>
-            </a:r>
-            <a:r>
-              <a:rPr lang="nl-NL" dirty="0" smtClean="0"/>
-              <a:t>Schouten (2621562)</a:t>
-            </a:r>
-          </a:p>
-          <a:p>
-            <a:pPr algn="l"/>
-            <a:endParaRPr lang="nl-NL" dirty="0"/>
-          </a:p>
-          <a:p>
-            <a:pPr algn="l"/>
-            <a:r>
-              <a:rPr lang="en-US" b="1" dirty="0"/>
-              <a:t>Business Analytics </a:t>
-            </a:r>
-            <a:br>
-              <a:rPr lang="en-US" b="1" dirty="0"/>
-            </a:br>
-            <a:r>
-              <a:rPr lang="en-US" b="1" dirty="0"/>
-              <a:t>Course: Project Big data (X_400645).</a:t>
-            </a:r>
-            <a:endParaRPr lang="nl-NL" dirty="0"/>
-          </a:p>
-          <a:p>
-            <a:pPr algn="l"/>
-            <a:endParaRPr lang="nl-NL" dirty="0"/>
+              <a:rPr lang="nl-NL" sz="2800" dirty="0" err="1" smtClean="0"/>
+              <a:t>between</a:t>
+            </a:r>
+            <a:r>
+              <a:rPr lang="nl-NL" sz="2800" dirty="0" smtClean="0"/>
+              <a:t> </a:t>
+            </a:r>
+            <a:r>
+              <a:rPr lang="nl-NL" sz="2800" dirty="0" err="1" smtClean="0"/>
+              <a:t>bp</a:t>
+            </a:r>
+            <a:r>
+              <a:rPr lang="nl-NL" sz="2800" dirty="0" smtClean="0"/>
+              <a:t>_</a:t>
+            </a:r>
+            <a:r>
+              <a:rPr lang="nl-NL" sz="2800" dirty="0" err="1" smtClean="0"/>
+              <a:t>scale</a:t>
+            </a:r>
+            <a:r>
+              <a:rPr lang="nl-NL" sz="2800" dirty="0" smtClean="0"/>
+              <a:t> and </a:t>
+            </a:r>
+            <a:r>
+              <a:rPr lang="nl-NL" sz="2800" dirty="0" err="1" smtClean="0"/>
+              <a:t>delay</a:t>
+            </a:r>
+            <a:r>
+              <a:rPr lang="nl-NL" sz="2800" dirty="0" smtClean="0"/>
+              <a:t> time (0.61)</a:t>
+            </a:r>
+            <a:endParaRPr lang="nl-NL" sz="2800" dirty="0" smtClean="0"/>
           </a:p>
         </p:txBody>
       </p:sp>
@@ -4798,7 +5401,7 @@
           <a:blip r:embed="rId2" cstate="print">
             <a:extLst>
               <a:ext uri="{28A0092B-C50C-407E-A947-70E740481C1C}">
-                <a14:useLocalDpi xmlns:ve="http://schemas.openxmlformats.org/markup-compatibility/2006" xmlns:m="http://schemas.openxmlformats.org/officeDocument/2006/math" xmlns:wp="http://schemas.openxmlformats.org/drawingml/2006/wordprocessingDrawing" xmlns:wne="http://schemas.microsoft.com/office/word/2006/wordml" xmlns:a14="http://schemas.microsoft.com/office/drawing/2010/main" xmlns:wps="http://schemas.microsoft.com/office/word/2010/wordprocessingShape" xmlns:wpi="http://schemas.microsoft.com/office/word/2010/wordprocessingInk" xmlns:wpg="http://schemas.microsoft.com/office/word/2010/wordprocessingGroup" xmlns:w16se="http://schemas.microsoft.com/office/word/2015/wordml/symex" xmlns:w16cid="http://schemas.microsoft.com/office/word/2016/wordml/cid" xmlns:w15="http://schemas.microsoft.com/office/word/2012/wordml" xmlns:w14="http://schemas.microsoft.com/office/word/2010/wordml" xmlns:w="http://schemas.openxmlformats.org/wordprocessingml/2006/main" xmlns:w10="urn:schemas-microsoft-com:office:word" xmlns:wp14="http://schemas.microsoft.com/office/word/2010/wordprocessingDrawing" xmlns:v="urn:schemas-microsoft-com:vml" xmlns:o="urn:schemas-microsoft-com:office:office" xmlns:am3d="http://schemas.microsoft.com/office/drawing/2017/model3d" xmlns:aink="http://schemas.microsoft.com/office/drawing/2016/ink" xmlns:mc="http://schemas.openxmlformats.org/markup-compatibility/2006" xmlns:cx8="http://schemas.microsoft.com/office/drawing/2016/5/14/chartex" xmlns:cx7="http://schemas.microsoft.com/office/drawing/2016/5/13/chartex" xmlns:cx6="http://schemas.microsoft.com/office/drawing/2016/5/12/chartex" xmlns:cx5="http://schemas.microsoft.com/office/drawing/2016/5/11/chartex" xmlns:cx4="http://schemas.microsoft.com/office/drawing/2016/5/10/chartex" xmlns:cx3="http://schemas.microsoft.com/office/drawing/2016/5/9/chartex" xmlns:cx2="http://schemas.microsoft.com/office/drawing/2015/10/21/chartex" xmlns:cx1="http://schemas.microsoft.com/office/drawing/2015/9/8/chartex" xmlns:cx="http://schemas.microsoft.com/office/drawing/2014/chartex" xmlns:wpc="http://schemas.microsoft.com/office/word/2010/wordprocessingCanvas" xmlns="" xmlns:pic="http://schemas.openxmlformats.org/drawingml/2006/picture" xmlns:lc="http://schemas.openxmlformats.org/drawingml/2006/lockedCanvas" val="0"/>
+                <a14:useLocalDpi xmlns:lc="http://schemas.openxmlformats.org/drawingml/2006/lockedCanvas" xmlns:pic="http://schemas.openxmlformats.org/drawingml/2006/picture" xmlns="" xmlns:wpc="http://schemas.microsoft.com/office/word/2010/wordprocessingCanvas" xmlns:cx="http://schemas.microsoft.com/office/drawing/2014/chartex" xmlns:cx1="http://schemas.microsoft.com/office/drawing/2015/9/8/chartex" xmlns:cx2="http://schemas.microsoft.com/office/drawing/2015/10/21/chartex" xmlns:cx3="http://schemas.microsoft.com/office/drawing/2016/5/9/chartex" xmlns:cx4="http://schemas.microsoft.com/office/drawing/2016/5/10/chartex" xmlns:cx5="http://schemas.microsoft.com/office/drawing/2016/5/11/chartex" xmlns:cx6="http://schemas.microsoft.com/office/drawing/2016/5/12/chartex" xmlns:cx7="http://schemas.microsoft.com/office/drawing/2016/5/13/chartex" xmlns:cx8="http://schemas.microsoft.com/office/drawing/2016/5/14/chartex" xmlns:mc="http://schemas.openxmlformats.org/markup-compatibility/2006" xmlns:aink="http://schemas.microsoft.com/office/drawing/2016/ink" xmlns:am3d="http://schemas.microsoft.com/office/drawing/2017/model3d" xmlns:o="urn:schemas-microsoft-com:office:office" xmlns:v="urn:schemas-microsoft-com:vml" xmlns:wp14="http://schemas.microsoft.com/office/word/2010/wordprocessingDrawing" xmlns:w10="urn:schemas-microsoft-com:office:word" xmlns:w="http://schemas.openxmlformats.org/wordprocessingml/2006/main" xmlns:w14="http://schemas.microsoft.com/office/word/2010/wordml" xmlns:w15="http://schemas.microsoft.com/office/word/2012/wordml" xmlns:w16cid="http://schemas.microsoft.com/office/word/2016/wordml/cid" xmlns:w16se="http://schemas.microsoft.com/office/word/2015/wordml/symex" xmlns:wpg="http://schemas.microsoft.com/office/word/2010/wordprocessingGroup" xmlns:wpi="http://schemas.microsoft.com/office/word/2010/wordprocessingInk" xmlns:wps="http://schemas.microsoft.com/office/word/2010/wordprocessingShape" xmlns:a14="http://schemas.microsoft.com/office/drawing/2010/main" xmlns:wne="http://schemas.microsoft.com/office/word/2006/wordml" xmlns:wp="http://schemas.openxmlformats.org/drawingml/2006/wordprocessingDrawing" xmlns:m="http://schemas.openxmlformats.org/officeDocument/2006/math" xmlns:ve="http://schemas.openxmlformats.org/markup-compatibility/2006" val="0"/>
               </a:ext>
             </a:extLst>
           </a:blip>
@@ -4809,7 +5412,35 @@
         <p:spPr>
           <a:xfrm>
             <a:off x="0" y="0"/>
-            <a:ext cx="3933825" cy="1162050"/>
+            <a:ext cx="3347863" cy="764704"/>
+          </a:xfrm>
+          <a:prstGeom prst="rect">
+            <a:avLst/>
+          </a:prstGeom>
+        </p:spPr>
+      </p:pic>
+      <p:pic>
+        <p:nvPicPr>
+          <p:cNvPr id="5" name="Picture 4"/>
+          <p:cNvPicPr/>
+          <p:nvPr/>
+        </p:nvPicPr>
+        <p:blipFill>
+          <a:blip r:embed="rId3" cstate="print">
+            <a:extLst>
+              <a:ext uri="{28A0092B-C50C-407E-A947-70E740481C1C}">
+                <a14:useLocalDpi xmlns="" xmlns:wpc="http://schemas.microsoft.com/office/word/2010/wordprocessingCanvas" xmlns:cx="http://schemas.microsoft.com/office/drawing/2014/chartex" xmlns:cx1="http://schemas.microsoft.com/office/drawing/2015/9/8/chartex" xmlns:cx2="http://schemas.microsoft.com/office/drawing/2015/10/21/chartex" xmlns:cx3="http://schemas.microsoft.com/office/drawing/2016/5/9/chartex" xmlns:cx4="http://schemas.microsoft.com/office/drawing/2016/5/10/chartex" xmlns:cx5="http://schemas.microsoft.com/office/drawing/2016/5/11/chartex" xmlns:cx6="http://schemas.microsoft.com/office/drawing/2016/5/12/chartex" xmlns:cx7="http://schemas.microsoft.com/office/drawing/2016/5/13/chartex" xmlns:cx8="http://schemas.microsoft.com/office/drawing/2016/5/14/chartex" xmlns:mc="http://schemas.openxmlformats.org/markup-compatibility/2006" xmlns:aink="http://schemas.microsoft.com/office/drawing/2016/ink" xmlns:am3d="http://schemas.microsoft.com/office/drawing/2017/model3d" xmlns:o="urn:schemas-microsoft-com:office:office" xmlns:m="http://schemas.openxmlformats.org/officeDocument/2006/math" xmlns:v="urn:schemas-microsoft-com:vml" xmlns:wp14="http://schemas.microsoft.com/office/word/2010/wordprocessingDrawing" xmlns:wp="http://schemas.openxmlformats.org/drawingml/2006/wordprocessingDrawing" xmlns:w10="urn:schemas-microsoft-com:office:word" xmlns:w="http://schemas.openxmlformats.org/wordprocessingml/2006/main" xmlns:w14="http://schemas.microsoft.com/office/word/2010/wordml" xmlns:w15="http://schemas.microsoft.com/office/word/2012/wordml" xmlns:w16cid="http://schemas.microsoft.com/office/word/2016/wordml/cid" xmlns:w16se="http://schemas.microsoft.com/office/word/2015/wordml/symex" xmlns:wpg="http://schemas.microsoft.com/office/word/2010/wordprocessingGroup" xmlns:wpi="http://schemas.microsoft.com/office/word/2010/wordprocessingInk" xmlns:wne="http://schemas.microsoft.com/office/word/2006/wordml" xmlns:wps="http://schemas.microsoft.com/office/word/2010/wordprocessingShape" xmlns:a14="http://schemas.microsoft.com/office/drawing/2010/main" xmlns:pic="http://schemas.openxmlformats.org/drawingml/2006/picture" xmlns:lc="http://schemas.openxmlformats.org/drawingml/2006/lockedCanvas" val="0"/>
+              </a:ext>
+            </a:extLst>
+          </a:blip>
+          <a:stretch>
+            <a:fillRect/>
+          </a:stretch>
+        </p:blipFill>
+        <p:spPr>
+          <a:xfrm>
+            <a:off x="1331640" y="1844824"/>
+            <a:ext cx="6624736" cy="3528392"/>
           </a:xfrm>
           <a:prstGeom prst="rect">
             <a:avLst/>
@@ -4861,10 +5492,6 @@
           <a:bodyPr/>
           <a:lstStyle/>
           <a:p>
-            <a:r>
-              <a:rPr lang="nl-NL" dirty="0" err="1" smtClean="0"/>
-              <a:t>Conclusion</a:t>
-            </a:r>
             <a:endParaRPr lang="nl-NL" dirty="0"/>
           </a:p>
         </p:txBody>
@@ -4963,7 +5590,7 @@
           <a:blip r:embed="rId2" cstate="print">
             <a:extLst>
               <a:ext uri="{28A0092B-C50C-407E-A947-70E740481C1C}">
-                <a14:useLocalDpi xmlns:ve="http://schemas.openxmlformats.org/markup-compatibility/2006" xmlns:m="http://schemas.openxmlformats.org/officeDocument/2006/math" xmlns:wp="http://schemas.openxmlformats.org/drawingml/2006/wordprocessingDrawing" xmlns:wne="http://schemas.microsoft.com/office/word/2006/wordml" xmlns:a14="http://schemas.microsoft.com/office/drawing/2010/main" xmlns:wps="http://schemas.microsoft.com/office/word/2010/wordprocessingShape" xmlns:wpi="http://schemas.microsoft.com/office/word/2010/wordprocessingInk" xmlns:wpg="http://schemas.microsoft.com/office/word/2010/wordprocessingGroup" xmlns:w16se="http://schemas.microsoft.com/office/word/2015/wordml/symex" xmlns:w16cid="http://schemas.microsoft.com/office/word/2016/wordml/cid" xmlns:w15="http://schemas.microsoft.com/office/word/2012/wordml" xmlns:w14="http://schemas.microsoft.com/office/word/2010/wordml" xmlns:w="http://schemas.openxmlformats.org/wordprocessingml/2006/main" xmlns:w10="urn:schemas-microsoft-com:office:word" xmlns:wp14="http://schemas.microsoft.com/office/word/2010/wordprocessingDrawing" xmlns:v="urn:schemas-microsoft-com:vml" xmlns:o="urn:schemas-microsoft-com:office:office" xmlns:am3d="http://schemas.microsoft.com/office/drawing/2017/model3d" xmlns:aink="http://schemas.microsoft.com/office/drawing/2016/ink" xmlns:mc="http://schemas.openxmlformats.org/markup-compatibility/2006" xmlns:cx8="http://schemas.microsoft.com/office/drawing/2016/5/14/chartex" xmlns:cx7="http://schemas.microsoft.com/office/drawing/2016/5/13/chartex" xmlns:cx6="http://schemas.microsoft.com/office/drawing/2016/5/12/chartex" xmlns:cx5="http://schemas.microsoft.com/office/drawing/2016/5/11/chartex" xmlns:cx4="http://schemas.microsoft.com/office/drawing/2016/5/10/chartex" xmlns:cx3="http://schemas.microsoft.com/office/drawing/2016/5/9/chartex" xmlns:cx2="http://schemas.microsoft.com/office/drawing/2015/10/21/chartex" xmlns:cx1="http://schemas.microsoft.com/office/drawing/2015/9/8/chartex" xmlns:cx="http://schemas.microsoft.com/office/drawing/2014/chartex" xmlns:wpc="http://schemas.microsoft.com/office/word/2010/wordprocessingCanvas" xmlns="" xmlns:pic="http://schemas.openxmlformats.org/drawingml/2006/picture" xmlns:lc="http://schemas.openxmlformats.org/drawingml/2006/lockedCanvas" val="0"/>
+                <a14:useLocalDpi xmlns:lc="http://schemas.openxmlformats.org/drawingml/2006/lockedCanvas" xmlns:pic="http://schemas.openxmlformats.org/drawingml/2006/picture" xmlns="" xmlns:wpc="http://schemas.microsoft.com/office/word/2010/wordprocessingCanvas" xmlns:cx="http://schemas.microsoft.com/office/drawing/2014/chartex" xmlns:cx1="http://schemas.microsoft.com/office/drawing/2015/9/8/chartex" xmlns:cx2="http://schemas.microsoft.com/office/drawing/2015/10/21/chartex" xmlns:cx3="http://schemas.microsoft.com/office/drawing/2016/5/9/chartex" xmlns:cx4="http://schemas.microsoft.com/office/drawing/2016/5/10/chartex" xmlns:cx5="http://schemas.microsoft.com/office/drawing/2016/5/11/chartex" xmlns:cx6="http://schemas.microsoft.com/office/drawing/2016/5/12/chartex" xmlns:cx7="http://schemas.microsoft.com/office/drawing/2016/5/13/chartex" xmlns:cx8="http://schemas.microsoft.com/office/drawing/2016/5/14/chartex" xmlns:mc="http://schemas.openxmlformats.org/markup-compatibility/2006" xmlns:aink="http://schemas.microsoft.com/office/drawing/2016/ink" xmlns:am3d="http://schemas.microsoft.com/office/drawing/2017/model3d" xmlns:o="urn:schemas-microsoft-com:office:office" xmlns:v="urn:schemas-microsoft-com:vml" xmlns:wp14="http://schemas.microsoft.com/office/word/2010/wordprocessingDrawing" xmlns:w10="urn:schemas-microsoft-com:office:word" xmlns:w="http://schemas.openxmlformats.org/wordprocessingml/2006/main" xmlns:w14="http://schemas.microsoft.com/office/word/2010/wordml" xmlns:w15="http://schemas.microsoft.com/office/word/2012/wordml" xmlns:w16cid="http://schemas.microsoft.com/office/word/2016/wordml/cid" xmlns:w16se="http://schemas.microsoft.com/office/word/2015/wordml/symex" xmlns:wpg="http://schemas.microsoft.com/office/word/2010/wordprocessingGroup" xmlns:wpi="http://schemas.microsoft.com/office/word/2010/wordprocessingInk" xmlns:wps="http://schemas.microsoft.com/office/word/2010/wordprocessingShape" xmlns:a14="http://schemas.microsoft.com/office/drawing/2010/main" xmlns:wne="http://schemas.microsoft.com/office/word/2006/wordml" xmlns:wp="http://schemas.openxmlformats.org/drawingml/2006/wordprocessingDrawing" xmlns:m="http://schemas.openxmlformats.org/officeDocument/2006/math" xmlns:ve="http://schemas.openxmlformats.org/markup-compatibility/2006" val="0"/>
               </a:ext>
             </a:extLst>
           </a:blip>
@@ -5028,8 +5655,116 @@
           <a:p>
             <a:r>
               <a:rPr lang="nl-NL" dirty="0" err="1" smtClean="0"/>
-              <a:t>Questions</a:t>
-            </a:r>
+              <a:t>Analysis</a:t>
+            </a:r>
+            <a:r>
+              <a:rPr lang="nl-NL" dirty="0" smtClean="0"/>
+              <a:t> of a HUE </a:t>
+            </a:r>
+            <a:r>
+              <a:rPr lang="nl-NL" dirty="0" err="1" smtClean="0"/>
+              <a:t>bedtime</a:t>
+            </a:r>
+            <a:r>
+              <a:rPr lang="nl-NL" dirty="0" smtClean="0"/>
+              <a:t> </a:t>
+            </a:r>
+            <a:r>
+              <a:rPr lang="nl-NL" dirty="0" err="1" smtClean="0"/>
+              <a:t>procastination</a:t>
+            </a:r>
+            <a:r>
+              <a:rPr lang="nl-NL" dirty="0" smtClean="0"/>
+              <a:t> </a:t>
+            </a:r>
+            <a:r>
+              <a:rPr lang="nl-NL" dirty="0" err="1" smtClean="0"/>
+              <a:t>study</a:t>
+            </a:r>
+            <a:endParaRPr lang="nl-NL" dirty="0"/>
+          </a:p>
+        </p:txBody>
+      </p:sp>
+      <p:sp>
+        <p:nvSpPr>
+          <p:cNvPr id="3" name="Ondertitel 2"/>
+          <p:cNvSpPr>
+            <a:spLocks noGrp="1"/>
+          </p:cNvSpPr>
+          <p:nvPr>
+            <p:ph type="subTitle" idx="1"/>
+          </p:nvPr>
+        </p:nvSpPr>
+        <p:spPr>
+          <a:xfrm>
+            <a:off x="1331640" y="2996952"/>
+            <a:ext cx="6400800" cy="3168352"/>
+          </a:xfrm>
+        </p:spPr>
+        <p:txBody>
+          <a:bodyPr>
+            <a:normAutofit lnSpcReduction="10000"/>
+          </a:bodyPr>
+          <a:lstStyle/>
+          <a:p>
+            <a:pPr algn="l"/>
+            <a:r>
+              <a:rPr lang="nl-NL" b="1" dirty="0" err="1" smtClean="0"/>
+              <a:t>Students</a:t>
+            </a:r>
+            <a:r>
+              <a:rPr lang="nl-NL" b="1" dirty="0" smtClean="0"/>
+              <a:t>:</a:t>
+            </a:r>
+            <a:endParaRPr lang="nl-NL" dirty="0"/>
+          </a:p>
+          <a:p>
+            <a:pPr algn="l"/>
+            <a:r>
+              <a:rPr lang="nl-NL" dirty="0"/>
+              <a:t>Yannick Hogebrug (</a:t>
+            </a:r>
+            <a:r>
+              <a:rPr lang="nl-NL" dirty="0" smtClean="0"/>
+              <a:t>2626424)</a:t>
+            </a:r>
+            <a:r>
+              <a:rPr lang="nl-NL" dirty="0"/>
+              <a:t/>
+            </a:r>
+            <a:br>
+              <a:rPr lang="nl-NL" dirty="0"/>
+            </a:br>
+            <a:r>
+              <a:rPr lang="nl-NL" dirty="0"/>
+              <a:t>Jesse </a:t>
+            </a:r>
+            <a:r>
+              <a:rPr lang="nl-NL" dirty="0" smtClean="0"/>
+              <a:t>Schouten (2621562)</a:t>
+            </a:r>
+          </a:p>
+          <a:p>
+            <a:pPr algn="l"/>
+            <a:endParaRPr lang="nl-NL" dirty="0"/>
+          </a:p>
+          <a:p>
+            <a:pPr algn="l"/>
+            <a:r>
+              <a:rPr lang="en-US" b="1" dirty="0"/>
+              <a:t>Business Analytics </a:t>
+            </a:r>
+            <a:br>
+              <a:rPr lang="en-US" b="1" dirty="0"/>
+            </a:br>
+            <a:r>
+              <a:rPr lang="en-US" b="1" dirty="0"/>
+              <a:t>Course: Project Big data (X_400645).</a:t>
+            </a:r>
+            <a:endParaRPr lang="nl-NL" dirty="0"/>
+          </a:p>
+          <a:p>
+            <a:pPr algn="l"/>
             <a:endParaRPr lang="nl-NL" dirty="0"/>
           </a:p>
         </p:txBody>
@@ -5041,10 +5776,10 @@
           <p:nvPr/>
         </p:nvPicPr>
         <p:blipFill>
-          <a:blip r:embed="rId3" cstate="print">
+          <a:blip r:embed="rId2" cstate="print">
             <a:extLst>
               <a:ext uri="{28A0092B-C50C-407E-A947-70E740481C1C}">
-                <a14:useLocalDpi xmlns:ve="http://schemas.openxmlformats.org/markup-compatibility/2006" xmlns:m="http://schemas.openxmlformats.org/officeDocument/2006/math" xmlns:wp="http://schemas.openxmlformats.org/drawingml/2006/wordprocessingDrawing" xmlns:wne="http://schemas.microsoft.com/office/word/2006/wordml" xmlns:a14="http://schemas.microsoft.com/office/drawing/2010/main" xmlns:wps="http://schemas.microsoft.com/office/word/2010/wordprocessingShape" xmlns:wpi="http://schemas.microsoft.com/office/word/2010/wordprocessingInk" xmlns:wpg="http://schemas.microsoft.com/office/word/2010/wordprocessingGroup" xmlns:w16se="http://schemas.microsoft.com/office/word/2015/wordml/symex" xmlns:w16cid="http://schemas.microsoft.com/office/word/2016/wordml/cid" xmlns:w15="http://schemas.microsoft.com/office/word/2012/wordml" xmlns:w14="http://schemas.microsoft.com/office/word/2010/wordml" xmlns:w="http://schemas.openxmlformats.org/wordprocessingml/2006/main" xmlns:w10="urn:schemas-microsoft-com:office:word" xmlns:wp14="http://schemas.microsoft.com/office/word/2010/wordprocessingDrawing" xmlns:v="urn:schemas-microsoft-com:vml" xmlns:o="urn:schemas-microsoft-com:office:office" xmlns:am3d="http://schemas.microsoft.com/office/drawing/2017/model3d" xmlns:aink="http://schemas.microsoft.com/office/drawing/2016/ink" xmlns:mc="http://schemas.openxmlformats.org/markup-compatibility/2006" xmlns:cx8="http://schemas.microsoft.com/office/drawing/2016/5/14/chartex" xmlns:cx7="http://schemas.microsoft.com/office/drawing/2016/5/13/chartex" xmlns:cx6="http://schemas.microsoft.com/office/drawing/2016/5/12/chartex" xmlns:cx5="http://schemas.microsoft.com/office/drawing/2016/5/11/chartex" xmlns:cx4="http://schemas.microsoft.com/office/drawing/2016/5/10/chartex" xmlns:cx3="http://schemas.microsoft.com/office/drawing/2016/5/9/chartex" xmlns:cx2="http://schemas.microsoft.com/office/drawing/2015/10/21/chartex" xmlns:cx1="http://schemas.microsoft.com/office/drawing/2015/9/8/chartex" xmlns:cx="http://schemas.microsoft.com/office/drawing/2014/chartex" xmlns:wpc="http://schemas.microsoft.com/office/word/2010/wordprocessingCanvas" xmlns="" xmlns:pic="http://schemas.openxmlformats.org/drawingml/2006/picture" xmlns:lc="http://schemas.openxmlformats.org/drawingml/2006/lockedCanvas" val="0"/>
+                <a14:useLocalDpi xmlns:lc="http://schemas.openxmlformats.org/drawingml/2006/lockedCanvas" xmlns:pic="http://schemas.openxmlformats.org/drawingml/2006/picture" xmlns="" xmlns:wpc="http://schemas.microsoft.com/office/word/2010/wordprocessingCanvas" xmlns:cx="http://schemas.microsoft.com/office/drawing/2014/chartex" xmlns:cx1="http://schemas.microsoft.com/office/drawing/2015/9/8/chartex" xmlns:cx2="http://schemas.microsoft.com/office/drawing/2015/10/21/chartex" xmlns:cx3="http://schemas.microsoft.com/office/drawing/2016/5/9/chartex" xmlns:cx4="http://schemas.microsoft.com/office/drawing/2016/5/10/chartex" xmlns:cx5="http://schemas.microsoft.com/office/drawing/2016/5/11/chartex" xmlns:cx6="http://schemas.microsoft.com/office/drawing/2016/5/12/chartex" xmlns:cx7="http://schemas.microsoft.com/office/drawing/2016/5/13/chartex" xmlns:cx8="http://schemas.microsoft.com/office/drawing/2016/5/14/chartex" xmlns:mc="http://schemas.openxmlformats.org/markup-compatibility/2006" xmlns:aink="http://schemas.microsoft.com/office/drawing/2016/ink" xmlns:am3d="http://schemas.microsoft.com/office/drawing/2017/model3d" xmlns:o="urn:schemas-microsoft-com:office:office" xmlns:v="urn:schemas-microsoft-com:vml" xmlns:wp14="http://schemas.microsoft.com/office/word/2010/wordprocessingDrawing" xmlns:w10="urn:schemas-microsoft-com:office:word" xmlns:w="http://schemas.openxmlformats.org/wordprocessingml/2006/main" xmlns:w14="http://schemas.microsoft.com/office/word/2010/wordml" xmlns:w15="http://schemas.microsoft.com/office/word/2012/wordml" xmlns:w16cid="http://schemas.microsoft.com/office/word/2016/wordml/cid" xmlns:w16se="http://schemas.microsoft.com/office/word/2015/wordml/symex" xmlns:wpg="http://schemas.microsoft.com/office/word/2010/wordprocessingGroup" xmlns:wpi="http://schemas.microsoft.com/office/word/2010/wordprocessingInk" xmlns:wps="http://schemas.microsoft.com/office/word/2010/wordprocessingShape" xmlns:a14="http://schemas.microsoft.com/office/drawing/2010/main" xmlns:wne="http://schemas.microsoft.com/office/word/2006/wordml" xmlns:wp="http://schemas.openxmlformats.org/drawingml/2006/wordprocessingDrawing" xmlns:m="http://schemas.openxmlformats.org/officeDocument/2006/math" xmlns:ve="http://schemas.openxmlformats.org/markup-compatibility/2006" val="0"/>
               </a:ext>
             </a:extLst>
           </a:blip>
@@ -5060,92 +5795,6 @@
           <a:prstGeom prst="rect">
             <a:avLst/>
           </a:prstGeom>
-        </p:spPr>
-      </p:pic>
-      <p:sp>
-        <p:nvSpPr>
-          <p:cNvPr id="2050" name="AutoShape 2" descr="Afbeeldingsresultaat voor questions in sleep"/>
-          <p:cNvSpPr>
-            <a:spLocks noChangeAspect="1" noChangeArrowheads="1"/>
-          </p:cNvSpPr>
-          <p:nvPr/>
-        </p:nvSpPr>
-        <p:spPr bwMode="auto">
-          <a:xfrm>
-            <a:off x="155575" y="-144463"/>
-            <a:ext cx="304800" cy="304801"/>
-          </a:xfrm>
-          <a:prstGeom prst="rect">
-            <a:avLst/>
-          </a:prstGeom>
-          <a:noFill/>
-        </p:spPr>
-        <p:txBody>
-          <a:bodyPr vert="horz" wrap="square" lIns="91440" tIns="45720" rIns="91440" bIns="45720" numCol="1" anchor="t" anchorCtr="0" compatLnSpc="1">
-            <a:prstTxWarp prst="textNoShape">
-              <a:avLst/>
-            </a:prstTxWarp>
-          </a:bodyPr>
-          <a:lstStyle/>
-          <a:p>
-            <a:endParaRPr lang="nl-NL"/>
-          </a:p>
-        </p:txBody>
-      </p:sp>
-      <p:sp>
-        <p:nvSpPr>
-          <p:cNvPr id="2052" name="AutoShape 4" descr="Afbeeldingsresultaat voor questions in sleep"/>
-          <p:cNvSpPr>
-            <a:spLocks noChangeAspect="1" noChangeArrowheads="1"/>
-          </p:cNvSpPr>
-          <p:nvPr/>
-        </p:nvSpPr>
-        <p:spPr bwMode="auto">
-          <a:xfrm>
-            <a:off x="155575" y="-144463"/>
-            <a:ext cx="304800" cy="304801"/>
-          </a:xfrm>
-          <a:prstGeom prst="rect">
-            <a:avLst/>
-          </a:prstGeom>
-          <a:noFill/>
-        </p:spPr>
-        <p:txBody>
-          <a:bodyPr vert="horz" wrap="square" lIns="91440" tIns="45720" rIns="91440" bIns="45720" numCol="1" anchor="t" anchorCtr="0" compatLnSpc="1">
-            <a:prstTxWarp prst="textNoShape">
-              <a:avLst/>
-            </a:prstTxWarp>
-          </a:bodyPr>
-          <a:lstStyle/>
-          <a:p>
-            <a:endParaRPr lang="nl-NL"/>
-          </a:p>
-        </p:txBody>
-      </p:sp>
-      <p:pic>
-        <p:nvPicPr>
-          <p:cNvPr id="2054" name="Picture 6" descr="Afbeeldingsresultaat voor sleep question mark"/>
-          <p:cNvPicPr>
-            <a:picLocks noChangeAspect="1" noChangeArrowheads="1"/>
-          </p:cNvPicPr>
-          <p:nvPr/>
-        </p:nvPicPr>
-        <p:blipFill>
-          <a:blip r:embed="rId4" cstate="print"/>
-          <a:srcRect/>
-          <a:stretch>
-            <a:fillRect/>
-          </a:stretch>
-        </p:blipFill>
-        <p:spPr bwMode="auto">
-          <a:xfrm>
-            <a:off x="2555776" y="2564904"/>
-            <a:ext cx="4536504" cy="4021810"/>
-          </a:xfrm>
-          <a:prstGeom prst="rect">
-            <a:avLst/>
-          </a:prstGeom>
-          <a:noFill/>
         </p:spPr>
       </p:pic>
     </p:spTree>

--- a/Report/Presentation.pptx
+++ b/Report/Presentation.pptx
@@ -5,7 +5,7 @@
     <p:sldMasterId id="2147483648" r:id="rId1"/>
   </p:sldMasterIdLst>
   <p:notesMasterIdLst>
-    <p:notesMasterId r:id="rId14"/>
+    <p:notesMasterId r:id="rId18"/>
   </p:notesMasterIdLst>
   <p:sldIdLst>
     <p:sldId id="256" r:id="rId2"/>
@@ -14,12 +14,16 @@
     <p:sldId id="268" r:id="rId5"/>
     <p:sldId id="266" r:id="rId6"/>
     <p:sldId id="267" r:id="rId7"/>
-    <p:sldId id="260" r:id="rId8"/>
-    <p:sldId id="263" r:id="rId9"/>
-    <p:sldId id="261" r:id="rId10"/>
-    <p:sldId id="265" r:id="rId11"/>
-    <p:sldId id="262" r:id="rId12"/>
-    <p:sldId id="264" r:id="rId13"/>
+    <p:sldId id="275" r:id="rId8"/>
+    <p:sldId id="261" r:id="rId9"/>
+    <p:sldId id="265" r:id="rId10"/>
+    <p:sldId id="269" r:id="rId11"/>
+    <p:sldId id="270" r:id="rId12"/>
+    <p:sldId id="271" r:id="rId13"/>
+    <p:sldId id="272" r:id="rId14"/>
+    <p:sldId id="274" r:id="rId15"/>
+    <p:sldId id="273" r:id="rId16"/>
+    <p:sldId id="264" r:id="rId17"/>
   </p:sldIdLst>
   <p:sldSz cx="9144000" cy="6858000" type="screen4x3"/>
   <p:notesSz cx="6858000" cy="9144000"/>
@@ -118,6 +122,22 @@
       </a:defRPr>
     </a:lvl9pPr>
   </p:defaultTextStyle>
+  <p:extLst>
+    <p:ext uri="{EFAFB233-063F-42B5-8137-9DF3F51BA10A}">
+      <p15:sldGuideLst xmlns:p15="http://schemas.microsoft.com/office/powerpoint/2012/main">
+        <p15:guide id="1" orient="horz" pos="2160">
+          <p15:clr>
+            <a:srgbClr val="A4A3A4"/>
+          </p15:clr>
+        </p15:guide>
+        <p15:guide id="2" pos="2880">
+          <p15:clr>
+            <a:srgbClr val="A4A3A4"/>
+          </p15:clr>
+        </p15:guide>
+      </p15:sldGuideLst>
+    </p:ext>
+  </p:extLst>
 </p:presentation>
 </file>
 
@@ -270,38 +290,37 @@
           <a:p>
             <a:pPr lvl="0"/>
             <a:r>
-              <a:rPr lang="nl-NL" smtClean="0"/>
+              <a:rPr lang="nl-NL"/>
               <a:t>Klik om de modelstijlen te bewerken</a:t>
             </a:r>
           </a:p>
           <a:p>
             <a:pPr lvl="1"/>
             <a:r>
-              <a:rPr lang="nl-NL" smtClean="0"/>
+              <a:rPr lang="nl-NL"/>
               <a:t>Tweede niveau</a:t>
             </a:r>
           </a:p>
           <a:p>
             <a:pPr lvl="2"/>
             <a:r>
-              <a:rPr lang="nl-NL" smtClean="0"/>
+              <a:rPr lang="nl-NL"/>
               <a:t>Derde niveau</a:t>
             </a:r>
           </a:p>
           <a:p>
             <a:pPr lvl="3"/>
             <a:r>
-              <a:rPr lang="nl-NL" smtClean="0"/>
+              <a:rPr lang="nl-NL"/>
               <a:t>Vierde niveau</a:t>
             </a:r>
           </a:p>
           <a:p>
             <a:pPr lvl="4"/>
             <a:r>
-              <a:rPr lang="nl-NL" smtClean="0"/>
+              <a:rPr lang="nl-NL"/>
               <a:t>Vijfde niveau</a:t>
             </a:r>
-            <a:endParaRPr lang="nl-NL"/>
           </a:p>
         </p:txBody>
       </p:sp>
@@ -366,7 +385,7 @@
             <a:fld id="{FFA4179D-8304-4936-9189-F5352923CC4A}" type="slidenum">
               <a:rPr lang="nl-NL" smtClean="0"/>
               <a:pPr/>
-              <a:t>‹nr.›</a:t>
+              <a:t>‹#›</a:t>
             </a:fld>
             <a:endParaRPr lang="nl-NL"/>
           </a:p>
@@ -538,7 +557,7 @@
             <a:fld id="{FFA4179D-8304-4936-9189-F5352923CC4A}" type="slidenum">
               <a:rPr lang="nl-NL" smtClean="0"/>
               <a:pPr/>
-              <a:t>12</a:t>
+              <a:t>16</a:t>
             </a:fld>
             <a:endParaRPr lang="nl-NL"/>
           </a:p>
@@ -590,10 +609,9 @@
           <a:lstStyle/>
           <a:p>
             <a:r>
-              <a:rPr lang="nl-NL" smtClean="0"/>
+              <a:rPr lang="nl-NL"/>
               <a:t>Klik om de stijl te bewerken</a:t>
             </a:r>
-            <a:endParaRPr lang="nl-NL"/>
           </a:p>
         </p:txBody>
       </p:sp>
@@ -709,10 +727,9 @@
           </a:lstStyle>
           <a:p>
             <a:r>
-              <a:rPr lang="nl-NL" smtClean="0"/>
+              <a:rPr lang="nl-NL"/>
               <a:t>Klik om het opmaakprofiel van de modelondertitel te bewerken</a:t>
             </a:r>
-            <a:endParaRPr lang="nl-NL"/>
           </a:p>
         </p:txBody>
       </p:sp>
@@ -777,7 +794,7 @@
             <a:fld id="{7E750BC6-6922-4415-B478-D62852FE04FE}" type="slidenum">
               <a:rPr lang="nl-NL" smtClean="0"/>
               <a:pPr/>
-              <a:t>‹nr.›</a:t>
+              <a:t>‹#›</a:t>
             </a:fld>
             <a:endParaRPr lang="nl-NL"/>
           </a:p>
@@ -824,10 +841,9 @@
           <a:lstStyle/>
           <a:p>
             <a:r>
-              <a:rPr lang="nl-NL" smtClean="0"/>
+              <a:rPr lang="nl-NL"/>
               <a:t>Klik om de stijl te bewerken</a:t>
             </a:r>
-            <a:endParaRPr lang="nl-NL"/>
           </a:p>
         </p:txBody>
       </p:sp>
@@ -848,38 +864,37 @@
           <a:p>
             <a:pPr lvl="0"/>
             <a:r>
-              <a:rPr lang="nl-NL" smtClean="0"/>
+              <a:rPr lang="nl-NL"/>
               <a:t>Klik om de modelstijlen te bewerken</a:t>
             </a:r>
           </a:p>
           <a:p>
             <a:pPr lvl="1"/>
             <a:r>
-              <a:rPr lang="nl-NL" smtClean="0"/>
+              <a:rPr lang="nl-NL"/>
               <a:t>Tweede niveau</a:t>
             </a:r>
           </a:p>
           <a:p>
             <a:pPr lvl="2"/>
             <a:r>
-              <a:rPr lang="nl-NL" smtClean="0"/>
+              <a:rPr lang="nl-NL"/>
               <a:t>Derde niveau</a:t>
             </a:r>
           </a:p>
           <a:p>
             <a:pPr lvl="3"/>
             <a:r>
-              <a:rPr lang="nl-NL" smtClean="0"/>
+              <a:rPr lang="nl-NL"/>
               <a:t>Vierde niveau</a:t>
             </a:r>
           </a:p>
           <a:p>
             <a:pPr lvl="4"/>
             <a:r>
-              <a:rPr lang="nl-NL" smtClean="0"/>
+              <a:rPr lang="nl-NL"/>
               <a:t>Vijfde niveau</a:t>
             </a:r>
-            <a:endParaRPr lang="nl-NL"/>
           </a:p>
         </p:txBody>
       </p:sp>
@@ -944,7 +959,7 @@
             <a:fld id="{7E750BC6-6922-4415-B478-D62852FE04FE}" type="slidenum">
               <a:rPr lang="nl-NL" smtClean="0"/>
               <a:pPr/>
-              <a:t>‹nr.›</a:t>
+              <a:t>‹#›</a:t>
             </a:fld>
             <a:endParaRPr lang="nl-NL"/>
           </a:p>
@@ -996,10 +1011,9 @@
           <a:lstStyle/>
           <a:p>
             <a:r>
-              <a:rPr lang="nl-NL" smtClean="0"/>
+              <a:rPr lang="nl-NL"/>
               <a:t>Klik om de stijl te bewerken</a:t>
             </a:r>
-            <a:endParaRPr lang="nl-NL"/>
           </a:p>
         </p:txBody>
       </p:sp>
@@ -1025,38 +1039,37 @@
           <a:p>
             <a:pPr lvl="0"/>
             <a:r>
-              <a:rPr lang="nl-NL" smtClean="0"/>
+              <a:rPr lang="nl-NL"/>
               <a:t>Klik om de modelstijlen te bewerken</a:t>
             </a:r>
           </a:p>
           <a:p>
             <a:pPr lvl="1"/>
             <a:r>
-              <a:rPr lang="nl-NL" smtClean="0"/>
+              <a:rPr lang="nl-NL"/>
               <a:t>Tweede niveau</a:t>
             </a:r>
           </a:p>
           <a:p>
             <a:pPr lvl="2"/>
             <a:r>
-              <a:rPr lang="nl-NL" smtClean="0"/>
+              <a:rPr lang="nl-NL"/>
               <a:t>Derde niveau</a:t>
             </a:r>
           </a:p>
           <a:p>
             <a:pPr lvl="3"/>
             <a:r>
-              <a:rPr lang="nl-NL" smtClean="0"/>
+              <a:rPr lang="nl-NL"/>
               <a:t>Vierde niveau</a:t>
             </a:r>
           </a:p>
           <a:p>
             <a:pPr lvl="4"/>
             <a:r>
-              <a:rPr lang="nl-NL" smtClean="0"/>
+              <a:rPr lang="nl-NL"/>
               <a:t>Vijfde niveau</a:t>
             </a:r>
-            <a:endParaRPr lang="nl-NL"/>
           </a:p>
         </p:txBody>
       </p:sp>
@@ -1121,7 +1134,7 @@
             <a:fld id="{7E750BC6-6922-4415-B478-D62852FE04FE}" type="slidenum">
               <a:rPr lang="nl-NL" smtClean="0"/>
               <a:pPr/>
-              <a:t>‹nr.›</a:t>
+              <a:t>‹#›</a:t>
             </a:fld>
             <a:endParaRPr lang="nl-NL"/>
           </a:p>
@@ -1168,10 +1181,9 @@
           <a:lstStyle/>
           <a:p>
             <a:r>
-              <a:rPr lang="nl-NL" smtClean="0"/>
+              <a:rPr lang="nl-NL"/>
               <a:t>Klik om de stijl te bewerken</a:t>
             </a:r>
-            <a:endParaRPr lang="nl-NL"/>
           </a:p>
         </p:txBody>
       </p:sp>
@@ -1192,38 +1204,37 @@
           <a:p>
             <a:pPr lvl="0"/>
             <a:r>
-              <a:rPr lang="nl-NL" smtClean="0"/>
+              <a:rPr lang="nl-NL"/>
               <a:t>Klik om de modelstijlen te bewerken</a:t>
             </a:r>
           </a:p>
           <a:p>
             <a:pPr lvl="1"/>
             <a:r>
-              <a:rPr lang="nl-NL" smtClean="0"/>
+              <a:rPr lang="nl-NL"/>
               <a:t>Tweede niveau</a:t>
             </a:r>
           </a:p>
           <a:p>
             <a:pPr lvl="2"/>
             <a:r>
-              <a:rPr lang="nl-NL" smtClean="0"/>
+              <a:rPr lang="nl-NL"/>
               <a:t>Derde niveau</a:t>
             </a:r>
           </a:p>
           <a:p>
             <a:pPr lvl="3"/>
             <a:r>
-              <a:rPr lang="nl-NL" smtClean="0"/>
+              <a:rPr lang="nl-NL"/>
               <a:t>Vierde niveau</a:t>
             </a:r>
           </a:p>
           <a:p>
             <a:pPr lvl="4"/>
             <a:r>
-              <a:rPr lang="nl-NL" smtClean="0"/>
+              <a:rPr lang="nl-NL"/>
               <a:t>Vijfde niveau</a:t>
             </a:r>
-            <a:endParaRPr lang="nl-NL"/>
           </a:p>
         </p:txBody>
       </p:sp>
@@ -1288,7 +1299,7 @@
             <a:fld id="{7E750BC6-6922-4415-B478-D62852FE04FE}" type="slidenum">
               <a:rPr lang="nl-NL" smtClean="0"/>
               <a:pPr/>
-              <a:t>‹nr.›</a:t>
+              <a:t>‹#›</a:t>
             </a:fld>
             <a:endParaRPr lang="nl-NL"/>
           </a:p>
@@ -1344,10 +1355,9 @@
           </a:lstStyle>
           <a:p>
             <a:r>
-              <a:rPr lang="nl-NL" smtClean="0"/>
+              <a:rPr lang="nl-NL"/>
               <a:t>Klik om de stijl te bewerken</a:t>
             </a:r>
-            <a:endParaRPr lang="nl-NL"/>
           </a:p>
         </p:txBody>
       </p:sp>
@@ -1464,7 +1474,7 @@
           <a:p>
             <a:pPr lvl="0"/>
             <a:r>
-              <a:rPr lang="nl-NL" smtClean="0"/>
+              <a:rPr lang="nl-NL"/>
               <a:t>Klik om de modelstijlen te bewerken</a:t>
             </a:r>
           </a:p>
@@ -1531,7 +1541,7 @@
             <a:fld id="{7E750BC6-6922-4415-B478-D62852FE04FE}" type="slidenum">
               <a:rPr lang="nl-NL" smtClean="0"/>
               <a:pPr/>
-              <a:t>‹nr.›</a:t>
+              <a:t>‹#›</a:t>
             </a:fld>
             <a:endParaRPr lang="nl-NL"/>
           </a:p>
@@ -1578,10 +1588,9 @@
           <a:lstStyle/>
           <a:p>
             <a:r>
-              <a:rPr lang="nl-NL" smtClean="0"/>
+              <a:rPr lang="nl-NL"/>
               <a:t>Klik om de stijl te bewerken</a:t>
             </a:r>
-            <a:endParaRPr lang="nl-NL"/>
           </a:p>
         </p:txBody>
       </p:sp>
@@ -1635,38 +1644,37 @@
           <a:p>
             <a:pPr lvl="0"/>
             <a:r>
-              <a:rPr lang="nl-NL" smtClean="0"/>
+              <a:rPr lang="nl-NL"/>
               <a:t>Klik om de modelstijlen te bewerken</a:t>
             </a:r>
           </a:p>
           <a:p>
             <a:pPr lvl="1"/>
             <a:r>
-              <a:rPr lang="nl-NL" smtClean="0"/>
+              <a:rPr lang="nl-NL"/>
               <a:t>Tweede niveau</a:t>
             </a:r>
           </a:p>
           <a:p>
             <a:pPr lvl="2"/>
             <a:r>
-              <a:rPr lang="nl-NL" smtClean="0"/>
+              <a:rPr lang="nl-NL"/>
               <a:t>Derde niveau</a:t>
             </a:r>
           </a:p>
           <a:p>
             <a:pPr lvl="3"/>
             <a:r>
-              <a:rPr lang="nl-NL" smtClean="0"/>
+              <a:rPr lang="nl-NL"/>
               <a:t>Vierde niveau</a:t>
             </a:r>
           </a:p>
           <a:p>
             <a:pPr lvl="4"/>
             <a:r>
-              <a:rPr lang="nl-NL" smtClean="0"/>
+              <a:rPr lang="nl-NL"/>
               <a:t>Vijfde niveau</a:t>
             </a:r>
-            <a:endParaRPr lang="nl-NL"/>
           </a:p>
         </p:txBody>
       </p:sp>
@@ -1720,38 +1728,37 @@
           <a:p>
             <a:pPr lvl="0"/>
             <a:r>
-              <a:rPr lang="nl-NL" smtClean="0"/>
+              <a:rPr lang="nl-NL"/>
               <a:t>Klik om de modelstijlen te bewerken</a:t>
             </a:r>
           </a:p>
           <a:p>
             <a:pPr lvl="1"/>
             <a:r>
-              <a:rPr lang="nl-NL" smtClean="0"/>
+              <a:rPr lang="nl-NL"/>
               <a:t>Tweede niveau</a:t>
             </a:r>
           </a:p>
           <a:p>
             <a:pPr lvl="2"/>
             <a:r>
-              <a:rPr lang="nl-NL" smtClean="0"/>
+              <a:rPr lang="nl-NL"/>
               <a:t>Derde niveau</a:t>
             </a:r>
           </a:p>
           <a:p>
             <a:pPr lvl="3"/>
             <a:r>
-              <a:rPr lang="nl-NL" smtClean="0"/>
+              <a:rPr lang="nl-NL"/>
               <a:t>Vierde niveau</a:t>
             </a:r>
           </a:p>
           <a:p>
             <a:pPr lvl="4"/>
             <a:r>
-              <a:rPr lang="nl-NL" smtClean="0"/>
+              <a:rPr lang="nl-NL"/>
               <a:t>Vijfde niveau</a:t>
             </a:r>
-            <a:endParaRPr lang="nl-NL"/>
           </a:p>
         </p:txBody>
       </p:sp>
@@ -1816,7 +1823,7 @@
             <a:fld id="{7E750BC6-6922-4415-B478-D62852FE04FE}" type="slidenum">
               <a:rPr lang="nl-NL" smtClean="0"/>
               <a:pPr/>
-              <a:t>‹nr.›</a:t>
+              <a:t>‹#›</a:t>
             </a:fld>
             <a:endParaRPr lang="nl-NL"/>
           </a:p>
@@ -1867,10 +1874,9 @@
           </a:lstStyle>
           <a:p>
             <a:r>
-              <a:rPr lang="nl-NL" smtClean="0"/>
+              <a:rPr lang="nl-NL"/>
               <a:t>Klik om de stijl te bewerken</a:t>
             </a:r>
-            <a:endParaRPr lang="nl-NL"/>
           </a:p>
         </p:txBody>
       </p:sp>
@@ -1933,7 +1939,7 @@
           <a:p>
             <a:pPr lvl="0"/>
             <a:r>
-              <a:rPr lang="nl-NL" smtClean="0"/>
+              <a:rPr lang="nl-NL"/>
               <a:t>Klik om de modelstijlen te bewerken</a:t>
             </a:r>
           </a:p>
@@ -1989,38 +1995,37 @@
           <a:p>
             <a:pPr lvl="0"/>
             <a:r>
-              <a:rPr lang="nl-NL" smtClean="0"/>
+              <a:rPr lang="nl-NL"/>
               <a:t>Klik om de modelstijlen te bewerken</a:t>
             </a:r>
           </a:p>
           <a:p>
             <a:pPr lvl="1"/>
             <a:r>
-              <a:rPr lang="nl-NL" smtClean="0"/>
+              <a:rPr lang="nl-NL"/>
               <a:t>Tweede niveau</a:t>
             </a:r>
           </a:p>
           <a:p>
             <a:pPr lvl="2"/>
             <a:r>
-              <a:rPr lang="nl-NL" smtClean="0"/>
+              <a:rPr lang="nl-NL"/>
               <a:t>Derde niveau</a:t>
             </a:r>
           </a:p>
           <a:p>
             <a:pPr lvl="3"/>
             <a:r>
-              <a:rPr lang="nl-NL" smtClean="0"/>
+              <a:rPr lang="nl-NL"/>
               <a:t>Vierde niveau</a:t>
             </a:r>
           </a:p>
           <a:p>
             <a:pPr lvl="4"/>
             <a:r>
-              <a:rPr lang="nl-NL" smtClean="0"/>
+              <a:rPr lang="nl-NL"/>
               <a:t>Vijfde niveau</a:t>
             </a:r>
-            <a:endParaRPr lang="nl-NL"/>
           </a:p>
         </p:txBody>
       </p:sp>
@@ -2083,7 +2088,7 @@
           <a:p>
             <a:pPr lvl="0"/>
             <a:r>
-              <a:rPr lang="nl-NL" smtClean="0"/>
+              <a:rPr lang="nl-NL"/>
               <a:t>Klik om de modelstijlen te bewerken</a:t>
             </a:r>
           </a:p>
@@ -2139,38 +2144,37 @@
           <a:p>
             <a:pPr lvl="0"/>
             <a:r>
-              <a:rPr lang="nl-NL" smtClean="0"/>
+              <a:rPr lang="nl-NL"/>
               <a:t>Klik om de modelstijlen te bewerken</a:t>
             </a:r>
           </a:p>
           <a:p>
             <a:pPr lvl="1"/>
             <a:r>
-              <a:rPr lang="nl-NL" smtClean="0"/>
+              <a:rPr lang="nl-NL"/>
               <a:t>Tweede niveau</a:t>
             </a:r>
           </a:p>
           <a:p>
             <a:pPr lvl="2"/>
             <a:r>
-              <a:rPr lang="nl-NL" smtClean="0"/>
+              <a:rPr lang="nl-NL"/>
               <a:t>Derde niveau</a:t>
             </a:r>
           </a:p>
           <a:p>
             <a:pPr lvl="3"/>
             <a:r>
-              <a:rPr lang="nl-NL" smtClean="0"/>
+              <a:rPr lang="nl-NL"/>
               <a:t>Vierde niveau</a:t>
             </a:r>
           </a:p>
           <a:p>
             <a:pPr lvl="4"/>
             <a:r>
-              <a:rPr lang="nl-NL" smtClean="0"/>
+              <a:rPr lang="nl-NL"/>
               <a:t>Vijfde niveau</a:t>
             </a:r>
-            <a:endParaRPr lang="nl-NL"/>
           </a:p>
         </p:txBody>
       </p:sp>
@@ -2235,7 +2239,7 @@
             <a:fld id="{7E750BC6-6922-4415-B478-D62852FE04FE}" type="slidenum">
               <a:rPr lang="nl-NL" smtClean="0"/>
               <a:pPr/>
-              <a:t>‹nr.›</a:t>
+              <a:t>‹#›</a:t>
             </a:fld>
             <a:endParaRPr lang="nl-NL"/>
           </a:p>
@@ -2282,10 +2286,9 @@
           <a:lstStyle/>
           <a:p>
             <a:r>
-              <a:rPr lang="nl-NL" smtClean="0"/>
+              <a:rPr lang="nl-NL"/>
               <a:t>Klik om de stijl te bewerken</a:t>
             </a:r>
-            <a:endParaRPr lang="nl-NL"/>
           </a:p>
         </p:txBody>
       </p:sp>
@@ -2350,7 +2353,7 @@
             <a:fld id="{7E750BC6-6922-4415-B478-D62852FE04FE}" type="slidenum">
               <a:rPr lang="nl-NL" smtClean="0"/>
               <a:pPr/>
-              <a:t>‹nr.›</a:t>
+              <a:t>‹#›</a:t>
             </a:fld>
             <a:endParaRPr lang="nl-NL"/>
           </a:p>
@@ -2442,7 +2445,7 @@
             <a:fld id="{7E750BC6-6922-4415-B478-D62852FE04FE}" type="slidenum">
               <a:rPr lang="nl-NL" smtClean="0"/>
               <a:pPr/>
-              <a:t>‹nr.›</a:t>
+              <a:t>‹#›</a:t>
             </a:fld>
             <a:endParaRPr lang="nl-NL"/>
           </a:p>
@@ -2498,10 +2501,9 @@
           </a:lstStyle>
           <a:p>
             <a:r>
-              <a:rPr lang="nl-NL" smtClean="0"/>
+              <a:rPr lang="nl-NL"/>
               <a:t>Klik om de stijl te bewerken</a:t>
             </a:r>
-            <a:endParaRPr lang="nl-NL"/>
           </a:p>
         </p:txBody>
       </p:sp>
@@ -2555,38 +2557,37 @@
           <a:p>
             <a:pPr lvl="0"/>
             <a:r>
-              <a:rPr lang="nl-NL" smtClean="0"/>
+              <a:rPr lang="nl-NL"/>
               <a:t>Klik om de modelstijlen te bewerken</a:t>
             </a:r>
           </a:p>
           <a:p>
             <a:pPr lvl="1"/>
             <a:r>
-              <a:rPr lang="nl-NL" smtClean="0"/>
+              <a:rPr lang="nl-NL"/>
               <a:t>Tweede niveau</a:t>
             </a:r>
           </a:p>
           <a:p>
             <a:pPr lvl="2"/>
             <a:r>
-              <a:rPr lang="nl-NL" smtClean="0"/>
+              <a:rPr lang="nl-NL"/>
               <a:t>Derde niveau</a:t>
             </a:r>
           </a:p>
           <a:p>
             <a:pPr lvl="3"/>
             <a:r>
-              <a:rPr lang="nl-NL" smtClean="0"/>
+              <a:rPr lang="nl-NL"/>
               <a:t>Vierde niveau</a:t>
             </a:r>
           </a:p>
           <a:p>
             <a:pPr lvl="4"/>
             <a:r>
-              <a:rPr lang="nl-NL" smtClean="0"/>
+              <a:rPr lang="nl-NL"/>
               <a:t>Vijfde niveau</a:t>
             </a:r>
-            <a:endParaRPr lang="nl-NL"/>
           </a:p>
         </p:txBody>
       </p:sp>
@@ -2649,7 +2650,7 @@
           <a:p>
             <a:pPr lvl="0"/>
             <a:r>
-              <a:rPr lang="nl-NL" smtClean="0"/>
+              <a:rPr lang="nl-NL"/>
               <a:t>Klik om de modelstijlen te bewerken</a:t>
             </a:r>
           </a:p>
@@ -2716,7 +2717,7 @@
             <a:fld id="{7E750BC6-6922-4415-B478-D62852FE04FE}" type="slidenum">
               <a:rPr lang="nl-NL" smtClean="0"/>
               <a:pPr/>
-              <a:t>‹nr.›</a:t>
+              <a:t>‹#›</a:t>
             </a:fld>
             <a:endParaRPr lang="nl-NL"/>
           </a:p>
@@ -2772,10 +2773,9 @@
           </a:lstStyle>
           <a:p>
             <a:r>
-              <a:rPr lang="nl-NL" smtClean="0"/>
+              <a:rPr lang="nl-NL"/>
               <a:t>Klik om de stijl te bewerken</a:t>
             </a:r>
-            <a:endParaRPr lang="nl-NL"/>
           </a:p>
         </p:txBody>
       </p:sp>
@@ -2899,7 +2899,7 @@
           <a:p>
             <a:pPr lvl="0"/>
             <a:r>
-              <a:rPr lang="nl-NL" smtClean="0"/>
+              <a:rPr lang="nl-NL"/>
               <a:t>Klik om de modelstijlen te bewerken</a:t>
             </a:r>
           </a:p>
@@ -2966,7 +2966,7 @@
             <a:fld id="{7E750BC6-6922-4415-B478-D62852FE04FE}" type="slidenum">
               <a:rPr lang="nl-NL" smtClean="0"/>
               <a:pPr/>
-              <a:t>‹nr.›</a:t>
+              <a:t>‹#›</a:t>
             </a:fld>
             <a:endParaRPr lang="nl-NL"/>
           </a:p>
@@ -3028,10 +3028,9 @@
           <a:lstStyle/>
           <a:p>
             <a:r>
-              <a:rPr lang="nl-NL" smtClean="0"/>
+              <a:rPr lang="nl-NL"/>
               <a:t>Klik om de stijl te bewerken</a:t>
             </a:r>
-            <a:endParaRPr lang="nl-NL"/>
           </a:p>
         </p:txBody>
       </p:sp>
@@ -3062,38 +3061,37 @@
           <a:p>
             <a:pPr lvl="0"/>
             <a:r>
-              <a:rPr lang="nl-NL" smtClean="0"/>
+              <a:rPr lang="nl-NL"/>
               <a:t>Klik om de modelstijlen te bewerken</a:t>
             </a:r>
           </a:p>
           <a:p>
             <a:pPr lvl="1"/>
             <a:r>
-              <a:rPr lang="nl-NL" smtClean="0"/>
+              <a:rPr lang="nl-NL"/>
               <a:t>Tweede niveau</a:t>
             </a:r>
           </a:p>
           <a:p>
             <a:pPr lvl="2"/>
             <a:r>
-              <a:rPr lang="nl-NL" smtClean="0"/>
+              <a:rPr lang="nl-NL"/>
               <a:t>Derde niveau</a:t>
             </a:r>
           </a:p>
           <a:p>
             <a:pPr lvl="3"/>
             <a:r>
-              <a:rPr lang="nl-NL" smtClean="0"/>
+              <a:rPr lang="nl-NL"/>
               <a:t>Vierde niveau</a:t>
             </a:r>
           </a:p>
           <a:p>
             <a:pPr lvl="4"/>
             <a:r>
-              <a:rPr lang="nl-NL" smtClean="0"/>
+              <a:rPr lang="nl-NL"/>
               <a:t>Vijfde niveau</a:t>
             </a:r>
-            <a:endParaRPr lang="nl-NL"/>
           </a:p>
         </p:txBody>
       </p:sp>
@@ -3212,7 +3210,7 @@
             <a:fld id="{7E750BC6-6922-4415-B478-D62852FE04FE}" type="slidenum">
               <a:rPr lang="nl-NL" smtClean="0"/>
               <a:pPr/>
-              <a:t>‹nr.›</a:t>
+              <a:t>‹#›</a:t>
             </a:fld>
             <a:endParaRPr lang="nl-NL"/>
           </a:p>
@@ -3527,34 +3525,34 @@
           <a:lstStyle/>
           <a:p>
             <a:r>
-              <a:rPr lang="nl-NL" sz="3600" b="1" dirty="0" err="1" smtClean="0"/>
+              <a:rPr lang="nl-NL" sz="3600" b="1" dirty="0" err="1"/>
               <a:t>Analysis</a:t>
             </a:r>
             <a:r>
-              <a:rPr lang="nl-NL" sz="3600" b="1" dirty="0" smtClean="0"/>
+              <a:rPr lang="nl-NL" sz="3600" b="1" dirty="0"/>
               <a:t> of a </a:t>
             </a:r>
             <a:r>
-              <a:rPr lang="nl-NL" sz="3600" b="1" dirty="0" err="1" smtClean="0"/>
+              <a:rPr lang="nl-NL" sz="3600" b="1" dirty="0" err="1"/>
               <a:t>bedtime</a:t>
             </a:r>
             <a:r>
-              <a:rPr lang="nl-NL" sz="3600" b="1" dirty="0" smtClean="0"/>
+              <a:rPr lang="nl-NL" sz="3600" b="1" dirty="0"/>
               <a:t> </a:t>
             </a:r>
             <a:r>
-              <a:rPr lang="nl-NL" sz="3600" b="1" dirty="0" err="1" smtClean="0"/>
+              <a:rPr lang="nl-NL" sz="3600" b="1" dirty="0" err="1"/>
               <a:t>procrastination</a:t>
             </a:r>
             <a:r>
-              <a:rPr lang="nl-NL" sz="3600" b="1" dirty="0" smtClean="0"/>
+              <a:rPr lang="nl-NL" sz="3600" b="1" dirty="0"/>
               <a:t> </a:t>
             </a:r>
             <a:r>
-              <a:rPr lang="nl-NL" sz="3600" b="1" dirty="0" err="1" smtClean="0"/>
+              <a:rPr lang="nl-NL" sz="3600" b="1" dirty="0" err="1"/>
               <a:t>study</a:t>
             </a:r>
-            <a:endParaRPr lang="nl-NL" sz="3600" b="1" dirty="0" smtClean="0"/>
+            <a:endParaRPr lang="nl-NL" sz="3600" b="1" dirty="0"/>
           </a:p>
         </p:txBody>
       </p:sp>
@@ -3582,11 +3580,11 @@
           <a:p>
             <a:pPr algn="l"/>
             <a:r>
-              <a:rPr lang="nl-NL" sz="2400" b="1" dirty="0" err="1" smtClean="0"/>
+              <a:rPr lang="nl-NL" sz="2400" b="1" dirty="0" err="1"/>
               <a:t>Students</a:t>
             </a:r>
             <a:r>
-              <a:rPr lang="nl-NL" sz="2400" b="1" dirty="0" smtClean="0"/>
+              <a:rPr lang="nl-NL" sz="2400" b="1" dirty="0"/>
               <a:t>:</a:t>
             </a:r>
             <a:endParaRPr lang="nl-NL" sz="2400" dirty="0"/>
@@ -3595,57 +3593,32 @@
             <a:pPr algn="l"/>
             <a:r>
               <a:rPr lang="nl-NL" sz="2400" dirty="0"/>
-              <a:t>Yannick Hogebrug (</a:t>
-            </a:r>
-            <a:r>
-              <a:rPr lang="nl-NL" sz="2400" dirty="0" smtClean="0"/>
-              <a:t>2626424)</a:t>
-            </a:r>
-            <a:r>
-              <a:rPr lang="nl-NL" sz="2400" dirty="0"/>
-              <a:t/>
+              <a:t>Yannick Hogebrug (2626424)</a:t>
             </a:r>
             <a:br>
               <a:rPr lang="nl-NL" sz="2400" dirty="0"/>
             </a:br>
             <a:r>
               <a:rPr lang="nl-NL" sz="2400" dirty="0"/>
-              <a:t>Jesse </a:t>
-            </a:r>
-            <a:r>
-              <a:rPr lang="nl-NL" sz="2400" dirty="0" smtClean="0"/>
-              <a:t>Schouten (2621562</a:t>
-            </a:r>
-            <a:r>
-              <a:rPr lang="nl-NL" sz="2400" dirty="0" smtClean="0"/>
-              <a:t>)</a:t>
-            </a:r>
-            <a:endParaRPr lang="nl-NL" sz="2400" dirty="0" smtClean="0"/>
+              <a:t>Jesse Schouten (2621562)</a:t>
+            </a:r>
           </a:p>
           <a:p>
             <a:pPr algn="l"/>
-            <a:endParaRPr lang="nl-NL" sz="2400" dirty="0" smtClean="0"/>
+            <a:endParaRPr lang="nl-NL" sz="2400" dirty="0"/>
           </a:p>
           <a:p>
             <a:pPr algn="l"/>
             <a:r>
-              <a:rPr lang="en-US" sz="2400" b="1" dirty="0" smtClean="0"/>
-              <a:t>Business </a:t>
-            </a:r>
-            <a:r>
               <a:rPr lang="en-US" sz="2400" b="1" dirty="0"/>
-              <a:t>Analytics </a:t>
+              <a:t>Business Analytics </a:t>
             </a:r>
             <a:br>
               <a:rPr lang="en-US" sz="2400" b="1" dirty="0"/>
             </a:br>
             <a:r>
               <a:rPr lang="en-US" sz="2400" b="1" dirty="0"/>
-              <a:t>Course: Project Big data (X_400645</a:t>
-            </a:r>
-            <a:r>
-              <a:rPr lang="en-US" sz="2400" b="1" dirty="0" smtClean="0"/>
-              <a:t>)</a:t>
+              <a:t>Course: Project Big data (X_400645)</a:t>
             </a:r>
             <a:endParaRPr lang="nl-NL" sz="2400" dirty="0"/>
           </a:p>
@@ -3665,7 +3638,7 @@
           <a:blip r:embed="rId2" cstate="print">
             <a:extLst>
               <a:ext uri="{28A0092B-C50C-407E-A947-70E740481C1C}">
-                <a14:useLocalDpi xmlns:lc="http://schemas.openxmlformats.org/drawingml/2006/lockedCanvas" xmlns:pic="http://schemas.openxmlformats.org/drawingml/2006/picture" xmlns="" xmlns:wpc="http://schemas.microsoft.com/office/word/2010/wordprocessingCanvas" xmlns:cx="http://schemas.microsoft.com/office/drawing/2014/chartex" xmlns:cx1="http://schemas.microsoft.com/office/drawing/2015/9/8/chartex" xmlns:cx2="http://schemas.microsoft.com/office/drawing/2015/10/21/chartex" xmlns:cx3="http://schemas.microsoft.com/office/drawing/2016/5/9/chartex" xmlns:cx4="http://schemas.microsoft.com/office/drawing/2016/5/10/chartex" xmlns:cx5="http://schemas.microsoft.com/office/drawing/2016/5/11/chartex" xmlns:cx6="http://schemas.microsoft.com/office/drawing/2016/5/12/chartex" xmlns:cx7="http://schemas.microsoft.com/office/drawing/2016/5/13/chartex" xmlns:cx8="http://schemas.microsoft.com/office/drawing/2016/5/14/chartex" xmlns:mc="http://schemas.openxmlformats.org/markup-compatibility/2006" xmlns:aink="http://schemas.microsoft.com/office/drawing/2016/ink" xmlns:am3d="http://schemas.microsoft.com/office/drawing/2017/model3d" xmlns:o="urn:schemas-microsoft-com:office:office" xmlns:v="urn:schemas-microsoft-com:vml" xmlns:wp14="http://schemas.microsoft.com/office/word/2010/wordprocessingDrawing" xmlns:w10="urn:schemas-microsoft-com:office:word" xmlns:w="http://schemas.openxmlformats.org/wordprocessingml/2006/main" xmlns:w14="http://schemas.microsoft.com/office/word/2010/wordml" xmlns:w15="http://schemas.microsoft.com/office/word/2012/wordml" xmlns:w16cid="http://schemas.microsoft.com/office/word/2016/wordml/cid" xmlns:w16se="http://schemas.microsoft.com/office/word/2015/wordml/symex" xmlns:wpg="http://schemas.microsoft.com/office/word/2010/wordprocessingGroup" xmlns:wpi="http://schemas.microsoft.com/office/word/2010/wordprocessingInk" xmlns:wps="http://schemas.microsoft.com/office/word/2010/wordprocessingShape" xmlns:a14="http://schemas.microsoft.com/office/drawing/2010/main" xmlns:wne="http://schemas.microsoft.com/office/word/2006/wordml" xmlns:wp="http://schemas.openxmlformats.org/drawingml/2006/wordprocessingDrawing" xmlns:m="http://schemas.openxmlformats.org/officeDocument/2006/math" xmlns:ve="http://schemas.openxmlformats.org/markup-compatibility/2006" val="0"/>
+                <a14:useLocalDpi xmlns:a14="http://schemas.microsoft.com/office/drawing/2010/main" val="0"/>
               </a:ext>
             </a:extLst>
           </a:blip>
@@ -3705,10 +3678,9 @@
           <a:lstStyle/>
           <a:p>
             <a:r>
-              <a:rPr lang="nl-NL" dirty="0" smtClean="0"/>
+              <a:rPr lang="nl-NL" dirty="0"/>
               <a:t>28-06-2018</a:t>
             </a:r>
-            <a:endParaRPr lang="nl-NL" dirty="0" smtClean="0"/>
           </a:p>
         </p:txBody>
       </p:sp>
@@ -3737,142 +3709,6 @@
           <a:chExt cx="0" cy="0"/>
         </a:xfrm>
       </p:grpSpPr>
-      <p:sp>
-        <p:nvSpPr>
-          <p:cNvPr id="2" name="Titel 1"/>
-          <p:cNvSpPr>
-            <a:spLocks noGrp="1"/>
-          </p:cNvSpPr>
-          <p:nvPr>
-            <p:ph type="ctrTitle"/>
-          </p:nvPr>
-        </p:nvSpPr>
-        <p:spPr>
-          <a:xfrm>
-            <a:off x="827584" y="1196752"/>
-            <a:ext cx="7772400" cy="1470025"/>
-          </a:xfrm>
-        </p:spPr>
-        <p:txBody>
-          <a:bodyPr/>
-          <a:lstStyle/>
-          <a:p>
-            <a:r>
-              <a:rPr lang="nl-NL" dirty="0" err="1" smtClean="0"/>
-              <a:t>Analysis</a:t>
-            </a:r>
-            <a:r>
-              <a:rPr lang="nl-NL" dirty="0" smtClean="0"/>
-              <a:t> of a HUE </a:t>
-            </a:r>
-            <a:r>
-              <a:rPr lang="nl-NL" dirty="0" err="1" smtClean="0"/>
-              <a:t>bedtime</a:t>
-            </a:r>
-            <a:r>
-              <a:rPr lang="nl-NL" dirty="0" smtClean="0"/>
-              <a:t> </a:t>
-            </a:r>
-            <a:r>
-              <a:rPr lang="nl-NL" dirty="0" err="1" smtClean="0"/>
-              <a:t>procastination</a:t>
-            </a:r>
-            <a:r>
-              <a:rPr lang="nl-NL" dirty="0" smtClean="0"/>
-              <a:t> </a:t>
-            </a:r>
-            <a:r>
-              <a:rPr lang="nl-NL" dirty="0" err="1" smtClean="0"/>
-              <a:t>study</a:t>
-            </a:r>
-            <a:endParaRPr lang="nl-NL" dirty="0"/>
-          </a:p>
-        </p:txBody>
-      </p:sp>
-      <p:sp>
-        <p:nvSpPr>
-          <p:cNvPr id="3" name="Ondertitel 2"/>
-          <p:cNvSpPr>
-            <a:spLocks noGrp="1"/>
-          </p:cNvSpPr>
-          <p:nvPr>
-            <p:ph type="subTitle" idx="1"/>
-          </p:nvPr>
-        </p:nvSpPr>
-        <p:spPr>
-          <a:xfrm>
-            <a:off x="1331640" y="2996952"/>
-            <a:ext cx="6400800" cy="3168352"/>
-          </a:xfrm>
-        </p:spPr>
-        <p:txBody>
-          <a:bodyPr>
-            <a:normAutofit lnSpcReduction="10000"/>
-          </a:bodyPr>
-          <a:lstStyle/>
-          <a:p>
-            <a:pPr algn="l"/>
-            <a:r>
-              <a:rPr lang="nl-NL" b="1" dirty="0" err="1" smtClean="0"/>
-              <a:t>Students</a:t>
-            </a:r>
-            <a:r>
-              <a:rPr lang="nl-NL" b="1" dirty="0" smtClean="0"/>
-              <a:t>:</a:t>
-            </a:r>
-            <a:endParaRPr lang="nl-NL" dirty="0"/>
-          </a:p>
-          <a:p>
-            <a:pPr algn="l"/>
-            <a:r>
-              <a:rPr lang="nl-NL" dirty="0"/>
-              <a:t>Yannick Hogebrug (</a:t>
-            </a:r>
-            <a:r>
-              <a:rPr lang="nl-NL" dirty="0" smtClean="0"/>
-              <a:t>2626424)</a:t>
-            </a:r>
-            <a:r>
-              <a:rPr lang="nl-NL" dirty="0"/>
-              <a:t/>
-            </a:r>
-            <a:br>
-              <a:rPr lang="nl-NL" dirty="0"/>
-            </a:br>
-            <a:r>
-              <a:rPr lang="nl-NL" dirty="0"/>
-              <a:t>Jesse </a:t>
-            </a:r>
-            <a:r>
-              <a:rPr lang="nl-NL" dirty="0" smtClean="0"/>
-              <a:t>Schouten (2621562)</a:t>
-            </a:r>
-          </a:p>
-          <a:p>
-            <a:pPr algn="l"/>
-            <a:endParaRPr lang="nl-NL" dirty="0"/>
-          </a:p>
-          <a:p>
-            <a:pPr algn="l"/>
-            <a:r>
-              <a:rPr lang="en-US" b="1" dirty="0"/>
-              <a:t>Business Analytics </a:t>
-            </a:r>
-            <a:br>
-              <a:rPr lang="en-US" b="1" dirty="0"/>
-            </a:br>
-            <a:r>
-              <a:rPr lang="en-US" b="1" dirty="0"/>
-              <a:t>Course: Project Big data (X_400645).</a:t>
-            </a:r>
-            <a:endParaRPr lang="nl-NL" dirty="0"/>
-          </a:p>
-          <a:p>
-            <a:pPr algn="l"/>
-            <a:endParaRPr lang="nl-NL" dirty="0"/>
-          </a:p>
-        </p:txBody>
-      </p:sp>
       <p:pic>
         <p:nvPicPr>
           <p:cNvPr id="4" name="Picture 1"/>
@@ -3883,7 +3719,7 @@
           <a:blip r:embed="rId2" cstate="print">
             <a:extLst>
               <a:ext uri="{28A0092B-C50C-407E-A947-70E740481C1C}">
-                <a14:useLocalDpi xmlns:lc="http://schemas.openxmlformats.org/drawingml/2006/lockedCanvas" xmlns:pic="http://schemas.openxmlformats.org/drawingml/2006/picture" xmlns="" xmlns:wpc="http://schemas.microsoft.com/office/word/2010/wordprocessingCanvas" xmlns:cx="http://schemas.microsoft.com/office/drawing/2014/chartex" xmlns:cx1="http://schemas.microsoft.com/office/drawing/2015/9/8/chartex" xmlns:cx2="http://schemas.microsoft.com/office/drawing/2015/10/21/chartex" xmlns:cx3="http://schemas.microsoft.com/office/drawing/2016/5/9/chartex" xmlns:cx4="http://schemas.microsoft.com/office/drawing/2016/5/10/chartex" xmlns:cx5="http://schemas.microsoft.com/office/drawing/2016/5/11/chartex" xmlns:cx6="http://schemas.microsoft.com/office/drawing/2016/5/12/chartex" xmlns:cx7="http://schemas.microsoft.com/office/drawing/2016/5/13/chartex" xmlns:cx8="http://schemas.microsoft.com/office/drawing/2016/5/14/chartex" xmlns:mc="http://schemas.openxmlformats.org/markup-compatibility/2006" xmlns:aink="http://schemas.microsoft.com/office/drawing/2016/ink" xmlns:am3d="http://schemas.microsoft.com/office/drawing/2017/model3d" xmlns:o="urn:schemas-microsoft-com:office:office" xmlns:v="urn:schemas-microsoft-com:vml" xmlns:wp14="http://schemas.microsoft.com/office/word/2010/wordprocessingDrawing" xmlns:w10="urn:schemas-microsoft-com:office:word" xmlns:w="http://schemas.openxmlformats.org/wordprocessingml/2006/main" xmlns:w14="http://schemas.microsoft.com/office/word/2010/wordml" xmlns:w15="http://schemas.microsoft.com/office/word/2012/wordml" xmlns:w16cid="http://schemas.microsoft.com/office/word/2016/wordml/cid" xmlns:w16se="http://schemas.microsoft.com/office/word/2015/wordml/symex" xmlns:wpg="http://schemas.microsoft.com/office/word/2010/wordprocessingGroup" xmlns:wpi="http://schemas.microsoft.com/office/word/2010/wordprocessingInk" xmlns:wps="http://schemas.microsoft.com/office/word/2010/wordprocessingShape" xmlns:a14="http://schemas.microsoft.com/office/drawing/2010/main" xmlns:wne="http://schemas.microsoft.com/office/word/2006/wordml" xmlns:wp="http://schemas.openxmlformats.org/drawingml/2006/wordprocessingDrawing" xmlns:m="http://schemas.openxmlformats.org/officeDocument/2006/math" xmlns:ve="http://schemas.openxmlformats.org/markup-compatibility/2006" val="0"/>
+                <a14:useLocalDpi xmlns:a14="http://schemas.microsoft.com/office/drawing/2010/main" val="0"/>
               </a:ext>
             </a:extLst>
           </a:blip>
@@ -3901,7 +3737,124 @@
           </a:prstGeom>
         </p:spPr>
       </p:pic>
+      <p:sp>
+        <p:nvSpPr>
+          <p:cNvPr id="8" name="Subtitle 7">
+            <a:extLst>
+              <a:ext uri="{FF2B5EF4-FFF2-40B4-BE49-F238E27FC236}">
+                <a16:creationId xmlns:a16="http://schemas.microsoft.com/office/drawing/2014/main" id="{454A8972-9233-4B42-AF20-C88B8520663D}"/>
+              </a:ext>
+            </a:extLst>
+          </p:cNvPr>
+          <p:cNvSpPr>
+            <a:spLocks noGrp="1"/>
+          </p:cNvSpPr>
+          <p:nvPr>
+            <p:ph type="subTitle" idx="1"/>
+          </p:nvPr>
+        </p:nvSpPr>
+        <p:spPr>
+          <a:xfrm>
+            <a:off x="1371600" y="2492896"/>
+            <a:ext cx="6400800" cy="3145904"/>
+          </a:xfrm>
+        </p:spPr>
+        <p:txBody>
+          <a:bodyPr/>
+          <a:lstStyle/>
+          <a:p>
+            <a:endParaRPr lang="en-NL" dirty="0"/>
+          </a:p>
+        </p:txBody>
+      </p:sp>
+      <p:sp>
+        <p:nvSpPr>
+          <p:cNvPr id="5" name="Title 5">
+            <a:extLst>
+              <a:ext uri="{FF2B5EF4-FFF2-40B4-BE49-F238E27FC236}">
+                <a16:creationId xmlns:a16="http://schemas.microsoft.com/office/drawing/2014/main" id="{7B0B6C6B-1C1B-44C3-AE31-D9552B23A930}"/>
+              </a:ext>
+            </a:extLst>
+          </p:cNvPr>
+          <p:cNvSpPr txBox="1">
+            <a:spLocks/>
+          </p:cNvSpPr>
+          <p:nvPr/>
+        </p:nvSpPr>
+        <p:spPr>
+          <a:xfrm>
+            <a:off x="685800" y="1052736"/>
+            <a:ext cx="7772400" cy="1112626"/>
+          </a:xfrm>
+          <a:prstGeom prst="rect">
+            <a:avLst/>
+          </a:prstGeom>
+        </p:spPr>
+        <p:txBody>
+          <a:bodyPr vert="horz" lIns="91440" tIns="45720" rIns="91440" bIns="45720" rtlCol="0" anchor="ctr">
+            <a:normAutofit/>
+          </a:bodyPr>
+          <a:lstStyle>
+            <a:lvl1pPr algn="ctr" defTabSz="914400" rtl="0" eaLnBrk="1" latinLnBrk="0" hangingPunct="1">
+              <a:spcBef>
+                <a:spcPct val="0"/>
+              </a:spcBef>
+              <a:buNone/>
+              <a:defRPr sz="4400" kern="1200">
+                <a:solidFill>
+                  <a:schemeClr val="tx1"/>
+                </a:solidFill>
+                <a:latin typeface="+mj-lt"/>
+                <a:ea typeface="+mj-ea"/>
+                <a:cs typeface="+mj-cs"/>
+              </a:defRPr>
+            </a:lvl1pPr>
+          </a:lstStyle>
+          <a:p>
+            <a:r>
+              <a:rPr lang="en-US" dirty="0"/>
+              <a:t>Participant groups</a:t>
+            </a:r>
+            <a:endParaRPr lang="en-NL" dirty="0"/>
+          </a:p>
+        </p:txBody>
+      </p:sp>
+      <p:pic>
+        <p:nvPicPr>
+          <p:cNvPr id="2" name="Picture 1">
+            <a:extLst>
+              <a:ext uri="{FF2B5EF4-FFF2-40B4-BE49-F238E27FC236}">
+                <a16:creationId xmlns:a16="http://schemas.microsoft.com/office/drawing/2014/main" id="{92EDBE8E-0F53-48C1-9C0E-5021DF6B32E5}"/>
+              </a:ext>
+            </a:extLst>
+          </p:cNvPr>
+          <p:cNvPicPr>
+            <a:picLocks noChangeAspect="1"/>
+          </p:cNvPicPr>
+          <p:nvPr/>
+        </p:nvPicPr>
+        <p:blipFill>
+          <a:blip r:embed="rId3"/>
+          <a:stretch>
+            <a:fillRect/>
+          </a:stretch>
+        </p:blipFill>
+        <p:spPr>
+          <a:xfrm>
+            <a:off x="1375049" y="2186389"/>
+            <a:ext cx="6400800" cy="4413239"/>
+          </a:xfrm>
+          <a:prstGeom prst="rect">
+            <a:avLst/>
+          </a:prstGeom>
+        </p:spPr>
+      </p:pic>
     </p:spTree>
+    <p:extLst>
+      <p:ext uri="{BB962C8B-B14F-4D97-AF65-F5344CB8AC3E}">
+        <p14:creationId xmlns:p14="http://schemas.microsoft.com/office/powerpoint/2010/main" val="244179176"/>
+      </p:ext>
+    </p:extLst>
   </p:cSld>
   <p:clrMapOvr>
     <a:masterClrMapping/>
@@ -3926,118 +3879,6 @@
           <a:chExt cx="0" cy="0"/>
         </a:xfrm>
       </p:grpSpPr>
-      <p:sp>
-        <p:nvSpPr>
-          <p:cNvPr id="2" name="Titel 1"/>
-          <p:cNvSpPr>
-            <a:spLocks noGrp="1"/>
-          </p:cNvSpPr>
-          <p:nvPr>
-            <p:ph type="ctrTitle"/>
-          </p:nvPr>
-        </p:nvSpPr>
-        <p:spPr>
-          <a:xfrm>
-            <a:off x="827584" y="1196752"/>
-            <a:ext cx="7772400" cy="1470025"/>
-          </a:xfrm>
-        </p:spPr>
-        <p:txBody>
-          <a:bodyPr/>
-          <a:lstStyle/>
-          <a:p>
-            <a:r>
-              <a:rPr lang="nl-NL" dirty="0" err="1" smtClean="0"/>
-              <a:t>Conclusion</a:t>
-            </a:r>
-            <a:endParaRPr lang="nl-NL" dirty="0"/>
-          </a:p>
-        </p:txBody>
-      </p:sp>
-      <p:sp>
-        <p:nvSpPr>
-          <p:cNvPr id="3" name="Ondertitel 2"/>
-          <p:cNvSpPr>
-            <a:spLocks noGrp="1"/>
-          </p:cNvSpPr>
-          <p:nvPr>
-            <p:ph type="subTitle" idx="1"/>
-          </p:nvPr>
-        </p:nvSpPr>
-        <p:spPr>
-          <a:xfrm>
-            <a:off x="1331640" y="2996952"/>
-            <a:ext cx="6400800" cy="3168352"/>
-          </a:xfrm>
-        </p:spPr>
-        <p:txBody>
-          <a:bodyPr>
-            <a:normAutofit lnSpcReduction="10000"/>
-          </a:bodyPr>
-          <a:lstStyle/>
-          <a:p>
-            <a:pPr algn="l"/>
-            <a:r>
-              <a:rPr lang="nl-NL" b="1" dirty="0" err="1" smtClean="0"/>
-              <a:t>Students</a:t>
-            </a:r>
-            <a:r>
-              <a:rPr lang="nl-NL" b="1" dirty="0" smtClean="0"/>
-              <a:t>:</a:t>
-            </a:r>
-            <a:endParaRPr lang="nl-NL" dirty="0"/>
-          </a:p>
-          <a:p>
-            <a:pPr algn="l"/>
-            <a:r>
-              <a:rPr lang="nl-NL" dirty="0"/>
-              <a:t>Yannick Hogebrug (</a:t>
-            </a:r>
-            <a:r>
-              <a:rPr lang="nl-NL" dirty="0" smtClean="0"/>
-              <a:t>2626424)</a:t>
-            </a:r>
-            <a:r>
-              <a:rPr lang="nl-NL" dirty="0"/>
-              <a:t/>
-            </a:r>
-            <a:br>
-              <a:rPr lang="nl-NL" dirty="0"/>
-            </a:br>
-            <a:r>
-              <a:rPr lang="nl-NL" dirty="0"/>
-              <a:t>Jesse </a:t>
-            </a:r>
-            <a:r>
-              <a:rPr lang="nl-NL" dirty="0" smtClean="0"/>
-              <a:t>Schouten (2621562)</a:t>
-            </a:r>
-          </a:p>
-          <a:p>
-            <a:pPr algn="l"/>
-            <a:endParaRPr lang="nl-NL" dirty="0"/>
-          </a:p>
-          <a:p>
-            <a:pPr algn="l"/>
-            <a:r>
-              <a:rPr lang="en-US" b="1" dirty="0"/>
-              <a:t>Business Analytics </a:t>
-            </a:r>
-            <a:br>
-              <a:rPr lang="en-US" b="1" dirty="0"/>
-            </a:br>
-            <a:r>
-              <a:rPr lang="en-US" b="1" dirty="0"/>
-              <a:t>Course: Project Big data (X_400645).</a:t>
-            </a:r>
-            <a:endParaRPr lang="nl-NL" dirty="0"/>
-          </a:p>
-          <a:p>
-            <a:pPr algn="l"/>
-            <a:endParaRPr lang="nl-NL" dirty="0"/>
-          </a:p>
-        </p:txBody>
-      </p:sp>
       <p:pic>
         <p:nvPicPr>
           <p:cNvPr id="4" name="Picture 1"/>
@@ -4048,7 +3889,7 @@
           <a:blip r:embed="rId2" cstate="print">
             <a:extLst>
               <a:ext uri="{28A0092B-C50C-407E-A947-70E740481C1C}">
-                <a14:useLocalDpi xmlns:lc="http://schemas.openxmlformats.org/drawingml/2006/lockedCanvas" xmlns:pic="http://schemas.openxmlformats.org/drawingml/2006/picture" xmlns="" xmlns:wpc="http://schemas.microsoft.com/office/word/2010/wordprocessingCanvas" xmlns:cx="http://schemas.microsoft.com/office/drawing/2014/chartex" xmlns:cx1="http://schemas.microsoft.com/office/drawing/2015/9/8/chartex" xmlns:cx2="http://schemas.microsoft.com/office/drawing/2015/10/21/chartex" xmlns:cx3="http://schemas.microsoft.com/office/drawing/2016/5/9/chartex" xmlns:cx4="http://schemas.microsoft.com/office/drawing/2016/5/10/chartex" xmlns:cx5="http://schemas.microsoft.com/office/drawing/2016/5/11/chartex" xmlns:cx6="http://schemas.microsoft.com/office/drawing/2016/5/12/chartex" xmlns:cx7="http://schemas.microsoft.com/office/drawing/2016/5/13/chartex" xmlns:cx8="http://schemas.microsoft.com/office/drawing/2016/5/14/chartex" xmlns:mc="http://schemas.openxmlformats.org/markup-compatibility/2006" xmlns:aink="http://schemas.microsoft.com/office/drawing/2016/ink" xmlns:am3d="http://schemas.microsoft.com/office/drawing/2017/model3d" xmlns:o="urn:schemas-microsoft-com:office:office" xmlns:v="urn:schemas-microsoft-com:vml" xmlns:wp14="http://schemas.microsoft.com/office/word/2010/wordprocessingDrawing" xmlns:w10="urn:schemas-microsoft-com:office:word" xmlns:w="http://schemas.openxmlformats.org/wordprocessingml/2006/main" xmlns:w14="http://schemas.microsoft.com/office/word/2010/wordml" xmlns:w15="http://schemas.microsoft.com/office/word/2012/wordml" xmlns:w16cid="http://schemas.microsoft.com/office/word/2016/wordml/cid" xmlns:w16se="http://schemas.microsoft.com/office/word/2015/wordml/symex" xmlns:wpg="http://schemas.microsoft.com/office/word/2010/wordprocessingGroup" xmlns:wpi="http://schemas.microsoft.com/office/word/2010/wordprocessingInk" xmlns:wps="http://schemas.microsoft.com/office/word/2010/wordprocessingShape" xmlns:a14="http://schemas.microsoft.com/office/drawing/2010/main" xmlns:wne="http://schemas.microsoft.com/office/word/2006/wordml" xmlns:wp="http://schemas.openxmlformats.org/drawingml/2006/wordprocessingDrawing" xmlns:m="http://schemas.openxmlformats.org/officeDocument/2006/math" xmlns:ve="http://schemas.openxmlformats.org/markup-compatibility/2006" val="0"/>
+                <a14:useLocalDpi xmlns:a14="http://schemas.microsoft.com/office/drawing/2010/main" val="0"/>
               </a:ext>
             </a:extLst>
           </a:blip>
@@ -4066,7 +3907,117 @@
           </a:prstGeom>
         </p:spPr>
       </p:pic>
+      <p:sp>
+        <p:nvSpPr>
+          <p:cNvPr id="6" name="Title 5">
+            <a:extLst>
+              <a:ext uri="{FF2B5EF4-FFF2-40B4-BE49-F238E27FC236}">
+                <a16:creationId xmlns:a16="http://schemas.microsoft.com/office/drawing/2014/main" id="{B33F28D2-DB9D-4CA5-9CBD-2424D610BF7E}"/>
+              </a:ext>
+            </a:extLst>
+          </p:cNvPr>
+          <p:cNvSpPr>
+            <a:spLocks noGrp="1"/>
+          </p:cNvSpPr>
+          <p:nvPr>
+            <p:ph type="ctrTitle"/>
+          </p:nvPr>
+        </p:nvSpPr>
+        <p:spPr>
+          <a:xfrm>
+            <a:off x="685800" y="1162050"/>
+            <a:ext cx="7772400" cy="1470025"/>
+          </a:xfrm>
+        </p:spPr>
+        <p:txBody>
+          <a:bodyPr/>
+          <a:lstStyle/>
+          <a:p>
+            <a:r>
+              <a:rPr lang="en-US" dirty="0"/>
+              <a:t>Predicting delay time</a:t>
+            </a:r>
+            <a:endParaRPr lang="en-NL" dirty="0"/>
+          </a:p>
+        </p:txBody>
+      </p:sp>
+      <p:sp>
+        <p:nvSpPr>
+          <p:cNvPr id="7" name="Subtitle 7">
+            <a:extLst>
+              <a:ext uri="{FF2B5EF4-FFF2-40B4-BE49-F238E27FC236}">
+                <a16:creationId xmlns:a16="http://schemas.microsoft.com/office/drawing/2014/main" id="{8BF862B6-57E2-44E1-933C-41C446A759B0}"/>
+              </a:ext>
+            </a:extLst>
+          </p:cNvPr>
+          <p:cNvSpPr>
+            <a:spLocks noGrp="1"/>
+          </p:cNvSpPr>
+          <p:nvPr>
+            <p:ph type="subTitle" idx="1"/>
+          </p:nvPr>
+        </p:nvSpPr>
+        <p:spPr>
+          <a:xfrm>
+            <a:off x="467544" y="2564904"/>
+            <a:ext cx="8280920" cy="3888432"/>
+          </a:xfrm>
+        </p:spPr>
+        <p:txBody>
+          <a:bodyPr>
+            <a:normAutofit/>
+          </a:bodyPr>
+          <a:lstStyle/>
+          <a:p>
+            <a:pPr marL="457200" indent="-457200" algn="l">
+              <a:buFont typeface="Arial" panose="020B0604020202020204" pitchFamily="34" charset="0"/>
+              <a:buChar char="•"/>
+            </a:pPr>
+            <a:r>
+              <a:rPr lang="en-US" dirty="0"/>
+              <a:t>High correlation with </a:t>
+            </a:r>
+            <a:r>
+              <a:rPr lang="en-US" dirty="0" err="1"/>
+              <a:t>bp_scale</a:t>
+            </a:r>
+            <a:r>
+              <a:rPr lang="en-US" dirty="0"/>
+              <a:t> </a:t>
+            </a:r>
+          </a:p>
+          <a:p>
+            <a:pPr marL="457200" indent="-457200" algn="l">
+              <a:buFont typeface="Arial" panose="020B0604020202020204" pitchFamily="34" charset="0"/>
+              <a:buChar char="•"/>
+            </a:pPr>
+            <a:r>
+              <a:rPr lang="en-US" dirty="0"/>
+              <a:t>Possible difference in participant group.</a:t>
+            </a:r>
+          </a:p>
+          <a:p>
+            <a:pPr marL="457200" indent="-457200" algn="l">
+              <a:buFont typeface="Arial" panose="020B0604020202020204" pitchFamily="34" charset="0"/>
+              <a:buChar char="•"/>
+            </a:pPr>
+            <a:r>
+              <a:rPr lang="en-US" dirty="0"/>
+              <a:t>By context: chronotype</a:t>
+            </a:r>
+          </a:p>
+          <a:p>
+            <a:pPr algn="l"/>
+            <a:endParaRPr lang="en-US" dirty="0"/>
+          </a:p>
+        </p:txBody>
+      </p:sp>
     </p:spTree>
+    <p:extLst>
+      <p:ext uri="{BB962C8B-B14F-4D97-AF65-F5344CB8AC3E}">
+        <p14:creationId xmlns:p14="http://schemas.microsoft.com/office/powerpoint/2010/main" val="164272246"/>
+      </p:ext>
+    </p:extLst>
   </p:cSld>
   <p:clrMapOvr>
     <a:masterClrMapping/>
@@ -4091,6 +4042,552 @@
           <a:chExt cx="0" cy="0"/>
         </a:xfrm>
       </p:grpSpPr>
+      <p:pic>
+        <p:nvPicPr>
+          <p:cNvPr id="4" name="Picture 3">
+            <a:extLst>
+              <a:ext uri="{FF2B5EF4-FFF2-40B4-BE49-F238E27FC236}">
+                <a16:creationId xmlns:a16="http://schemas.microsoft.com/office/drawing/2014/main" id="{84777371-A2F3-4223-99B4-0814C26F8C9B}"/>
+              </a:ext>
+            </a:extLst>
+          </p:cNvPr>
+          <p:cNvPicPr/>
+          <p:nvPr/>
+        </p:nvPicPr>
+        <p:blipFill>
+          <a:blip r:embed="rId2">
+            <a:extLst>
+              <a:ext uri="{28A0092B-C50C-407E-A947-70E740481C1C}">
+                <a14:useLocalDpi xmlns:a14="http://schemas.microsoft.com/office/drawing/2010/main" val="0"/>
+              </a:ext>
+            </a:extLst>
+          </a:blip>
+          <a:stretch>
+            <a:fillRect/>
+          </a:stretch>
+        </p:blipFill>
+        <p:spPr>
+          <a:xfrm>
+            <a:off x="1331640" y="1268760"/>
+            <a:ext cx="6264696" cy="4633292"/>
+          </a:xfrm>
+          <a:prstGeom prst="rect">
+            <a:avLst/>
+          </a:prstGeom>
+        </p:spPr>
+      </p:pic>
+      <p:pic>
+        <p:nvPicPr>
+          <p:cNvPr id="5" name="Picture 1">
+            <a:extLst>
+              <a:ext uri="{FF2B5EF4-FFF2-40B4-BE49-F238E27FC236}">
+                <a16:creationId xmlns:a16="http://schemas.microsoft.com/office/drawing/2014/main" id="{D46A3EDF-8FBF-4EC5-8A13-A040152E209F}"/>
+              </a:ext>
+            </a:extLst>
+          </p:cNvPr>
+          <p:cNvPicPr/>
+          <p:nvPr/>
+        </p:nvPicPr>
+        <p:blipFill>
+          <a:blip r:embed="rId3" cstate="print">
+            <a:extLst>
+              <a:ext uri="{28A0092B-C50C-407E-A947-70E740481C1C}">
+                <a14:useLocalDpi xmlns:a14="http://schemas.microsoft.com/office/drawing/2010/main" val="0"/>
+              </a:ext>
+            </a:extLst>
+          </a:blip>
+          <a:stretch>
+            <a:fillRect/>
+          </a:stretch>
+        </p:blipFill>
+        <p:spPr>
+          <a:xfrm>
+            <a:off x="0" y="0"/>
+            <a:ext cx="3933825" cy="1162050"/>
+          </a:xfrm>
+          <a:prstGeom prst="rect">
+            <a:avLst/>
+          </a:prstGeom>
+        </p:spPr>
+      </p:pic>
+    </p:spTree>
+    <p:extLst>
+      <p:ext uri="{BB962C8B-B14F-4D97-AF65-F5344CB8AC3E}">
+        <p14:creationId xmlns:p14="http://schemas.microsoft.com/office/powerpoint/2010/main" val="1186068392"/>
+      </p:ext>
+    </p:extLst>
+  </p:cSld>
+  <p:clrMapOvr>
+    <a:masterClrMapping/>
+  </p:clrMapOvr>
+</p:sld>
+</file>
+
+<file path=ppt/slides/slide13.xml><?xml version="1.0" encoding="utf-8"?>
+<p:sld xmlns:a="http://schemas.openxmlformats.org/drawingml/2006/main" xmlns:r="http://schemas.openxmlformats.org/officeDocument/2006/relationships" xmlns:p="http://schemas.openxmlformats.org/presentationml/2006/main">
+  <p:cSld>
+    <p:spTree>
+      <p:nvGrpSpPr>
+        <p:cNvPr id="1" name=""/>
+        <p:cNvGrpSpPr/>
+        <p:nvPr/>
+      </p:nvGrpSpPr>
+      <p:grpSpPr>
+        <a:xfrm>
+          <a:off x="0" y="0"/>
+          <a:ext cx="0" cy="0"/>
+          <a:chOff x="0" y="0"/>
+          <a:chExt cx="0" cy="0"/>
+        </a:xfrm>
+      </p:grpSpPr>
+      <p:sp>
+        <p:nvSpPr>
+          <p:cNvPr id="2" name="Title 1">
+            <a:extLst>
+              <a:ext uri="{FF2B5EF4-FFF2-40B4-BE49-F238E27FC236}">
+                <a16:creationId xmlns:a16="http://schemas.microsoft.com/office/drawing/2014/main" id="{38208A00-AE3D-40A5-8FD6-25DFD26B7B4D}"/>
+              </a:ext>
+            </a:extLst>
+          </p:cNvPr>
+          <p:cNvSpPr>
+            <a:spLocks noGrp="1"/>
+          </p:cNvSpPr>
+          <p:nvPr>
+            <p:ph type="title"/>
+          </p:nvPr>
+        </p:nvSpPr>
+        <p:spPr>
+          <a:xfrm>
+            <a:off x="539552" y="914399"/>
+            <a:ext cx="8229600" cy="1143000"/>
+          </a:xfrm>
+        </p:spPr>
+        <p:txBody>
+          <a:bodyPr/>
+          <a:lstStyle/>
+          <a:p>
+            <a:r>
+              <a:rPr lang="en-US" dirty="0"/>
+              <a:t>Final model</a:t>
+            </a:r>
+            <a:endParaRPr lang="en-NL" dirty="0"/>
+          </a:p>
+        </p:txBody>
+      </p:sp>
+      <p:sp>
+        <p:nvSpPr>
+          <p:cNvPr id="3" name="Content Placeholder 2">
+            <a:extLst>
+              <a:ext uri="{FF2B5EF4-FFF2-40B4-BE49-F238E27FC236}">
+                <a16:creationId xmlns:a16="http://schemas.microsoft.com/office/drawing/2014/main" id="{1A3E0722-2FD9-4C18-B0B9-4AB55D490DF2}"/>
+              </a:ext>
+            </a:extLst>
+          </p:cNvPr>
+          <p:cNvSpPr>
+            <a:spLocks noGrp="1"/>
+          </p:cNvSpPr>
+          <p:nvPr>
+            <p:ph idx="1"/>
+          </p:nvPr>
+        </p:nvSpPr>
+        <p:spPr>
+          <a:xfrm>
+            <a:off x="457200" y="2057399"/>
+            <a:ext cx="8229600" cy="4525963"/>
+          </a:xfrm>
+        </p:spPr>
+        <p:txBody>
+          <a:bodyPr/>
+          <a:lstStyle/>
+          <a:p>
+            <a:r>
+              <a:rPr lang="en-US" dirty="0"/>
+              <a:t>R-squared: 0.475</a:t>
+            </a:r>
+          </a:p>
+          <a:p>
+            <a:endParaRPr lang="en-US" dirty="0"/>
+          </a:p>
+          <a:p>
+            <a:r>
+              <a:rPr lang="en-US" dirty="0"/>
+              <a:t>Not significantly better to include chronotype and group</a:t>
+            </a:r>
+          </a:p>
+          <a:p>
+            <a:endParaRPr lang="en-US" dirty="0"/>
+          </a:p>
+        </p:txBody>
+      </p:sp>
+      <p:pic>
+        <p:nvPicPr>
+          <p:cNvPr id="5" name="Picture 1">
+            <a:extLst>
+              <a:ext uri="{FF2B5EF4-FFF2-40B4-BE49-F238E27FC236}">
+                <a16:creationId xmlns:a16="http://schemas.microsoft.com/office/drawing/2014/main" id="{DB2CB398-EB6B-4FB8-ACF5-FB16CF4D09B1}"/>
+              </a:ext>
+            </a:extLst>
+          </p:cNvPr>
+          <p:cNvPicPr/>
+          <p:nvPr/>
+        </p:nvPicPr>
+        <p:blipFill>
+          <a:blip r:embed="rId2" cstate="print">
+            <a:extLst>
+              <a:ext uri="{28A0092B-C50C-407E-A947-70E740481C1C}">
+                <a14:useLocalDpi xmlns:a14="http://schemas.microsoft.com/office/drawing/2010/main" val="0"/>
+              </a:ext>
+            </a:extLst>
+          </a:blip>
+          <a:stretch>
+            <a:fillRect/>
+          </a:stretch>
+        </p:blipFill>
+        <p:spPr>
+          <a:xfrm>
+            <a:off x="0" y="0"/>
+            <a:ext cx="3933825" cy="1162050"/>
+          </a:xfrm>
+          <a:prstGeom prst="rect">
+            <a:avLst/>
+          </a:prstGeom>
+        </p:spPr>
+      </p:pic>
+    </p:spTree>
+    <p:extLst>
+      <p:ext uri="{BB962C8B-B14F-4D97-AF65-F5344CB8AC3E}">
+        <p14:creationId xmlns:p14="http://schemas.microsoft.com/office/powerpoint/2010/main" val="2033102441"/>
+      </p:ext>
+    </p:extLst>
+  </p:cSld>
+  <p:clrMapOvr>
+    <a:masterClrMapping/>
+  </p:clrMapOvr>
+</p:sld>
+</file>
+
+<file path=ppt/slides/slide14.xml><?xml version="1.0" encoding="utf-8"?>
+<p:sld xmlns:a="http://schemas.openxmlformats.org/drawingml/2006/main" xmlns:r="http://schemas.openxmlformats.org/officeDocument/2006/relationships" xmlns:p="http://schemas.openxmlformats.org/presentationml/2006/main">
+  <p:cSld>
+    <p:spTree>
+      <p:nvGrpSpPr>
+        <p:cNvPr id="1" name=""/>
+        <p:cNvGrpSpPr/>
+        <p:nvPr/>
+      </p:nvGrpSpPr>
+      <p:grpSpPr>
+        <a:xfrm>
+          <a:off x="0" y="0"/>
+          <a:ext cx="0" cy="0"/>
+          <a:chOff x="0" y="0"/>
+          <a:chExt cx="0" cy="0"/>
+        </a:xfrm>
+      </p:grpSpPr>
+      <p:sp>
+        <p:nvSpPr>
+          <p:cNvPr id="2" name="Title 1">
+            <a:extLst>
+              <a:ext uri="{FF2B5EF4-FFF2-40B4-BE49-F238E27FC236}">
+                <a16:creationId xmlns:a16="http://schemas.microsoft.com/office/drawing/2014/main" id="{38208A00-AE3D-40A5-8FD6-25DFD26B7B4D}"/>
+              </a:ext>
+            </a:extLst>
+          </p:cNvPr>
+          <p:cNvSpPr>
+            <a:spLocks noGrp="1"/>
+          </p:cNvSpPr>
+          <p:nvPr>
+            <p:ph type="title"/>
+          </p:nvPr>
+        </p:nvSpPr>
+        <p:spPr>
+          <a:xfrm>
+            <a:off x="457200" y="1028700"/>
+            <a:ext cx="8229600" cy="1143000"/>
+          </a:xfrm>
+        </p:spPr>
+        <p:txBody>
+          <a:bodyPr/>
+          <a:lstStyle/>
+          <a:p>
+            <a:r>
+              <a:rPr lang="en-US" dirty="0"/>
+              <a:t>Discussion</a:t>
+            </a:r>
+            <a:endParaRPr lang="en-NL" dirty="0"/>
+          </a:p>
+        </p:txBody>
+      </p:sp>
+      <p:sp>
+        <p:nvSpPr>
+          <p:cNvPr id="3" name="Content Placeholder 2">
+            <a:extLst>
+              <a:ext uri="{FF2B5EF4-FFF2-40B4-BE49-F238E27FC236}">
+                <a16:creationId xmlns:a16="http://schemas.microsoft.com/office/drawing/2014/main" id="{1A3E0722-2FD9-4C18-B0B9-4AB55D490DF2}"/>
+              </a:ext>
+            </a:extLst>
+          </p:cNvPr>
+          <p:cNvSpPr>
+            <a:spLocks noGrp="1"/>
+          </p:cNvSpPr>
+          <p:nvPr>
+            <p:ph idx="1"/>
+          </p:nvPr>
+        </p:nvSpPr>
+        <p:spPr>
+          <a:xfrm>
+            <a:off x="457200" y="1600200"/>
+            <a:ext cx="8229600" cy="4709120"/>
+          </a:xfrm>
+        </p:spPr>
+        <p:txBody>
+          <a:bodyPr/>
+          <a:lstStyle/>
+          <a:p>
+            <a:endParaRPr lang="en-US" dirty="0"/>
+          </a:p>
+          <a:p>
+            <a:r>
+              <a:rPr lang="en-US" dirty="0"/>
+              <a:t>Small dataset</a:t>
+            </a:r>
+          </a:p>
+          <a:p>
+            <a:pPr marL="0" indent="0">
+              <a:buNone/>
+            </a:pPr>
+            <a:endParaRPr lang="en-US" dirty="0"/>
+          </a:p>
+          <a:p>
+            <a:r>
+              <a:rPr lang="en-US" dirty="0"/>
+              <a:t>Missing data</a:t>
+            </a:r>
+          </a:p>
+          <a:p>
+            <a:pPr marL="0" indent="0">
+              <a:buNone/>
+            </a:pPr>
+            <a:endParaRPr lang="en-US" dirty="0"/>
+          </a:p>
+          <a:p>
+            <a:r>
+              <a:rPr lang="en-US" dirty="0"/>
+              <a:t>Variables in model chosen based on intuition</a:t>
+            </a:r>
+          </a:p>
+          <a:p>
+            <a:endParaRPr lang="en-US" dirty="0"/>
+          </a:p>
+          <a:p>
+            <a:endParaRPr lang="en-US" dirty="0"/>
+          </a:p>
+        </p:txBody>
+      </p:sp>
+      <p:pic>
+        <p:nvPicPr>
+          <p:cNvPr id="4" name="Picture 1">
+            <a:extLst>
+              <a:ext uri="{FF2B5EF4-FFF2-40B4-BE49-F238E27FC236}">
+                <a16:creationId xmlns:a16="http://schemas.microsoft.com/office/drawing/2014/main" id="{0C634132-1F35-43A8-9AA3-3D272AB117EF}"/>
+              </a:ext>
+            </a:extLst>
+          </p:cNvPr>
+          <p:cNvPicPr/>
+          <p:nvPr/>
+        </p:nvPicPr>
+        <p:blipFill>
+          <a:blip r:embed="rId2" cstate="print">
+            <a:extLst>
+              <a:ext uri="{28A0092B-C50C-407E-A947-70E740481C1C}">
+                <a14:useLocalDpi xmlns:a14="http://schemas.microsoft.com/office/drawing/2010/main" val="0"/>
+              </a:ext>
+            </a:extLst>
+          </a:blip>
+          <a:stretch>
+            <a:fillRect/>
+          </a:stretch>
+        </p:blipFill>
+        <p:spPr>
+          <a:xfrm>
+            <a:off x="0" y="0"/>
+            <a:ext cx="3933825" cy="1162050"/>
+          </a:xfrm>
+          <a:prstGeom prst="rect">
+            <a:avLst/>
+          </a:prstGeom>
+        </p:spPr>
+      </p:pic>
+    </p:spTree>
+    <p:extLst>
+      <p:ext uri="{BB962C8B-B14F-4D97-AF65-F5344CB8AC3E}">
+        <p14:creationId xmlns:p14="http://schemas.microsoft.com/office/powerpoint/2010/main" val="4028874318"/>
+      </p:ext>
+    </p:extLst>
+  </p:cSld>
+  <p:clrMapOvr>
+    <a:masterClrMapping/>
+  </p:clrMapOvr>
+</p:sld>
+</file>
+
+<file path=ppt/slides/slide15.xml><?xml version="1.0" encoding="utf-8"?>
+<p:sld xmlns:a="http://schemas.openxmlformats.org/drawingml/2006/main" xmlns:r="http://schemas.openxmlformats.org/officeDocument/2006/relationships" xmlns:p="http://schemas.openxmlformats.org/presentationml/2006/main">
+  <p:cSld>
+    <p:spTree>
+      <p:nvGrpSpPr>
+        <p:cNvPr id="1" name=""/>
+        <p:cNvGrpSpPr/>
+        <p:nvPr/>
+      </p:nvGrpSpPr>
+      <p:grpSpPr>
+        <a:xfrm>
+          <a:off x="0" y="0"/>
+          <a:ext cx="0" cy="0"/>
+          <a:chOff x="0" y="0"/>
+          <a:chExt cx="0" cy="0"/>
+        </a:xfrm>
+      </p:grpSpPr>
+      <p:sp>
+        <p:nvSpPr>
+          <p:cNvPr id="2" name="Title 1">
+            <a:extLst>
+              <a:ext uri="{FF2B5EF4-FFF2-40B4-BE49-F238E27FC236}">
+                <a16:creationId xmlns:a16="http://schemas.microsoft.com/office/drawing/2014/main" id="{38208A00-AE3D-40A5-8FD6-25DFD26B7B4D}"/>
+              </a:ext>
+            </a:extLst>
+          </p:cNvPr>
+          <p:cNvSpPr>
+            <a:spLocks noGrp="1"/>
+          </p:cNvSpPr>
+          <p:nvPr>
+            <p:ph type="title"/>
+          </p:nvPr>
+        </p:nvSpPr>
+        <p:spPr>
+          <a:xfrm>
+            <a:off x="539552" y="980728"/>
+            <a:ext cx="8229600" cy="1143000"/>
+          </a:xfrm>
+        </p:spPr>
+        <p:txBody>
+          <a:bodyPr/>
+          <a:lstStyle/>
+          <a:p>
+            <a:r>
+              <a:rPr lang="en-US" dirty="0"/>
+              <a:t>Conclusion</a:t>
+            </a:r>
+            <a:endParaRPr lang="en-NL" dirty="0"/>
+          </a:p>
+        </p:txBody>
+      </p:sp>
+      <p:sp>
+        <p:nvSpPr>
+          <p:cNvPr id="3" name="Content Placeholder 2">
+            <a:extLst>
+              <a:ext uri="{FF2B5EF4-FFF2-40B4-BE49-F238E27FC236}">
+                <a16:creationId xmlns:a16="http://schemas.microsoft.com/office/drawing/2014/main" id="{1A3E0722-2FD9-4C18-B0B9-4AB55D490DF2}"/>
+              </a:ext>
+            </a:extLst>
+          </p:cNvPr>
+          <p:cNvSpPr>
+            <a:spLocks noGrp="1"/>
+          </p:cNvSpPr>
+          <p:nvPr>
+            <p:ph idx="1"/>
+          </p:nvPr>
+        </p:nvSpPr>
+        <p:spPr/>
+        <p:txBody>
+          <a:bodyPr/>
+          <a:lstStyle/>
+          <a:p>
+            <a:endParaRPr lang="en-US" dirty="0"/>
+          </a:p>
+          <a:p>
+            <a:r>
+              <a:rPr lang="en-US" dirty="0"/>
+              <a:t>No clear difference between participant groups in delay time</a:t>
+            </a:r>
+          </a:p>
+          <a:p>
+            <a:endParaRPr lang="en-US" dirty="0"/>
+          </a:p>
+          <a:p>
+            <a:r>
+              <a:rPr lang="en-US" dirty="0"/>
+              <a:t>No good model for predicting bedtime procrastination was found</a:t>
+            </a:r>
+          </a:p>
+          <a:p>
+            <a:endParaRPr lang="en-NL" dirty="0"/>
+          </a:p>
+        </p:txBody>
+      </p:sp>
+      <p:pic>
+        <p:nvPicPr>
+          <p:cNvPr id="5" name="Picture 1">
+            <a:extLst>
+              <a:ext uri="{FF2B5EF4-FFF2-40B4-BE49-F238E27FC236}">
+                <a16:creationId xmlns:a16="http://schemas.microsoft.com/office/drawing/2014/main" id="{10B37D55-EF3B-48EF-83A6-5FFF8E2A6DE4}"/>
+              </a:ext>
+            </a:extLst>
+          </p:cNvPr>
+          <p:cNvPicPr/>
+          <p:nvPr/>
+        </p:nvPicPr>
+        <p:blipFill>
+          <a:blip r:embed="rId2" cstate="print">
+            <a:extLst>
+              <a:ext uri="{28A0092B-C50C-407E-A947-70E740481C1C}">
+                <a14:useLocalDpi xmlns:a14="http://schemas.microsoft.com/office/drawing/2010/main" val="0"/>
+              </a:ext>
+            </a:extLst>
+          </a:blip>
+          <a:stretch>
+            <a:fillRect/>
+          </a:stretch>
+        </p:blipFill>
+        <p:spPr>
+          <a:xfrm>
+            <a:off x="0" y="0"/>
+            <a:ext cx="3933825" cy="1162050"/>
+          </a:xfrm>
+          <a:prstGeom prst="rect">
+            <a:avLst/>
+          </a:prstGeom>
+        </p:spPr>
+      </p:pic>
+    </p:spTree>
+    <p:extLst>
+      <p:ext uri="{BB962C8B-B14F-4D97-AF65-F5344CB8AC3E}">
+        <p14:creationId xmlns:p14="http://schemas.microsoft.com/office/powerpoint/2010/main" val="258856842"/>
+      </p:ext>
+    </p:extLst>
+  </p:cSld>
+  <p:clrMapOvr>
+    <a:masterClrMapping/>
+  </p:clrMapOvr>
+</p:sld>
+</file>
+
+<file path=ppt/slides/slide16.xml><?xml version="1.0" encoding="utf-8"?>
+<p:sld xmlns:a="http://schemas.openxmlformats.org/drawingml/2006/main" xmlns:r="http://schemas.openxmlformats.org/officeDocument/2006/relationships" xmlns:p="http://schemas.openxmlformats.org/presentationml/2006/main">
+  <p:cSld>
+    <p:spTree>
+      <p:nvGrpSpPr>
+        <p:cNvPr id="1" name=""/>
+        <p:cNvGrpSpPr/>
+        <p:nvPr/>
+      </p:nvGrpSpPr>
+      <p:grpSpPr>
+        <a:xfrm>
+          <a:off x="0" y="0"/>
+          <a:ext cx="0" cy="0"/>
+          <a:chOff x="0" y="0"/>
+          <a:chExt cx="0" cy="0"/>
+        </a:xfrm>
+      </p:grpSpPr>
       <p:sp>
         <p:nvSpPr>
           <p:cNvPr id="2" name="Titel 1"/>
@@ -4112,7 +4609,7 @@
           <a:lstStyle/>
           <a:p>
             <a:r>
-              <a:rPr lang="nl-NL" dirty="0" err="1" smtClean="0"/>
+              <a:rPr lang="nl-NL" dirty="0" err="1"/>
               <a:t>Questions</a:t>
             </a:r>
             <a:endParaRPr lang="nl-NL" dirty="0"/>
@@ -4129,7 +4626,7 @@
           <a:blip r:embed="rId3" cstate="print">
             <a:extLst>
               <a:ext uri="{28A0092B-C50C-407E-A947-70E740481C1C}">
-                <a14:useLocalDpi xmlns:lc="http://schemas.openxmlformats.org/drawingml/2006/lockedCanvas" xmlns:pic="http://schemas.openxmlformats.org/drawingml/2006/picture" xmlns="" xmlns:wpc="http://schemas.microsoft.com/office/word/2010/wordprocessingCanvas" xmlns:cx="http://schemas.microsoft.com/office/drawing/2014/chartex" xmlns:cx1="http://schemas.microsoft.com/office/drawing/2015/9/8/chartex" xmlns:cx2="http://schemas.microsoft.com/office/drawing/2015/10/21/chartex" xmlns:cx3="http://schemas.microsoft.com/office/drawing/2016/5/9/chartex" xmlns:cx4="http://schemas.microsoft.com/office/drawing/2016/5/10/chartex" xmlns:cx5="http://schemas.microsoft.com/office/drawing/2016/5/11/chartex" xmlns:cx6="http://schemas.microsoft.com/office/drawing/2016/5/12/chartex" xmlns:cx7="http://schemas.microsoft.com/office/drawing/2016/5/13/chartex" xmlns:cx8="http://schemas.microsoft.com/office/drawing/2016/5/14/chartex" xmlns:mc="http://schemas.openxmlformats.org/markup-compatibility/2006" xmlns:aink="http://schemas.microsoft.com/office/drawing/2016/ink" xmlns:am3d="http://schemas.microsoft.com/office/drawing/2017/model3d" xmlns:o="urn:schemas-microsoft-com:office:office" xmlns:v="urn:schemas-microsoft-com:vml" xmlns:wp14="http://schemas.microsoft.com/office/word/2010/wordprocessingDrawing" xmlns:w10="urn:schemas-microsoft-com:office:word" xmlns:w="http://schemas.openxmlformats.org/wordprocessingml/2006/main" xmlns:w14="http://schemas.microsoft.com/office/word/2010/wordml" xmlns:w15="http://schemas.microsoft.com/office/word/2012/wordml" xmlns:w16cid="http://schemas.microsoft.com/office/word/2016/wordml/cid" xmlns:w16se="http://schemas.microsoft.com/office/word/2015/wordml/symex" xmlns:wpg="http://schemas.microsoft.com/office/word/2010/wordprocessingGroup" xmlns:wpi="http://schemas.microsoft.com/office/word/2010/wordprocessingInk" xmlns:wps="http://schemas.microsoft.com/office/word/2010/wordprocessingShape" xmlns:a14="http://schemas.microsoft.com/office/drawing/2010/main" xmlns:wne="http://schemas.microsoft.com/office/word/2006/wordml" xmlns:wp="http://schemas.openxmlformats.org/drawingml/2006/wordprocessingDrawing" xmlns:m="http://schemas.openxmlformats.org/officeDocument/2006/math" xmlns:ve="http://schemas.openxmlformats.org/markup-compatibility/2006" val="0"/>
+                <a14:useLocalDpi xmlns:a14="http://schemas.microsoft.com/office/drawing/2010/main" val="0"/>
               </a:ext>
             </a:extLst>
           </a:blip>
@@ -4280,7 +4777,7 @@
           <a:p>
             <a:pPr algn="l"/>
             <a:r>
-              <a:rPr lang="nl-NL" b="1" dirty="0" err="1" smtClean="0"/>
+              <a:rPr lang="nl-NL" b="1" dirty="0" err="1"/>
               <a:t>Today</a:t>
             </a:r>
             <a:endParaRPr lang="nl-NL" b="1" dirty="0"/>
@@ -4318,7 +4815,7 @@
               <a:t> </a:t>
             </a:r>
             <a:r>
-              <a:rPr lang="nl-NL" dirty="0" err="1" smtClean="0"/>
+              <a:rPr lang="nl-NL" dirty="0" err="1"/>
               <a:t>Introduction</a:t>
             </a:r>
             <a:endParaRPr lang="nl-NL" dirty="0"/>
@@ -4329,14 +4826,14 @@
               <a:buChar char="•"/>
             </a:pPr>
             <a:r>
-              <a:rPr lang="nl-NL" dirty="0" smtClean="0"/>
+              <a:rPr lang="nl-NL" dirty="0"/>
               <a:t> Data </a:t>
             </a:r>
             <a:r>
-              <a:rPr lang="nl-NL" dirty="0" err="1" smtClean="0"/>
+              <a:rPr lang="nl-NL" dirty="0" err="1"/>
               <a:t>description</a:t>
             </a:r>
-            <a:endParaRPr lang="nl-NL" dirty="0" smtClean="0"/>
+            <a:endParaRPr lang="nl-NL" dirty="0"/>
           </a:p>
           <a:p>
             <a:pPr algn="l">
@@ -4348,14 +4845,18 @@
               <a:t> </a:t>
             </a:r>
             <a:r>
-              <a:rPr lang="nl-NL" dirty="0" smtClean="0"/>
-              <a:t>Data </a:t>
-            </a:r>
-            <a:r>
-              <a:rPr lang="nl-NL" dirty="0" err="1" smtClean="0"/>
-              <a:t>exploration</a:t>
-            </a:r>
-            <a:endParaRPr lang="nl-NL" dirty="0" smtClean="0"/>
+              <a:rPr lang="nl-NL" dirty="0" err="1"/>
+              <a:t>Results</a:t>
+            </a:r>
+            <a:r>
+              <a:rPr lang="nl-NL" dirty="0"/>
+              <a:t> &amp; </a:t>
+            </a:r>
+            <a:r>
+              <a:rPr lang="nl-NL" dirty="0" err="1"/>
+              <a:t>conclusions</a:t>
+            </a:r>
+            <a:endParaRPr lang="nl-NL" dirty="0"/>
           </a:p>
           <a:p>
             <a:pPr algn="l">
@@ -4367,43 +4868,16 @@
               <a:t> </a:t>
             </a:r>
             <a:r>
-              <a:rPr lang="nl-NL" dirty="0" err="1" smtClean="0"/>
-              <a:t>Results</a:t>
-            </a:r>
-            <a:r>
-              <a:rPr lang="nl-NL" dirty="0" smtClean="0"/>
-              <a:t>/</a:t>
-            </a:r>
-            <a:r>
-              <a:rPr lang="nl-NL" dirty="0" err="1" smtClean="0"/>
-              <a:t>conclusions</a:t>
-            </a:r>
-            <a:endParaRPr lang="nl-NL" dirty="0" smtClean="0"/>
-          </a:p>
-          <a:p>
-            <a:pPr algn="l">
-              <a:buFont typeface="Arial" pitchFamily="34" charset="0"/>
-              <a:buChar char="•"/>
-            </a:pPr>
+              <a:rPr lang="nl-NL" dirty="0" err="1"/>
+              <a:t>Discussion</a:t>
+            </a:r>
             <a:r>
               <a:rPr lang="nl-NL" dirty="0"/>
-              <a:t> </a:t>
-            </a:r>
-            <a:r>
-              <a:rPr lang="nl-NL" dirty="0" err="1" smtClean="0"/>
-              <a:t>Discussion</a:t>
-            </a:r>
-            <a:r>
-              <a:rPr lang="nl-NL" dirty="0" smtClean="0"/>
-              <a:t>/</a:t>
+              <a:t> &amp; </a:t>
             </a:r>
             <a:r>
               <a:rPr lang="nl-NL" dirty="0" err="1"/>
-              <a:t>q</a:t>
-            </a:r>
-            <a:r>
-              <a:rPr lang="nl-NL" dirty="0" err="1" smtClean="0"/>
-              <a:t>uestions</a:t>
+              <a:t>questions</a:t>
             </a:r>
             <a:endParaRPr lang="nl-NL" dirty="0"/>
           </a:p>
@@ -4427,7 +4901,7 @@
           <a:blip r:embed="rId2" cstate="print">
             <a:extLst>
               <a:ext uri="{28A0092B-C50C-407E-A947-70E740481C1C}">
-                <a14:useLocalDpi xmlns:lc="http://schemas.openxmlformats.org/drawingml/2006/lockedCanvas" xmlns:pic="http://schemas.openxmlformats.org/drawingml/2006/picture" xmlns="" xmlns:wpc="http://schemas.microsoft.com/office/word/2010/wordprocessingCanvas" xmlns:cx="http://schemas.microsoft.com/office/drawing/2014/chartex" xmlns:cx1="http://schemas.microsoft.com/office/drawing/2015/9/8/chartex" xmlns:cx2="http://schemas.microsoft.com/office/drawing/2015/10/21/chartex" xmlns:cx3="http://schemas.microsoft.com/office/drawing/2016/5/9/chartex" xmlns:cx4="http://schemas.microsoft.com/office/drawing/2016/5/10/chartex" xmlns:cx5="http://schemas.microsoft.com/office/drawing/2016/5/11/chartex" xmlns:cx6="http://schemas.microsoft.com/office/drawing/2016/5/12/chartex" xmlns:cx7="http://schemas.microsoft.com/office/drawing/2016/5/13/chartex" xmlns:cx8="http://schemas.microsoft.com/office/drawing/2016/5/14/chartex" xmlns:mc="http://schemas.openxmlformats.org/markup-compatibility/2006" xmlns:aink="http://schemas.microsoft.com/office/drawing/2016/ink" xmlns:am3d="http://schemas.microsoft.com/office/drawing/2017/model3d" xmlns:o="urn:schemas-microsoft-com:office:office" xmlns:v="urn:schemas-microsoft-com:vml" xmlns:wp14="http://schemas.microsoft.com/office/word/2010/wordprocessingDrawing" xmlns:w10="urn:schemas-microsoft-com:office:word" xmlns:w="http://schemas.openxmlformats.org/wordprocessingml/2006/main" xmlns:w14="http://schemas.microsoft.com/office/word/2010/wordml" xmlns:w15="http://schemas.microsoft.com/office/word/2012/wordml" xmlns:w16cid="http://schemas.microsoft.com/office/word/2016/wordml/cid" xmlns:w16se="http://schemas.microsoft.com/office/word/2015/wordml/symex" xmlns:wpg="http://schemas.microsoft.com/office/word/2010/wordprocessingGroup" xmlns:wpi="http://schemas.microsoft.com/office/word/2010/wordprocessingInk" xmlns:wps="http://schemas.microsoft.com/office/word/2010/wordprocessingShape" xmlns:a14="http://schemas.microsoft.com/office/drawing/2010/main" xmlns:wne="http://schemas.microsoft.com/office/word/2006/wordml" xmlns:wp="http://schemas.openxmlformats.org/drawingml/2006/wordprocessingDrawing" xmlns:m="http://schemas.openxmlformats.org/officeDocument/2006/math" xmlns:ve="http://schemas.openxmlformats.org/markup-compatibility/2006" val="0"/>
+                <a14:useLocalDpi xmlns:a14="http://schemas.microsoft.com/office/drawing/2010/main" val="0"/>
               </a:ext>
             </a:extLst>
           </a:blip>
@@ -4492,7 +4966,7 @@
           <a:p>
             <a:pPr algn="l"/>
             <a:r>
-              <a:rPr lang="nl-NL" b="1" dirty="0" err="1" smtClean="0"/>
+              <a:rPr lang="nl-NL" b="1" dirty="0" err="1"/>
               <a:t>Introduction</a:t>
             </a:r>
             <a:endParaRPr lang="nl-NL" b="1" dirty="0"/>
@@ -4526,22 +5000,69 @@
               <a:buChar char="•"/>
             </a:pPr>
             <a:r>
-              <a:rPr lang="nl-NL" b="1" dirty="0" smtClean="0"/>
+              <a:rPr lang="nl-NL" b="1" dirty="0"/>
               <a:t> </a:t>
             </a:r>
             <a:r>
-              <a:rPr lang="nl-NL" dirty="0" err="1" smtClean="0"/>
+              <a:rPr lang="nl-NL" dirty="0" err="1"/>
               <a:t>Bedtime</a:t>
             </a:r>
             <a:r>
-              <a:rPr lang="nl-NL" dirty="0" smtClean="0"/>
+              <a:rPr lang="nl-NL" dirty="0"/>
               <a:t> </a:t>
             </a:r>
             <a:r>
-              <a:rPr lang="nl-NL" dirty="0" err="1" smtClean="0"/>
+              <a:rPr lang="nl-NL" dirty="0" err="1"/>
               <a:t>procastination</a:t>
             </a:r>
-            <a:endParaRPr lang="nl-NL" dirty="0" smtClean="0"/>
+            <a:endParaRPr lang="nl-NL" dirty="0"/>
+          </a:p>
+          <a:p>
+            <a:pPr algn="l"/>
+            <a:r>
+              <a:rPr lang="nl-NL" sz="2000" dirty="0"/>
+              <a:t>Delay time</a:t>
+            </a:r>
+          </a:p>
+          <a:p>
+            <a:pPr algn="l">
+              <a:buFont typeface="Arial" pitchFamily="34" charset="0"/>
+              <a:buChar char="•"/>
+            </a:pPr>
+            <a:r>
+              <a:rPr lang="nl-NL" dirty="0"/>
+              <a:t> </a:t>
+            </a:r>
+            <a:r>
+              <a:rPr lang="nl-NL" dirty="0" err="1"/>
+              <a:t>Experimental</a:t>
+            </a:r>
+            <a:r>
+              <a:rPr lang="nl-NL" dirty="0"/>
+              <a:t> and control </a:t>
+            </a:r>
+            <a:r>
+              <a:rPr lang="nl-NL" dirty="0" err="1"/>
+              <a:t>group</a:t>
+            </a:r>
+            <a:endParaRPr lang="nl-NL" dirty="0"/>
+          </a:p>
+          <a:p>
+            <a:pPr algn="l"/>
+            <a:r>
+              <a:rPr lang="en-US" sz="2000" dirty="0"/>
+              <a:t>Experimental </a:t>
+            </a:r>
+            <a:r>
+              <a:rPr lang="en-US" sz="2000" dirty="0">
+                <a:sym typeface="Wingdings" panose="05000000000000000000" pitchFamily="2" charset="2"/>
+              </a:rPr>
+              <a:t> </a:t>
+            </a:r>
+            <a:r>
+              <a:rPr lang="en-US" sz="2000" dirty="0"/>
+              <a:t>Lights dim automatically at intended bedtime.</a:t>
+            </a:r>
           </a:p>
           <a:p>
             <a:pPr algn="l">
@@ -4555,38 +5076,7 @@
               <a:buFont typeface="Arial" pitchFamily="34" charset="0"/>
               <a:buChar char="•"/>
             </a:pPr>
-            <a:r>
-              <a:rPr lang="nl-NL" dirty="0" smtClean="0"/>
-              <a:t> </a:t>
-            </a:r>
-            <a:r>
-              <a:rPr lang="nl-NL" dirty="0" err="1" smtClean="0"/>
-              <a:t>Experimental</a:t>
-            </a:r>
-            <a:r>
-              <a:rPr lang="nl-NL" dirty="0" smtClean="0"/>
-              <a:t> and </a:t>
-            </a:r>
-            <a:r>
-              <a:rPr lang="nl-NL" dirty="0" err="1" smtClean="0"/>
-              <a:t>control</a:t>
-            </a:r>
-            <a:r>
-              <a:rPr lang="nl-NL" dirty="0" smtClean="0"/>
-              <a:t> </a:t>
-            </a:r>
-            <a:r>
-              <a:rPr lang="nl-NL" dirty="0" err="1" smtClean="0"/>
-              <a:t>group</a:t>
-            </a:r>
             <a:endParaRPr lang="nl-NL" dirty="0"/>
-          </a:p>
-          <a:p>
-            <a:pPr algn="l">
-              <a:buFont typeface="Arial" pitchFamily="34" charset="0"/>
-              <a:buChar char="•"/>
-            </a:pPr>
-            <a:endParaRPr lang="nl-NL" dirty="0" smtClean="0"/>
           </a:p>
           <a:p>
             <a:pPr algn="l">
@@ -4618,7 +5108,7 @@
           <a:blip r:embed="rId2" cstate="print">
             <a:extLst>
               <a:ext uri="{28A0092B-C50C-407E-A947-70E740481C1C}">
-                <a14:useLocalDpi xmlns:lc="http://schemas.openxmlformats.org/drawingml/2006/lockedCanvas" xmlns:pic="http://schemas.openxmlformats.org/drawingml/2006/picture" xmlns="" xmlns:wpc="http://schemas.microsoft.com/office/word/2010/wordprocessingCanvas" xmlns:cx="http://schemas.microsoft.com/office/drawing/2014/chartex" xmlns:cx1="http://schemas.microsoft.com/office/drawing/2015/9/8/chartex" xmlns:cx2="http://schemas.microsoft.com/office/drawing/2015/10/21/chartex" xmlns:cx3="http://schemas.microsoft.com/office/drawing/2016/5/9/chartex" xmlns:cx4="http://schemas.microsoft.com/office/drawing/2016/5/10/chartex" xmlns:cx5="http://schemas.microsoft.com/office/drawing/2016/5/11/chartex" xmlns:cx6="http://schemas.microsoft.com/office/drawing/2016/5/12/chartex" xmlns:cx7="http://schemas.microsoft.com/office/drawing/2016/5/13/chartex" xmlns:cx8="http://schemas.microsoft.com/office/drawing/2016/5/14/chartex" xmlns:mc="http://schemas.openxmlformats.org/markup-compatibility/2006" xmlns:aink="http://schemas.microsoft.com/office/drawing/2016/ink" xmlns:am3d="http://schemas.microsoft.com/office/drawing/2017/model3d" xmlns:o="urn:schemas-microsoft-com:office:office" xmlns:v="urn:schemas-microsoft-com:vml" xmlns:wp14="http://schemas.microsoft.com/office/word/2010/wordprocessingDrawing" xmlns:w10="urn:schemas-microsoft-com:office:word" xmlns:w="http://schemas.openxmlformats.org/wordprocessingml/2006/main" xmlns:w14="http://schemas.microsoft.com/office/word/2010/wordml" xmlns:w15="http://schemas.microsoft.com/office/word/2012/wordml" xmlns:w16cid="http://schemas.microsoft.com/office/word/2016/wordml/cid" xmlns:w16se="http://schemas.microsoft.com/office/word/2015/wordml/symex" xmlns:wpg="http://schemas.microsoft.com/office/word/2010/wordprocessingGroup" xmlns:wpi="http://schemas.microsoft.com/office/word/2010/wordprocessingInk" xmlns:wps="http://schemas.microsoft.com/office/word/2010/wordprocessingShape" xmlns:a14="http://schemas.microsoft.com/office/drawing/2010/main" xmlns:wne="http://schemas.microsoft.com/office/word/2006/wordml" xmlns:wp="http://schemas.openxmlformats.org/drawingml/2006/wordprocessingDrawing" xmlns:m="http://schemas.openxmlformats.org/officeDocument/2006/math" xmlns:ve="http://schemas.openxmlformats.org/markup-compatibility/2006" val="0"/>
+                <a14:useLocalDpi xmlns:a14="http://schemas.microsoft.com/office/drawing/2010/main" val="0"/>
               </a:ext>
             </a:extLst>
           </a:blip>
@@ -4683,11 +5173,11 @@
           <a:p>
             <a:pPr algn="l"/>
             <a:r>
-              <a:rPr lang="nl-NL" b="1" dirty="0" smtClean="0"/>
+              <a:rPr lang="nl-NL" b="1" dirty="0"/>
               <a:t>Research </a:t>
             </a:r>
             <a:r>
-              <a:rPr lang="nl-NL" b="1" dirty="0" err="1" smtClean="0"/>
+              <a:rPr lang="nl-NL" b="1" dirty="0" err="1"/>
               <a:t>questions</a:t>
             </a:r>
             <a:endParaRPr lang="nl-NL" b="1" dirty="0"/>
@@ -4717,137 +5207,129 @@
           <a:lstStyle/>
           <a:p>
             <a:r>
-              <a:rPr lang="nl-NL" i="1" dirty="0" smtClean="0"/>
+              <a:rPr lang="nl-NL" i="1" dirty="0"/>
               <a:t>“</a:t>
             </a:r>
             <a:r>
-              <a:rPr lang="nl-NL" i="1" dirty="0" err="1" smtClean="0"/>
+              <a:rPr lang="nl-NL" i="1" dirty="0" err="1"/>
               <a:t>Can</a:t>
             </a:r>
             <a:r>
-              <a:rPr lang="nl-NL" i="1" dirty="0" smtClean="0"/>
+              <a:rPr lang="nl-NL" i="1" dirty="0"/>
               <a:t> </a:t>
             </a:r>
             <a:r>
-              <a:rPr lang="nl-NL" i="1" dirty="0" err="1" smtClean="0"/>
+              <a:rPr lang="nl-NL" i="1" dirty="0" err="1"/>
               <a:t>bedtime</a:t>
             </a:r>
             <a:r>
-              <a:rPr lang="nl-NL" i="1" dirty="0" smtClean="0"/>
+              <a:rPr lang="nl-NL" i="1" dirty="0"/>
               <a:t> </a:t>
             </a:r>
             <a:r>
-              <a:rPr lang="nl-NL" i="1" dirty="0" err="1" smtClean="0"/>
+              <a:rPr lang="nl-NL" i="1" dirty="0" err="1"/>
               <a:t>procrastination</a:t>
             </a:r>
             <a:r>
-              <a:rPr lang="nl-NL" i="1" dirty="0" smtClean="0"/>
+              <a:rPr lang="nl-NL" i="1" dirty="0"/>
               <a:t> </a:t>
             </a:r>
             <a:r>
-              <a:rPr lang="nl-NL" i="1" dirty="0" err="1" smtClean="0"/>
+              <a:rPr lang="nl-NL" i="1" dirty="0" err="1"/>
               <a:t>be</a:t>
             </a:r>
             <a:r>
-              <a:rPr lang="nl-NL" i="1" dirty="0" smtClean="0"/>
+              <a:rPr lang="nl-NL" i="1" dirty="0"/>
               <a:t> </a:t>
             </a:r>
             <a:r>
-              <a:rPr lang="nl-NL" i="1" dirty="0" err="1" smtClean="0"/>
+              <a:rPr lang="nl-NL" i="1" dirty="0" err="1"/>
               <a:t>significantly</a:t>
             </a:r>
             <a:r>
-              <a:rPr lang="nl-NL" i="1" dirty="0" smtClean="0"/>
+              <a:rPr lang="nl-NL" i="1" dirty="0"/>
               <a:t> </a:t>
             </a:r>
             <a:r>
-              <a:rPr lang="nl-NL" i="1" dirty="0" err="1" smtClean="0"/>
+              <a:rPr lang="nl-NL" i="1" dirty="0" err="1"/>
               <a:t>influenced</a:t>
             </a:r>
             <a:r>
-              <a:rPr lang="nl-NL" i="1" dirty="0" smtClean="0"/>
+              <a:rPr lang="nl-NL" i="1" dirty="0"/>
               <a:t> </a:t>
             </a:r>
             <a:r>
-              <a:rPr lang="nl-NL" i="1" dirty="0" err="1" smtClean="0"/>
+              <a:rPr lang="nl-NL" i="1" dirty="0" err="1"/>
               <a:t>by</a:t>
             </a:r>
             <a:r>
-              <a:rPr lang="nl-NL" i="1" dirty="0" smtClean="0"/>
+              <a:rPr lang="nl-NL" i="1" dirty="0"/>
               <a:t> experiment?”</a:t>
             </a:r>
-            <a:r>
-              <a:rPr lang="nl-NL" b="1" dirty="0" smtClean="0"/>
-              <a:t/>
-            </a:r>
             <a:br>
-              <a:rPr lang="nl-NL" b="1" dirty="0" smtClean="0"/>
+              <a:rPr lang="nl-NL" b="1" dirty="0"/>
             </a:br>
-            <a:r>
-              <a:rPr lang="nl-NL" b="1" dirty="0" smtClean="0"/>
-              <a:t/>
-            </a:r>
             <a:br>
-              <a:rPr lang="nl-NL" b="1" dirty="0" smtClean="0"/>
+              <a:rPr lang="nl-NL" b="1" dirty="0"/>
             </a:br>
             <a:r>
-              <a:rPr lang="nl-NL" i="1" dirty="0" smtClean="0"/>
+              <a:rPr lang="nl-NL" i="1" dirty="0"/>
               <a:t>“</a:t>
             </a:r>
             <a:r>
-              <a:rPr lang="nl-NL" i="1" dirty="0" err="1" smtClean="0"/>
+              <a:rPr lang="nl-NL" i="1" dirty="0" err="1"/>
               <a:t>How</a:t>
             </a:r>
             <a:r>
-              <a:rPr lang="nl-NL" i="1" dirty="0" smtClean="0"/>
+              <a:rPr lang="nl-NL" i="1" dirty="0"/>
               <a:t> </a:t>
             </a:r>
             <a:r>
-              <a:rPr lang="nl-NL" i="1" dirty="0" err="1" smtClean="0"/>
+              <a:rPr lang="nl-NL" i="1" dirty="0" err="1"/>
               <a:t>well</a:t>
             </a:r>
             <a:r>
-              <a:rPr lang="nl-NL" i="1" dirty="0" smtClean="0"/>
+              <a:rPr lang="nl-NL" i="1" dirty="0"/>
               <a:t> </a:t>
             </a:r>
             <a:r>
-              <a:rPr lang="nl-NL" i="1" dirty="0" err="1" smtClean="0"/>
+              <a:rPr lang="nl-NL" i="1" dirty="0" err="1"/>
               <a:t>can</a:t>
             </a:r>
             <a:r>
-              <a:rPr lang="nl-NL" i="1" dirty="0" smtClean="0"/>
+              <a:rPr lang="nl-NL" i="1" dirty="0"/>
               <a:t> </a:t>
             </a:r>
             <a:r>
-              <a:rPr lang="nl-NL" i="1" dirty="0" err="1" smtClean="0"/>
+              <a:rPr lang="nl-NL" i="1" dirty="0" err="1"/>
               <a:t>bedtime</a:t>
             </a:r>
             <a:r>
-              <a:rPr lang="nl-NL" i="1" dirty="0" smtClean="0"/>
+              <a:rPr lang="nl-NL" i="1" dirty="0"/>
               <a:t> </a:t>
             </a:r>
             <a:r>
-              <a:rPr lang="nl-NL" i="1" dirty="0" err="1" smtClean="0"/>
+              <a:rPr lang="nl-NL" i="1" dirty="0" err="1"/>
               <a:t>procrastination</a:t>
             </a:r>
             <a:r>
-              <a:rPr lang="nl-NL" i="1" dirty="0" smtClean="0"/>
+              <a:rPr lang="nl-NL" i="1" dirty="0"/>
               <a:t> </a:t>
             </a:r>
             <a:r>
-              <a:rPr lang="nl-NL" i="1" dirty="0" err="1" smtClean="0"/>
+              <a:rPr lang="nl-NL" i="1" dirty="0" err="1"/>
               <a:t>be</a:t>
             </a:r>
             <a:r>
-              <a:rPr lang="nl-NL" i="1" dirty="0" smtClean="0"/>
+              <a:rPr lang="nl-NL" i="1" dirty="0"/>
               <a:t> </a:t>
             </a:r>
             <a:r>
-              <a:rPr lang="nl-NL" i="1" dirty="0" err="1" smtClean="0"/>
+              <a:rPr lang="nl-NL" i="1" dirty="0" err="1"/>
               <a:t>predicted</a:t>
             </a:r>
             <a:r>
-              <a:rPr lang="nl-NL" i="1" dirty="0" smtClean="0"/>
+              <a:rPr lang="nl-NL" i="1" dirty="0"/>
               <a:t>?”</a:t>
             </a:r>
             <a:endParaRPr lang="nl-NL" dirty="0"/>
@@ -4857,7 +5339,7 @@
               <a:buFont typeface="Arial" pitchFamily="34" charset="0"/>
               <a:buChar char="•"/>
             </a:pPr>
-            <a:endParaRPr lang="nl-NL" dirty="0" smtClean="0"/>
+            <a:endParaRPr lang="nl-NL" dirty="0"/>
           </a:p>
           <a:p>
             <a:pPr algn="l">
@@ -4889,7 +5371,7 @@
           <a:blip r:embed="rId2" cstate="print">
             <a:extLst>
               <a:ext uri="{28A0092B-C50C-407E-A947-70E740481C1C}">
-                <a14:useLocalDpi xmlns:lc="http://schemas.openxmlformats.org/drawingml/2006/lockedCanvas" xmlns:pic="http://schemas.openxmlformats.org/drawingml/2006/picture" xmlns="" xmlns:wpc="http://schemas.microsoft.com/office/word/2010/wordprocessingCanvas" xmlns:cx="http://schemas.microsoft.com/office/drawing/2014/chartex" xmlns:cx1="http://schemas.microsoft.com/office/drawing/2015/9/8/chartex" xmlns:cx2="http://schemas.microsoft.com/office/drawing/2015/10/21/chartex" xmlns:cx3="http://schemas.microsoft.com/office/drawing/2016/5/9/chartex" xmlns:cx4="http://schemas.microsoft.com/office/drawing/2016/5/10/chartex" xmlns:cx5="http://schemas.microsoft.com/office/drawing/2016/5/11/chartex" xmlns:cx6="http://schemas.microsoft.com/office/drawing/2016/5/12/chartex" xmlns:cx7="http://schemas.microsoft.com/office/drawing/2016/5/13/chartex" xmlns:cx8="http://schemas.microsoft.com/office/drawing/2016/5/14/chartex" xmlns:mc="http://schemas.openxmlformats.org/markup-compatibility/2006" xmlns:aink="http://schemas.microsoft.com/office/drawing/2016/ink" xmlns:am3d="http://schemas.microsoft.com/office/drawing/2017/model3d" xmlns:o="urn:schemas-microsoft-com:office:office" xmlns:v="urn:schemas-microsoft-com:vml" xmlns:wp14="http://schemas.microsoft.com/office/word/2010/wordprocessingDrawing" xmlns:w10="urn:schemas-microsoft-com:office:word" xmlns:w="http://schemas.openxmlformats.org/wordprocessingml/2006/main" xmlns:w14="http://schemas.microsoft.com/office/word/2010/wordml" xmlns:w15="http://schemas.microsoft.com/office/word/2012/wordml" xmlns:w16cid="http://schemas.microsoft.com/office/word/2016/wordml/cid" xmlns:w16se="http://schemas.microsoft.com/office/word/2015/wordml/symex" xmlns:wpg="http://schemas.microsoft.com/office/word/2010/wordprocessingGroup" xmlns:wpi="http://schemas.microsoft.com/office/word/2010/wordprocessingInk" xmlns:wps="http://schemas.microsoft.com/office/word/2010/wordprocessingShape" xmlns:a14="http://schemas.microsoft.com/office/drawing/2010/main" xmlns:wne="http://schemas.microsoft.com/office/word/2006/wordml" xmlns:wp="http://schemas.openxmlformats.org/drawingml/2006/wordprocessingDrawing" xmlns:m="http://schemas.openxmlformats.org/officeDocument/2006/math" xmlns:ve="http://schemas.openxmlformats.org/markup-compatibility/2006" val="0"/>
+                <a14:useLocalDpi xmlns:a14="http://schemas.microsoft.com/office/drawing/2010/main" val="0"/>
               </a:ext>
             </a:extLst>
           </a:blip>
@@ -4954,11 +5436,11 @@
           <a:p>
             <a:pPr algn="l"/>
             <a:r>
-              <a:rPr lang="nl-NL" b="1" dirty="0" smtClean="0"/>
+              <a:rPr lang="nl-NL" b="1" dirty="0"/>
               <a:t>Data </a:t>
             </a:r>
             <a:r>
-              <a:rPr lang="nl-NL" b="1" dirty="0" err="1" smtClean="0"/>
+              <a:rPr lang="nl-NL" b="1" dirty="0" err="1"/>
               <a:t>description</a:t>
             </a:r>
             <a:endParaRPr lang="nl-NL" b="1" dirty="0"/>
@@ -4992,34 +5474,34 @@
               <a:buChar char="•"/>
             </a:pPr>
             <a:r>
-              <a:rPr lang="nl-NL" sz="2600" dirty="0" smtClean="0"/>
+              <a:rPr lang="nl-NL" sz="2600" dirty="0"/>
               <a:t>42 </a:t>
             </a:r>
             <a:r>
-              <a:rPr lang="nl-NL" sz="2600" dirty="0" err="1" smtClean="0"/>
+              <a:rPr lang="nl-NL" sz="2600" dirty="0" err="1"/>
               <a:t>participants</a:t>
             </a:r>
             <a:r>
-              <a:rPr lang="nl-NL" sz="2600" dirty="0" smtClean="0"/>
+              <a:rPr lang="nl-NL" sz="2600" dirty="0"/>
               <a:t> </a:t>
             </a:r>
             <a:r>
-              <a:rPr lang="nl-NL" sz="2600" dirty="0" err="1" smtClean="0"/>
+              <a:rPr lang="nl-NL" sz="2600" dirty="0" err="1"/>
               <a:t>described</a:t>
             </a:r>
             <a:r>
-              <a:rPr lang="nl-NL" sz="2600" dirty="0" smtClean="0"/>
+              <a:rPr lang="nl-NL" sz="2600" dirty="0"/>
               <a:t> </a:t>
             </a:r>
             <a:r>
-              <a:rPr lang="nl-NL" sz="2600" dirty="0" err="1" smtClean="0"/>
+              <a:rPr lang="nl-NL" sz="2600" dirty="0" err="1"/>
               <a:t>by</a:t>
             </a:r>
             <a:r>
-              <a:rPr lang="nl-NL" sz="2600" dirty="0" smtClean="0"/>
+              <a:rPr lang="nl-NL" sz="2600" dirty="0"/>
               <a:t> 11 variables</a:t>
             </a:r>
-            <a:endParaRPr lang="nl-NL" dirty="0" smtClean="0"/>
+            <a:endParaRPr lang="nl-NL" dirty="0"/>
           </a:p>
           <a:p>
             <a:pPr algn="l">
@@ -5033,7 +5515,7 @@
               <a:buFont typeface="Arial" pitchFamily="34" charset="0"/>
               <a:buChar char="•"/>
             </a:pPr>
-            <a:endParaRPr lang="nl-NL" dirty="0" smtClean="0"/>
+            <a:endParaRPr lang="nl-NL" dirty="0"/>
           </a:p>
           <a:p>
             <a:pPr algn="l">
@@ -5065,7 +5547,7 @@
           <a:blip r:embed="rId2" cstate="print">
             <a:extLst>
               <a:ext uri="{28A0092B-C50C-407E-A947-70E740481C1C}">
-                <a14:useLocalDpi xmlns:lc="http://schemas.openxmlformats.org/drawingml/2006/lockedCanvas" xmlns:pic="http://schemas.openxmlformats.org/drawingml/2006/picture" xmlns="" xmlns:wpc="http://schemas.microsoft.com/office/word/2010/wordprocessingCanvas" xmlns:cx="http://schemas.microsoft.com/office/drawing/2014/chartex" xmlns:cx1="http://schemas.microsoft.com/office/drawing/2015/9/8/chartex" xmlns:cx2="http://schemas.microsoft.com/office/drawing/2015/10/21/chartex" xmlns:cx3="http://schemas.microsoft.com/office/drawing/2016/5/9/chartex" xmlns:cx4="http://schemas.microsoft.com/office/drawing/2016/5/10/chartex" xmlns:cx5="http://schemas.microsoft.com/office/drawing/2016/5/11/chartex" xmlns:cx6="http://schemas.microsoft.com/office/drawing/2016/5/12/chartex" xmlns:cx7="http://schemas.microsoft.com/office/drawing/2016/5/13/chartex" xmlns:cx8="http://schemas.microsoft.com/office/drawing/2016/5/14/chartex" xmlns:mc="http://schemas.openxmlformats.org/markup-compatibility/2006" xmlns:aink="http://schemas.microsoft.com/office/drawing/2016/ink" xmlns:am3d="http://schemas.microsoft.com/office/drawing/2017/model3d" xmlns:o="urn:schemas-microsoft-com:office:office" xmlns:v="urn:schemas-microsoft-com:vml" xmlns:wp14="http://schemas.microsoft.com/office/word/2010/wordprocessingDrawing" xmlns:w10="urn:schemas-microsoft-com:office:word" xmlns:w="http://schemas.openxmlformats.org/wordprocessingml/2006/main" xmlns:w14="http://schemas.microsoft.com/office/word/2010/wordml" xmlns:w15="http://schemas.microsoft.com/office/word/2012/wordml" xmlns:w16cid="http://schemas.microsoft.com/office/word/2016/wordml/cid" xmlns:w16se="http://schemas.microsoft.com/office/word/2015/wordml/symex" xmlns:wpg="http://schemas.microsoft.com/office/word/2010/wordprocessingGroup" xmlns:wpi="http://schemas.microsoft.com/office/word/2010/wordprocessingInk" xmlns:wps="http://schemas.microsoft.com/office/word/2010/wordprocessingShape" xmlns:a14="http://schemas.microsoft.com/office/drawing/2010/main" xmlns:wne="http://schemas.microsoft.com/office/word/2006/wordml" xmlns:wp="http://schemas.openxmlformats.org/drawingml/2006/wordprocessingDrawing" xmlns:m="http://schemas.openxmlformats.org/officeDocument/2006/math" xmlns:ve="http://schemas.openxmlformats.org/markup-compatibility/2006" val="0"/>
+                <a14:useLocalDpi xmlns:a14="http://schemas.microsoft.com/office/drawing/2010/main" val="0"/>
               </a:ext>
             </a:extLst>
           </a:blip>
@@ -5162,6 +5644,18 @@
           <a:lstStyle/>
           <a:p>
             <a:pPr algn="l"/>
+            <a:r>
+              <a:rPr lang="nl-NL" dirty="0" err="1"/>
+              <a:t>Some</a:t>
+            </a:r>
+            <a:r>
+              <a:rPr lang="nl-NL" dirty="0"/>
+              <a:t> </a:t>
+            </a:r>
+            <a:r>
+              <a:rPr lang="nl-NL" dirty="0" err="1"/>
+              <a:t>explanation</a:t>
+            </a:r>
             <a:endParaRPr lang="nl-NL" dirty="0"/>
           </a:p>
         </p:txBody>
@@ -5178,8 +5672,8 @@
         </p:nvSpPr>
         <p:spPr>
           <a:xfrm>
-            <a:off x="899592" y="2852936"/>
-            <a:ext cx="6400800" cy="3168352"/>
+            <a:off x="463080" y="2695885"/>
+            <a:ext cx="8136904" cy="3168352"/>
           </a:xfrm>
         </p:spPr>
         <p:txBody>
@@ -5193,10 +5687,160 @@
               <a:buChar char="•"/>
             </a:pPr>
             <a:r>
-              <a:rPr lang="nl-NL" sz="2600" b="1" dirty="0" smtClean="0"/>
+              <a:rPr lang="nl-NL" sz="2600" b="1" dirty="0"/>
               <a:t> </a:t>
             </a:r>
-            <a:endParaRPr lang="nl-NL" sz="2600" dirty="0" smtClean="0"/>
+            <a:r>
+              <a:rPr lang="nl-NL" sz="2600" b="1" dirty="0" err="1"/>
+              <a:t>delay_time</a:t>
+            </a:r>
+            <a:r>
+              <a:rPr lang="nl-NL" sz="2600" b="1" dirty="0"/>
+              <a:t>: </a:t>
+            </a:r>
+            <a:r>
+              <a:rPr lang="nl-NL" sz="2000" dirty="0"/>
+              <a:t>time </a:t>
+            </a:r>
+            <a:r>
+              <a:rPr lang="nl-NL" sz="2000" dirty="0" err="1"/>
+              <a:t>spent</a:t>
+            </a:r>
+            <a:r>
+              <a:rPr lang="nl-NL" sz="2000" dirty="0"/>
+              <a:t> </a:t>
+            </a:r>
+            <a:r>
+              <a:rPr lang="nl-NL" sz="2000" dirty="0" err="1"/>
+              <a:t>delaying</a:t>
+            </a:r>
+            <a:r>
+              <a:rPr lang="nl-NL" sz="2000" dirty="0"/>
+              <a:t> </a:t>
+            </a:r>
+            <a:r>
+              <a:rPr lang="nl-NL" sz="2000" dirty="0" err="1"/>
+              <a:t>bedtime</a:t>
+            </a:r>
+            <a:r>
+              <a:rPr lang="nl-NL" sz="2000" dirty="0"/>
+              <a:t> (</a:t>
+            </a:r>
+            <a:r>
+              <a:rPr lang="nl-NL" sz="2000" dirty="0" err="1"/>
+              <a:t>bedtime</a:t>
+            </a:r>
+            <a:r>
+              <a:rPr lang="nl-NL" sz="2000" dirty="0"/>
+              <a:t> </a:t>
+            </a:r>
+            <a:r>
+              <a:rPr lang="nl-NL" sz="2000" dirty="0" err="1"/>
+              <a:t>procrastination</a:t>
+            </a:r>
+            <a:r>
+              <a:rPr lang="nl-NL" sz="2000" dirty="0"/>
+              <a:t>)</a:t>
+            </a:r>
+          </a:p>
+          <a:p>
+            <a:pPr algn="l"/>
+            <a:endParaRPr lang="nl-NL" sz="2600" b="1" dirty="0"/>
+          </a:p>
+          <a:p>
+            <a:pPr algn="l">
+              <a:buFont typeface="Arial" pitchFamily="34" charset="0"/>
+              <a:buChar char="•"/>
+            </a:pPr>
+            <a:r>
+              <a:rPr lang="nl-NL" sz="2600" b="1" dirty="0"/>
+              <a:t> </a:t>
+            </a:r>
+            <a:r>
+              <a:rPr lang="nl-NL" sz="2600" b="1" dirty="0" err="1"/>
+              <a:t>bp_scale</a:t>
+            </a:r>
+            <a:r>
+              <a:rPr lang="nl-NL" sz="2600" b="1" dirty="0"/>
+              <a:t>: </a:t>
+            </a:r>
+            <a:r>
+              <a:rPr lang="nl-NL" sz="2000" dirty="0" err="1"/>
+              <a:t>scale</a:t>
+            </a:r>
+            <a:r>
+              <a:rPr lang="nl-NL" sz="2000" dirty="0"/>
+              <a:t> </a:t>
+            </a:r>
+            <a:r>
+              <a:rPr lang="nl-NL" sz="2000" dirty="0" err="1"/>
+              <a:t>to</a:t>
+            </a:r>
+            <a:r>
+              <a:rPr lang="nl-NL" sz="2000" dirty="0"/>
+              <a:t> </a:t>
+            </a:r>
+            <a:r>
+              <a:rPr lang="nl-NL" sz="2000" dirty="0" err="1"/>
+              <a:t>measure</a:t>
+            </a:r>
+            <a:r>
+              <a:rPr lang="nl-NL" sz="2000" dirty="0"/>
+              <a:t> level of </a:t>
+            </a:r>
+            <a:r>
+              <a:rPr lang="nl-NL" sz="2000" dirty="0" err="1"/>
+              <a:t>bedtime</a:t>
+            </a:r>
+            <a:r>
+              <a:rPr lang="nl-NL" sz="2000" dirty="0"/>
+              <a:t> </a:t>
+            </a:r>
+            <a:r>
+              <a:rPr lang="nl-NL" sz="2000" dirty="0" err="1"/>
+              <a:t>procastination</a:t>
+            </a:r>
+            <a:endParaRPr lang="nl-NL" sz="2000" dirty="0"/>
+          </a:p>
+          <a:p>
+            <a:pPr algn="l">
+              <a:buFont typeface="Arial" pitchFamily="34" charset="0"/>
+              <a:buChar char="•"/>
+            </a:pPr>
+            <a:endParaRPr lang="nl-NL" sz="2600" b="1" dirty="0"/>
+          </a:p>
+          <a:p>
+            <a:pPr algn="l">
+              <a:buFont typeface="Arial" pitchFamily="34" charset="0"/>
+              <a:buChar char="•"/>
+            </a:pPr>
+            <a:r>
+              <a:rPr lang="nl-NL" sz="2600" b="1" dirty="0"/>
+              <a:t> chronotype: </a:t>
+            </a:r>
+            <a:r>
+              <a:rPr lang="nl-NL" sz="2000" dirty="0" err="1"/>
+              <a:t>morning</a:t>
+            </a:r>
+            <a:r>
+              <a:rPr lang="nl-NL" sz="2000" dirty="0"/>
+              <a:t> or evening person (7-point </a:t>
+            </a:r>
+            <a:r>
+              <a:rPr lang="nl-NL" sz="2000" dirty="0" err="1"/>
+              <a:t>scale</a:t>
+            </a:r>
+            <a:r>
+              <a:rPr lang="nl-NL" sz="2000" dirty="0"/>
+              <a:t>)</a:t>
+            </a:r>
+          </a:p>
+          <a:p>
+            <a:pPr algn="l">
+              <a:buFont typeface="Arial" pitchFamily="34" charset="0"/>
+              <a:buChar char="•"/>
+            </a:pPr>
+            <a:endParaRPr lang="nl-NL" sz="2600" dirty="0"/>
           </a:p>
           <a:p>
             <a:pPr algn="l">
@@ -5210,7 +5854,7 @@
               <a:buFont typeface="Arial" pitchFamily="34" charset="0"/>
               <a:buChar char="•"/>
             </a:pPr>
-            <a:endParaRPr lang="nl-NL" dirty="0" smtClean="0"/>
+            <a:endParaRPr lang="nl-NL" dirty="0"/>
           </a:p>
           <a:p>
             <a:pPr algn="l">
@@ -5242,7 +5886,7 @@
           <a:blip r:embed="rId2" cstate="print">
             <a:extLst>
               <a:ext uri="{28A0092B-C50C-407E-A947-70E740481C1C}">
-                <a14:useLocalDpi xmlns:lc="http://schemas.openxmlformats.org/drawingml/2006/lockedCanvas" xmlns:pic="http://schemas.openxmlformats.org/drawingml/2006/picture" xmlns="" xmlns:wpc="http://schemas.microsoft.com/office/word/2010/wordprocessingCanvas" xmlns:cx="http://schemas.microsoft.com/office/drawing/2014/chartex" xmlns:cx1="http://schemas.microsoft.com/office/drawing/2015/9/8/chartex" xmlns:cx2="http://schemas.microsoft.com/office/drawing/2015/10/21/chartex" xmlns:cx3="http://schemas.microsoft.com/office/drawing/2016/5/9/chartex" xmlns:cx4="http://schemas.microsoft.com/office/drawing/2016/5/10/chartex" xmlns:cx5="http://schemas.microsoft.com/office/drawing/2016/5/11/chartex" xmlns:cx6="http://schemas.microsoft.com/office/drawing/2016/5/12/chartex" xmlns:cx7="http://schemas.microsoft.com/office/drawing/2016/5/13/chartex" xmlns:cx8="http://schemas.microsoft.com/office/drawing/2016/5/14/chartex" xmlns:mc="http://schemas.openxmlformats.org/markup-compatibility/2006" xmlns:aink="http://schemas.microsoft.com/office/drawing/2016/ink" xmlns:am3d="http://schemas.microsoft.com/office/drawing/2017/model3d" xmlns:o="urn:schemas-microsoft-com:office:office" xmlns:v="urn:schemas-microsoft-com:vml" xmlns:wp14="http://schemas.microsoft.com/office/word/2010/wordprocessingDrawing" xmlns:w10="urn:schemas-microsoft-com:office:word" xmlns:w="http://schemas.openxmlformats.org/wordprocessingml/2006/main" xmlns:w14="http://schemas.microsoft.com/office/word/2010/wordml" xmlns:w15="http://schemas.microsoft.com/office/word/2012/wordml" xmlns:w16cid="http://schemas.microsoft.com/office/word/2016/wordml/cid" xmlns:w16se="http://schemas.microsoft.com/office/word/2015/wordml/symex" xmlns:wpg="http://schemas.microsoft.com/office/word/2010/wordprocessingGroup" xmlns:wpi="http://schemas.microsoft.com/office/word/2010/wordprocessingInk" xmlns:wps="http://schemas.microsoft.com/office/word/2010/wordprocessingShape" xmlns:a14="http://schemas.microsoft.com/office/drawing/2010/main" xmlns:wne="http://schemas.microsoft.com/office/word/2006/wordml" xmlns:wp="http://schemas.openxmlformats.org/drawingml/2006/wordprocessingDrawing" xmlns:m="http://schemas.openxmlformats.org/officeDocument/2006/math" xmlns:ve="http://schemas.openxmlformats.org/markup-compatibility/2006" val="0"/>
+                <a14:useLocalDpi xmlns:a14="http://schemas.microsoft.com/office/drawing/2010/main" val="0"/>
               </a:ext>
             </a:extLst>
           </a:blip>
@@ -5287,46 +5931,24 @@
       </p:grpSpPr>
       <p:sp>
         <p:nvSpPr>
-          <p:cNvPr id="2" name="Titel 1"/>
-          <p:cNvSpPr>
-            <a:spLocks noGrp="1"/>
-          </p:cNvSpPr>
-          <p:nvPr>
-            <p:ph type="ctrTitle"/>
-          </p:nvPr>
-        </p:nvSpPr>
-        <p:spPr>
-          <a:xfrm>
-            <a:off x="899592" y="692696"/>
-            <a:ext cx="7772400" cy="1470025"/>
-          </a:xfrm>
-        </p:spPr>
-        <p:txBody>
-          <a:bodyPr/>
-          <a:lstStyle/>
-          <a:p>
-            <a:r>
-              <a:rPr lang="nl-NL" dirty="0" err="1" smtClean="0"/>
-              <a:t>Correlation</a:t>
-            </a:r>
-            <a:endParaRPr lang="nl-NL" dirty="0"/>
-          </a:p>
-        </p:txBody>
-      </p:sp>
-      <p:sp>
-        <p:nvSpPr>
-          <p:cNvPr id="3" name="Ondertitel 2"/>
-          <p:cNvSpPr>
-            <a:spLocks noGrp="1"/>
-          </p:cNvSpPr>
-          <p:nvPr>
-            <p:ph type="subTitle" idx="1"/>
-          </p:nvPr>
-        </p:nvSpPr>
-        <p:spPr>
-          <a:xfrm>
-            <a:off x="755576" y="5373216"/>
-            <a:ext cx="7632848" cy="1080120"/>
+          <p:cNvPr id="2" name="Title 1">
+            <a:extLst>
+              <a:ext uri="{FF2B5EF4-FFF2-40B4-BE49-F238E27FC236}">
+                <a16:creationId xmlns:a16="http://schemas.microsoft.com/office/drawing/2014/main" id="{8BFE6F5D-2207-4F3B-A1DC-F8A10129715D}"/>
+              </a:ext>
+            </a:extLst>
+          </p:cNvPr>
+          <p:cNvSpPr>
+            <a:spLocks noGrp="1"/>
+          </p:cNvSpPr>
+          <p:nvPr>
+            <p:ph type="title"/>
+          </p:nvPr>
+        </p:nvSpPr>
+        <p:spPr>
+          <a:xfrm>
+            <a:off x="457200" y="2857500"/>
+            <a:ext cx="8229600" cy="1143000"/>
           </a:xfrm>
         </p:spPr>
         <p:txBody>
@@ -5335,65 +5957,23 @@
           </a:bodyPr>
           <a:lstStyle/>
           <a:p>
-            <a:pPr algn="l">
-              <a:buFont typeface="Arial" pitchFamily="34" charset="0"/>
-              <a:buChar char="•"/>
-            </a:pPr>
-            <a:r>
-              <a:rPr lang="nl-NL" sz="2800" dirty="0" smtClean="0"/>
-              <a:t> </a:t>
-            </a:r>
-            <a:r>
-              <a:rPr lang="nl-NL" sz="2800" dirty="0" smtClean="0"/>
-              <a:t>Strong </a:t>
-            </a:r>
-            <a:r>
-              <a:rPr lang="nl-NL" sz="2800" dirty="0" err="1" smtClean="0"/>
-              <a:t>correlation</a:t>
-            </a:r>
-            <a:r>
-              <a:rPr lang="nl-NL" sz="2800" dirty="0" smtClean="0"/>
-              <a:t> </a:t>
-            </a:r>
-            <a:r>
-              <a:rPr lang="nl-NL" sz="2800" dirty="0" err="1" smtClean="0"/>
-              <a:t>between</a:t>
-            </a:r>
-            <a:r>
-              <a:rPr lang="nl-NL" sz="2800" dirty="0" smtClean="0"/>
-              <a:t> </a:t>
-            </a:r>
-            <a:r>
-              <a:rPr lang="nl-NL" sz="2800" dirty="0" err="1" smtClean="0"/>
-              <a:t>bp</a:t>
-            </a:r>
-            <a:r>
-              <a:rPr lang="nl-NL" sz="2800" dirty="0" smtClean="0"/>
-              <a:t>_</a:t>
-            </a:r>
-            <a:r>
-              <a:rPr lang="nl-NL" sz="2800" dirty="0" err="1" smtClean="0"/>
-              <a:t>scale</a:t>
-            </a:r>
-            <a:r>
-              <a:rPr lang="nl-NL" sz="2800" dirty="0" smtClean="0"/>
-              <a:t> and </a:t>
-            </a:r>
-            <a:r>
-              <a:rPr lang="nl-NL" sz="2800" dirty="0" err="1" smtClean="0"/>
-              <a:t>delay</a:t>
-            </a:r>
-            <a:r>
-              <a:rPr lang="nl-NL" sz="2800" dirty="0" smtClean="0"/>
-              <a:t> time (0.61)</a:t>
-            </a:r>
-            <a:endParaRPr lang="nl-NL" sz="2800" dirty="0" smtClean="0"/>
+            <a:r>
+              <a:rPr lang="en-US" sz="6000" dirty="0"/>
+              <a:t>Results</a:t>
+            </a:r>
+            <a:endParaRPr lang="en-NL" sz="6000" dirty="0"/>
           </a:p>
         </p:txBody>
       </p:sp>
       <p:pic>
         <p:nvPicPr>
-          <p:cNvPr id="4" name="Picture 1"/>
+          <p:cNvPr id="4" name="Picture 1">
+            <a:extLst>
+              <a:ext uri="{FF2B5EF4-FFF2-40B4-BE49-F238E27FC236}">
+                <a16:creationId xmlns:a16="http://schemas.microsoft.com/office/drawing/2014/main" id="{81CC0334-AB8E-462D-B91D-95D0F0AE031F}"/>
+              </a:ext>
+            </a:extLst>
+          </p:cNvPr>
           <p:cNvPicPr/>
           <p:nvPr/>
         </p:nvPicPr>
@@ -5401,7 +5981,7 @@
           <a:blip r:embed="rId2" cstate="print">
             <a:extLst>
               <a:ext uri="{28A0092B-C50C-407E-A947-70E740481C1C}">
-                <a14:useLocalDpi xmlns:lc="http://schemas.openxmlformats.org/drawingml/2006/lockedCanvas" xmlns:pic="http://schemas.openxmlformats.org/drawingml/2006/picture" xmlns="" xmlns:wpc="http://schemas.microsoft.com/office/word/2010/wordprocessingCanvas" xmlns:cx="http://schemas.microsoft.com/office/drawing/2014/chartex" xmlns:cx1="http://schemas.microsoft.com/office/drawing/2015/9/8/chartex" xmlns:cx2="http://schemas.microsoft.com/office/drawing/2015/10/21/chartex" xmlns:cx3="http://schemas.microsoft.com/office/drawing/2016/5/9/chartex" xmlns:cx4="http://schemas.microsoft.com/office/drawing/2016/5/10/chartex" xmlns:cx5="http://schemas.microsoft.com/office/drawing/2016/5/11/chartex" xmlns:cx6="http://schemas.microsoft.com/office/drawing/2016/5/12/chartex" xmlns:cx7="http://schemas.microsoft.com/office/drawing/2016/5/13/chartex" xmlns:cx8="http://schemas.microsoft.com/office/drawing/2016/5/14/chartex" xmlns:mc="http://schemas.openxmlformats.org/markup-compatibility/2006" xmlns:aink="http://schemas.microsoft.com/office/drawing/2016/ink" xmlns:am3d="http://schemas.microsoft.com/office/drawing/2017/model3d" xmlns:o="urn:schemas-microsoft-com:office:office" xmlns:v="urn:schemas-microsoft-com:vml" xmlns:wp14="http://schemas.microsoft.com/office/word/2010/wordprocessingDrawing" xmlns:w10="urn:schemas-microsoft-com:office:word" xmlns:w="http://schemas.openxmlformats.org/wordprocessingml/2006/main" xmlns:w14="http://schemas.microsoft.com/office/word/2010/wordml" xmlns:w15="http://schemas.microsoft.com/office/word/2012/wordml" xmlns:w16cid="http://schemas.microsoft.com/office/word/2016/wordml/cid" xmlns:w16se="http://schemas.microsoft.com/office/word/2015/wordml/symex" xmlns:wpg="http://schemas.microsoft.com/office/word/2010/wordprocessingGroup" xmlns:wpi="http://schemas.microsoft.com/office/word/2010/wordprocessingInk" xmlns:wps="http://schemas.microsoft.com/office/word/2010/wordprocessingShape" xmlns:a14="http://schemas.microsoft.com/office/drawing/2010/main" xmlns:wne="http://schemas.microsoft.com/office/word/2006/wordml" xmlns:wp="http://schemas.openxmlformats.org/drawingml/2006/wordprocessingDrawing" xmlns:m="http://schemas.openxmlformats.org/officeDocument/2006/math" xmlns:ve="http://schemas.openxmlformats.org/markup-compatibility/2006" val="0"/>
+                <a14:useLocalDpi xmlns:a14="http://schemas.microsoft.com/office/drawing/2010/main" val="0"/>
               </a:ext>
             </a:extLst>
           </a:blip>
@@ -5412,42 +5992,19 @@
         <p:spPr>
           <a:xfrm>
             <a:off x="0" y="0"/>
-            <a:ext cx="3347863" cy="764704"/>
+            <a:ext cx="3933825" cy="1162050"/>
           </a:xfrm>
           <a:prstGeom prst="rect">
             <a:avLst/>
           </a:prstGeom>
         </p:spPr>
       </p:pic>
-      <p:pic>
-        <p:nvPicPr>
-          <p:cNvPr id="5" name="Picture 4"/>
-          <p:cNvPicPr/>
-          <p:nvPr/>
-        </p:nvPicPr>
-        <p:blipFill>
-          <a:blip r:embed="rId3" cstate="print">
-            <a:extLst>
-              <a:ext uri="{28A0092B-C50C-407E-A947-70E740481C1C}">
-                <a14:useLocalDpi xmlns="" xmlns:wpc="http://schemas.microsoft.com/office/word/2010/wordprocessingCanvas" xmlns:cx="http://schemas.microsoft.com/office/drawing/2014/chartex" xmlns:cx1="http://schemas.microsoft.com/office/drawing/2015/9/8/chartex" xmlns:cx2="http://schemas.microsoft.com/office/drawing/2015/10/21/chartex" xmlns:cx3="http://schemas.microsoft.com/office/drawing/2016/5/9/chartex" xmlns:cx4="http://schemas.microsoft.com/office/drawing/2016/5/10/chartex" xmlns:cx5="http://schemas.microsoft.com/office/drawing/2016/5/11/chartex" xmlns:cx6="http://schemas.microsoft.com/office/drawing/2016/5/12/chartex" xmlns:cx7="http://schemas.microsoft.com/office/drawing/2016/5/13/chartex" xmlns:cx8="http://schemas.microsoft.com/office/drawing/2016/5/14/chartex" xmlns:mc="http://schemas.openxmlformats.org/markup-compatibility/2006" xmlns:aink="http://schemas.microsoft.com/office/drawing/2016/ink" xmlns:am3d="http://schemas.microsoft.com/office/drawing/2017/model3d" xmlns:o="urn:schemas-microsoft-com:office:office" xmlns:m="http://schemas.openxmlformats.org/officeDocument/2006/math" xmlns:v="urn:schemas-microsoft-com:vml" xmlns:wp14="http://schemas.microsoft.com/office/word/2010/wordprocessingDrawing" xmlns:wp="http://schemas.openxmlformats.org/drawingml/2006/wordprocessingDrawing" xmlns:w10="urn:schemas-microsoft-com:office:word" xmlns:w="http://schemas.openxmlformats.org/wordprocessingml/2006/main" xmlns:w14="http://schemas.microsoft.com/office/word/2010/wordml" xmlns:w15="http://schemas.microsoft.com/office/word/2012/wordml" xmlns:w16cid="http://schemas.microsoft.com/office/word/2016/wordml/cid" xmlns:w16se="http://schemas.microsoft.com/office/word/2015/wordml/symex" xmlns:wpg="http://schemas.microsoft.com/office/word/2010/wordprocessingGroup" xmlns:wpi="http://schemas.microsoft.com/office/word/2010/wordprocessingInk" xmlns:wne="http://schemas.microsoft.com/office/word/2006/wordml" xmlns:wps="http://schemas.microsoft.com/office/word/2010/wordprocessingShape" xmlns:a14="http://schemas.microsoft.com/office/drawing/2010/main" xmlns:pic="http://schemas.openxmlformats.org/drawingml/2006/picture" xmlns:lc="http://schemas.openxmlformats.org/drawingml/2006/lockedCanvas" val="0"/>
-              </a:ext>
-            </a:extLst>
-          </a:blip>
-          <a:stretch>
-            <a:fillRect/>
-          </a:stretch>
-        </p:blipFill>
-        <p:spPr>
-          <a:xfrm>
-            <a:off x="1331640" y="1844824"/>
-            <a:ext cx="6624736" cy="3528392"/>
-          </a:xfrm>
-          <a:prstGeom prst="rect">
-            <a:avLst/>
-          </a:prstGeom>
-        </p:spPr>
-      </p:pic>
     </p:spTree>
+    <p:extLst>
+      <p:ext uri="{BB962C8B-B14F-4D97-AF65-F5344CB8AC3E}">
+        <p14:creationId xmlns:p14="http://schemas.microsoft.com/office/powerpoint/2010/main" val="2643330989"/>
+      </p:ext>
+    </p:extLst>
   </p:cSld>
   <p:clrMapOvr>
     <a:masterClrMapping/>
@@ -5472,114 +6029,6 @@
           <a:chExt cx="0" cy="0"/>
         </a:xfrm>
       </p:grpSpPr>
-      <p:sp>
-        <p:nvSpPr>
-          <p:cNvPr id="2" name="Titel 1"/>
-          <p:cNvSpPr>
-            <a:spLocks noGrp="1"/>
-          </p:cNvSpPr>
-          <p:nvPr>
-            <p:ph type="ctrTitle"/>
-          </p:nvPr>
-        </p:nvSpPr>
-        <p:spPr>
-          <a:xfrm>
-            <a:off x="827584" y="1196752"/>
-            <a:ext cx="7772400" cy="1470025"/>
-          </a:xfrm>
-        </p:spPr>
-        <p:txBody>
-          <a:bodyPr/>
-          <a:lstStyle/>
-          <a:p>
-            <a:endParaRPr lang="nl-NL" dirty="0"/>
-          </a:p>
-        </p:txBody>
-      </p:sp>
-      <p:sp>
-        <p:nvSpPr>
-          <p:cNvPr id="3" name="Ondertitel 2"/>
-          <p:cNvSpPr>
-            <a:spLocks noGrp="1"/>
-          </p:cNvSpPr>
-          <p:nvPr>
-            <p:ph type="subTitle" idx="1"/>
-          </p:nvPr>
-        </p:nvSpPr>
-        <p:spPr>
-          <a:xfrm>
-            <a:off x="1331640" y="2996952"/>
-            <a:ext cx="6400800" cy="3168352"/>
-          </a:xfrm>
-        </p:spPr>
-        <p:txBody>
-          <a:bodyPr>
-            <a:normAutofit lnSpcReduction="10000"/>
-          </a:bodyPr>
-          <a:lstStyle/>
-          <a:p>
-            <a:pPr algn="l"/>
-            <a:r>
-              <a:rPr lang="nl-NL" b="1" dirty="0" err="1" smtClean="0"/>
-              <a:t>Students</a:t>
-            </a:r>
-            <a:r>
-              <a:rPr lang="nl-NL" b="1" dirty="0" smtClean="0"/>
-              <a:t>:</a:t>
-            </a:r>
-            <a:endParaRPr lang="nl-NL" dirty="0"/>
-          </a:p>
-          <a:p>
-            <a:pPr algn="l"/>
-            <a:r>
-              <a:rPr lang="nl-NL" dirty="0"/>
-              <a:t>Yannick Hogebrug (</a:t>
-            </a:r>
-            <a:r>
-              <a:rPr lang="nl-NL" dirty="0" smtClean="0"/>
-              <a:t>2626424)</a:t>
-            </a:r>
-            <a:r>
-              <a:rPr lang="nl-NL" dirty="0"/>
-              <a:t/>
-            </a:r>
-            <a:br>
-              <a:rPr lang="nl-NL" dirty="0"/>
-            </a:br>
-            <a:r>
-              <a:rPr lang="nl-NL" dirty="0"/>
-              <a:t>Jesse </a:t>
-            </a:r>
-            <a:r>
-              <a:rPr lang="nl-NL" dirty="0" smtClean="0"/>
-              <a:t>Schouten (2621562)</a:t>
-            </a:r>
-          </a:p>
-          <a:p>
-            <a:pPr algn="l"/>
-            <a:endParaRPr lang="nl-NL" dirty="0"/>
-          </a:p>
-          <a:p>
-            <a:pPr algn="l"/>
-            <a:r>
-              <a:rPr lang="en-US" b="1" dirty="0"/>
-              <a:t>Business Analytics </a:t>
-            </a:r>
-            <a:br>
-              <a:rPr lang="en-US" b="1" dirty="0"/>
-            </a:br>
-            <a:r>
-              <a:rPr lang="en-US" b="1" dirty="0"/>
-              <a:t>Course: Project Big data (X_400645).</a:t>
-            </a:r>
-            <a:endParaRPr lang="nl-NL" dirty="0"/>
-          </a:p>
-          <a:p>
-            <a:pPr algn="l"/>
-            <a:endParaRPr lang="nl-NL" dirty="0"/>
-          </a:p>
-        </p:txBody>
-      </p:sp>
       <p:pic>
         <p:nvPicPr>
           <p:cNvPr id="4" name="Picture 1"/>
@@ -5590,7 +6039,7 @@
           <a:blip r:embed="rId2" cstate="print">
             <a:extLst>
               <a:ext uri="{28A0092B-C50C-407E-A947-70E740481C1C}">
-                <a14:useLocalDpi xmlns:lc="http://schemas.openxmlformats.org/drawingml/2006/lockedCanvas" xmlns:pic="http://schemas.openxmlformats.org/drawingml/2006/picture" xmlns="" xmlns:wpc="http://schemas.microsoft.com/office/word/2010/wordprocessingCanvas" xmlns:cx="http://schemas.microsoft.com/office/drawing/2014/chartex" xmlns:cx1="http://schemas.microsoft.com/office/drawing/2015/9/8/chartex" xmlns:cx2="http://schemas.microsoft.com/office/drawing/2015/10/21/chartex" xmlns:cx3="http://schemas.microsoft.com/office/drawing/2016/5/9/chartex" xmlns:cx4="http://schemas.microsoft.com/office/drawing/2016/5/10/chartex" xmlns:cx5="http://schemas.microsoft.com/office/drawing/2016/5/11/chartex" xmlns:cx6="http://schemas.microsoft.com/office/drawing/2016/5/12/chartex" xmlns:cx7="http://schemas.microsoft.com/office/drawing/2016/5/13/chartex" xmlns:cx8="http://schemas.microsoft.com/office/drawing/2016/5/14/chartex" xmlns:mc="http://schemas.openxmlformats.org/markup-compatibility/2006" xmlns:aink="http://schemas.microsoft.com/office/drawing/2016/ink" xmlns:am3d="http://schemas.microsoft.com/office/drawing/2017/model3d" xmlns:o="urn:schemas-microsoft-com:office:office" xmlns:v="urn:schemas-microsoft-com:vml" xmlns:wp14="http://schemas.microsoft.com/office/word/2010/wordprocessingDrawing" xmlns:w10="urn:schemas-microsoft-com:office:word" xmlns:w="http://schemas.openxmlformats.org/wordprocessingml/2006/main" xmlns:w14="http://schemas.microsoft.com/office/word/2010/wordml" xmlns:w15="http://schemas.microsoft.com/office/word/2012/wordml" xmlns:w16cid="http://schemas.microsoft.com/office/word/2016/wordml/cid" xmlns:w16se="http://schemas.microsoft.com/office/word/2015/wordml/symex" xmlns:wpg="http://schemas.microsoft.com/office/word/2010/wordprocessingGroup" xmlns:wpi="http://schemas.microsoft.com/office/word/2010/wordprocessingInk" xmlns:wps="http://schemas.microsoft.com/office/word/2010/wordprocessingShape" xmlns:a14="http://schemas.microsoft.com/office/drawing/2010/main" xmlns:wne="http://schemas.microsoft.com/office/word/2006/wordml" xmlns:wp="http://schemas.openxmlformats.org/drawingml/2006/wordprocessingDrawing" xmlns:m="http://schemas.openxmlformats.org/officeDocument/2006/math" xmlns:ve="http://schemas.openxmlformats.org/markup-compatibility/2006" val="0"/>
+                <a14:useLocalDpi xmlns:a14="http://schemas.microsoft.com/office/drawing/2010/main" val="0"/>
               </a:ext>
             </a:extLst>
           </a:blip>
@@ -5608,11 +6057,277 @@
           </a:prstGeom>
         </p:spPr>
       </p:pic>
+      <p:sp>
+        <p:nvSpPr>
+          <p:cNvPr id="6" name="Subtitle 5">
+            <a:extLst>
+              <a:ext uri="{FF2B5EF4-FFF2-40B4-BE49-F238E27FC236}">
+                <a16:creationId xmlns:a16="http://schemas.microsoft.com/office/drawing/2014/main" id="{578D6301-90AA-41C6-80A2-7208B86341E4}"/>
+              </a:ext>
+            </a:extLst>
+          </p:cNvPr>
+          <p:cNvSpPr>
+            <a:spLocks noGrp="1"/>
+          </p:cNvSpPr>
+          <p:nvPr>
+            <p:ph type="subTitle" idx="1"/>
+          </p:nvPr>
+        </p:nvSpPr>
+        <p:spPr/>
+        <p:txBody>
+          <a:bodyPr/>
+          <a:lstStyle/>
+          <a:p>
+            <a:endParaRPr lang="en-NL"/>
+          </a:p>
+        </p:txBody>
+      </p:sp>
+      <p:sp>
+        <p:nvSpPr>
+          <p:cNvPr id="8" name="Title 7">
+            <a:extLst>
+              <a:ext uri="{FF2B5EF4-FFF2-40B4-BE49-F238E27FC236}">
+                <a16:creationId xmlns:a16="http://schemas.microsoft.com/office/drawing/2014/main" id="{F31B4EE8-96E0-4A0F-9ACF-0E434A7D4045}"/>
+              </a:ext>
+            </a:extLst>
+          </p:cNvPr>
+          <p:cNvSpPr>
+            <a:spLocks noGrp="1"/>
+          </p:cNvSpPr>
+          <p:nvPr>
+            <p:ph type="ctrTitle"/>
+          </p:nvPr>
+        </p:nvSpPr>
+        <p:spPr/>
+        <p:txBody>
+          <a:bodyPr/>
+          <a:lstStyle/>
+          <a:p>
+            <a:endParaRPr lang="en-NL"/>
+          </a:p>
+        </p:txBody>
+      </p:sp>
+      <p:pic>
+        <p:nvPicPr>
+          <p:cNvPr id="9" name="Picture 8">
+            <a:extLst>
+              <a:ext uri="{FF2B5EF4-FFF2-40B4-BE49-F238E27FC236}">
+                <a16:creationId xmlns:a16="http://schemas.microsoft.com/office/drawing/2014/main" id="{8F283848-B611-4313-925B-6D5C4FC87582}"/>
+              </a:ext>
+            </a:extLst>
+          </p:cNvPr>
+          <p:cNvPicPr/>
+          <p:nvPr/>
+        </p:nvPicPr>
+        <p:blipFill>
+          <a:blip r:embed="rId3" cstate="print">
+            <a:extLst>
+              <a:ext uri="{28A0092B-C50C-407E-A947-70E740481C1C}">
+                <a14:useLocalDpi xmlns:a14="http://schemas.microsoft.com/office/drawing/2010/main" val="0"/>
+              </a:ext>
+            </a:extLst>
+          </a:blip>
+          <a:stretch>
+            <a:fillRect/>
+          </a:stretch>
+        </p:blipFill>
+        <p:spPr>
+          <a:xfrm>
+            <a:off x="685800" y="1916832"/>
+            <a:ext cx="7622951" cy="4752528"/>
+          </a:xfrm>
+          <a:prstGeom prst="rect">
+            <a:avLst/>
+          </a:prstGeom>
+        </p:spPr>
+      </p:pic>
+      <p:sp>
+        <p:nvSpPr>
+          <p:cNvPr id="10" name="Titel 1">
+            <a:extLst>
+              <a:ext uri="{FF2B5EF4-FFF2-40B4-BE49-F238E27FC236}">
+                <a16:creationId xmlns:a16="http://schemas.microsoft.com/office/drawing/2014/main" id="{8F5E6155-FB82-4DB4-B197-8B8AB92E70CC}"/>
+              </a:ext>
+            </a:extLst>
+          </p:cNvPr>
+          <p:cNvSpPr txBox="1">
+            <a:spLocks/>
+          </p:cNvSpPr>
+          <p:nvPr/>
+        </p:nvSpPr>
+        <p:spPr>
+          <a:xfrm>
+            <a:off x="899592" y="692696"/>
+            <a:ext cx="7772400" cy="1470025"/>
+          </a:xfrm>
+          <a:prstGeom prst="rect">
+            <a:avLst/>
+          </a:prstGeom>
+        </p:spPr>
+        <p:txBody>
+          <a:bodyPr vert="horz" lIns="91440" tIns="45720" rIns="91440" bIns="45720" rtlCol="0" anchor="ctr">
+            <a:normAutofit/>
+          </a:bodyPr>
+          <a:lstStyle>
+            <a:lvl1pPr algn="ctr" defTabSz="914400" rtl="0" eaLnBrk="1" latinLnBrk="0" hangingPunct="1">
+              <a:spcBef>
+                <a:spcPct val="0"/>
+              </a:spcBef>
+              <a:buNone/>
+              <a:defRPr sz="4400" kern="1200">
+                <a:solidFill>
+                  <a:schemeClr val="tx1"/>
+                </a:solidFill>
+                <a:latin typeface="+mj-lt"/>
+                <a:ea typeface="+mj-ea"/>
+                <a:cs typeface="+mj-cs"/>
+              </a:defRPr>
+            </a:lvl1pPr>
+          </a:lstStyle>
+          <a:p>
+            <a:r>
+              <a:rPr lang="nl-NL" dirty="0" err="1"/>
+              <a:t>Correlation</a:t>
+            </a:r>
+            <a:endParaRPr lang="nl-NL" dirty="0"/>
+          </a:p>
+        </p:txBody>
+      </p:sp>
+      <p:sp>
+        <p:nvSpPr>
+          <p:cNvPr id="21" name="Rectangle 20">
+            <a:extLst>
+              <a:ext uri="{FF2B5EF4-FFF2-40B4-BE49-F238E27FC236}">
+                <a16:creationId xmlns:a16="http://schemas.microsoft.com/office/drawing/2014/main" id="{89FA050A-0580-4C07-B99D-997A46DB8F1F}"/>
+              </a:ext>
+            </a:extLst>
+          </p:cNvPr>
+          <p:cNvSpPr/>
+          <p:nvPr/>
+        </p:nvSpPr>
+        <p:spPr>
+          <a:xfrm>
+            <a:off x="4932040" y="2130425"/>
+            <a:ext cx="1440160" cy="938535"/>
+          </a:xfrm>
+          <a:prstGeom prst="rect">
+            <a:avLst/>
+          </a:prstGeom>
+          <a:noFill/>
+          <a:ln>
+            <a:solidFill>
+              <a:srgbClr val="92D050"/>
+            </a:solidFill>
+          </a:ln>
+        </p:spPr>
+        <p:style>
+          <a:lnRef idx="2">
+            <a:schemeClr val="accent1">
+              <a:shade val="50000"/>
+            </a:schemeClr>
+          </a:lnRef>
+          <a:fillRef idx="1">
+            <a:schemeClr val="accent1"/>
+          </a:fillRef>
+          <a:effectRef idx="0">
+            <a:schemeClr val="accent1"/>
+          </a:effectRef>
+          <a:fontRef idx="minor">
+            <a:schemeClr val="lt1"/>
+          </a:fontRef>
+        </p:style>
+        <p:txBody>
+          <a:bodyPr rtlCol="0" anchor="ctr"/>
+          <a:lstStyle/>
+          <a:p>
+            <a:pPr algn="ctr"/>
+            <a:endParaRPr lang="en-NL"/>
+          </a:p>
+        </p:txBody>
+      </p:sp>
     </p:spTree>
   </p:cSld>
   <p:clrMapOvr>
     <a:masterClrMapping/>
   </p:clrMapOvr>
+  <p:timing>
+    <p:tnLst>
+      <p:par>
+        <p:cTn id="1" dur="indefinite" restart="never" nodeType="tmRoot">
+          <p:childTnLst>
+            <p:seq concurrent="1" nextAc="seek">
+              <p:cTn id="2" dur="indefinite" nodeType="mainSeq">
+                <p:childTnLst>
+                  <p:par>
+                    <p:cTn id="3" fill="hold">
+                      <p:stCondLst>
+                        <p:cond delay="indefinite"/>
+                      </p:stCondLst>
+                      <p:childTnLst>
+                        <p:par>
+                          <p:cTn id="4" fill="hold">
+                            <p:stCondLst>
+                              <p:cond delay="0"/>
+                            </p:stCondLst>
+                            <p:childTnLst>
+                              <p:par>
+                                <p:cTn id="5" presetID="1" presetClass="entr" presetSubtype="0" fill="hold" grpId="0" nodeType="clickEffect">
+                                  <p:stCondLst>
+                                    <p:cond delay="0"/>
+                                  </p:stCondLst>
+                                  <p:childTnLst>
+                                    <p:set>
+                                      <p:cBhvr>
+                                        <p:cTn id="6" dur="1" fill="hold">
+                                          <p:stCondLst>
+                                            <p:cond delay="0"/>
+                                          </p:stCondLst>
+                                        </p:cTn>
+                                        <p:tgtEl>
+                                          <p:spTgt spid="21"/>
+                                        </p:tgtEl>
+                                        <p:attrNameLst>
+                                          <p:attrName>style.visibility</p:attrName>
+                                        </p:attrNameLst>
+                                      </p:cBhvr>
+                                      <p:to>
+                                        <p:strVal val="visible"/>
+                                      </p:to>
+                                    </p:set>
+                                  </p:childTnLst>
+                                </p:cTn>
+                              </p:par>
+                            </p:childTnLst>
+                          </p:cTn>
+                        </p:par>
+                      </p:childTnLst>
+                    </p:cTn>
+                  </p:par>
+                </p:childTnLst>
+              </p:cTn>
+              <p:prevCondLst>
+                <p:cond evt="onPrev" delay="0">
+                  <p:tgtEl>
+                    <p:sldTgt/>
+                  </p:tgtEl>
+                </p:cond>
+              </p:prevCondLst>
+              <p:nextCondLst>
+                <p:cond evt="onNext" delay="0">
+                  <p:tgtEl>
+                    <p:sldTgt/>
+                  </p:tgtEl>
+                </p:cond>
+              </p:nextCondLst>
+            </p:seq>
+          </p:childTnLst>
+        </p:cTn>
+      </p:par>
+    </p:tnLst>
+    <p:bldLst>
+      <p:bldP spid="21" grpId="0" animBg="1"/>
+    </p:bldLst>
+  </p:timing>
 </p:sld>
 </file>
 
@@ -5633,142 +6348,6 @@
           <a:chExt cx="0" cy="0"/>
         </a:xfrm>
       </p:grpSpPr>
-      <p:sp>
-        <p:nvSpPr>
-          <p:cNvPr id="2" name="Titel 1"/>
-          <p:cNvSpPr>
-            <a:spLocks noGrp="1"/>
-          </p:cNvSpPr>
-          <p:nvPr>
-            <p:ph type="ctrTitle"/>
-          </p:nvPr>
-        </p:nvSpPr>
-        <p:spPr>
-          <a:xfrm>
-            <a:off x="827584" y="1196752"/>
-            <a:ext cx="7772400" cy="1470025"/>
-          </a:xfrm>
-        </p:spPr>
-        <p:txBody>
-          <a:bodyPr/>
-          <a:lstStyle/>
-          <a:p>
-            <a:r>
-              <a:rPr lang="nl-NL" dirty="0" err="1" smtClean="0"/>
-              <a:t>Analysis</a:t>
-            </a:r>
-            <a:r>
-              <a:rPr lang="nl-NL" dirty="0" smtClean="0"/>
-              <a:t> of a HUE </a:t>
-            </a:r>
-            <a:r>
-              <a:rPr lang="nl-NL" dirty="0" err="1" smtClean="0"/>
-              <a:t>bedtime</a:t>
-            </a:r>
-            <a:r>
-              <a:rPr lang="nl-NL" dirty="0" smtClean="0"/>
-              <a:t> </a:t>
-            </a:r>
-            <a:r>
-              <a:rPr lang="nl-NL" dirty="0" err="1" smtClean="0"/>
-              <a:t>procastination</a:t>
-            </a:r>
-            <a:r>
-              <a:rPr lang="nl-NL" dirty="0" smtClean="0"/>
-              <a:t> </a:t>
-            </a:r>
-            <a:r>
-              <a:rPr lang="nl-NL" dirty="0" err="1" smtClean="0"/>
-              <a:t>study</a:t>
-            </a:r>
-            <a:endParaRPr lang="nl-NL" dirty="0"/>
-          </a:p>
-        </p:txBody>
-      </p:sp>
-      <p:sp>
-        <p:nvSpPr>
-          <p:cNvPr id="3" name="Ondertitel 2"/>
-          <p:cNvSpPr>
-            <a:spLocks noGrp="1"/>
-          </p:cNvSpPr>
-          <p:nvPr>
-            <p:ph type="subTitle" idx="1"/>
-          </p:nvPr>
-        </p:nvSpPr>
-        <p:spPr>
-          <a:xfrm>
-            <a:off x="1331640" y="2996952"/>
-            <a:ext cx="6400800" cy="3168352"/>
-          </a:xfrm>
-        </p:spPr>
-        <p:txBody>
-          <a:bodyPr>
-            <a:normAutofit lnSpcReduction="10000"/>
-          </a:bodyPr>
-          <a:lstStyle/>
-          <a:p>
-            <a:pPr algn="l"/>
-            <a:r>
-              <a:rPr lang="nl-NL" b="1" dirty="0" err="1" smtClean="0"/>
-              <a:t>Students</a:t>
-            </a:r>
-            <a:r>
-              <a:rPr lang="nl-NL" b="1" dirty="0" smtClean="0"/>
-              <a:t>:</a:t>
-            </a:r>
-            <a:endParaRPr lang="nl-NL" dirty="0"/>
-          </a:p>
-          <a:p>
-            <a:pPr algn="l"/>
-            <a:r>
-              <a:rPr lang="nl-NL" dirty="0"/>
-              <a:t>Yannick Hogebrug (</a:t>
-            </a:r>
-            <a:r>
-              <a:rPr lang="nl-NL" dirty="0" smtClean="0"/>
-              <a:t>2626424)</a:t>
-            </a:r>
-            <a:r>
-              <a:rPr lang="nl-NL" dirty="0"/>
-              <a:t/>
-            </a:r>
-            <a:br>
-              <a:rPr lang="nl-NL" dirty="0"/>
-            </a:br>
-            <a:r>
-              <a:rPr lang="nl-NL" dirty="0"/>
-              <a:t>Jesse </a:t>
-            </a:r>
-            <a:r>
-              <a:rPr lang="nl-NL" dirty="0" smtClean="0"/>
-              <a:t>Schouten (2621562)</a:t>
-            </a:r>
-          </a:p>
-          <a:p>
-            <a:pPr algn="l"/>
-            <a:endParaRPr lang="nl-NL" dirty="0"/>
-          </a:p>
-          <a:p>
-            <a:pPr algn="l"/>
-            <a:r>
-              <a:rPr lang="en-US" b="1" dirty="0"/>
-              <a:t>Business Analytics </a:t>
-            </a:r>
-            <a:br>
-              <a:rPr lang="en-US" b="1" dirty="0"/>
-            </a:br>
-            <a:r>
-              <a:rPr lang="en-US" b="1" dirty="0"/>
-              <a:t>Course: Project Big data (X_400645).</a:t>
-            </a:r>
-            <a:endParaRPr lang="nl-NL" dirty="0"/>
-          </a:p>
-          <a:p>
-            <a:pPr algn="l"/>
-            <a:endParaRPr lang="nl-NL" dirty="0"/>
-          </a:p>
-        </p:txBody>
-      </p:sp>
       <p:pic>
         <p:nvPicPr>
           <p:cNvPr id="4" name="Picture 1"/>
@@ -5779,7 +6358,7 @@
           <a:blip r:embed="rId2" cstate="print">
             <a:extLst>
               <a:ext uri="{28A0092B-C50C-407E-A947-70E740481C1C}">
-                <a14:useLocalDpi xmlns:lc="http://schemas.openxmlformats.org/drawingml/2006/lockedCanvas" xmlns:pic="http://schemas.openxmlformats.org/drawingml/2006/picture" xmlns="" xmlns:wpc="http://schemas.microsoft.com/office/word/2010/wordprocessingCanvas" xmlns:cx="http://schemas.microsoft.com/office/drawing/2014/chartex" xmlns:cx1="http://schemas.microsoft.com/office/drawing/2015/9/8/chartex" xmlns:cx2="http://schemas.microsoft.com/office/drawing/2015/10/21/chartex" xmlns:cx3="http://schemas.microsoft.com/office/drawing/2016/5/9/chartex" xmlns:cx4="http://schemas.microsoft.com/office/drawing/2016/5/10/chartex" xmlns:cx5="http://schemas.microsoft.com/office/drawing/2016/5/11/chartex" xmlns:cx6="http://schemas.microsoft.com/office/drawing/2016/5/12/chartex" xmlns:cx7="http://schemas.microsoft.com/office/drawing/2016/5/13/chartex" xmlns:cx8="http://schemas.microsoft.com/office/drawing/2016/5/14/chartex" xmlns:mc="http://schemas.openxmlformats.org/markup-compatibility/2006" xmlns:aink="http://schemas.microsoft.com/office/drawing/2016/ink" xmlns:am3d="http://schemas.microsoft.com/office/drawing/2017/model3d" xmlns:o="urn:schemas-microsoft-com:office:office" xmlns:v="urn:schemas-microsoft-com:vml" xmlns:wp14="http://schemas.microsoft.com/office/word/2010/wordprocessingDrawing" xmlns:w10="urn:schemas-microsoft-com:office:word" xmlns:w="http://schemas.openxmlformats.org/wordprocessingml/2006/main" xmlns:w14="http://schemas.microsoft.com/office/word/2010/wordml" xmlns:w15="http://schemas.microsoft.com/office/word/2012/wordml" xmlns:w16cid="http://schemas.microsoft.com/office/word/2016/wordml/cid" xmlns:w16se="http://schemas.microsoft.com/office/word/2015/wordml/symex" xmlns:wpg="http://schemas.microsoft.com/office/word/2010/wordprocessingGroup" xmlns:wpi="http://schemas.microsoft.com/office/word/2010/wordprocessingInk" xmlns:wps="http://schemas.microsoft.com/office/word/2010/wordprocessingShape" xmlns:a14="http://schemas.microsoft.com/office/drawing/2010/main" xmlns:wne="http://schemas.microsoft.com/office/word/2006/wordml" xmlns:wp="http://schemas.openxmlformats.org/drawingml/2006/wordprocessingDrawing" xmlns:m="http://schemas.openxmlformats.org/officeDocument/2006/math" xmlns:ve="http://schemas.openxmlformats.org/markup-compatibility/2006" val="0"/>
+                <a14:useLocalDpi xmlns:a14="http://schemas.microsoft.com/office/drawing/2010/main" val="0"/>
               </a:ext>
             </a:extLst>
           </a:blip>
@@ -5797,6 +6376,142 @@
           </a:prstGeom>
         </p:spPr>
       </p:pic>
+      <p:sp>
+        <p:nvSpPr>
+          <p:cNvPr id="6" name="Title 5">
+            <a:extLst>
+              <a:ext uri="{FF2B5EF4-FFF2-40B4-BE49-F238E27FC236}">
+                <a16:creationId xmlns:a16="http://schemas.microsoft.com/office/drawing/2014/main" id="{B33F28D2-DB9D-4CA5-9CBD-2424D610BF7E}"/>
+              </a:ext>
+            </a:extLst>
+          </p:cNvPr>
+          <p:cNvSpPr>
+            <a:spLocks noGrp="1"/>
+          </p:cNvSpPr>
+          <p:nvPr>
+            <p:ph type="ctrTitle"/>
+          </p:nvPr>
+        </p:nvSpPr>
+        <p:spPr>
+          <a:xfrm>
+            <a:off x="685800" y="955407"/>
+            <a:ext cx="7772400" cy="1112626"/>
+          </a:xfrm>
+        </p:spPr>
+        <p:txBody>
+          <a:bodyPr/>
+          <a:lstStyle/>
+          <a:p>
+            <a:r>
+              <a:rPr lang="en-US" dirty="0"/>
+              <a:t>Participant groups</a:t>
+            </a:r>
+            <a:endParaRPr lang="en-NL" dirty="0"/>
+          </a:p>
+        </p:txBody>
+      </p:sp>
+      <p:sp>
+        <p:nvSpPr>
+          <p:cNvPr id="8" name="Subtitle 7">
+            <a:extLst>
+              <a:ext uri="{FF2B5EF4-FFF2-40B4-BE49-F238E27FC236}">
+                <a16:creationId xmlns:a16="http://schemas.microsoft.com/office/drawing/2014/main" id="{454A8972-9233-4B42-AF20-C88B8520663D}"/>
+              </a:ext>
+            </a:extLst>
+          </p:cNvPr>
+          <p:cNvSpPr>
+            <a:spLocks noGrp="1"/>
+          </p:cNvSpPr>
+          <p:nvPr>
+            <p:ph type="subTitle" idx="1"/>
+          </p:nvPr>
+        </p:nvSpPr>
+        <p:spPr>
+          <a:xfrm>
+            <a:off x="539552" y="2152142"/>
+            <a:ext cx="8280920" cy="4615208"/>
+          </a:xfrm>
+        </p:spPr>
+        <p:txBody>
+          <a:bodyPr>
+            <a:normAutofit/>
+          </a:bodyPr>
+          <a:lstStyle/>
+          <a:p>
+            <a:pPr algn="l"/>
+            <a:r>
+              <a:rPr lang="en-US" dirty="0"/>
+              <a:t>Differences tested in:</a:t>
+            </a:r>
+          </a:p>
+          <a:p>
+            <a:pPr marL="457200" indent="-457200" algn="l">
+              <a:buFont typeface="Arial" panose="020B0604020202020204" pitchFamily="34" charset="0"/>
+              <a:buChar char="•"/>
+            </a:pPr>
+            <a:r>
+              <a:rPr lang="en-US" dirty="0"/>
+              <a:t>Delay nights </a:t>
+            </a:r>
+            <a:r>
+              <a:rPr lang="en-US" dirty="0">
+                <a:sym typeface="Wingdings" panose="05000000000000000000" pitchFamily="2" charset="2"/>
+              </a:rPr>
+              <a:t> None</a:t>
+            </a:r>
+            <a:endParaRPr lang="en-US" dirty="0"/>
+          </a:p>
+          <a:p>
+            <a:pPr marL="457200" indent="-457200" algn="l">
+              <a:buFont typeface="Arial" panose="020B0604020202020204" pitchFamily="34" charset="0"/>
+              <a:buChar char="•"/>
+            </a:pPr>
+            <a:r>
+              <a:rPr lang="en-US" dirty="0"/>
+              <a:t>Delay time </a:t>
+            </a:r>
+            <a:r>
+              <a:rPr lang="en-US" dirty="0">
+                <a:sym typeface="Wingdings" panose="05000000000000000000" pitchFamily="2" charset="2"/>
+              </a:rPr>
+              <a:t> Possibly</a:t>
+            </a:r>
+            <a:endParaRPr lang="en-US" dirty="0"/>
+          </a:p>
+          <a:p>
+            <a:pPr marL="457200" indent="-457200" algn="l">
+              <a:buFont typeface="Arial" panose="020B0604020202020204" pitchFamily="34" charset="0"/>
+              <a:buChar char="•"/>
+            </a:pPr>
+            <a:r>
+              <a:rPr lang="en-US" dirty="0" err="1"/>
+              <a:t>Sleeptime</a:t>
+            </a:r>
+            <a:r>
+              <a:rPr lang="en-US" dirty="0"/>
+              <a:t> </a:t>
+            </a:r>
+            <a:r>
+              <a:rPr lang="en-US" dirty="0">
+                <a:sym typeface="Wingdings" panose="05000000000000000000" pitchFamily="2" charset="2"/>
+              </a:rPr>
+              <a:t> None</a:t>
+            </a:r>
+            <a:endParaRPr lang="en-US" dirty="0"/>
+          </a:p>
+          <a:p>
+            <a:pPr marL="457200" indent="-457200" algn="l">
+              <a:buFont typeface="Arial" panose="020B0604020202020204" pitchFamily="34" charset="0"/>
+              <a:buChar char="•"/>
+            </a:pPr>
+            <a:endParaRPr lang="en-US" dirty="0"/>
+          </a:p>
+          <a:p>
+            <a:pPr algn="l"/>
+            <a:endParaRPr lang="en-US" dirty="0"/>
+          </a:p>
+        </p:txBody>
+      </p:sp>
     </p:spTree>
   </p:cSld>
   <p:clrMapOvr>

--- a/Report/Presentation.pptx
+++ b/Report/Presentation.pptx
@@ -224,7 +224,7 @@
             <a:fld id="{3CD1CA91-51A7-4ECC-91D7-AEEF339E51C4}" type="datetimeFigureOut">
               <a:rPr lang="nl-NL" smtClean="0"/>
               <a:pPr/>
-              <a:t>26-6-2018</a:t>
+              <a:t>27-6-2018</a:t>
             </a:fld>
             <a:endParaRPr lang="nl-NL"/>
           </a:p>
@@ -751,7 +751,7 @@
             <a:fld id="{87C0663B-BC95-4BFA-83BA-447A6B96687E}" type="datetimeFigureOut">
               <a:rPr lang="nl-NL" smtClean="0"/>
               <a:pPr/>
-              <a:t>26-6-2018</a:t>
+              <a:t>27-6-2018</a:t>
             </a:fld>
             <a:endParaRPr lang="nl-NL"/>
           </a:p>
@@ -916,7 +916,7 @@
             <a:fld id="{87C0663B-BC95-4BFA-83BA-447A6B96687E}" type="datetimeFigureOut">
               <a:rPr lang="nl-NL" smtClean="0"/>
               <a:pPr/>
-              <a:t>26-6-2018</a:t>
+              <a:t>27-6-2018</a:t>
             </a:fld>
             <a:endParaRPr lang="nl-NL"/>
           </a:p>
@@ -1091,7 +1091,7 @@
             <a:fld id="{87C0663B-BC95-4BFA-83BA-447A6B96687E}" type="datetimeFigureOut">
               <a:rPr lang="nl-NL" smtClean="0"/>
               <a:pPr/>
-              <a:t>26-6-2018</a:t>
+              <a:t>27-6-2018</a:t>
             </a:fld>
             <a:endParaRPr lang="nl-NL"/>
           </a:p>
@@ -1256,7 +1256,7 @@
             <a:fld id="{87C0663B-BC95-4BFA-83BA-447A6B96687E}" type="datetimeFigureOut">
               <a:rPr lang="nl-NL" smtClean="0"/>
               <a:pPr/>
-              <a:t>26-6-2018</a:t>
+              <a:t>27-6-2018</a:t>
             </a:fld>
             <a:endParaRPr lang="nl-NL"/>
           </a:p>
@@ -1498,7 +1498,7 @@
             <a:fld id="{87C0663B-BC95-4BFA-83BA-447A6B96687E}" type="datetimeFigureOut">
               <a:rPr lang="nl-NL" smtClean="0"/>
               <a:pPr/>
-              <a:t>26-6-2018</a:t>
+              <a:t>27-6-2018</a:t>
             </a:fld>
             <a:endParaRPr lang="nl-NL"/>
           </a:p>
@@ -1780,7 +1780,7 @@
             <a:fld id="{87C0663B-BC95-4BFA-83BA-447A6B96687E}" type="datetimeFigureOut">
               <a:rPr lang="nl-NL" smtClean="0"/>
               <a:pPr/>
-              <a:t>26-6-2018</a:t>
+              <a:t>27-6-2018</a:t>
             </a:fld>
             <a:endParaRPr lang="nl-NL"/>
           </a:p>
@@ -2196,7 +2196,7 @@
             <a:fld id="{87C0663B-BC95-4BFA-83BA-447A6B96687E}" type="datetimeFigureOut">
               <a:rPr lang="nl-NL" smtClean="0"/>
               <a:pPr/>
-              <a:t>26-6-2018</a:t>
+              <a:t>27-6-2018</a:t>
             </a:fld>
             <a:endParaRPr lang="nl-NL"/>
           </a:p>
@@ -2310,7 +2310,7 @@
             <a:fld id="{87C0663B-BC95-4BFA-83BA-447A6B96687E}" type="datetimeFigureOut">
               <a:rPr lang="nl-NL" smtClean="0"/>
               <a:pPr/>
-              <a:t>26-6-2018</a:t>
+              <a:t>27-6-2018</a:t>
             </a:fld>
             <a:endParaRPr lang="nl-NL"/>
           </a:p>
@@ -2402,7 +2402,7 @@
             <a:fld id="{87C0663B-BC95-4BFA-83BA-447A6B96687E}" type="datetimeFigureOut">
               <a:rPr lang="nl-NL" smtClean="0"/>
               <a:pPr/>
-              <a:t>26-6-2018</a:t>
+              <a:t>27-6-2018</a:t>
             </a:fld>
             <a:endParaRPr lang="nl-NL"/>
           </a:p>
@@ -2674,7 +2674,7 @@
             <a:fld id="{87C0663B-BC95-4BFA-83BA-447A6B96687E}" type="datetimeFigureOut">
               <a:rPr lang="nl-NL" smtClean="0"/>
               <a:pPr/>
-              <a:t>26-6-2018</a:t>
+              <a:t>27-6-2018</a:t>
             </a:fld>
             <a:endParaRPr lang="nl-NL"/>
           </a:p>
@@ -2923,7 +2923,7 @@
             <a:fld id="{87C0663B-BC95-4BFA-83BA-447A6B96687E}" type="datetimeFigureOut">
               <a:rPr lang="nl-NL" smtClean="0"/>
               <a:pPr/>
-              <a:t>26-6-2018</a:t>
+              <a:t>27-6-2018</a:t>
             </a:fld>
             <a:endParaRPr lang="nl-NL"/>
           </a:p>
@@ -3131,7 +3131,7 @@
             <a:fld id="{87C0663B-BC95-4BFA-83BA-447A6B96687E}" type="datetimeFigureOut">
               <a:rPr lang="nl-NL" smtClean="0"/>
               <a:pPr/>
-              <a:t>26-6-2018</a:t>
+              <a:t>27-6-2018</a:t>
             </a:fld>
             <a:endParaRPr lang="nl-NL"/>
           </a:p>
@@ -3974,15 +3974,27 @@
               <a:buChar char="•"/>
             </a:pPr>
             <a:r>
-              <a:rPr lang="en-US" dirty="0"/>
+              <a:rPr lang="en-US" dirty="0">
+                <a:solidFill>
+                  <a:schemeClr val="tx1"/>
+                </a:solidFill>
+              </a:rPr>
               <a:t>High correlation with </a:t>
             </a:r>
             <a:r>
-              <a:rPr lang="en-US" dirty="0" err="1"/>
+              <a:rPr lang="en-US" dirty="0" err="1">
+                <a:solidFill>
+                  <a:schemeClr val="tx1"/>
+                </a:solidFill>
+              </a:rPr>
               <a:t>bp_scale</a:t>
             </a:r>
             <a:r>
-              <a:rPr lang="en-US" dirty="0"/>
+              <a:rPr lang="en-US" dirty="0">
+                <a:solidFill>
+                  <a:schemeClr val="tx1"/>
+                </a:solidFill>
+              </a:rPr>
               <a:t> </a:t>
             </a:r>
           </a:p>
@@ -3992,7 +4004,11 @@
               <a:buChar char="•"/>
             </a:pPr>
             <a:r>
-              <a:rPr lang="en-US" dirty="0"/>
+              <a:rPr lang="en-US" dirty="0">
+                <a:solidFill>
+                  <a:schemeClr val="tx1"/>
+                </a:solidFill>
+              </a:rPr>
               <a:t>Possible difference in participant group.</a:t>
             </a:r>
           </a:p>
@@ -4002,13 +4018,32 @@
               <a:buChar char="•"/>
             </a:pPr>
             <a:r>
-              <a:rPr lang="en-US" dirty="0"/>
-              <a:t>By context: chronotype</a:t>
-            </a:r>
+              <a:rPr lang="en-US" dirty="0">
+                <a:solidFill>
+                  <a:schemeClr val="tx1"/>
+                </a:solidFill>
+              </a:rPr>
+              <a:t>By context: chronotype </a:t>
+            </a:r>
+          </a:p>
+          <a:p>
+            <a:pPr marL="457200" indent="-457200" algn="l">
+              <a:buFont typeface="Arial" panose="020B0604020202020204" pitchFamily="34" charset="0"/>
+              <a:buChar char="•"/>
+            </a:pPr>
+            <a:endParaRPr lang="en-US" dirty="0">
+              <a:solidFill>
+                <a:schemeClr val="tx1"/>
+              </a:solidFill>
+            </a:endParaRPr>
           </a:p>
           <a:p>
             <a:pPr algn="l"/>
-            <a:endParaRPr lang="en-US" dirty="0"/>
+            <a:endParaRPr lang="en-US" dirty="0">
+              <a:solidFill>
+                <a:schemeClr val="tx1"/>
+              </a:solidFill>
+            </a:endParaRPr>
           </a:p>
         </p:txBody>
       </p:sp>
@@ -4343,15 +4378,6 @@
           <a:bodyPr/>
           <a:lstStyle/>
           <a:p>
-            <a:endParaRPr lang="en-US" dirty="0"/>
-          </a:p>
-          <a:p>
-            <a:r>
-              <a:rPr lang="en-US" dirty="0"/>
-              <a:t>Small dataset</a:t>
-            </a:r>
-          </a:p>
-          <a:p>
             <a:pPr marL="0" indent="0">
               <a:buNone/>
             </a:pPr>
@@ -4360,19 +4386,16 @@
           <a:p>
             <a:r>
               <a:rPr lang="en-US" dirty="0"/>
-              <a:t>Missing data</a:t>
-            </a:r>
-          </a:p>
-          <a:p>
-            <a:pPr marL="0" indent="0">
-              <a:buNone/>
-            </a:pPr>
+              <a:t>Small dataset</a:t>
+            </a:r>
+          </a:p>
+          <a:p>
             <a:endParaRPr lang="en-US" dirty="0"/>
           </a:p>
           <a:p>
             <a:r>
               <a:rPr lang="en-US" dirty="0"/>
-              <a:t>Variables in model chosen based on intuition</a:t>
+              <a:t>Variables in prediction model chosen based on intuition</a:t>
             </a:r>
           </a:p>
           <a:p>
@@ -4507,7 +4530,7 @@
           <a:p>
             <a:r>
               <a:rPr lang="en-US" dirty="0"/>
-              <a:t>No clear difference between participant groups in delay time</a:t>
+              <a:t>No significant difference between participant groups in delay time</a:t>
             </a:r>
           </a:p>
           <a:p>
@@ -4516,7 +4539,7 @@
           <a:p>
             <a:r>
               <a:rPr lang="en-US" dirty="0"/>
-              <a:t>No good model for predicting bedtime procrastination was found</a:t>
+              <a:t>A prediction model with an R-squared of 0.475 was found</a:t>
             </a:r>
           </a:p>
           <a:p>
@@ -4811,14 +4834,26 @@
               <a:buChar char="•"/>
             </a:pPr>
             <a:r>
-              <a:rPr lang="nl-NL" b="1" dirty="0"/>
+              <a:rPr lang="nl-NL" b="1" dirty="0">
+                <a:solidFill>
+                  <a:schemeClr val="tx1"/>
+                </a:solidFill>
+              </a:rPr>
               <a:t> </a:t>
             </a:r>
             <a:r>
-              <a:rPr lang="nl-NL" dirty="0" err="1"/>
+              <a:rPr lang="nl-NL" dirty="0" err="1">
+                <a:solidFill>
+                  <a:schemeClr val="tx1"/>
+                </a:solidFill>
+              </a:rPr>
               <a:t>Introduction</a:t>
             </a:r>
-            <a:endParaRPr lang="nl-NL" dirty="0"/>
+            <a:endParaRPr lang="nl-NL" dirty="0">
+              <a:solidFill>
+                <a:schemeClr val="tx1"/>
+              </a:solidFill>
+            </a:endParaRPr>
           </a:p>
           <a:p>
             <a:pPr algn="l">
@@ -4826,14 +4861,26 @@
               <a:buChar char="•"/>
             </a:pPr>
             <a:r>
-              <a:rPr lang="nl-NL" dirty="0"/>
+              <a:rPr lang="nl-NL" dirty="0">
+                <a:solidFill>
+                  <a:schemeClr val="tx1"/>
+                </a:solidFill>
+              </a:rPr>
               <a:t> Data </a:t>
             </a:r>
             <a:r>
-              <a:rPr lang="nl-NL" dirty="0" err="1"/>
+              <a:rPr lang="nl-NL" dirty="0" err="1">
+                <a:solidFill>
+                  <a:schemeClr val="tx1"/>
+                </a:solidFill>
+              </a:rPr>
               <a:t>description</a:t>
             </a:r>
-            <a:endParaRPr lang="nl-NL" dirty="0"/>
+            <a:endParaRPr lang="nl-NL" dirty="0">
+              <a:solidFill>
+                <a:schemeClr val="tx1"/>
+              </a:solidFill>
+            </a:endParaRPr>
           </a:p>
           <a:p>
             <a:pPr algn="l">
@@ -4841,22 +4888,42 @@
               <a:buChar char="•"/>
             </a:pPr>
             <a:r>
-              <a:rPr lang="nl-NL" dirty="0"/>
+              <a:rPr lang="nl-NL" dirty="0">
+                <a:solidFill>
+                  <a:schemeClr val="tx1"/>
+                </a:solidFill>
+              </a:rPr>
               <a:t> </a:t>
             </a:r>
             <a:r>
-              <a:rPr lang="nl-NL" dirty="0" err="1"/>
+              <a:rPr lang="nl-NL" dirty="0" err="1">
+                <a:solidFill>
+                  <a:schemeClr val="tx1"/>
+                </a:solidFill>
+              </a:rPr>
               <a:t>Results</a:t>
             </a:r>
             <a:r>
-              <a:rPr lang="nl-NL" dirty="0"/>
+              <a:rPr lang="nl-NL" dirty="0">
+                <a:solidFill>
+                  <a:schemeClr val="tx1"/>
+                </a:solidFill>
+              </a:rPr>
               <a:t> &amp; </a:t>
             </a:r>
             <a:r>
-              <a:rPr lang="nl-NL" dirty="0" err="1"/>
+              <a:rPr lang="nl-NL" dirty="0" err="1">
+                <a:solidFill>
+                  <a:schemeClr val="tx1"/>
+                </a:solidFill>
+              </a:rPr>
               <a:t>conclusions</a:t>
             </a:r>
-            <a:endParaRPr lang="nl-NL" dirty="0"/>
+            <a:endParaRPr lang="nl-NL" dirty="0">
+              <a:solidFill>
+                <a:schemeClr val="tx1"/>
+              </a:solidFill>
+            </a:endParaRPr>
           </a:p>
           <a:p>
             <a:pPr algn="l">
@@ -4864,30 +4931,58 @@
               <a:buChar char="•"/>
             </a:pPr>
             <a:r>
-              <a:rPr lang="nl-NL" dirty="0"/>
+              <a:rPr lang="nl-NL" dirty="0">
+                <a:solidFill>
+                  <a:schemeClr val="tx1"/>
+                </a:solidFill>
+              </a:rPr>
               <a:t> </a:t>
             </a:r>
             <a:r>
-              <a:rPr lang="nl-NL" dirty="0" err="1"/>
+              <a:rPr lang="nl-NL" dirty="0" err="1">
+                <a:solidFill>
+                  <a:schemeClr val="tx1"/>
+                </a:solidFill>
+              </a:rPr>
               <a:t>Discussion</a:t>
             </a:r>
             <a:r>
-              <a:rPr lang="nl-NL" dirty="0"/>
+              <a:rPr lang="nl-NL" dirty="0">
+                <a:solidFill>
+                  <a:schemeClr val="tx1"/>
+                </a:solidFill>
+              </a:rPr>
               <a:t> &amp; </a:t>
             </a:r>
             <a:r>
-              <a:rPr lang="nl-NL" dirty="0" err="1"/>
+              <a:rPr lang="nl-NL" dirty="0" err="1">
+                <a:solidFill>
+                  <a:schemeClr val="tx1"/>
+                </a:solidFill>
+              </a:rPr>
               <a:t>questions</a:t>
             </a:r>
-            <a:endParaRPr lang="nl-NL" dirty="0"/>
+            <a:endParaRPr lang="nl-NL" dirty="0">
+              <a:solidFill>
+                <a:schemeClr val="tx1"/>
+              </a:solidFill>
+            </a:endParaRPr>
           </a:p>
           <a:p>
             <a:pPr algn="l"/>
-            <a:endParaRPr lang="nl-NL" dirty="0"/>
+            <a:endParaRPr lang="nl-NL" dirty="0">
+              <a:solidFill>
+                <a:schemeClr val="tx1"/>
+              </a:solidFill>
+            </a:endParaRPr>
           </a:p>
           <a:p>
             <a:pPr algn="l"/>
-            <a:endParaRPr lang="nl-NL" dirty="0"/>
+            <a:endParaRPr lang="nl-NL" dirty="0">
+              <a:solidFill>
+                <a:schemeClr val="tx1"/>
+              </a:solidFill>
+            </a:endParaRPr>
           </a:p>
         </p:txBody>
       </p:sp>
@@ -5000,27 +5095,51 @@
               <a:buChar char="•"/>
             </a:pPr>
             <a:r>
-              <a:rPr lang="nl-NL" b="1" dirty="0"/>
+              <a:rPr lang="nl-NL" b="1" dirty="0">
+                <a:solidFill>
+                  <a:schemeClr val="tx1"/>
+                </a:solidFill>
+              </a:rPr>
               <a:t> </a:t>
             </a:r>
             <a:r>
-              <a:rPr lang="nl-NL" dirty="0" err="1"/>
+              <a:rPr lang="nl-NL" dirty="0" err="1">
+                <a:solidFill>
+                  <a:schemeClr val="tx1"/>
+                </a:solidFill>
+              </a:rPr>
               <a:t>Bedtime</a:t>
             </a:r>
             <a:r>
-              <a:rPr lang="nl-NL" dirty="0"/>
+              <a:rPr lang="nl-NL" dirty="0">
+                <a:solidFill>
+                  <a:schemeClr val="tx1"/>
+                </a:solidFill>
+              </a:rPr>
               <a:t> </a:t>
             </a:r>
             <a:r>
-              <a:rPr lang="nl-NL" dirty="0" err="1"/>
+              <a:rPr lang="nl-NL" dirty="0" err="1">
+                <a:solidFill>
+                  <a:schemeClr val="tx1"/>
+                </a:solidFill>
+              </a:rPr>
               <a:t>procastination</a:t>
             </a:r>
-            <a:endParaRPr lang="nl-NL" dirty="0"/>
+            <a:endParaRPr lang="nl-NL" dirty="0">
+              <a:solidFill>
+                <a:schemeClr val="tx1"/>
+              </a:solidFill>
+            </a:endParaRPr>
           </a:p>
           <a:p>
             <a:pPr algn="l"/>
             <a:r>
-              <a:rPr lang="nl-NL" sz="2000" dirty="0"/>
+              <a:rPr lang="nl-NL" sz="2000" dirty="0">
+                <a:solidFill>
+                  <a:schemeClr val="tx1"/>
+                </a:solidFill>
+              </a:rPr>
               <a:t>Delay time</a:t>
             </a:r>
           </a:p>
@@ -5030,37 +5149,68 @@
               <a:buChar char="•"/>
             </a:pPr>
             <a:r>
-              <a:rPr lang="nl-NL" dirty="0"/>
+              <a:rPr lang="nl-NL" dirty="0">
+                <a:solidFill>
+                  <a:schemeClr val="tx1"/>
+                </a:solidFill>
+              </a:rPr>
               <a:t> </a:t>
             </a:r>
             <a:r>
-              <a:rPr lang="nl-NL" dirty="0" err="1"/>
+              <a:rPr lang="nl-NL" dirty="0" err="1">
+                <a:solidFill>
+                  <a:schemeClr val="tx1"/>
+                </a:solidFill>
+              </a:rPr>
               <a:t>Experimental</a:t>
             </a:r>
             <a:r>
-              <a:rPr lang="nl-NL" dirty="0"/>
+              <a:rPr lang="nl-NL" dirty="0">
+                <a:solidFill>
+                  <a:schemeClr val="tx1"/>
+                </a:solidFill>
+              </a:rPr>
               <a:t> and control </a:t>
             </a:r>
             <a:r>
-              <a:rPr lang="nl-NL" dirty="0" err="1"/>
+              <a:rPr lang="nl-NL" dirty="0" err="1">
+                <a:solidFill>
+                  <a:schemeClr val="tx1"/>
+                </a:solidFill>
+              </a:rPr>
               <a:t>group</a:t>
             </a:r>
-            <a:endParaRPr lang="nl-NL" dirty="0"/>
+            <a:endParaRPr lang="nl-NL" dirty="0">
+              <a:solidFill>
+                <a:schemeClr val="tx1"/>
+              </a:solidFill>
+            </a:endParaRPr>
           </a:p>
           <a:p>
             <a:pPr algn="l"/>
             <a:r>
-              <a:rPr lang="en-US" sz="2000" dirty="0"/>
+              <a:rPr lang="en-US" sz="2000" dirty="0">
+                <a:solidFill>
+                  <a:schemeClr val="tx1"/>
+                </a:solidFill>
+              </a:rPr>
               <a:t>Experimental </a:t>
             </a:r>
             <a:r>
               <a:rPr lang="en-US" sz="2000" dirty="0">
+                <a:solidFill>
+                  <a:schemeClr val="tx1"/>
+                </a:solidFill>
                 <a:sym typeface="Wingdings" panose="05000000000000000000" pitchFamily="2" charset="2"/>
               </a:rPr>
               <a:t> </a:t>
             </a:r>
             <a:r>
-              <a:rPr lang="en-US" sz="2000" dirty="0"/>
+              <a:rPr lang="en-US" sz="2000" dirty="0">
+                <a:solidFill>
+                  <a:schemeClr val="tx1"/>
+                </a:solidFill>
+              </a:rPr>
               <a:t>Lights dim automatically at intended bedtime.</a:t>
             </a:r>
           </a:p>
@@ -5069,32 +5219,52 @@
               <a:buFont typeface="Arial" pitchFamily="34" charset="0"/>
               <a:buChar char="•"/>
             </a:pPr>
-            <a:endParaRPr lang="nl-NL" dirty="0"/>
+            <a:endParaRPr lang="nl-NL" dirty="0">
+              <a:solidFill>
+                <a:schemeClr val="tx1"/>
+              </a:solidFill>
+            </a:endParaRPr>
           </a:p>
           <a:p>
             <a:pPr algn="l">
               <a:buFont typeface="Arial" pitchFamily="34" charset="0"/>
               <a:buChar char="•"/>
             </a:pPr>
-            <a:endParaRPr lang="nl-NL" dirty="0"/>
+            <a:endParaRPr lang="nl-NL" dirty="0">
+              <a:solidFill>
+                <a:schemeClr val="tx1"/>
+              </a:solidFill>
+            </a:endParaRPr>
           </a:p>
           <a:p>
             <a:pPr algn="l">
               <a:buFont typeface="Arial" pitchFamily="34" charset="0"/>
               <a:buChar char="•"/>
             </a:pPr>
-            <a:endParaRPr lang="nl-NL" b="1" dirty="0"/>
+            <a:endParaRPr lang="nl-NL" b="1" dirty="0">
+              <a:solidFill>
+                <a:schemeClr val="tx1"/>
+              </a:solidFill>
+            </a:endParaRPr>
           </a:p>
           <a:p>
             <a:pPr algn="l">
               <a:buFont typeface="Arial" pitchFamily="34" charset="0"/>
               <a:buChar char="•"/>
             </a:pPr>
-            <a:endParaRPr lang="nl-NL" dirty="0"/>
+            <a:endParaRPr lang="nl-NL" dirty="0">
+              <a:solidFill>
+                <a:schemeClr val="tx1"/>
+              </a:solidFill>
+            </a:endParaRPr>
           </a:p>
           <a:p>
             <a:pPr algn="l"/>
-            <a:endParaRPr lang="nl-NL" dirty="0"/>
+            <a:endParaRPr lang="nl-NL" dirty="0">
+              <a:solidFill>
+                <a:schemeClr val="tx1"/>
+              </a:solidFill>
+            </a:endParaRPr>
           </a:p>
         </p:txBody>
       </p:sp>
@@ -5207,157 +5377,305 @@
           <a:lstStyle/>
           <a:p>
             <a:r>
-              <a:rPr lang="nl-NL" i="1" dirty="0"/>
+              <a:rPr lang="nl-NL" i="1" dirty="0">
+                <a:solidFill>
+                  <a:schemeClr val="tx1"/>
+                </a:solidFill>
+              </a:rPr>
               <a:t>“</a:t>
             </a:r>
             <a:r>
-              <a:rPr lang="nl-NL" i="1" dirty="0" err="1"/>
+              <a:rPr lang="nl-NL" i="1" dirty="0" err="1">
+                <a:solidFill>
+                  <a:schemeClr val="tx1"/>
+                </a:solidFill>
+              </a:rPr>
               <a:t>Can</a:t>
             </a:r>
             <a:r>
-              <a:rPr lang="nl-NL" i="1" dirty="0"/>
+              <a:rPr lang="nl-NL" i="1" dirty="0">
+                <a:solidFill>
+                  <a:schemeClr val="tx1"/>
+                </a:solidFill>
+              </a:rPr>
               <a:t> </a:t>
             </a:r>
             <a:r>
-              <a:rPr lang="nl-NL" i="1" dirty="0" err="1"/>
+              <a:rPr lang="nl-NL" i="1" dirty="0" err="1">
+                <a:solidFill>
+                  <a:schemeClr val="tx1"/>
+                </a:solidFill>
+              </a:rPr>
               <a:t>bedtime</a:t>
             </a:r>
             <a:r>
-              <a:rPr lang="nl-NL" i="1" dirty="0"/>
+              <a:rPr lang="nl-NL" i="1" dirty="0">
+                <a:solidFill>
+                  <a:schemeClr val="tx1"/>
+                </a:solidFill>
+              </a:rPr>
               <a:t> </a:t>
             </a:r>
             <a:r>
-              <a:rPr lang="nl-NL" i="1" dirty="0" err="1"/>
+              <a:rPr lang="nl-NL" i="1" dirty="0" err="1">
+                <a:solidFill>
+                  <a:schemeClr val="tx1"/>
+                </a:solidFill>
+              </a:rPr>
               <a:t>procrastination</a:t>
             </a:r>
             <a:r>
-              <a:rPr lang="nl-NL" i="1" dirty="0"/>
+              <a:rPr lang="nl-NL" i="1" dirty="0">
+                <a:solidFill>
+                  <a:schemeClr val="tx1"/>
+                </a:solidFill>
+              </a:rPr>
               <a:t> </a:t>
             </a:r>
             <a:r>
-              <a:rPr lang="nl-NL" i="1" dirty="0" err="1"/>
+              <a:rPr lang="nl-NL" i="1" dirty="0" err="1">
+                <a:solidFill>
+                  <a:schemeClr val="tx1"/>
+                </a:solidFill>
+              </a:rPr>
               <a:t>be</a:t>
             </a:r>
             <a:r>
-              <a:rPr lang="nl-NL" i="1" dirty="0"/>
+              <a:rPr lang="nl-NL" i="1" dirty="0">
+                <a:solidFill>
+                  <a:schemeClr val="tx1"/>
+                </a:solidFill>
+              </a:rPr>
               <a:t> </a:t>
             </a:r>
             <a:r>
-              <a:rPr lang="nl-NL" i="1" dirty="0" err="1"/>
+              <a:rPr lang="nl-NL" i="1" dirty="0" err="1">
+                <a:solidFill>
+                  <a:schemeClr val="tx1"/>
+                </a:solidFill>
+              </a:rPr>
               <a:t>significantly</a:t>
             </a:r>
             <a:r>
-              <a:rPr lang="nl-NL" i="1" dirty="0"/>
+              <a:rPr lang="nl-NL" i="1" dirty="0">
+                <a:solidFill>
+                  <a:schemeClr val="tx1"/>
+                </a:solidFill>
+              </a:rPr>
               <a:t> </a:t>
             </a:r>
             <a:r>
-              <a:rPr lang="nl-NL" i="1" dirty="0" err="1"/>
+              <a:rPr lang="nl-NL" i="1" dirty="0" err="1">
+                <a:solidFill>
+                  <a:schemeClr val="tx1"/>
+                </a:solidFill>
+              </a:rPr>
               <a:t>influenced</a:t>
             </a:r>
             <a:r>
-              <a:rPr lang="nl-NL" i="1" dirty="0"/>
+              <a:rPr lang="nl-NL" i="1" dirty="0">
+                <a:solidFill>
+                  <a:schemeClr val="tx1"/>
+                </a:solidFill>
+              </a:rPr>
               <a:t> </a:t>
             </a:r>
             <a:r>
-              <a:rPr lang="nl-NL" i="1" dirty="0" err="1"/>
+              <a:rPr lang="nl-NL" i="1" dirty="0" err="1">
+                <a:solidFill>
+                  <a:schemeClr val="tx1"/>
+                </a:solidFill>
+              </a:rPr>
               <a:t>by</a:t>
             </a:r>
             <a:r>
-              <a:rPr lang="nl-NL" i="1" dirty="0"/>
+              <a:rPr lang="nl-NL" i="1" dirty="0">
+                <a:solidFill>
+                  <a:schemeClr val="tx1"/>
+                </a:solidFill>
+              </a:rPr>
               <a:t> experiment?”</a:t>
             </a:r>
             <a:br>
-              <a:rPr lang="nl-NL" b="1" dirty="0"/>
+              <a:rPr lang="nl-NL" b="1" dirty="0">
+                <a:solidFill>
+                  <a:schemeClr val="tx1"/>
+                </a:solidFill>
+              </a:rPr>
             </a:br>
             <a:br>
-              <a:rPr lang="nl-NL" b="1" dirty="0"/>
+              <a:rPr lang="nl-NL" b="1" dirty="0">
+                <a:solidFill>
+                  <a:schemeClr val="tx1"/>
+                </a:solidFill>
+              </a:rPr>
             </a:br>
             <a:r>
-              <a:rPr lang="nl-NL" i="1" dirty="0"/>
+              <a:rPr lang="nl-NL" i="1" dirty="0">
+                <a:solidFill>
+                  <a:schemeClr val="tx1"/>
+                </a:solidFill>
+              </a:rPr>
               <a:t>“</a:t>
             </a:r>
             <a:r>
-              <a:rPr lang="nl-NL" i="1" dirty="0" err="1"/>
+              <a:rPr lang="nl-NL" i="1" dirty="0" err="1">
+                <a:solidFill>
+                  <a:schemeClr val="tx1"/>
+                </a:solidFill>
+              </a:rPr>
               <a:t>How</a:t>
             </a:r>
             <a:r>
-              <a:rPr lang="nl-NL" i="1" dirty="0"/>
+              <a:rPr lang="nl-NL" i="1" dirty="0">
+                <a:solidFill>
+                  <a:schemeClr val="tx1"/>
+                </a:solidFill>
+              </a:rPr>
               <a:t> </a:t>
             </a:r>
             <a:r>
-              <a:rPr lang="nl-NL" i="1" dirty="0" err="1"/>
+              <a:rPr lang="nl-NL" i="1" dirty="0" err="1">
+                <a:solidFill>
+                  <a:schemeClr val="tx1"/>
+                </a:solidFill>
+              </a:rPr>
               <a:t>well</a:t>
             </a:r>
             <a:r>
-              <a:rPr lang="nl-NL" i="1" dirty="0"/>
+              <a:rPr lang="nl-NL" i="1" dirty="0">
+                <a:solidFill>
+                  <a:schemeClr val="tx1"/>
+                </a:solidFill>
+              </a:rPr>
               <a:t> </a:t>
             </a:r>
             <a:r>
-              <a:rPr lang="nl-NL" i="1" dirty="0" err="1"/>
+              <a:rPr lang="nl-NL" i="1" dirty="0" err="1">
+                <a:solidFill>
+                  <a:schemeClr val="tx1"/>
+                </a:solidFill>
+              </a:rPr>
               <a:t>can</a:t>
             </a:r>
             <a:r>
-              <a:rPr lang="nl-NL" i="1" dirty="0"/>
+              <a:rPr lang="nl-NL" i="1" dirty="0">
+                <a:solidFill>
+                  <a:schemeClr val="tx1"/>
+                </a:solidFill>
+              </a:rPr>
               <a:t> </a:t>
             </a:r>
             <a:r>
-              <a:rPr lang="nl-NL" i="1" dirty="0" err="1"/>
+              <a:rPr lang="nl-NL" i="1" dirty="0" err="1">
+                <a:solidFill>
+                  <a:schemeClr val="tx1"/>
+                </a:solidFill>
+              </a:rPr>
               <a:t>bedtime</a:t>
             </a:r>
             <a:r>
-              <a:rPr lang="nl-NL" i="1" dirty="0"/>
+              <a:rPr lang="nl-NL" i="1" dirty="0">
+                <a:solidFill>
+                  <a:schemeClr val="tx1"/>
+                </a:solidFill>
+              </a:rPr>
               <a:t> </a:t>
             </a:r>
             <a:r>
-              <a:rPr lang="nl-NL" i="1" dirty="0" err="1"/>
+              <a:rPr lang="nl-NL" i="1" dirty="0" err="1">
+                <a:solidFill>
+                  <a:schemeClr val="tx1"/>
+                </a:solidFill>
+              </a:rPr>
               <a:t>procrastination</a:t>
             </a:r>
             <a:r>
-              <a:rPr lang="nl-NL" i="1" dirty="0"/>
+              <a:rPr lang="nl-NL" i="1" dirty="0">
+                <a:solidFill>
+                  <a:schemeClr val="tx1"/>
+                </a:solidFill>
+              </a:rPr>
               <a:t> </a:t>
             </a:r>
             <a:r>
-              <a:rPr lang="nl-NL" i="1" dirty="0" err="1"/>
+              <a:rPr lang="nl-NL" i="1" dirty="0" err="1">
+                <a:solidFill>
+                  <a:schemeClr val="tx1"/>
+                </a:solidFill>
+              </a:rPr>
               <a:t>be</a:t>
             </a:r>
             <a:r>
-              <a:rPr lang="nl-NL" i="1" dirty="0"/>
+              <a:rPr lang="nl-NL" i="1" dirty="0">
+                <a:solidFill>
+                  <a:schemeClr val="tx1"/>
+                </a:solidFill>
+              </a:rPr>
               <a:t> </a:t>
             </a:r>
             <a:r>
-              <a:rPr lang="nl-NL" i="1" dirty="0" err="1"/>
+              <a:rPr lang="nl-NL" i="1" dirty="0" err="1">
+                <a:solidFill>
+                  <a:schemeClr val="tx1"/>
+                </a:solidFill>
+              </a:rPr>
               <a:t>predicted</a:t>
             </a:r>
             <a:r>
-              <a:rPr lang="nl-NL" i="1" dirty="0"/>
+              <a:rPr lang="nl-NL" i="1" dirty="0">
+                <a:solidFill>
+                  <a:schemeClr val="tx1"/>
+                </a:solidFill>
+              </a:rPr>
               <a:t>?”</a:t>
             </a:r>
-            <a:endParaRPr lang="nl-NL" dirty="0"/>
+            <a:endParaRPr lang="nl-NL" dirty="0">
+              <a:solidFill>
+                <a:schemeClr val="tx1"/>
+              </a:solidFill>
+            </a:endParaRPr>
           </a:p>
           <a:p>
             <a:pPr algn="l">
               <a:buFont typeface="Arial" pitchFamily="34" charset="0"/>
               <a:buChar char="•"/>
             </a:pPr>
-            <a:endParaRPr lang="nl-NL" dirty="0"/>
+            <a:endParaRPr lang="nl-NL" dirty="0">
+              <a:solidFill>
+                <a:schemeClr val="tx1"/>
+              </a:solidFill>
+            </a:endParaRPr>
           </a:p>
           <a:p>
             <a:pPr algn="l">
               <a:buFont typeface="Arial" pitchFamily="34" charset="0"/>
               <a:buChar char="•"/>
             </a:pPr>
-            <a:endParaRPr lang="nl-NL" b="1" dirty="0"/>
+            <a:endParaRPr lang="nl-NL" b="1" dirty="0">
+              <a:solidFill>
+                <a:schemeClr val="tx1"/>
+              </a:solidFill>
+            </a:endParaRPr>
           </a:p>
           <a:p>
             <a:pPr algn="l">
               <a:buFont typeface="Arial" pitchFamily="34" charset="0"/>
               <a:buChar char="•"/>
             </a:pPr>
-            <a:endParaRPr lang="nl-NL" dirty="0"/>
+            <a:endParaRPr lang="nl-NL" dirty="0">
+              <a:solidFill>
+                <a:schemeClr val="tx1"/>
+              </a:solidFill>
+            </a:endParaRPr>
           </a:p>
           <a:p>
             <a:pPr algn="l"/>
-            <a:endParaRPr lang="nl-NL" dirty="0"/>
+            <a:endParaRPr lang="nl-NL" dirty="0">
+              <a:solidFill>
+                <a:schemeClr val="tx1"/>
+              </a:solidFill>
+            </a:endParaRPr>
           </a:p>
         </p:txBody>
       </p:sp>
@@ -5474,66 +5792,118 @@
               <a:buChar char="•"/>
             </a:pPr>
             <a:r>
-              <a:rPr lang="nl-NL" sz="2600" dirty="0"/>
+              <a:rPr lang="nl-NL" sz="2600" dirty="0">
+                <a:solidFill>
+                  <a:schemeClr val="tx1"/>
+                </a:solidFill>
+              </a:rPr>
               <a:t>42 </a:t>
             </a:r>
             <a:r>
-              <a:rPr lang="nl-NL" sz="2600" dirty="0" err="1"/>
+              <a:rPr lang="nl-NL" sz="2600" dirty="0" err="1">
+                <a:solidFill>
+                  <a:schemeClr val="tx1"/>
+                </a:solidFill>
+              </a:rPr>
               <a:t>participants</a:t>
             </a:r>
             <a:r>
-              <a:rPr lang="nl-NL" sz="2600" dirty="0"/>
+              <a:rPr lang="nl-NL" sz="2600" dirty="0">
+                <a:solidFill>
+                  <a:schemeClr val="tx1"/>
+                </a:solidFill>
+              </a:rPr>
               <a:t> </a:t>
             </a:r>
             <a:r>
-              <a:rPr lang="nl-NL" sz="2600" dirty="0" err="1"/>
+              <a:rPr lang="nl-NL" sz="2600" dirty="0" err="1">
+                <a:solidFill>
+                  <a:schemeClr val="tx1"/>
+                </a:solidFill>
+              </a:rPr>
               <a:t>described</a:t>
             </a:r>
             <a:r>
-              <a:rPr lang="nl-NL" sz="2600" dirty="0"/>
+              <a:rPr lang="nl-NL" sz="2600" dirty="0">
+                <a:solidFill>
+                  <a:schemeClr val="tx1"/>
+                </a:solidFill>
+              </a:rPr>
               <a:t> </a:t>
             </a:r>
             <a:r>
-              <a:rPr lang="nl-NL" sz="2600" dirty="0" err="1"/>
+              <a:rPr lang="nl-NL" sz="2600" dirty="0" err="1">
+                <a:solidFill>
+                  <a:schemeClr val="tx1"/>
+                </a:solidFill>
+              </a:rPr>
               <a:t>by</a:t>
             </a:r>
             <a:r>
-              <a:rPr lang="nl-NL" sz="2600" dirty="0"/>
+              <a:rPr lang="nl-NL" sz="2600" dirty="0">
+                <a:solidFill>
+                  <a:schemeClr val="tx1"/>
+                </a:solidFill>
+              </a:rPr>
               <a:t> 11 variables</a:t>
             </a:r>
-            <a:endParaRPr lang="nl-NL" dirty="0"/>
+            <a:endParaRPr lang="nl-NL" dirty="0">
+              <a:solidFill>
+                <a:schemeClr val="tx1"/>
+              </a:solidFill>
+            </a:endParaRPr>
           </a:p>
           <a:p>
             <a:pPr algn="l">
               <a:buFont typeface="Arial" pitchFamily="34" charset="0"/>
               <a:buChar char="•"/>
             </a:pPr>
-            <a:endParaRPr lang="nl-NL" dirty="0"/>
+            <a:endParaRPr lang="nl-NL" dirty="0">
+              <a:solidFill>
+                <a:schemeClr val="tx1"/>
+              </a:solidFill>
+            </a:endParaRPr>
           </a:p>
           <a:p>
             <a:pPr algn="l">
               <a:buFont typeface="Arial" pitchFamily="34" charset="0"/>
               <a:buChar char="•"/>
             </a:pPr>
-            <a:endParaRPr lang="nl-NL" dirty="0"/>
+            <a:endParaRPr lang="nl-NL" dirty="0">
+              <a:solidFill>
+                <a:schemeClr val="tx1"/>
+              </a:solidFill>
+            </a:endParaRPr>
           </a:p>
           <a:p>
             <a:pPr algn="l">
               <a:buFont typeface="Arial" pitchFamily="34" charset="0"/>
               <a:buChar char="•"/>
             </a:pPr>
-            <a:endParaRPr lang="nl-NL" b="1" dirty="0"/>
+            <a:endParaRPr lang="nl-NL" b="1" dirty="0">
+              <a:solidFill>
+                <a:schemeClr val="tx1"/>
+              </a:solidFill>
+            </a:endParaRPr>
           </a:p>
           <a:p>
             <a:pPr algn="l">
               <a:buFont typeface="Arial" pitchFamily="34" charset="0"/>
               <a:buChar char="•"/>
             </a:pPr>
-            <a:endParaRPr lang="nl-NL" dirty="0"/>
+            <a:endParaRPr lang="nl-NL" dirty="0">
+              <a:solidFill>
+                <a:schemeClr val="tx1"/>
+              </a:solidFill>
+            </a:endParaRPr>
           </a:p>
           <a:p>
             <a:pPr algn="l"/>
-            <a:endParaRPr lang="nl-NL" dirty="0"/>
+            <a:endParaRPr lang="nl-NL" dirty="0">
+              <a:solidFill>
+                <a:schemeClr val="tx1"/>
+              </a:solidFill>
+            </a:endParaRPr>
           </a:p>
         </p:txBody>
       </p:sp>
@@ -5687,65 +6057,125 @@
               <a:buChar char="•"/>
             </a:pPr>
             <a:r>
-              <a:rPr lang="nl-NL" sz="2600" b="1" dirty="0"/>
+              <a:rPr lang="nl-NL" sz="2600" b="1" dirty="0">
+                <a:solidFill>
+                  <a:schemeClr val="tx1"/>
+                </a:solidFill>
+              </a:rPr>
               <a:t> </a:t>
             </a:r>
             <a:r>
-              <a:rPr lang="nl-NL" sz="2600" b="1" dirty="0" err="1"/>
+              <a:rPr lang="nl-NL" sz="2600" b="1" dirty="0" err="1">
+                <a:solidFill>
+                  <a:schemeClr val="tx1"/>
+                </a:solidFill>
+              </a:rPr>
               <a:t>delay_time</a:t>
             </a:r>
             <a:r>
-              <a:rPr lang="nl-NL" sz="2600" b="1" dirty="0"/>
+              <a:rPr lang="nl-NL" sz="2600" b="1" dirty="0">
+                <a:solidFill>
+                  <a:schemeClr val="tx1"/>
+                </a:solidFill>
+              </a:rPr>
               <a:t>: </a:t>
             </a:r>
             <a:r>
-              <a:rPr lang="nl-NL" sz="2000" dirty="0"/>
+              <a:rPr lang="nl-NL" sz="2000" dirty="0">
+                <a:solidFill>
+                  <a:schemeClr val="tx1"/>
+                </a:solidFill>
+              </a:rPr>
               <a:t>time </a:t>
             </a:r>
             <a:r>
-              <a:rPr lang="nl-NL" sz="2000" dirty="0" err="1"/>
+              <a:rPr lang="nl-NL" sz="2000" dirty="0" err="1">
+                <a:solidFill>
+                  <a:schemeClr val="tx1"/>
+                </a:solidFill>
+              </a:rPr>
               <a:t>spent</a:t>
             </a:r>
             <a:r>
-              <a:rPr lang="nl-NL" sz="2000" dirty="0"/>
+              <a:rPr lang="nl-NL" sz="2000" dirty="0">
+                <a:solidFill>
+                  <a:schemeClr val="tx1"/>
+                </a:solidFill>
+              </a:rPr>
               <a:t> </a:t>
             </a:r>
             <a:r>
-              <a:rPr lang="nl-NL" sz="2000" dirty="0" err="1"/>
+              <a:rPr lang="nl-NL" sz="2000" dirty="0" err="1">
+                <a:solidFill>
+                  <a:schemeClr val="tx1"/>
+                </a:solidFill>
+              </a:rPr>
               <a:t>delaying</a:t>
             </a:r>
             <a:r>
-              <a:rPr lang="nl-NL" sz="2000" dirty="0"/>
+              <a:rPr lang="nl-NL" sz="2000" dirty="0">
+                <a:solidFill>
+                  <a:schemeClr val="tx1"/>
+                </a:solidFill>
+              </a:rPr>
               <a:t> </a:t>
             </a:r>
             <a:r>
-              <a:rPr lang="nl-NL" sz="2000" dirty="0" err="1"/>
+              <a:rPr lang="nl-NL" sz="2000" dirty="0" err="1">
+                <a:solidFill>
+                  <a:schemeClr val="tx1"/>
+                </a:solidFill>
+              </a:rPr>
               <a:t>bedtime</a:t>
             </a:r>
             <a:r>
-              <a:rPr lang="nl-NL" sz="2000" dirty="0"/>
+              <a:rPr lang="nl-NL" sz="2000" dirty="0">
+                <a:solidFill>
+                  <a:schemeClr val="tx1"/>
+                </a:solidFill>
+              </a:rPr>
               <a:t> (</a:t>
             </a:r>
             <a:r>
-              <a:rPr lang="nl-NL" sz="2000" dirty="0" err="1"/>
+              <a:rPr lang="nl-NL" sz="2000" dirty="0" err="1">
+                <a:solidFill>
+                  <a:schemeClr val="tx1"/>
+                </a:solidFill>
+              </a:rPr>
               <a:t>bedtime</a:t>
             </a:r>
             <a:r>
-              <a:rPr lang="nl-NL" sz="2000" dirty="0"/>
+              <a:rPr lang="nl-NL" sz="2000" dirty="0">
+                <a:solidFill>
+                  <a:schemeClr val="tx1"/>
+                </a:solidFill>
+              </a:rPr>
               <a:t> </a:t>
             </a:r>
             <a:r>
-              <a:rPr lang="nl-NL" sz="2000" dirty="0" err="1"/>
+              <a:rPr lang="nl-NL" sz="2000" dirty="0" err="1">
+                <a:solidFill>
+                  <a:schemeClr val="tx1"/>
+                </a:solidFill>
+              </a:rPr>
               <a:t>procrastination</a:t>
             </a:r>
             <a:r>
-              <a:rPr lang="nl-NL" sz="2000" dirty="0"/>
+              <a:rPr lang="nl-NL" sz="2000" dirty="0">
+                <a:solidFill>
+                  <a:schemeClr val="tx1"/>
+                </a:solidFill>
+              </a:rPr>
               <a:t>)</a:t>
             </a:r>
           </a:p>
           <a:p>
             <a:pPr algn="l"/>
-            <a:endParaRPr lang="nl-NL" sz="2600" b="1" dirty="0"/>
+            <a:endParaRPr lang="nl-NL" sz="2600" b="1" dirty="0">
+              <a:solidFill>
+                <a:schemeClr val="tx1"/>
+              </a:solidFill>
+            </a:endParaRPr>
           </a:p>
           <a:p>
             <a:pPr algn="l">
@@ -5753,61 +6183,117 @@
               <a:buChar char="•"/>
             </a:pPr>
             <a:r>
-              <a:rPr lang="nl-NL" sz="2600" b="1" dirty="0"/>
+              <a:rPr lang="nl-NL" sz="2600" b="1" dirty="0">
+                <a:solidFill>
+                  <a:schemeClr val="tx1"/>
+                </a:solidFill>
+              </a:rPr>
               <a:t> </a:t>
             </a:r>
             <a:r>
-              <a:rPr lang="nl-NL" sz="2600" b="1" dirty="0" err="1"/>
+              <a:rPr lang="nl-NL" sz="2600" b="1" dirty="0" err="1">
+                <a:solidFill>
+                  <a:schemeClr val="tx1"/>
+                </a:solidFill>
+              </a:rPr>
               <a:t>bp_scale</a:t>
             </a:r>
             <a:r>
-              <a:rPr lang="nl-NL" sz="2600" b="1" dirty="0"/>
+              <a:rPr lang="nl-NL" sz="2600" b="1" dirty="0">
+                <a:solidFill>
+                  <a:schemeClr val="tx1"/>
+                </a:solidFill>
+              </a:rPr>
               <a:t>: </a:t>
             </a:r>
             <a:r>
-              <a:rPr lang="nl-NL" sz="2000" dirty="0" err="1"/>
+              <a:rPr lang="nl-NL" sz="2000" dirty="0" err="1">
+                <a:solidFill>
+                  <a:schemeClr val="tx1"/>
+                </a:solidFill>
+              </a:rPr>
               <a:t>scale</a:t>
             </a:r>
             <a:r>
-              <a:rPr lang="nl-NL" sz="2000" dirty="0"/>
+              <a:rPr lang="nl-NL" sz="2000" dirty="0">
+                <a:solidFill>
+                  <a:schemeClr val="tx1"/>
+                </a:solidFill>
+              </a:rPr>
               <a:t> </a:t>
             </a:r>
             <a:r>
-              <a:rPr lang="nl-NL" sz="2000" dirty="0" err="1"/>
+              <a:rPr lang="nl-NL" sz="2000" dirty="0" err="1">
+                <a:solidFill>
+                  <a:schemeClr val="tx1"/>
+                </a:solidFill>
+              </a:rPr>
               <a:t>to</a:t>
             </a:r>
             <a:r>
-              <a:rPr lang="nl-NL" sz="2000" dirty="0"/>
+              <a:rPr lang="nl-NL" sz="2000" dirty="0">
+                <a:solidFill>
+                  <a:schemeClr val="tx1"/>
+                </a:solidFill>
+              </a:rPr>
               <a:t> </a:t>
             </a:r>
             <a:r>
-              <a:rPr lang="nl-NL" sz="2000" dirty="0" err="1"/>
+              <a:rPr lang="nl-NL" sz="2000" dirty="0" err="1">
+                <a:solidFill>
+                  <a:schemeClr val="tx1"/>
+                </a:solidFill>
+              </a:rPr>
               <a:t>measure</a:t>
             </a:r>
             <a:r>
-              <a:rPr lang="nl-NL" sz="2000" dirty="0"/>
+              <a:rPr lang="nl-NL" sz="2000" dirty="0">
+                <a:solidFill>
+                  <a:schemeClr val="tx1"/>
+                </a:solidFill>
+              </a:rPr>
               <a:t> level of </a:t>
             </a:r>
             <a:r>
-              <a:rPr lang="nl-NL" sz="2000" dirty="0" err="1"/>
+              <a:rPr lang="nl-NL" sz="2000" dirty="0" err="1">
+                <a:solidFill>
+                  <a:schemeClr val="tx1"/>
+                </a:solidFill>
+              </a:rPr>
               <a:t>bedtime</a:t>
             </a:r>
             <a:r>
-              <a:rPr lang="nl-NL" sz="2000" dirty="0"/>
+              <a:rPr lang="nl-NL" sz="2000" dirty="0">
+                <a:solidFill>
+                  <a:schemeClr val="tx1"/>
+                </a:solidFill>
+              </a:rPr>
               <a:t> </a:t>
             </a:r>
             <a:r>
-              <a:rPr lang="nl-NL" sz="2000" dirty="0" err="1"/>
+              <a:rPr lang="nl-NL" sz="2000" dirty="0" err="1">
+                <a:solidFill>
+                  <a:schemeClr val="tx1"/>
+                </a:solidFill>
+              </a:rPr>
               <a:t>procastination</a:t>
             </a:r>
-            <a:endParaRPr lang="nl-NL" sz="2000" dirty="0"/>
+            <a:endParaRPr lang="nl-NL" sz="2000" dirty="0">
+              <a:solidFill>
+                <a:schemeClr val="tx1"/>
+              </a:solidFill>
+            </a:endParaRPr>
           </a:p>
           <a:p>
             <a:pPr algn="l">
               <a:buFont typeface="Arial" pitchFamily="34" charset="0"/>
               <a:buChar char="•"/>
             </a:pPr>
-            <a:endParaRPr lang="nl-NL" sz="2600" b="1" dirty="0"/>
+            <a:endParaRPr lang="nl-NL" sz="2600" b="1" dirty="0">
+              <a:solidFill>
+                <a:schemeClr val="tx1"/>
+              </a:solidFill>
+            </a:endParaRPr>
           </a:p>
           <a:p>
             <a:pPr algn="l">
@@ -5815,23 +6301,43 @@
               <a:buChar char="•"/>
             </a:pPr>
             <a:r>
-              <a:rPr lang="nl-NL" sz="2600" b="1" dirty="0"/>
+              <a:rPr lang="nl-NL" sz="2600" b="1" dirty="0">
+                <a:solidFill>
+                  <a:schemeClr val="tx1"/>
+                </a:solidFill>
+              </a:rPr>
               <a:t> chronotype: </a:t>
             </a:r>
             <a:r>
-              <a:rPr lang="nl-NL" sz="2000" dirty="0" err="1"/>
+              <a:rPr lang="nl-NL" sz="2000" dirty="0" err="1">
+                <a:solidFill>
+                  <a:schemeClr val="tx1"/>
+                </a:solidFill>
+              </a:rPr>
               <a:t>morning</a:t>
             </a:r>
             <a:r>
-              <a:rPr lang="nl-NL" sz="2000" dirty="0"/>
+              <a:rPr lang="nl-NL" sz="2000" dirty="0">
+                <a:solidFill>
+                  <a:schemeClr val="tx1"/>
+                </a:solidFill>
+              </a:rPr>
               <a:t> or evening person (7-point </a:t>
             </a:r>
             <a:r>
-              <a:rPr lang="nl-NL" sz="2000" dirty="0" err="1"/>
+              <a:rPr lang="nl-NL" sz="2000" dirty="0" err="1">
+                <a:solidFill>
+                  <a:schemeClr val="tx1"/>
+                </a:solidFill>
+              </a:rPr>
               <a:t>scale</a:t>
             </a:r>
             <a:r>
-              <a:rPr lang="nl-NL" sz="2000" dirty="0"/>
+              <a:rPr lang="nl-NL" sz="2000" dirty="0">
+                <a:solidFill>
+                  <a:schemeClr val="tx1"/>
+                </a:solidFill>
+              </a:rPr>
               <a:t>)</a:t>
             </a:r>
           </a:p>
@@ -5840,39 +6346,63 @@
               <a:buFont typeface="Arial" pitchFamily="34" charset="0"/>
               <a:buChar char="•"/>
             </a:pPr>
-            <a:endParaRPr lang="nl-NL" sz="2600" dirty="0"/>
+            <a:endParaRPr lang="nl-NL" sz="2600" dirty="0">
+              <a:solidFill>
+                <a:schemeClr val="tx1"/>
+              </a:solidFill>
+            </a:endParaRPr>
           </a:p>
           <a:p>
             <a:pPr algn="l">
               <a:buFont typeface="Arial" pitchFamily="34" charset="0"/>
               <a:buChar char="•"/>
             </a:pPr>
-            <a:endParaRPr lang="nl-NL" dirty="0"/>
+            <a:endParaRPr lang="nl-NL" dirty="0">
+              <a:solidFill>
+                <a:schemeClr val="tx1"/>
+              </a:solidFill>
+            </a:endParaRPr>
           </a:p>
           <a:p>
             <a:pPr algn="l">
               <a:buFont typeface="Arial" pitchFamily="34" charset="0"/>
               <a:buChar char="•"/>
             </a:pPr>
-            <a:endParaRPr lang="nl-NL" dirty="0"/>
+            <a:endParaRPr lang="nl-NL" dirty="0">
+              <a:solidFill>
+                <a:schemeClr val="tx1"/>
+              </a:solidFill>
+            </a:endParaRPr>
           </a:p>
           <a:p>
             <a:pPr algn="l">
               <a:buFont typeface="Arial" pitchFamily="34" charset="0"/>
               <a:buChar char="•"/>
             </a:pPr>
-            <a:endParaRPr lang="nl-NL" b="1" dirty="0"/>
+            <a:endParaRPr lang="nl-NL" b="1" dirty="0">
+              <a:solidFill>
+                <a:schemeClr val="tx1"/>
+              </a:solidFill>
+            </a:endParaRPr>
           </a:p>
           <a:p>
             <a:pPr algn="l">
               <a:buFont typeface="Arial" pitchFamily="34" charset="0"/>
               <a:buChar char="•"/>
             </a:pPr>
-            <a:endParaRPr lang="nl-NL" dirty="0"/>
+            <a:endParaRPr lang="nl-NL" dirty="0">
+              <a:solidFill>
+                <a:schemeClr val="tx1"/>
+              </a:solidFill>
+            </a:endParaRPr>
           </a:p>
           <a:p>
             <a:pPr algn="l"/>
-            <a:endParaRPr lang="nl-NL" dirty="0"/>
+            <a:endParaRPr lang="nl-NL" dirty="0">
+              <a:solidFill>
+                <a:schemeClr val="tx1"/>
+              </a:solidFill>
+            </a:endParaRPr>
           </a:p>
         </p:txBody>
       </p:sp>
@@ -6440,7 +6970,11 @@
           <a:p>
             <a:pPr algn="l"/>
             <a:r>
-              <a:rPr lang="en-US" dirty="0"/>
+              <a:rPr lang="en-US" dirty="0">
+                <a:solidFill>
+                  <a:schemeClr val="tx1"/>
+                </a:solidFill>
+              </a:rPr>
               <a:t>Differences tested in:</a:t>
             </a:r>
           </a:p>
@@ -6450,16 +6984,27 @@
               <a:buChar char="•"/>
             </a:pPr>
             <a:r>
-              <a:rPr lang="en-US" dirty="0"/>
+              <a:rPr lang="en-US" dirty="0">
+                <a:solidFill>
+                  <a:schemeClr val="tx1"/>
+                </a:solidFill>
+              </a:rPr>
               <a:t>Delay nights </a:t>
             </a:r>
             <a:r>
               <a:rPr lang="en-US" dirty="0">
+                <a:solidFill>
+                  <a:schemeClr val="tx1"/>
+                </a:solidFill>
                 <a:sym typeface="Wingdings" panose="05000000000000000000" pitchFamily="2" charset="2"/>
               </a:rPr>
-              <a:t> None</a:t>
-            </a:r>
-            <a:endParaRPr lang="en-US" dirty="0"/>
+              <a:t> No significance</a:t>
+            </a:r>
+            <a:endParaRPr lang="en-US" dirty="0">
+              <a:solidFill>
+                <a:schemeClr val="tx1"/>
+              </a:solidFill>
+            </a:endParaRPr>
           </a:p>
           <a:p>
             <a:pPr marL="457200" indent="-457200" algn="l">
@@ -6467,16 +7012,27 @@
               <a:buChar char="•"/>
             </a:pPr>
             <a:r>
-              <a:rPr lang="en-US" dirty="0"/>
+              <a:rPr lang="en-US" dirty="0">
+                <a:solidFill>
+                  <a:schemeClr val="tx1"/>
+                </a:solidFill>
+              </a:rPr>
               <a:t>Delay time </a:t>
             </a:r>
             <a:r>
               <a:rPr lang="en-US" dirty="0">
+                <a:solidFill>
+                  <a:schemeClr val="tx1"/>
+                </a:solidFill>
                 <a:sym typeface="Wingdings" panose="05000000000000000000" pitchFamily="2" charset="2"/>
               </a:rPr>
-              <a:t> Possibly</a:t>
-            </a:r>
-            <a:endParaRPr lang="en-US" dirty="0"/>
+              <a:t> No significance (but on verge!)</a:t>
+            </a:r>
+            <a:endParaRPr lang="en-US" dirty="0">
+              <a:solidFill>
+                <a:schemeClr val="tx1"/>
+              </a:solidFill>
+            </a:endParaRPr>
           </a:p>
           <a:p>
             <a:pPr marL="457200" indent="-457200" algn="l">
@@ -6484,31 +7040,67 @@
               <a:buChar char="•"/>
             </a:pPr>
             <a:r>
-              <a:rPr lang="en-US" dirty="0" err="1"/>
+              <a:rPr lang="en-US" dirty="0" err="1">
+                <a:solidFill>
+                  <a:schemeClr val="tx1"/>
+                </a:solidFill>
+              </a:rPr>
               <a:t>Sleeptime</a:t>
             </a:r>
             <a:r>
-              <a:rPr lang="en-US" dirty="0"/>
+              <a:rPr lang="en-US" dirty="0">
+                <a:solidFill>
+                  <a:schemeClr val="tx1"/>
+                </a:solidFill>
+              </a:rPr>
               <a:t> </a:t>
             </a:r>
             <a:r>
               <a:rPr lang="en-US" dirty="0">
+                <a:solidFill>
+                  <a:schemeClr val="tx1"/>
+                </a:solidFill>
                 <a:sym typeface="Wingdings" panose="05000000000000000000" pitchFamily="2" charset="2"/>
               </a:rPr>
-              <a:t> None</a:t>
-            </a:r>
-            <a:endParaRPr lang="en-US" dirty="0"/>
+              <a:t> No significance</a:t>
+            </a:r>
+          </a:p>
+          <a:p>
+            <a:pPr algn="l"/>
+            <a:endParaRPr lang="en-US" dirty="0">
+              <a:solidFill>
+                <a:schemeClr val="tx1"/>
+              </a:solidFill>
+              <a:sym typeface="Wingdings" panose="05000000000000000000" pitchFamily="2" charset="2"/>
+            </a:endParaRPr>
           </a:p>
           <a:p>
             <a:pPr marL="457200" indent="-457200" algn="l">
               <a:buFont typeface="Arial" panose="020B0604020202020204" pitchFamily="34" charset="0"/>
               <a:buChar char="•"/>
             </a:pPr>
-            <a:endParaRPr lang="en-US" dirty="0"/>
+            <a:r>
+              <a:rPr lang="en-US" dirty="0">
+                <a:solidFill>
+                  <a:schemeClr val="tx1"/>
+                </a:solidFill>
+                <a:sym typeface="Wingdings" panose="05000000000000000000" pitchFamily="2" charset="2"/>
+              </a:rPr>
+              <a:t>Wilcoxon rank-sum test was used</a:t>
+            </a:r>
+            <a:endParaRPr lang="en-US" dirty="0">
+              <a:solidFill>
+                <a:schemeClr val="tx1"/>
+              </a:solidFill>
+            </a:endParaRPr>
           </a:p>
           <a:p>
             <a:pPr algn="l"/>
-            <a:endParaRPr lang="en-US" dirty="0"/>
+            <a:endParaRPr lang="en-US" dirty="0">
+              <a:solidFill>
+                <a:schemeClr val="tx1"/>
+              </a:solidFill>
+            </a:endParaRPr>
           </a:p>
         </p:txBody>
       </p:sp>

--- a/Report/Presentation.pptx
+++ b/Report/Presentation.pptx
@@ -124,7 +124,7 @@
   </p:defaultTextStyle>
   <p:extLst>
     <p:ext uri="{EFAFB233-063F-42B5-8137-9DF3F51BA10A}">
-      <p15:sldGuideLst xmlns:p15="http://schemas.microsoft.com/office/powerpoint/2012/main">
+      <p15:sldGuideLst xmlns:p15="http://schemas.microsoft.com/office/powerpoint/2012/main" xmlns="">
         <p15:guide id="1" orient="horz" pos="2160">
           <p15:clr>
             <a:srgbClr val="A4A3A4"/>
@@ -385,7 +385,7 @@
             <a:fld id="{FFA4179D-8304-4936-9189-F5352923CC4A}" type="slidenum">
               <a:rPr lang="nl-NL" smtClean="0"/>
               <a:pPr/>
-              <a:t>‹#›</a:t>
+              <a:t>‹nr.›</a:t>
             </a:fld>
             <a:endParaRPr lang="nl-NL"/>
           </a:p>
@@ -794,7 +794,7 @@
             <a:fld id="{7E750BC6-6922-4415-B478-D62852FE04FE}" type="slidenum">
               <a:rPr lang="nl-NL" smtClean="0"/>
               <a:pPr/>
-              <a:t>‹#›</a:t>
+              <a:t>‹nr.›</a:t>
             </a:fld>
             <a:endParaRPr lang="nl-NL"/>
           </a:p>
@@ -959,7 +959,7 @@
             <a:fld id="{7E750BC6-6922-4415-B478-D62852FE04FE}" type="slidenum">
               <a:rPr lang="nl-NL" smtClean="0"/>
               <a:pPr/>
-              <a:t>‹#›</a:t>
+              <a:t>‹nr.›</a:t>
             </a:fld>
             <a:endParaRPr lang="nl-NL"/>
           </a:p>
@@ -1134,7 +1134,7 @@
             <a:fld id="{7E750BC6-6922-4415-B478-D62852FE04FE}" type="slidenum">
               <a:rPr lang="nl-NL" smtClean="0"/>
               <a:pPr/>
-              <a:t>‹#›</a:t>
+              <a:t>‹nr.›</a:t>
             </a:fld>
             <a:endParaRPr lang="nl-NL"/>
           </a:p>
@@ -1299,7 +1299,7 @@
             <a:fld id="{7E750BC6-6922-4415-B478-D62852FE04FE}" type="slidenum">
               <a:rPr lang="nl-NL" smtClean="0"/>
               <a:pPr/>
-              <a:t>‹#›</a:t>
+              <a:t>‹nr.›</a:t>
             </a:fld>
             <a:endParaRPr lang="nl-NL"/>
           </a:p>
@@ -1541,7 +1541,7 @@
             <a:fld id="{7E750BC6-6922-4415-B478-D62852FE04FE}" type="slidenum">
               <a:rPr lang="nl-NL" smtClean="0"/>
               <a:pPr/>
-              <a:t>‹#›</a:t>
+              <a:t>‹nr.›</a:t>
             </a:fld>
             <a:endParaRPr lang="nl-NL"/>
           </a:p>
@@ -1823,7 +1823,7 @@
             <a:fld id="{7E750BC6-6922-4415-B478-D62852FE04FE}" type="slidenum">
               <a:rPr lang="nl-NL" smtClean="0"/>
               <a:pPr/>
-              <a:t>‹#›</a:t>
+              <a:t>‹nr.›</a:t>
             </a:fld>
             <a:endParaRPr lang="nl-NL"/>
           </a:p>
@@ -2239,7 +2239,7 @@
             <a:fld id="{7E750BC6-6922-4415-B478-D62852FE04FE}" type="slidenum">
               <a:rPr lang="nl-NL" smtClean="0"/>
               <a:pPr/>
-              <a:t>‹#›</a:t>
+              <a:t>‹nr.›</a:t>
             </a:fld>
             <a:endParaRPr lang="nl-NL"/>
           </a:p>
@@ -2353,7 +2353,7 @@
             <a:fld id="{7E750BC6-6922-4415-B478-D62852FE04FE}" type="slidenum">
               <a:rPr lang="nl-NL" smtClean="0"/>
               <a:pPr/>
-              <a:t>‹#›</a:t>
+              <a:t>‹nr.›</a:t>
             </a:fld>
             <a:endParaRPr lang="nl-NL"/>
           </a:p>
@@ -2445,7 +2445,7 @@
             <a:fld id="{7E750BC6-6922-4415-B478-D62852FE04FE}" type="slidenum">
               <a:rPr lang="nl-NL" smtClean="0"/>
               <a:pPr/>
-              <a:t>‹#›</a:t>
+              <a:t>‹nr.›</a:t>
             </a:fld>
             <a:endParaRPr lang="nl-NL"/>
           </a:p>
@@ -2717,7 +2717,7 @@
             <a:fld id="{7E750BC6-6922-4415-B478-D62852FE04FE}" type="slidenum">
               <a:rPr lang="nl-NL" smtClean="0"/>
               <a:pPr/>
-              <a:t>‹#›</a:t>
+              <a:t>‹nr.›</a:t>
             </a:fld>
             <a:endParaRPr lang="nl-NL"/>
           </a:p>
@@ -2966,7 +2966,7 @@
             <a:fld id="{7E750BC6-6922-4415-B478-D62852FE04FE}" type="slidenum">
               <a:rPr lang="nl-NL" smtClean="0"/>
               <a:pPr/>
-              <a:t>‹#›</a:t>
+              <a:t>‹nr.›</a:t>
             </a:fld>
             <a:endParaRPr lang="nl-NL"/>
           </a:p>
@@ -3210,7 +3210,7 @@
             <a:fld id="{7E750BC6-6922-4415-B478-D62852FE04FE}" type="slidenum">
               <a:rPr lang="nl-NL" smtClean="0"/>
               <a:pPr/>
-              <a:t>‹#›</a:t>
+              <a:t>‹nr.›</a:t>
             </a:fld>
             <a:endParaRPr lang="nl-NL"/>
           </a:p>
@@ -3638,7 +3638,7 @@
           <a:blip r:embed="rId2" cstate="print">
             <a:extLst>
               <a:ext uri="{28A0092B-C50C-407E-A947-70E740481C1C}">
-                <a14:useLocalDpi xmlns:a14="http://schemas.microsoft.com/office/drawing/2010/main" val="0"/>
+                <a14:useLocalDpi xmlns:a14="http://schemas.microsoft.com/office/drawing/2010/main" xmlns="" val="0"/>
               </a:ext>
             </a:extLst>
           </a:blip>
@@ -3689,6 +3689,13 @@
   <p:clrMapOvr>
     <a:masterClrMapping/>
   </p:clrMapOvr>
+  <p:timing>
+    <p:tnLst>
+      <p:par>
+        <p:cTn id="1" dur="indefinite" restart="never" nodeType="tmRoot"/>
+      </p:par>
+    </p:tnLst>
+  </p:timing>
 </p:sld>
 </file>
 
@@ -3719,7 +3726,7 @@
           <a:blip r:embed="rId2" cstate="print">
             <a:extLst>
               <a:ext uri="{28A0092B-C50C-407E-A947-70E740481C1C}">
-                <a14:useLocalDpi xmlns:a14="http://schemas.microsoft.com/office/drawing/2010/main" val="0"/>
+                <a14:useLocalDpi xmlns:a14="http://schemas.microsoft.com/office/drawing/2010/main" xmlns="" val="0"/>
               </a:ext>
             </a:extLst>
           </a:blip>
@@ -3742,7 +3749,7 @@
           <p:cNvPr id="8" name="Subtitle 7">
             <a:extLst>
               <a:ext uri="{FF2B5EF4-FFF2-40B4-BE49-F238E27FC236}">
-                <a16:creationId xmlns:a16="http://schemas.microsoft.com/office/drawing/2014/main" id="{454A8972-9233-4B42-AF20-C88B8520663D}"/>
+                <a16:creationId xmlns:a16="http://schemas.microsoft.com/office/drawing/2014/main" xmlns="" id="{454A8972-9233-4B42-AF20-C88B8520663D}"/>
               </a:ext>
             </a:extLst>
           </p:cNvPr>
@@ -3763,7 +3770,7 @@
           <a:bodyPr/>
           <a:lstStyle/>
           <a:p>
-            <a:endParaRPr lang="en-NL" dirty="0"/>
+            <a:endParaRPr lang="x-none" dirty="0"/>
           </a:p>
         </p:txBody>
       </p:sp>
@@ -3772,7 +3779,7 @@
           <p:cNvPr id="5" name="Title 5">
             <a:extLst>
               <a:ext uri="{FF2B5EF4-FFF2-40B4-BE49-F238E27FC236}">
-                <a16:creationId xmlns:a16="http://schemas.microsoft.com/office/drawing/2014/main" id="{7B0B6C6B-1C1B-44C3-AE31-D9552B23A930}"/>
+                <a16:creationId xmlns:a16="http://schemas.microsoft.com/office/drawing/2014/main" xmlns="" id="{7B0B6C6B-1C1B-44C3-AE31-D9552B23A930}"/>
               </a:ext>
             </a:extLst>
           </p:cNvPr>
@@ -3815,7 +3822,7 @@
               <a:rPr lang="en-US" dirty="0"/>
               <a:t>Participant groups</a:t>
             </a:r>
-            <a:endParaRPr lang="en-NL" dirty="0"/>
+            <a:endParaRPr lang="x-none" dirty="0"/>
           </a:p>
         </p:txBody>
       </p:sp>
@@ -3824,7 +3831,7 @@
           <p:cNvPr id="2" name="Picture 1">
             <a:extLst>
               <a:ext uri="{FF2B5EF4-FFF2-40B4-BE49-F238E27FC236}">
-                <a16:creationId xmlns:a16="http://schemas.microsoft.com/office/drawing/2014/main" id="{92EDBE8E-0F53-48C1-9C0E-5021DF6B32E5}"/>
+                <a16:creationId xmlns:a16="http://schemas.microsoft.com/office/drawing/2014/main" xmlns="" id="{92EDBE8E-0F53-48C1-9C0E-5021DF6B32E5}"/>
               </a:ext>
             </a:extLst>
           </p:cNvPr>
@@ -3834,7 +3841,7 @@
           <p:nvPr/>
         </p:nvPicPr>
         <p:blipFill>
-          <a:blip r:embed="rId3"/>
+          <a:blip r:embed="rId3" cstate="print"/>
           <a:stretch>
             <a:fillRect/>
           </a:stretch>
@@ -3852,7 +3859,7 @@
     </p:spTree>
     <p:extLst>
       <p:ext uri="{BB962C8B-B14F-4D97-AF65-F5344CB8AC3E}">
-        <p14:creationId xmlns:p14="http://schemas.microsoft.com/office/powerpoint/2010/main" val="244179176"/>
+        <p14:creationId xmlns:p14="http://schemas.microsoft.com/office/powerpoint/2010/main" xmlns="" val="244179176"/>
       </p:ext>
     </p:extLst>
   </p:cSld>
@@ -3889,7 +3896,7 @@
           <a:blip r:embed="rId2" cstate="print">
             <a:extLst>
               <a:ext uri="{28A0092B-C50C-407E-A947-70E740481C1C}">
-                <a14:useLocalDpi xmlns:a14="http://schemas.microsoft.com/office/drawing/2010/main" val="0"/>
+                <a14:useLocalDpi xmlns:a14="http://schemas.microsoft.com/office/drawing/2010/main" xmlns="" val="0"/>
               </a:ext>
             </a:extLst>
           </a:blip>
@@ -3912,7 +3919,7 @@
           <p:cNvPr id="6" name="Title 5">
             <a:extLst>
               <a:ext uri="{FF2B5EF4-FFF2-40B4-BE49-F238E27FC236}">
-                <a16:creationId xmlns:a16="http://schemas.microsoft.com/office/drawing/2014/main" id="{B33F28D2-DB9D-4CA5-9CBD-2424D610BF7E}"/>
+                <a16:creationId xmlns:a16="http://schemas.microsoft.com/office/drawing/2014/main" xmlns="" id="{B33F28D2-DB9D-4CA5-9CBD-2424D610BF7E}"/>
               </a:ext>
             </a:extLst>
           </p:cNvPr>
@@ -3937,7 +3944,7 @@
               <a:rPr lang="en-US" dirty="0"/>
               <a:t>Predicting delay time</a:t>
             </a:r>
-            <a:endParaRPr lang="en-NL" dirty="0"/>
+            <a:endParaRPr lang="x-none" dirty="0"/>
           </a:p>
         </p:txBody>
       </p:sp>
@@ -3946,7 +3953,7 @@
           <p:cNvPr id="7" name="Subtitle 7">
             <a:extLst>
               <a:ext uri="{FF2B5EF4-FFF2-40B4-BE49-F238E27FC236}">
-                <a16:creationId xmlns:a16="http://schemas.microsoft.com/office/drawing/2014/main" id="{8BF862B6-57E2-44E1-933C-41C446A759B0}"/>
+                <a16:creationId xmlns:a16="http://schemas.microsoft.com/office/drawing/2014/main" xmlns="" id="{8BF862B6-57E2-44E1-933C-41C446A759B0}"/>
               </a:ext>
             </a:extLst>
           </p:cNvPr>
@@ -4050,7 +4057,7 @@
     </p:spTree>
     <p:extLst>
       <p:ext uri="{BB962C8B-B14F-4D97-AF65-F5344CB8AC3E}">
-        <p14:creationId xmlns:p14="http://schemas.microsoft.com/office/powerpoint/2010/main" val="164272246"/>
+        <p14:creationId xmlns:p14="http://schemas.microsoft.com/office/powerpoint/2010/main" xmlns="" val="164272246"/>
       </p:ext>
     </p:extLst>
   </p:cSld>
@@ -4082,7 +4089,7 @@
           <p:cNvPr id="4" name="Picture 3">
             <a:extLst>
               <a:ext uri="{FF2B5EF4-FFF2-40B4-BE49-F238E27FC236}">
-                <a16:creationId xmlns:a16="http://schemas.microsoft.com/office/drawing/2014/main" id="{84777371-A2F3-4223-99B4-0814C26F8C9B}"/>
+                <a16:creationId xmlns:a16="http://schemas.microsoft.com/office/drawing/2014/main" xmlns="" id="{84777371-A2F3-4223-99B4-0814C26F8C9B}"/>
               </a:ext>
             </a:extLst>
           </p:cNvPr>
@@ -4090,10 +4097,10 @@
           <p:nvPr/>
         </p:nvPicPr>
         <p:blipFill>
-          <a:blip r:embed="rId2">
+          <a:blip r:embed="rId2" cstate="print">
             <a:extLst>
               <a:ext uri="{28A0092B-C50C-407E-A947-70E740481C1C}">
-                <a14:useLocalDpi xmlns:a14="http://schemas.microsoft.com/office/drawing/2010/main" val="0"/>
+                <a14:useLocalDpi xmlns:a14="http://schemas.microsoft.com/office/drawing/2010/main" xmlns="" val="0"/>
               </a:ext>
             </a:extLst>
           </a:blip>
@@ -4116,7 +4123,7 @@
           <p:cNvPr id="5" name="Picture 1">
             <a:extLst>
               <a:ext uri="{FF2B5EF4-FFF2-40B4-BE49-F238E27FC236}">
-                <a16:creationId xmlns:a16="http://schemas.microsoft.com/office/drawing/2014/main" id="{D46A3EDF-8FBF-4EC5-8A13-A040152E209F}"/>
+                <a16:creationId xmlns:a16="http://schemas.microsoft.com/office/drawing/2014/main" xmlns="" id="{D46A3EDF-8FBF-4EC5-8A13-A040152E209F}"/>
               </a:ext>
             </a:extLst>
           </p:cNvPr>
@@ -4127,7 +4134,7 @@
           <a:blip r:embed="rId3" cstate="print">
             <a:extLst>
               <a:ext uri="{28A0092B-C50C-407E-A947-70E740481C1C}">
-                <a14:useLocalDpi xmlns:a14="http://schemas.microsoft.com/office/drawing/2010/main" val="0"/>
+                <a14:useLocalDpi xmlns:a14="http://schemas.microsoft.com/office/drawing/2010/main" xmlns="" val="0"/>
               </a:ext>
             </a:extLst>
           </a:blip>
@@ -4148,7 +4155,7 @@
     </p:spTree>
     <p:extLst>
       <p:ext uri="{BB962C8B-B14F-4D97-AF65-F5344CB8AC3E}">
-        <p14:creationId xmlns:p14="http://schemas.microsoft.com/office/powerpoint/2010/main" val="1186068392"/>
+        <p14:creationId xmlns:p14="http://schemas.microsoft.com/office/powerpoint/2010/main" xmlns="" val="1186068392"/>
       </p:ext>
     </p:extLst>
   </p:cSld>
@@ -4180,7 +4187,7 @@
           <p:cNvPr id="2" name="Title 1">
             <a:extLst>
               <a:ext uri="{FF2B5EF4-FFF2-40B4-BE49-F238E27FC236}">
-                <a16:creationId xmlns:a16="http://schemas.microsoft.com/office/drawing/2014/main" id="{38208A00-AE3D-40A5-8FD6-25DFD26B7B4D}"/>
+                <a16:creationId xmlns:a16="http://schemas.microsoft.com/office/drawing/2014/main" xmlns="" id="{38208A00-AE3D-40A5-8FD6-25DFD26B7B4D}"/>
               </a:ext>
             </a:extLst>
           </p:cNvPr>
@@ -4205,7 +4212,7 @@
               <a:rPr lang="en-US" dirty="0"/>
               <a:t>Final model</a:t>
             </a:r>
-            <a:endParaRPr lang="en-NL" dirty="0"/>
+            <a:endParaRPr lang="x-none" dirty="0"/>
           </a:p>
         </p:txBody>
       </p:sp>
@@ -4214,7 +4221,7 @@
           <p:cNvPr id="3" name="Content Placeholder 2">
             <a:extLst>
               <a:ext uri="{FF2B5EF4-FFF2-40B4-BE49-F238E27FC236}">
-                <a16:creationId xmlns:a16="http://schemas.microsoft.com/office/drawing/2014/main" id="{1A3E0722-2FD9-4C18-B0B9-4AB55D490DF2}"/>
+                <a16:creationId xmlns:a16="http://schemas.microsoft.com/office/drawing/2014/main" xmlns="" id="{1A3E0722-2FD9-4C18-B0B9-4AB55D490DF2}"/>
               </a:ext>
             </a:extLst>
           </p:cNvPr>
@@ -4259,7 +4266,7 @@
           <p:cNvPr id="5" name="Picture 1">
             <a:extLst>
               <a:ext uri="{FF2B5EF4-FFF2-40B4-BE49-F238E27FC236}">
-                <a16:creationId xmlns:a16="http://schemas.microsoft.com/office/drawing/2014/main" id="{DB2CB398-EB6B-4FB8-ACF5-FB16CF4D09B1}"/>
+                <a16:creationId xmlns:a16="http://schemas.microsoft.com/office/drawing/2014/main" xmlns="" id="{DB2CB398-EB6B-4FB8-ACF5-FB16CF4D09B1}"/>
               </a:ext>
             </a:extLst>
           </p:cNvPr>
@@ -4270,7 +4277,7 @@
           <a:blip r:embed="rId2" cstate="print">
             <a:extLst>
               <a:ext uri="{28A0092B-C50C-407E-A947-70E740481C1C}">
-                <a14:useLocalDpi xmlns:a14="http://schemas.microsoft.com/office/drawing/2010/main" val="0"/>
+                <a14:useLocalDpi xmlns:a14="http://schemas.microsoft.com/office/drawing/2010/main" xmlns="" val="0"/>
               </a:ext>
             </a:extLst>
           </a:blip>
@@ -4291,7 +4298,7 @@
     </p:spTree>
     <p:extLst>
       <p:ext uri="{BB962C8B-B14F-4D97-AF65-F5344CB8AC3E}">
-        <p14:creationId xmlns:p14="http://schemas.microsoft.com/office/powerpoint/2010/main" val="2033102441"/>
+        <p14:creationId xmlns:p14="http://schemas.microsoft.com/office/powerpoint/2010/main" xmlns="" val="2033102441"/>
       </p:ext>
     </p:extLst>
   </p:cSld>
@@ -4323,7 +4330,7 @@
           <p:cNvPr id="2" name="Title 1">
             <a:extLst>
               <a:ext uri="{FF2B5EF4-FFF2-40B4-BE49-F238E27FC236}">
-                <a16:creationId xmlns:a16="http://schemas.microsoft.com/office/drawing/2014/main" id="{38208A00-AE3D-40A5-8FD6-25DFD26B7B4D}"/>
+                <a16:creationId xmlns:a16="http://schemas.microsoft.com/office/drawing/2014/main" xmlns="" id="{38208A00-AE3D-40A5-8FD6-25DFD26B7B4D}"/>
               </a:ext>
             </a:extLst>
           </p:cNvPr>
@@ -4348,7 +4355,7 @@
               <a:rPr lang="en-US" dirty="0"/>
               <a:t>Discussion</a:t>
             </a:r>
-            <a:endParaRPr lang="en-NL" dirty="0"/>
+            <a:endParaRPr lang="x-none" dirty="0"/>
           </a:p>
         </p:txBody>
       </p:sp>
@@ -4357,7 +4364,7 @@
           <p:cNvPr id="3" name="Content Placeholder 2">
             <a:extLst>
               <a:ext uri="{FF2B5EF4-FFF2-40B4-BE49-F238E27FC236}">
-                <a16:creationId xmlns:a16="http://schemas.microsoft.com/office/drawing/2014/main" id="{1A3E0722-2FD9-4C18-B0B9-4AB55D490DF2}"/>
+                <a16:creationId xmlns:a16="http://schemas.microsoft.com/office/drawing/2014/main" xmlns="" id="{1A3E0722-2FD9-4C18-B0B9-4AB55D490DF2}"/>
               </a:ext>
             </a:extLst>
           </p:cNvPr>
@@ -4411,7 +4418,7 @@
           <p:cNvPr id="4" name="Picture 1">
             <a:extLst>
               <a:ext uri="{FF2B5EF4-FFF2-40B4-BE49-F238E27FC236}">
-                <a16:creationId xmlns:a16="http://schemas.microsoft.com/office/drawing/2014/main" id="{0C634132-1F35-43A8-9AA3-3D272AB117EF}"/>
+                <a16:creationId xmlns:a16="http://schemas.microsoft.com/office/drawing/2014/main" xmlns="" id="{0C634132-1F35-43A8-9AA3-3D272AB117EF}"/>
               </a:ext>
             </a:extLst>
           </p:cNvPr>
@@ -4422,7 +4429,7 @@
           <a:blip r:embed="rId2" cstate="print">
             <a:extLst>
               <a:ext uri="{28A0092B-C50C-407E-A947-70E740481C1C}">
-                <a14:useLocalDpi xmlns:a14="http://schemas.microsoft.com/office/drawing/2010/main" val="0"/>
+                <a14:useLocalDpi xmlns:a14="http://schemas.microsoft.com/office/drawing/2010/main" xmlns="" val="0"/>
               </a:ext>
             </a:extLst>
           </a:blip>
@@ -4443,7 +4450,7 @@
     </p:spTree>
     <p:extLst>
       <p:ext uri="{BB962C8B-B14F-4D97-AF65-F5344CB8AC3E}">
-        <p14:creationId xmlns:p14="http://schemas.microsoft.com/office/powerpoint/2010/main" val="4028874318"/>
+        <p14:creationId xmlns:p14="http://schemas.microsoft.com/office/powerpoint/2010/main" xmlns="" val="4028874318"/>
       </p:ext>
     </p:extLst>
   </p:cSld>
@@ -4475,7 +4482,7 @@
           <p:cNvPr id="2" name="Title 1">
             <a:extLst>
               <a:ext uri="{FF2B5EF4-FFF2-40B4-BE49-F238E27FC236}">
-                <a16:creationId xmlns:a16="http://schemas.microsoft.com/office/drawing/2014/main" id="{38208A00-AE3D-40A5-8FD6-25DFD26B7B4D}"/>
+                <a16:creationId xmlns:a16="http://schemas.microsoft.com/office/drawing/2014/main" xmlns="" id="{38208A00-AE3D-40A5-8FD6-25DFD26B7B4D}"/>
               </a:ext>
             </a:extLst>
           </p:cNvPr>
@@ -4500,7 +4507,7 @@
               <a:rPr lang="en-US" dirty="0"/>
               <a:t>Conclusion</a:t>
             </a:r>
-            <a:endParaRPr lang="en-NL" dirty="0"/>
+            <a:endParaRPr lang="x-none" dirty="0"/>
           </a:p>
         </p:txBody>
       </p:sp>
@@ -4509,7 +4516,7 @@
           <p:cNvPr id="3" name="Content Placeholder 2">
             <a:extLst>
               <a:ext uri="{FF2B5EF4-FFF2-40B4-BE49-F238E27FC236}">
-                <a16:creationId xmlns:a16="http://schemas.microsoft.com/office/drawing/2014/main" id="{1A3E0722-2FD9-4C18-B0B9-4AB55D490DF2}"/>
+                <a16:creationId xmlns:a16="http://schemas.microsoft.com/office/drawing/2014/main" xmlns="" id="{1A3E0722-2FD9-4C18-B0B9-4AB55D490DF2}"/>
               </a:ext>
             </a:extLst>
           </p:cNvPr>
@@ -4543,7 +4550,7 @@
             </a:r>
           </a:p>
           <a:p>
-            <a:endParaRPr lang="en-NL" dirty="0"/>
+            <a:endParaRPr lang="x-none" dirty="0"/>
           </a:p>
         </p:txBody>
       </p:sp>
@@ -4552,7 +4559,7 @@
           <p:cNvPr id="5" name="Picture 1">
             <a:extLst>
               <a:ext uri="{FF2B5EF4-FFF2-40B4-BE49-F238E27FC236}">
-                <a16:creationId xmlns:a16="http://schemas.microsoft.com/office/drawing/2014/main" id="{10B37D55-EF3B-48EF-83A6-5FFF8E2A6DE4}"/>
+                <a16:creationId xmlns:a16="http://schemas.microsoft.com/office/drawing/2014/main" xmlns="" id="{10B37D55-EF3B-48EF-83A6-5FFF8E2A6DE4}"/>
               </a:ext>
             </a:extLst>
           </p:cNvPr>
@@ -4563,7 +4570,7 @@
           <a:blip r:embed="rId2" cstate="print">
             <a:extLst>
               <a:ext uri="{28A0092B-C50C-407E-A947-70E740481C1C}">
-                <a14:useLocalDpi xmlns:a14="http://schemas.microsoft.com/office/drawing/2010/main" val="0"/>
+                <a14:useLocalDpi xmlns:a14="http://schemas.microsoft.com/office/drawing/2010/main" xmlns="" val="0"/>
               </a:ext>
             </a:extLst>
           </a:blip>
@@ -4584,7 +4591,7 @@
     </p:spTree>
     <p:extLst>
       <p:ext uri="{BB962C8B-B14F-4D97-AF65-F5344CB8AC3E}">
-        <p14:creationId xmlns:p14="http://schemas.microsoft.com/office/powerpoint/2010/main" val="258856842"/>
+        <p14:creationId xmlns:p14="http://schemas.microsoft.com/office/powerpoint/2010/main" xmlns="" val="258856842"/>
       </p:ext>
     </p:extLst>
   </p:cSld>
@@ -4649,7 +4656,7 @@
           <a:blip r:embed="rId3" cstate="print">
             <a:extLst>
               <a:ext uri="{28A0092B-C50C-407E-A947-70E740481C1C}">
-                <a14:useLocalDpi xmlns:a14="http://schemas.microsoft.com/office/drawing/2010/main" val="0"/>
+                <a14:useLocalDpi xmlns:a14="http://schemas.microsoft.com/office/drawing/2010/main" xmlns="" val="0"/>
               </a:ext>
             </a:extLst>
           </a:blip>
@@ -4896,28 +4903,12 @@
               <a:t> </a:t>
             </a:r>
             <a:r>
-              <a:rPr lang="nl-NL" dirty="0" err="1">
+              <a:rPr lang="nl-NL" dirty="0" err="1" smtClean="0">
                 <a:solidFill>
                   <a:schemeClr val="tx1"/>
                 </a:solidFill>
               </a:rPr>
               <a:t>Results</a:t>
-            </a:r>
-            <a:r>
-              <a:rPr lang="nl-NL" dirty="0">
-                <a:solidFill>
-                  <a:schemeClr val="tx1"/>
-                </a:solidFill>
-              </a:rPr>
-              <a:t> &amp; </a:t>
-            </a:r>
-            <a:r>
-              <a:rPr lang="nl-NL" dirty="0" err="1">
-                <a:solidFill>
-                  <a:schemeClr val="tx1"/>
-                </a:solidFill>
-              </a:rPr>
-              <a:t>conclusions</a:t>
             </a:r>
             <a:endParaRPr lang="nl-NL" dirty="0">
               <a:solidFill>
@@ -4939,7 +4930,7 @@
               <a:t> </a:t>
             </a:r>
             <a:r>
-              <a:rPr lang="nl-NL" dirty="0" err="1">
+              <a:rPr lang="nl-NL" dirty="0" err="1" smtClean="0">
                 <a:solidFill>
                   <a:schemeClr val="tx1"/>
                 </a:solidFill>
@@ -4947,20 +4938,55 @@
               <a:t>Discussion</a:t>
             </a:r>
             <a:r>
-              <a:rPr lang="nl-NL" dirty="0">
-                <a:solidFill>
-                  <a:schemeClr val="tx1"/>
-                </a:solidFill>
-              </a:rPr>
-              <a:t> &amp; </a:t>
-            </a:r>
-            <a:r>
-              <a:rPr lang="nl-NL" dirty="0" err="1">
-                <a:solidFill>
-                  <a:schemeClr val="tx1"/>
-                </a:solidFill>
-              </a:rPr>
-              <a:t>questions</a:t>
+              <a:rPr lang="nl-NL" dirty="0" smtClean="0">
+                <a:solidFill>
+                  <a:schemeClr val="tx1"/>
+                </a:solidFill>
+              </a:rPr>
+              <a:t> </a:t>
+            </a:r>
+            <a:r>
+              <a:rPr lang="nl-NL" dirty="0" smtClean="0">
+                <a:solidFill>
+                  <a:schemeClr val="tx1"/>
+                </a:solidFill>
+              </a:rPr>
+              <a:t>&amp; </a:t>
+            </a:r>
+            <a:r>
+              <a:rPr lang="nl-NL" dirty="0" err="1" smtClean="0">
+                <a:solidFill>
+                  <a:schemeClr val="tx1"/>
+                </a:solidFill>
+              </a:rPr>
+              <a:t>conclusion</a:t>
+            </a:r>
+            <a:endParaRPr lang="nl-NL" dirty="0" smtClean="0">
+              <a:solidFill>
+                <a:schemeClr val="tx1"/>
+              </a:solidFill>
+            </a:endParaRPr>
+          </a:p>
+          <a:p>
+            <a:pPr algn="l">
+              <a:buFont typeface="Arial" pitchFamily="34" charset="0"/>
+              <a:buChar char="•"/>
+            </a:pPr>
+            <a:r>
+              <a:rPr lang="nl-NL" dirty="0" smtClean="0">
+                <a:solidFill>
+                  <a:schemeClr val="tx1"/>
+                </a:solidFill>
+              </a:rPr>
+              <a:t> </a:t>
+            </a:r>
+            <a:r>
+              <a:rPr lang="nl-NL" dirty="0" err="1" smtClean="0">
+                <a:solidFill>
+                  <a:schemeClr val="tx1"/>
+                </a:solidFill>
+              </a:rPr>
+              <a:t>Questions</a:t>
             </a:r>
             <a:endParaRPr lang="nl-NL" dirty="0">
               <a:solidFill>
@@ -4996,7 +5022,7 @@
           <a:blip r:embed="rId2" cstate="print">
             <a:extLst>
               <a:ext uri="{28A0092B-C50C-407E-A947-70E740481C1C}">
-                <a14:useLocalDpi xmlns:a14="http://schemas.microsoft.com/office/drawing/2010/main" val="0"/>
+                <a14:useLocalDpi xmlns:a14="http://schemas.microsoft.com/office/drawing/2010/main" xmlns="" val="0"/>
               </a:ext>
             </a:extLst>
           </a:blip>
@@ -5019,6 +5045,13 @@
   <p:clrMapOvr>
     <a:masterClrMapping/>
   </p:clrMapOvr>
+  <p:timing>
+    <p:tnLst>
+      <p:par>
+        <p:cTn id="1" dur="indefinite" restart="never" nodeType="tmRoot"/>
+      </p:par>
+    </p:tnLst>
+  </p:timing>
 </p:sld>
 </file>
 
@@ -5095,7 +5128,7 @@
               <a:buChar char="•"/>
             </a:pPr>
             <a:r>
-              <a:rPr lang="nl-NL" b="1" dirty="0">
+              <a:rPr lang="en-US" b="1" dirty="0" smtClean="0">
                 <a:solidFill>
                   <a:schemeClr val="tx1"/>
                 </a:solidFill>
@@ -5103,30 +5136,14 @@
               <a:t> </a:t>
             </a:r>
             <a:r>
-              <a:rPr lang="nl-NL" dirty="0" err="1">
-                <a:solidFill>
-                  <a:schemeClr val="tx1"/>
-                </a:solidFill>
-              </a:rPr>
-              <a:t>Bedtime</a:t>
-            </a:r>
-            <a:r>
-              <a:rPr lang="nl-NL" dirty="0">
-                <a:solidFill>
-                  <a:schemeClr val="tx1"/>
-                </a:solidFill>
-              </a:rPr>
-              <a:t> </a:t>
-            </a:r>
-            <a:r>
-              <a:rPr lang="nl-NL" dirty="0" err="1">
-                <a:solidFill>
-                  <a:schemeClr val="tx1"/>
-                </a:solidFill>
-              </a:rPr>
-              <a:t>procastination</a:t>
-            </a:r>
-            <a:endParaRPr lang="nl-NL" dirty="0">
+              <a:rPr lang="en-US" dirty="0" smtClean="0">
+                <a:solidFill>
+                  <a:schemeClr val="tx1"/>
+                </a:solidFill>
+              </a:rPr>
+              <a:t>Bedtime procrastination study</a:t>
+            </a:r>
+            <a:endParaRPr lang="en-US" dirty="0" smtClean="0">
               <a:solidFill>
                 <a:schemeClr val="tx1"/>
               </a:solidFill>
@@ -5135,13 +5152,26 @@
           <a:p>
             <a:pPr algn="l"/>
             <a:r>
-              <a:rPr lang="nl-NL" sz="2000" dirty="0">
-                <a:solidFill>
-                  <a:schemeClr val="tx1"/>
-                </a:solidFill>
-              </a:rPr>
-              <a:t>Delay time</a:t>
-            </a:r>
+              <a:rPr lang="en-US" sz="2000" dirty="0" smtClean="0">
+                <a:solidFill>
+                  <a:schemeClr val="tx1"/>
+                </a:solidFill>
+              </a:rPr>
+              <a:t>Many negative conse</a:t>
+            </a:r>
+            <a:r>
+              <a:rPr lang="en-US" sz="2000" dirty="0" smtClean="0">
+                <a:solidFill>
+                  <a:schemeClr val="tx1"/>
+                </a:solidFill>
+              </a:rPr>
+              <a:t>quences of delaying bedtime</a:t>
+            </a:r>
+            <a:endParaRPr lang="en-US" sz="2000" dirty="0" smtClean="0">
+              <a:solidFill>
+                <a:schemeClr val="tx1"/>
+              </a:solidFill>
+            </a:endParaRPr>
           </a:p>
           <a:p>
             <a:pPr algn="l">
@@ -5149,47 +5179,18 @@
               <a:buChar char="•"/>
             </a:pPr>
             <a:r>
-              <a:rPr lang="nl-NL" dirty="0">
-                <a:solidFill>
-                  <a:schemeClr val="tx1"/>
-                </a:solidFill>
-              </a:rPr>
-              <a:t> </a:t>
-            </a:r>
-            <a:r>
-              <a:rPr lang="nl-NL" dirty="0" err="1">
-                <a:solidFill>
-                  <a:schemeClr val="tx1"/>
-                </a:solidFill>
-              </a:rPr>
-              <a:t>Experimental</a:t>
-            </a:r>
-            <a:r>
-              <a:rPr lang="nl-NL" dirty="0">
-                <a:solidFill>
-                  <a:schemeClr val="tx1"/>
-                </a:solidFill>
-              </a:rPr>
-              <a:t> and control </a:t>
-            </a:r>
-            <a:r>
-              <a:rPr lang="nl-NL" dirty="0" err="1">
-                <a:solidFill>
-                  <a:schemeClr val="tx1"/>
-                </a:solidFill>
-              </a:rPr>
-              <a:t>group</a:t>
-            </a:r>
-            <a:endParaRPr lang="nl-NL" dirty="0">
-              <a:solidFill>
-                <a:schemeClr val="tx1"/>
-              </a:solidFill>
-            </a:endParaRPr>
+              <a:rPr lang="en-US" dirty="0" smtClean="0">
+                <a:solidFill>
+                  <a:schemeClr val="tx1"/>
+                </a:solidFill>
+              </a:rPr>
+              <a:t> Experimental and control group</a:t>
+            </a:r>
           </a:p>
           <a:p>
             <a:pPr algn="l"/>
             <a:r>
-              <a:rPr lang="en-US" sz="2000" dirty="0">
+              <a:rPr lang="en-US" sz="2000" dirty="0" smtClean="0">
                 <a:solidFill>
                   <a:schemeClr val="tx1"/>
                 </a:solidFill>
@@ -5278,7 +5279,7 @@
           <a:blip r:embed="rId2" cstate="print">
             <a:extLst>
               <a:ext uri="{28A0092B-C50C-407E-A947-70E740481C1C}">
-                <a14:useLocalDpi xmlns:a14="http://schemas.microsoft.com/office/drawing/2010/main" val="0"/>
+                <a14:useLocalDpi xmlns:a14="http://schemas.microsoft.com/office/drawing/2010/main" xmlns="" val="0"/>
               </a:ext>
             </a:extLst>
           </a:blip>
@@ -5301,6 +5302,13 @@
   <p:clrMapOvr>
     <a:masterClrMapping/>
   </p:clrMapOvr>
+  <p:timing>
+    <p:tnLst>
+      <p:par>
+        <p:cTn id="1" dur="indefinite" restart="never" nodeType="tmRoot"/>
+      </p:par>
+    </p:tnLst>
+  </p:timing>
 </p:sld>
 </file>
 
@@ -5496,6 +5504,14 @@
               </a:rPr>
               <a:t> experiment?”</a:t>
             </a:r>
+            <a:r>
+              <a:rPr lang="nl-NL" b="1" dirty="0">
+                <a:solidFill>
+                  <a:schemeClr val="tx1"/>
+                </a:solidFill>
+              </a:rPr>
+              <a:t/>
+            </a:r>
             <a:br>
               <a:rPr lang="nl-NL" b="1" dirty="0">
                 <a:solidFill>
@@ -5503,6 +5519,14 @@
                 </a:solidFill>
               </a:rPr>
             </a:br>
+            <a:r>
+              <a:rPr lang="nl-NL" b="1" dirty="0">
+                <a:solidFill>
+                  <a:schemeClr val="tx1"/>
+                </a:solidFill>
+              </a:rPr>
+              <a:t/>
+            </a:r>
             <a:br>
               <a:rPr lang="nl-NL" b="1" dirty="0">
                 <a:solidFill>
@@ -5689,7 +5713,7 @@
           <a:blip r:embed="rId2" cstate="print">
             <a:extLst>
               <a:ext uri="{28A0092B-C50C-407E-A947-70E740481C1C}">
-                <a14:useLocalDpi xmlns:a14="http://schemas.microsoft.com/office/drawing/2010/main" val="0"/>
+                <a14:useLocalDpi xmlns:a14="http://schemas.microsoft.com/office/drawing/2010/main" xmlns="" val="0"/>
               </a:ext>
             </a:extLst>
           </a:blip>
@@ -5712,6 +5736,13 @@
   <p:clrMapOvr>
     <a:masterClrMapping/>
   </p:clrMapOvr>
+  <p:timing>
+    <p:tnLst>
+      <p:par>
+        <p:cTn id="1" dur="indefinite" restart="never" nodeType="tmRoot"/>
+      </p:par>
+    </p:tnLst>
+  </p:timing>
 </p:sld>
 </file>
 
@@ -5917,7 +5948,7 @@
           <a:blip r:embed="rId2" cstate="print">
             <a:extLst>
               <a:ext uri="{28A0092B-C50C-407E-A947-70E740481C1C}">
-                <a14:useLocalDpi xmlns:a14="http://schemas.microsoft.com/office/drawing/2010/main" val="0"/>
+                <a14:useLocalDpi xmlns:a14="http://schemas.microsoft.com/office/drawing/2010/main" xmlns="" val="0"/>
               </a:ext>
             </a:extLst>
           </a:blip>
@@ -5973,6 +6004,13 @@
   <p:clrMapOvr>
     <a:masterClrMapping/>
   </p:clrMapOvr>
+  <p:timing>
+    <p:tnLst>
+      <p:par>
+        <p:cTn id="1" dur="indefinite" restart="never" nodeType="tmRoot"/>
+      </p:par>
+    </p:tnLst>
+  </p:timing>
 </p:sld>
 </file>
 
@@ -6048,7 +6086,7 @@
         </p:spPr>
         <p:txBody>
           <a:bodyPr>
-            <a:normAutofit/>
+            <a:normAutofit lnSpcReduction="10000"/>
           </a:bodyPr>
           <a:lstStyle/>
           <a:p>
@@ -6333,13 +6371,131 @@
               <a:t>scale</a:t>
             </a:r>
             <a:r>
-              <a:rPr lang="nl-NL" sz="2000" dirty="0">
+              <a:rPr lang="nl-NL" sz="2000" dirty="0" smtClean="0">
                 <a:solidFill>
                   <a:schemeClr val="tx1"/>
                 </a:solidFill>
               </a:rPr>
               <a:t>)</a:t>
             </a:r>
+          </a:p>
+          <a:p>
+            <a:pPr algn="l">
+              <a:buFont typeface="Arial" pitchFamily="34" charset="0"/>
+              <a:buChar char="•"/>
+            </a:pPr>
+            <a:endParaRPr lang="nl-NL" sz="2000" dirty="0" smtClean="0">
+              <a:solidFill>
+                <a:schemeClr val="tx1"/>
+              </a:solidFill>
+            </a:endParaRPr>
+          </a:p>
+          <a:p>
+            <a:pPr algn="l">
+              <a:buFont typeface="Arial" pitchFamily="34" charset="0"/>
+              <a:buChar char="•"/>
+            </a:pPr>
+            <a:r>
+              <a:rPr lang="nl-NL" sz="2000" dirty="0" smtClean="0">
+                <a:solidFill>
+                  <a:schemeClr val="tx1"/>
+                </a:solidFill>
+              </a:rPr>
+              <a:t> </a:t>
+            </a:r>
+            <a:r>
+              <a:rPr lang="nl-NL" sz="2600" b="1" dirty="0" err="1" smtClean="0">
+                <a:solidFill>
+                  <a:schemeClr val="tx1"/>
+                </a:solidFill>
+              </a:rPr>
+              <a:t>Daytime</a:t>
+            </a:r>
+            <a:r>
+              <a:rPr lang="nl-NL" sz="2600" b="1" dirty="0" smtClean="0">
+                <a:solidFill>
+                  <a:schemeClr val="tx1"/>
+                </a:solidFill>
+              </a:rPr>
+              <a:t>_</a:t>
+            </a:r>
+            <a:r>
+              <a:rPr lang="nl-NL" sz="2600" b="1" dirty="0" err="1" smtClean="0">
+                <a:solidFill>
+                  <a:schemeClr val="tx1"/>
+                </a:solidFill>
+              </a:rPr>
+              <a:t>sleepiness</a:t>
+            </a:r>
+            <a:r>
+              <a:rPr lang="nl-NL" sz="2600" b="1" dirty="0" smtClean="0">
+                <a:solidFill>
+                  <a:schemeClr val="tx1"/>
+                </a:solidFill>
+              </a:rPr>
+              <a:t>: </a:t>
+            </a:r>
+            <a:r>
+              <a:rPr lang="nl-NL" sz="2000" dirty="0" err="1" smtClean="0">
+                <a:solidFill>
+                  <a:schemeClr val="tx1"/>
+                </a:solidFill>
+              </a:rPr>
+              <a:t>extent</a:t>
+            </a:r>
+            <a:r>
+              <a:rPr lang="nl-NL" sz="2000" dirty="0" smtClean="0">
+                <a:solidFill>
+                  <a:schemeClr val="tx1"/>
+                </a:solidFill>
+              </a:rPr>
+              <a:t> of </a:t>
+            </a:r>
+            <a:r>
+              <a:rPr lang="nl-NL" sz="2000" dirty="0" err="1" smtClean="0">
+                <a:solidFill>
+                  <a:schemeClr val="tx1"/>
+                </a:solidFill>
+              </a:rPr>
+              <a:t>sleepiness</a:t>
+            </a:r>
+            <a:r>
+              <a:rPr lang="nl-NL" sz="2000" dirty="0" smtClean="0">
+                <a:solidFill>
+                  <a:schemeClr val="tx1"/>
+                </a:solidFill>
+              </a:rPr>
+              <a:t> </a:t>
+            </a:r>
+            <a:r>
+              <a:rPr lang="nl-NL" sz="2000" dirty="0" err="1" smtClean="0">
+                <a:solidFill>
+                  <a:schemeClr val="tx1"/>
+                </a:solidFill>
+              </a:rPr>
+              <a:t>during</a:t>
+            </a:r>
+            <a:r>
+              <a:rPr lang="nl-NL" sz="2000" dirty="0" smtClean="0">
+                <a:solidFill>
+                  <a:schemeClr val="tx1"/>
+                </a:solidFill>
+              </a:rPr>
+              <a:t> the </a:t>
+            </a:r>
+            <a:r>
+              <a:rPr lang="nl-NL" sz="2000" dirty="0" err="1" smtClean="0">
+                <a:solidFill>
+                  <a:schemeClr val="tx1"/>
+                </a:solidFill>
+              </a:rPr>
+              <a:t>day</a:t>
+            </a:r>
+            <a:endParaRPr lang="nl-NL" sz="2000" dirty="0">
+              <a:solidFill>
+                <a:schemeClr val="tx1"/>
+              </a:solidFill>
+            </a:endParaRPr>
           </a:p>
           <a:p>
             <a:pPr algn="l">
@@ -6416,7 +6572,7 @@
           <a:blip r:embed="rId2" cstate="print">
             <a:extLst>
               <a:ext uri="{28A0092B-C50C-407E-A947-70E740481C1C}">
-                <a14:useLocalDpi xmlns:a14="http://schemas.microsoft.com/office/drawing/2010/main" val="0"/>
+                <a14:useLocalDpi xmlns:a14="http://schemas.microsoft.com/office/drawing/2010/main" xmlns="" val="0"/>
               </a:ext>
             </a:extLst>
           </a:blip>
@@ -6439,6 +6595,13 @@
   <p:clrMapOvr>
     <a:masterClrMapping/>
   </p:clrMapOvr>
+  <p:timing>
+    <p:tnLst>
+      <p:par>
+        <p:cTn id="1" dur="indefinite" restart="never" nodeType="tmRoot"/>
+      </p:par>
+    </p:tnLst>
+  </p:timing>
 </p:sld>
 </file>
 
@@ -6464,7 +6627,7 @@
           <p:cNvPr id="2" name="Title 1">
             <a:extLst>
               <a:ext uri="{FF2B5EF4-FFF2-40B4-BE49-F238E27FC236}">
-                <a16:creationId xmlns:a16="http://schemas.microsoft.com/office/drawing/2014/main" id="{8BFE6F5D-2207-4F3B-A1DC-F8A10129715D}"/>
+                <a16:creationId xmlns:a16="http://schemas.microsoft.com/office/drawing/2014/main" xmlns="" id="{8BFE6F5D-2207-4F3B-A1DC-F8A10129715D}"/>
               </a:ext>
             </a:extLst>
           </p:cNvPr>
@@ -6491,7 +6654,7 @@
               <a:rPr lang="en-US" sz="6000" dirty="0"/>
               <a:t>Results</a:t>
             </a:r>
-            <a:endParaRPr lang="en-NL" sz="6000" dirty="0"/>
+            <a:endParaRPr lang="x-none" sz="6000" dirty="0"/>
           </a:p>
         </p:txBody>
       </p:sp>
@@ -6500,7 +6663,7 @@
           <p:cNvPr id="4" name="Picture 1">
             <a:extLst>
               <a:ext uri="{FF2B5EF4-FFF2-40B4-BE49-F238E27FC236}">
-                <a16:creationId xmlns:a16="http://schemas.microsoft.com/office/drawing/2014/main" id="{81CC0334-AB8E-462D-B91D-95D0F0AE031F}"/>
+                <a16:creationId xmlns:a16="http://schemas.microsoft.com/office/drawing/2014/main" xmlns="" id="{81CC0334-AB8E-462D-B91D-95D0F0AE031F}"/>
               </a:ext>
             </a:extLst>
           </p:cNvPr>
@@ -6511,7 +6674,7 @@
           <a:blip r:embed="rId2" cstate="print">
             <a:extLst>
               <a:ext uri="{28A0092B-C50C-407E-A947-70E740481C1C}">
-                <a14:useLocalDpi xmlns:a14="http://schemas.microsoft.com/office/drawing/2010/main" val="0"/>
+                <a14:useLocalDpi xmlns:a14="http://schemas.microsoft.com/office/drawing/2010/main" xmlns="" val="0"/>
               </a:ext>
             </a:extLst>
           </a:blip>
@@ -6532,13 +6695,20 @@
     </p:spTree>
     <p:extLst>
       <p:ext uri="{BB962C8B-B14F-4D97-AF65-F5344CB8AC3E}">
-        <p14:creationId xmlns:p14="http://schemas.microsoft.com/office/powerpoint/2010/main" val="2643330989"/>
+        <p14:creationId xmlns:p14="http://schemas.microsoft.com/office/powerpoint/2010/main" xmlns="" val="2643330989"/>
       </p:ext>
     </p:extLst>
   </p:cSld>
   <p:clrMapOvr>
     <a:masterClrMapping/>
   </p:clrMapOvr>
+  <p:timing>
+    <p:tnLst>
+      <p:par>
+        <p:cTn id="1" dur="indefinite" restart="never" nodeType="tmRoot"/>
+      </p:par>
+    </p:tnLst>
+  </p:timing>
 </p:sld>
 </file>
 
@@ -6569,7 +6739,7 @@
           <a:blip r:embed="rId2" cstate="print">
             <a:extLst>
               <a:ext uri="{28A0092B-C50C-407E-A947-70E740481C1C}">
-                <a14:useLocalDpi xmlns:a14="http://schemas.microsoft.com/office/drawing/2010/main" val="0"/>
+                <a14:useLocalDpi xmlns:a14="http://schemas.microsoft.com/office/drawing/2010/main" xmlns="" val="0"/>
               </a:ext>
             </a:extLst>
           </a:blip>
@@ -6592,7 +6762,7 @@
           <p:cNvPr id="6" name="Subtitle 5">
             <a:extLst>
               <a:ext uri="{FF2B5EF4-FFF2-40B4-BE49-F238E27FC236}">
-                <a16:creationId xmlns:a16="http://schemas.microsoft.com/office/drawing/2014/main" id="{578D6301-90AA-41C6-80A2-7208B86341E4}"/>
+                <a16:creationId xmlns:a16="http://schemas.microsoft.com/office/drawing/2014/main" xmlns="" id="{578D6301-90AA-41C6-80A2-7208B86341E4}"/>
               </a:ext>
             </a:extLst>
           </p:cNvPr>
@@ -6608,7 +6778,7 @@
           <a:bodyPr/>
           <a:lstStyle/>
           <a:p>
-            <a:endParaRPr lang="en-NL"/>
+            <a:endParaRPr lang="x-none"/>
           </a:p>
         </p:txBody>
       </p:sp>
@@ -6617,7 +6787,7 @@
           <p:cNvPr id="8" name="Title 7">
             <a:extLst>
               <a:ext uri="{FF2B5EF4-FFF2-40B4-BE49-F238E27FC236}">
-                <a16:creationId xmlns:a16="http://schemas.microsoft.com/office/drawing/2014/main" id="{F31B4EE8-96E0-4A0F-9ACF-0E434A7D4045}"/>
+                <a16:creationId xmlns:a16="http://schemas.microsoft.com/office/drawing/2014/main" xmlns="" id="{F31B4EE8-96E0-4A0F-9ACF-0E434A7D4045}"/>
               </a:ext>
             </a:extLst>
           </p:cNvPr>
@@ -6633,7 +6803,7 @@
           <a:bodyPr/>
           <a:lstStyle/>
           <a:p>
-            <a:endParaRPr lang="en-NL"/>
+            <a:endParaRPr lang="x-none"/>
           </a:p>
         </p:txBody>
       </p:sp>
@@ -6642,7 +6812,7 @@
           <p:cNvPr id="9" name="Picture 8">
             <a:extLst>
               <a:ext uri="{FF2B5EF4-FFF2-40B4-BE49-F238E27FC236}">
-                <a16:creationId xmlns:a16="http://schemas.microsoft.com/office/drawing/2014/main" id="{8F283848-B611-4313-925B-6D5C4FC87582}"/>
+                <a16:creationId xmlns:a16="http://schemas.microsoft.com/office/drawing/2014/main" xmlns="" id="{8F283848-B611-4313-925B-6D5C4FC87582}"/>
               </a:ext>
             </a:extLst>
           </p:cNvPr>
@@ -6653,7 +6823,7 @@
           <a:blip r:embed="rId3" cstate="print">
             <a:extLst>
               <a:ext uri="{28A0092B-C50C-407E-A947-70E740481C1C}">
-                <a14:useLocalDpi xmlns:a14="http://schemas.microsoft.com/office/drawing/2010/main" val="0"/>
+                <a14:useLocalDpi xmlns:a14="http://schemas.microsoft.com/office/drawing/2010/main" xmlns="" val="0"/>
               </a:ext>
             </a:extLst>
           </a:blip>
@@ -6676,7 +6846,7 @@
           <p:cNvPr id="10" name="Titel 1">
             <a:extLst>
               <a:ext uri="{FF2B5EF4-FFF2-40B4-BE49-F238E27FC236}">
-                <a16:creationId xmlns:a16="http://schemas.microsoft.com/office/drawing/2014/main" id="{8F5E6155-FB82-4DB4-B197-8B8AB92E70CC}"/>
+                <a16:creationId xmlns:a16="http://schemas.microsoft.com/office/drawing/2014/main" xmlns="" id="{8F5E6155-FB82-4DB4-B197-8B8AB92E70CC}"/>
               </a:ext>
             </a:extLst>
           </p:cNvPr>
@@ -6728,7 +6898,7 @@
           <p:cNvPr id="21" name="Rectangle 20">
             <a:extLst>
               <a:ext uri="{FF2B5EF4-FFF2-40B4-BE49-F238E27FC236}">
-                <a16:creationId xmlns:a16="http://schemas.microsoft.com/office/drawing/2014/main" id="{89FA050A-0580-4C07-B99D-997A46DB8F1F}"/>
+                <a16:creationId xmlns:a16="http://schemas.microsoft.com/office/drawing/2014/main" xmlns="" id="{89FA050A-0580-4C07-B99D-997A46DB8F1F}"/>
               </a:ext>
             </a:extLst>
           </p:cNvPr>
@@ -6771,7 +6941,7 @@
           <a:lstStyle/>
           <a:p>
             <a:pPr algn="ctr"/>
-            <a:endParaRPr lang="en-NL"/>
+            <a:endParaRPr lang="x-none"/>
           </a:p>
         </p:txBody>
       </p:sp>
@@ -6888,7 +7058,7 @@
           <a:blip r:embed="rId2" cstate="print">
             <a:extLst>
               <a:ext uri="{28A0092B-C50C-407E-A947-70E740481C1C}">
-                <a14:useLocalDpi xmlns:a14="http://schemas.microsoft.com/office/drawing/2010/main" val="0"/>
+                <a14:useLocalDpi xmlns:a14="http://schemas.microsoft.com/office/drawing/2010/main" xmlns="" val="0"/>
               </a:ext>
             </a:extLst>
           </a:blip>
@@ -6911,7 +7081,7 @@
           <p:cNvPr id="6" name="Title 5">
             <a:extLst>
               <a:ext uri="{FF2B5EF4-FFF2-40B4-BE49-F238E27FC236}">
-                <a16:creationId xmlns:a16="http://schemas.microsoft.com/office/drawing/2014/main" id="{B33F28D2-DB9D-4CA5-9CBD-2424D610BF7E}"/>
+                <a16:creationId xmlns:a16="http://schemas.microsoft.com/office/drawing/2014/main" xmlns="" id="{B33F28D2-DB9D-4CA5-9CBD-2424D610BF7E}"/>
               </a:ext>
             </a:extLst>
           </p:cNvPr>
@@ -6936,7 +7106,7 @@
               <a:rPr lang="en-US" dirty="0"/>
               <a:t>Participant groups</a:t>
             </a:r>
-            <a:endParaRPr lang="en-NL" dirty="0"/>
+            <a:endParaRPr lang="x-none" dirty="0"/>
           </a:p>
         </p:txBody>
       </p:sp>
@@ -6945,7 +7115,7 @@
           <p:cNvPr id="8" name="Subtitle 7">
             <a:extLst>
               <a:ext uri="{FF2B5EF4-FFF2-40B4-BE49-F238E27FC236}">
-                <a16:creationId xmlns:a16="http://schemas.microsoft.com/office/drawing/2014/main" id="{454A8972-9233-4B42-AF20-C88B8520663D}"/>
+                <a16:creationId xmlns:a16="http://schemas.microsoft.com/office/drawing/2014/main" xmlns="" id="{454A8972-9233-4B42-AF20-C88B8520663D}"/>
               </a:ext>
             </a:extLst>
           </p:cNvPr>
@@ -7109,6 +7279,13 @@
   <p:clrMapOvr>
     <a:masterClrMapping/>
   </p:clrMapOvr>
+  <p:timing>
+    <p:tnLst>
+      <p:par>
+        <p:cTn id="1" dur="indefinite" restart="never" nodeType="tmRoot"/>
+      </p:par>
+    </p:tnLst>
+  </p:timing>
 </p:sld>
 </file>
 

--- a/Report/Presentation.pptx
+++ b/Report/Presentation.pptx
@@ -124,7 +124,7 @@
   </p:defaultTextStyle>
   <p:extLst>
     <p:ext uri="{EFAFB233-063F-42B5-8137-9DF3F51BA10A}">
-      <p15:sldGuideLst xmlns:p15="http://schemas.microsoft.com/office/powerpoint/2012/main" xmlns="">
+      <p15:sldGuideLst xmlns:p15="http://schemas.microsoft.com/office/powerpoint/2012/main">
         <p15:guide id="1" orient="horz" pos="2160">
           <p15:clr>
             <a:srgbClr val="A4A3A4"/>
@@ -385,7 +385,7 @@
             <a:fld id="{FFA4179D-8304-4936-9189-F5352923CC4A}" type="slidenum">
               <a:rPr lang="nl-NL" smtClean="0"/>
               <a:pPr/>
-              <a:t>‹nr.›</a:t>
+              <a:t>‹#›</a:t>
             </a:fld>
             <a:endParaRPr lang="nl-NL"/>
           </a:p>
@@ -794,7 +794,7 @@
             <a:fld id="{7E750BC6-6922-4415-B478-D62852FE04FE}" type="slidenum">
               <a:rPr lang="nl-NL" smtClean="0"/>
               <a:pPr/>
-              <a:t>‹nr.›</a:t>
+              <a:t>‹#›</a:t>
             </a:fld>
             <a:endParaRPr lang="nl-NL"/>
           </a:p>
@@ -959,7 +959,7 @@
             <a:fld id="{7E750BC6-6922-4415-B478-D62852FE04FE}" type="slidenum">
               <a:rPr lang="nl-NL" smtClean="0"/>
               <a:pPr/>
-              <a:t>‹nr.›</a:t>
+              <a:t>‹#›</a:t>
             </a:fld>
             <a:endParaRPr lang="nl-NL"/>
           </a:p>
@@ -1134,7 +1134,7 @@
             <a:fld id="{7E750BC6-6922-4415-B478-D62852FE04FE}" type="slidenum">
               <a:rPr lang="nl-NL" smtClean="0"/>
               <a:pPr/>
-              <a:t>‹nr.›</a:t>
+              <a:t>‹#›</a:t>
             </a:fld>
             <a:endParaRPr lang="nl-NL"/>
           </a:p>
@@ -1299,7 +1299,7 @@
             <a:fld id="{7E750BC6-6922-4415-B478-D62852FE04FE}" type="slidenum">
               <a:rPr lang="nl-NL" smtClean="0"/>
               <a:pPr/>
-              <a:t>‹nr.›</a:t>
+              <a:t>‹#›</a:t>
             </a:fld>
             <a:endParaRPr lang="nl-NL"/>
           </a:p>
@@ -1541,7 +1541,7 @@
             <a:fld id="{7E750BC6-6922-4415-B478-D62852FE04FE}" type="slidenum">
               <a:rPr lang="nl-NL" smtClean="0"/>
               <a:pPr/>
-              <a:t>‹nr.›</a:t>
+              <a:t>‹#›</a:t>
             </a:fld>
             <a:endParaRPr lang="nl-NL"/>
           </a:p>
@@ -1823,7 +1823,7 @@
             <a:fld id="{7E750BC6-6922-4415-B478-D62852FE04FE}" type="slidenum">
               <a:rPr lang="nl-NL" smtClean="0"/>
               <a:pPr/>
-              <a:t>‹nr.›</a:t>
+              <a:t>‹#›</a:t>
             </a:fld>
             <a:endParaRPr lang="nl-NL"/>
           </a:p>
@@ -2239,7 +2239,7 @@
             <a:fld id="{7E750BC6-6922-4415-B478-D62852FE04FE}" type="slidenum">
               <a:rPr lang="nl-NL" smtClean="0"/>
               <a:pPr/>
-              <a:t>‹nr.›</a:t>
+              <a:t>‹#›</a:t>
             </a:fld>
             <a:endParaRPr lang="nl-NL"/>
           </a:p>
@@ -2353,7 +2353,7 @@
             <a:fld id="{7E750BC6-6922-4415-B478-D62852FE04FE}" type="slidenum">
               <a:rPr lang="nl-NL" smtClean="0"/>
               <a:pPr/>
-              <a:t>‹nr.›</a:t>
+              <a:t>‹#›</a:t>
             </a:fld>
             <a:endParaRPr lang="nl-NL"/>
           </a:p>
@@ -2445,7 +2445,7 @@
             <a:fld id="{7E750BC6-6922-4415-B478-D62852FE04FE}" type="slidenum">
               <a:rPr lang="nl-NL" smtClean="0"/>
               <a:pPr/>
-              <a:t>‹nr.›</a:t>
+              <a:t>‹#›</a:t>
             </a:fld>
             <a:endParaRPr lang="nl-NL"/>
           </a:p>
@@ -2717,7 +2717,7 @@
             <a:fld id="{7E750BC6-6922-4415-B478-D62852FE04FE}" type="slidenum">
               <a:rPr lang="nl-NL" smtClean="0"/>
               <a:pPr/>
-              <a:t>‹nr.›</a:t>
+              <a:t>‹#›</a:t>
             </a:fld>
             <a:endParaRPr lang="nl-NL"/>
           </a:p>
@@ -2966,7 +2966,7 @@
             <a:fld id="{7E750BC6-6922-4415-B478-D62852FE04FE}" type="slidenum">
               <a:rPr lang="nl-NL" smtClean="0"/>
               <a:pPr/>
-              <a:t>‹nr.›</a:t>
+              <a:t>‹#›</a:t>
             </a:fld>
             <a:endParaRPr lang="nl-NL"/>
           </a:p>
@@ -3210,7 +3210,7 @@
             <a:fld id="{7E750BC6-6922-4415-B478-D62852FE04FE}" type="slidenum">
               <a:rPr lang="nl-NL" smtClean="0"/>
               <a:pPr/>
-              <a:t>‹nr.›</a:t>
+              <a:t>‹#›</a:t>
             </a:fld>
             <a:endParaRPr lang="nl-NL"/>
           </a:p>
@@ -3638,7 +3638,7 @@
           <a:blip r:embed="rId2" cstate="print">
             <a:extLst>
               <a:ext uri="{28A0092B-C50C-407E-A947-70E740481C1C}">
-                <a14:useLocalDpi xmlns:a14="http://schemas.microsoft.com/office/drawing/2010/main" xmlns="" val="0"/>
+                <a14:useLocalDpi xmlns:a14="http://schemas.microsoft.com/office/drawing/2010/main" val="0"/>
               </a:ext>
             </a:extLst>
           </a:blip>
@@ -3689,13 +3689,6 @@
   <p:clrMapOvr>
     <a:masterClrMapping/>
   </p:clrMapOvr>
-  <p:timing>
-    <p:tnLst>
-      <p:par>
-        <p:cTn id="1" dur="indefinite" restart="never" nodeType="tmRoot"/>
-      </p:par>
-    </p:tnLst>
-  </p:timing>
 </p:sld>
 </file>
 
@@ -3726,7 +3719,7 @@
           <a:blip r:embed="rId2" cstate="print">
             <a:extLst>
               <a:ext uri="{28A0092B-C50C-407E-A947-70E740481C1C}">
-                <a14:useLocalDpi xmlns:a14="http://schemas.microsoft.com/office/drawing/2010/main" xmlns="" val="0"/>
+                <a14:useLocalDpi xmlns:a14="http://schemas.microsoft.com/office/drawing/2010/main" val="0"/>
               </a:ext>
             </a:extLst>
           </a:blip>
@@ -3749,7 +3742,7 @@
           <p:cNvPr id="8" name="Subtitle 7">
             <a:extLst>
               <a:ext uri="{FF2B5EF4-FFF2-40B4-BE49-F238E27FC236}">
-                <a16:creationId xmlns:a16="http://schemas.microsoft.com/office/drawing/2014/main" xmlns="" id="{454A8972-9233-4B42-AF20-C88B8520663D}"/>
+                <a16:creationId xmlns:a16="http://schemas.microsoft.com/office/drawing/2014/main" id="{454A8972-9233-4B42-AF20-C88B8520663D}"/>
               </a:ext>
             </a:extLst>
           </p:cNvPr>
@@ -3779,7 +3772,7 @@
           <p:cNvPr id="5" name="Title 5">
             <a:extLst>
               <a:ext uri="{FF2B5EF4-FFF2-40B4-BE49-F238E27FC236}">
-                <a16:creationId xmlns:a16="http://schemas.microsoft.com/office/drawing/2014/main" xmlns="" id="{7B0B6C6B-1C1B-44C3-AE31-D9552B23A930}"/>
+                <a16:creationId xmlns:a16="http://schemas.microsoft.com/office/drawing/2014/main" id="{7B0B6C6B-1C1B-44C3-AE31-D9552B23A930}"/>
               </a:ext>
             </a:extLst>
           </p:cNvPr>
@@ -3831,7 +3824,7 @@
           <p:cNvPr id="2" name="Picture 1">
             <a:extLst>
               <a:ext uri="{FF2B5EF4-FFF2-40B4-BE49-F238E27FC236}">
-                <a16:creationId xmlns:a16="http://schemas.microsoft.com/office/drawing/2014/main" xmlns="" id="{92EDBE8E-0F53-48C1-9C0E-5021DF6B32E5}"/>
+                <a16:creationId xmlns:a16="http://schemas.microsoft.com/office/drawing/2014/main" id="{92EDBE8E-0F53-48C1-9C0E-5021DF6B32E5}"/>
               </a:ext>
             </a:extLst>
           </p:cNvPr>
@@ -3859,7 +3852,7 @@
     </p:spTree>
     <p:extLst>
       <p:ext uri="{BB962C8B-B14F-4D97-AF65-F5344CB8AC3E}">
-        <p14:creationId xmlns:p14="http://schemas.microsoft.com/office/powerpoint/2010/main" xmlns="" val="244179176"/>
+        <p14:creationId xmlns:p14="http://schemas.microsoft.com/office/powerpoint/2010/main" val="244179176"/>
       </p:ext>
     </p:extLst>
   </p:cSld>
@@ -3896,7 +3889,7 @@
           <a:blip r:embed="rId2" cstate="print">
             <a:extLst>
               <a:ext uri="{28A0092B-C50C-407E-A947-70E740481C1C}">
-                <a14:useLocalDpi xmlns:a14="http://schemas.microsoft.com/office/drawing/2010/main" xmlns="" val="0"/>
+                <a14:useLocalDpi xmlns:a14="http://schemas.microsoft.com/office/drawing/2010/main" val="0"/>
               </a:ext>
             </a:extLst>
           </a:blip>
@@ -3919,7 +3912,7 @@
           <p:cNvPr id="6" name="Title 5">
             <a:extLst>
               <a:ext uri="{FF2B5EF4-FFF2-40B4-BE49-F238E27FC236}">
-                <a16:creationId xmlns:a16="http://schemas.microsoft.com/office/drawing/2014/main" xmlns="" id="{B33F28D2-DB9D-4CA5-9CBD-2424D610BF7E}"/>
+                <a16:creationId xmlns:a16="http://schemas.microsoft.com/office/drawing/2014/main" id="{B33F28D2-DB9D-4CA5-9CBD-2424D610BF7E}"/>
               </a:ext>
             </a:extLst>
           </p:cNvPr>
@@ -3953,7 +3946,7 @@
           <p:cNvPr id="7" name="Subtitle 7">
             <a:extLst>
               <a:ext uri="{FF2B5EF4-FFF2-40B4-BE49-F238E27FC236}">
-                <a16:creationId xmlns:a16="http://schemas.microsoft.com/office/drawing/2014/main" xmlns="" id="{8BF862B6-57E2-44E1-933C-41C446A759B0}"/>
+                <a16:creationId xmlns:a16="http://schemas.microsoft.com/office/drawing/2014/main" id="{8BF862B6-57E2-44E1-933C-41C446A759B0}"/>
               </a:ext>
             </a:extLst>
           </p:cNvPr>
@@ -3975,6 +3968,33 @@
             <a:normAutofit/>
           </a:bodyPr>
           <a:lstStyle/>
+          <a:p>
+            <a:pPr marL="457200" indent="-457200" algn="l">
+              <a:buFont typeface="Arial" panose="020B0604020202020204" pitchFamily="34" charset="0"/>
+              <a:buChar char="•"/>
+            </a:pPr>
+            <a:r>
+              <a:rPr lang="en-US" dirty="0">
+                <a:solidFill>
+                  <a:schemeClr val="tx1"/>
+                </a:solidFill>
+              </a:rPr>
+              <a:t>Multiple linear </a:t>
+            </a:r>
+            <a:r>
+              <a:rPr lang="en-US">
+                <a:solidFill>
+                  <a:schemeClr val="tx1"/>
+                </a:solidFill>
+              </a:rPr>
+              <a:t>regression </a:t>
+            </a:r>
+            <a:endParaRPr lang="en-US" dirty="0">
+              <a:solidFill>
+                <a:schemeClr val="tx1"/>
+              </a:solidFill>
+            </a:endParaRPr>
+          </a:p>
           <a:p>
             <a:pPr marL="457200" indent="-457200" algn="l">
               <a:buFont typeface="Arial" panose="020B0604020202020204" pitchFamily="34" charset="0"/>
@@ -4057,7 +4077,7 @@
     </p:spTree>
     <p:extLst>
       <p:ext uri="{BB962C8B-B14F-4D97-AF65-F5344CB8AC3E}">
-        <p14:creationId xmlns:p14="http://schemas.microsoft.com/office/powerpoint/2010/main" xmlns="" val="164272246"/>
+        <p14:creationId xmlns:p14="http://schemas.microsoft.com/office/powerpoint/2010/main" val="164272246"/>
       </p:ext>
     </p:extLst>
   </p:cSld>
@@ -4089,7 +4109,7 @@
           <p:cNvPr id="4" name="Picture 3">
             <a:extLst>
               <a:ext uri="{FF2B5EF4-FFF2-40B4-BE49-F238E27FC236}">
-                <a16:creationId xmlns:a16="http://schemas.microsoft.com/office/drawing/2014/main" xmlns="" id="{84777371-A2F3-4223-99B4-0814C26F8C9B}"/>
+                <a16:creationId xmlns:a16="http://schemas.microsoft.com/office/drawing/2014/main" id="{84777371-A2F3-4223-99B4-0814C26F8C9B}"/>
               </a:ext>
             </a:extLst>
           </p:cNvPr>
@@ -4100,7 +4120,7 @@
           <a:blip r:embed="rId2" cstate="print">
             <a:extLst>
               <a:ext uri="{28A0092B-C50C-407E-A947-70E740481C1C}">
-                <a14:useLocalDpi xmlns:a14="http://schemas.microsoft.com/office/drawing/2010/main" xmlns="" val="0"/>
+                <a14:useLocalDpi xmlns:a14="http://schemas.microsoft.com/office/drawing/2010/main" val="0"/>
               </a:ext>
             </a:extLst>
           </a:blip>
@@ -4123,7 +4143,7 @@
           <p:cNvPr id="5" name="Picture 1">
             <a:extLst>
               <a:ext uri="{FF2B5EF4-FFF2-40B4-BE49-F238E27FC236}">
-                <a16:creationId xmlns:a16="http://schemas.microsoft.com/office/drawing/2014/main" xmlns="" id="{D46A3EDF-8FBF-4EC5-8A13-A040152E209F}"/>
+                <a16:creationId xmlns:a16="http://schemas.microsoft.com/office/drawing/2014/main" id="{D46A3EDF-8FBF-4EC5-8A13-A040152E209F}"/>
               </a:ext>
             </a:extLst>
           </p:cNvPr>
@@ -4134,7 +4154,7 @@
           <a:blip r:embed="rId3" cstate="print">
             <a:extLst>
               <a:ext uri="{28A0092B-C50C-407E-A947-70E740481C1C}">
-                <a14:useLocalDpi xmlns:a14="http://schemas.microsoft.com/office/drawing/2010/main" xmlns="" val="0"/>
+                <a14:useLocalDpi xmlns:a14="http://schemas.microsoft.com/office/drawing/2010/main" val="0"/>
               </a:ext>
             </a:extLst>
           </a:blip>
@@ -4155,7 +4175,7 @@
     </p:spTree>
     <p:extLst>
       <p:ext uri="{BB962C8B-B14F-4D97-AF65-F5344CB8AC3E}">
-        <p14:creationId xmlns:p14="http://schemas.microsoft.com/office/powerpoint/2010/main" xmlns="" val="1186068392"/>
+        <p14:creationId xmlns:p14="http://schemas.microsoft.com/office/powerpoint/2010/main" val="1186068392"/>
       </p:ext>
     </p:extLst>
   </p:cSld>
@@ -4187,7 +4207,7 @@
           <p:cNvPr id="2" name="Title 1">
             <a:extLst>
               <a:ext uri="{FF2B5EF4-FFF2-40B4-BE49-F238E27FC236}">
-                <a16:creationId xmlns:a16="http://schemas.microsoft.com/office/drawing/2014/main" xmlns="" id="{38208A00-AE3D-40A5-8FD6-25DFD26B7B4D}"/>
+                <a16:creationId xmlns:a16="http://schemas.microsoft.com/office/drawing/2014/main" id="{38208A00-AE3D-40A5-8FD6-25DFD26B7B4D}"/>
               </a:ext>
             </a:extLst>
           </p:cNvPr>
@@ -4221,7 +4241,7 @@
           <p:cNvPr id="3" name="Content Placeholder 2">
             <a:extLst>
               <a:ext uri="{FF2B5EF4-FFF2-40B4-BE49-F238E27FC236}">
-                <a16:creationId xmlns:a16="http://schemas.microsoft.com/office/drawing/2014/main" xmlns="" id="{1A3E0722-2FD9-4C18-B0B9-4AB55D490DF2}"/>
+                <a16:creationId xmlns:a16="http://schemas.microsoft.com/office/drawing/2014/main" id="{1A3E0722-2FD9-4C18-B0B9-4AB55D490DF2}"/>
               </a:ext>
             </a:extLst>
           </p:cNvPr>
@@ -4266,7 +4286,7 @@
           <p:cNvPr id="5" name="Picture 1">
             <a:extLst>
               <a:ext uri="{FF2B5EF4-FFF2-40B4-BE49-F238E27FC236}">
-                <a16:creationId xmlns:a16="http://schemas.microsoft.com/office/drawing/2014/main" xmlns="" id="{DB2CB398-EB6B-4FB8-ACF5-FB16CF4D09B1}"/>
+                <a16:creationId xmlns:a16="http://schemas.microsoft.com/office/drawing/2014/main" id="{DB2CB398-EB6B-4FB8-ACF5-FB16CF4D09B1}"/>
               </a:ext>
             </a:extLst>
           </p:cNvPr>
@@ -4277,7 +4297,7 @@
           <a:blip r:embed="rId2" cstate="print">
             <a:extLst>
               <a:ext uri="{28A0092B-C50C-407E-A947-70E740481C1C}">
-                <a14:useLocalDpi xmlns:a14="http://schemas.microsoft.com/office/drawing/2010/main" xmlns="" val="0"/>
+                <a14:useLocalDpi xmlns:a14="http://schemas.microsoft.com/office/drawing/2010/main" val="0"/>
               </a:ext>
             </a:extLst>
           </a:blip>
@@ -4298,7 +4318,7 @@
     </p:spTree>
     <p:extLst>
       <p:ext uri="{BB962C8B-B14F-4D97-AF65-F5344CB8AC3E}">
-        <p14:creationId xmlns:p14="http://schemas.microsoft.com/office/powerpoint/2010/main" xmlns="" val="2033102441"/>
+        <p14:creationId xmlns:p14="http://schemas.microsoft.com/office/powerpoint/2010/main" val="2033102441"/>
       </p:ext>
     </p:extLst>
   </p:cSld>
@@ -4330,7 +4350,7 @@
           <p:cNvPr id="2" name="Title 1">
             <a:extLst>
               <a:ext uri="{FF2B5EF4-FFF2-40B4-BE49-F238E27FC236}">
-                <a16:creationId xmlns:a16="http://schemas.microsoft.com/office/drawing/2014/main" xmlns="" id="{38208A00-AE3D-40A5-8FD6-25DFD26B7B4D}"/>
+                <a16:creationId xmlns:a16="http://schemas.microsoft.com/office/drawing/2014/main" id="{38208A00-AE3D-40A5-8FD6-25DFD26B7B4D}"/>
               </a:ext>
             </a:extLst>
           </p:cNvPr>
@@ -4364,7 +4384,7 @@
           <p:cNvPr id="3" name="Content Placeholder 2">
             <a:extLst>
               <a:ext uri="{FF2B5EF4-FFF2-40B4-BE49-F238E27FC236}">
-                <a16:creationId xmlns:a16="http://schemas.microsoft.com/office/drawing/2014/main" xmlns="" id="{1A3E0722-2FD9-4C18-B0B9-4AB55D490DF2}"/>
+                <a16:creationId xmlns:a16="http://schemas.microsoft.com/office/drawing/2014/main" id="{1A3E0722-2FD9-4C18-B0B9-4AB55D490DF2}"/>
               </a:ext>
             </a:extLst>
           </p:cNvPr>
@@ -4418,7 +4438,7 @@
           <p:cNvPr id="4" name="Picture 1">
             <a:extLst>
               <a:ext uri="{FF2B5EF4-FFF2-40B4-BE49-F238E27FC236}">
-                <a16:creationId xmlns:a16="http://schemas.microsoft.com/office/drawing/2014/main" xmlns="" id="{0C634132-1F35-43A8-9AA3-3D272AB117EF}"/>
+                <a16:creationId xmlns:a16="http://schemas.microsoft.com/office/drawing/2014/main" id="{0C634132-1F35-43A8-9AA3-3D272AB117EF}"/>
               </a:ext>
             </a:extLst>
           </p:cNvPr>
@@ -4429,7 +4449,7 @@
           <a:blip r:embed="rId2" cstate="print">
             <a:extLst>
               <a:ext uri="{28A0092B-C50C-407E-A947-70E740481C1C}">
-                <a14:useLocalDpi xmlns:a14="http://schemas.microsoft.com/office/drawing/2010/main" xmlns="" val="0"/>
+                <a14:useLocalDpi xmlns:a14="http://schemas.microsoft.com/office/drawing/2010/main" val="0"/>
               </a:ext>
             </a:extLst>
           </a:blip>
@@ -4450,7 +4470,7 @@
     </p:spTree>
     <p:extLst>
       <p:ext uri="{BB962C8B-B14F-4D97-AF65-F5344CB8AC3E}">
-        <p14:creationId xmlns:p14="http://schemas.microsoft.com/office/powerpoint/2010/main" xmlns="" val="4028874318"/>
+        <p14:creationId xmlns:p14="http://schemas.microsoft.com/office/powerpoint/2010/main" val="4028874318"/>
       </p:ext>
     </p:extLst>
   </p:cSld>
@@ -4482,7 +4502,7 @@
           <p:cNvPr id="2" name="Title 1">
             <a:extLst>
               <a:ext uri="{FF2B5EF4-FFF2-40B4-BE49-F238E27FC236}">
-                <a16:creationId xmlns:a16="http://schemas.microsoft.com/office/drawing/2014/main" xmlns="" id="{38208A00-AE3D-40A5-8FD6-25DFD26B7B4D}"/>
+                <a16:creationId xmlns:a16="http://schemas.microsoft.com/office/drawing/2014/main" id="{38208A00-AE3D-40A5-8FD6-25DFD26B7B4D}"/>
               </a:ext>
             </a:extLst>
           </p:cNvPr>
@@ -4516,7 +4536,7 @@
           <p:cNvPr id="3" name="Content Placeholder 2">
             <a:extLst>
               <a:ext uri="{FF2B5EF4-FFF2-40B4-BE49-F238E27FC236}">
-                <a16:creationId xmlns:a16="http://schemas.microsoft.com/office/drawing/2014/main" xmlns="" id="{1A3E0722-2FD9-4C18-B0B9-4AB55D490DF2}"/>
+                <a16:creationId xmlns:a16="http://schemas.microsoft.com/office/drawing/2014/main" id="{1A3E0722-2FD9-4C18-B0B9-4AB55D490DF2}"/>
               </a:ext>
             </a:extLst>
           </p:cNvPr>
@@ -4559,7 +4579,7 @@
           <p:cNvPr id="5" name="Picture 1">
             <a:extLst>
               <a:ext uri="{FF2B5EF4-FFF2-40B4-BE49-F238E27FC236}">
-                <a16:creationId xmlns:a16="http://schemas.microsoft.com/office/drawing/2014/main" xmlns="" id="{10B37D55-EF3B-48EF-83A6-5FFF8E2A6DE4}"/>
+                <a16:creationId xmlns:a16="http://schemas.microsoft.com/office/drawing/2014/main" id="{10B37D55-EF3B-48EF-83A6-5FFF8E2A6DE4}"/>
               </a:ext>
             </a:extLst>
           </p:cNvPr>
@@ -4570,7 +4590,7 @@
           <a:blip r:embed="rId2" cstate="print">
             <a:extLst>
               <a:ext uri="{28A0092B-C50C-407E-A947-70E740481C1C}">
-                <a14:useLocalDpi xmlns:a14="http://schemas.microsoft.com/office/drawing/2010/main" xmlns="" val="0"/>
+                <a14:useLocalDpi xmlns:a14="http://schemas.microsoft.com/office/drawing/2010/main" val="0"/>
               </a:ext>
             </a:extLst>
           </a:blip>
@@ -4591,7 +4611,7 @@
     </p:spTree>
     <p:extLst>
       <p:ext uri="{BB962C8B-B14F-4D97-AF65-F5344CB8AC3E}">
-        <p14:creationId xmlns:p14="http://schemas.microsoft.com/office/powerpoint/2010/main" xmlns="" val="258856842"/>
+        <p14:creationId xmlns:p14="http://schemas.microsoft.com/office/powerpoint/2010/main" val="258856842"/>
       </p:ext>
     </p:extLst>
   </p:cSld>
@@ -4656,7 +4676,7 @@
           <a:blip r:embed="rId3" cstate="print">
             <a:extLst>
               <a:ext uri="{28A0092B-C50C-407E-A947-70E740481C1C}">
-                <a14:useLocalDpi xmlns:a14="http://schemas.microsoft.com/office/drawing/2010/main" xmlns="" val="0"/>
+                <a14:useLocalDpi xmlns:a14="http://schemas.microsoft.com/office/drawing/2010/main" val="0"/>
               </a:ext>
             </a:extLst>
           </a:blip>
@@ -4903,7 +4923,7 @@
               <a:t> </a:t>
             </a:r>
             <a:r>
-              <a:rPr lang="nl-NL" dirty="0" err="1" smtClean="0">
+              <a:rPr lang="nl-NL" dirty="0" err="1">
                 <a:solidFill>
                   <a:schemeClr val="tx1"/>
                 </a:solidFill>
@@ -4930,7 +4950,7 @@
               <a:t> </a:t>
             </a:r>
             <a:r>
-              <a:rPr lang="nl-NL" dirty="0" err="1" smtClean="0">
+              <a:rPr lang="nl-NL" dirty="0" err="1">
                 <a:solidFill>
                   <a:schemeClr val="tx1"/>
                 </a:solidFill>
@@ -4938,30 +4958,22 @@
               <a:t>Discussion</a:t>
             </a:r>
             <a:r>
-              <a:rPr lang="nl-NL" dirty="0" smtClean="0">
-                <a:solidFill>
-                  <a:schemeClr val="tx1"/>
-                </a:solidFill>
-              </a:rPr>
-              <a:t> </a:t>
-            </a:r>
-            <a:r>
-              <a:rPr lang="nl-NL" dirty="0" smtClean="0">
-                <a:solidFill>
-                  <a:schemeClr val="tx1"/>
-                </a:solidFill>
-              </a:rPr>
-              <a:t>&amp; </a:t>
-            </a:r>
-            <a:r>
-              <a:rPr lang="nl-NL" dirty="0" err="1" smtClean="0">
+              <a:rPr lang="nl-NL" dirty="0">
+                <a:solidFill>
+                  <a:schemeClr val="tx1"/>
+                </a:solidFill>
+              </a:rPr>
+              <a:t> &amp; </a:t>
+            </a:r>
+            <a:r>
+              <a:rPr lang="nl-NL" dirty="0" err="1">
                 <a:solidFill>
                   <a:schemeClr val="tx1"/>
                 </a:solidFill>
               </a:rPr>
               <a:t>conclusion</a:t>
             </a:r>
-            <a:endParaRPr lang="nl-NL" dirty="0" smtClean="0">
+            <a:endParaRPr lang="nl-NL" dirty="0">
               <a:solidFill>
                 <a:schemeClr val="tx1"/>
               </a:solidFill>
@@ -4973,7 +4985,7 @@
               <a:buChar char="•"/>
             </a:pPr>
             <a:r>
-              <a:rPr lang="nl-NL" dirty="0" smtClean="0">
+              <a:rPr lang="nl-NL" dirty="0">
                 <a:solidFill>
                   <a:schemeClr val="tx1"/>
                 </a:solidFill>
@@ -4981,7 +4993,7 @@
               <a:t> </a:t>
             </a:r>
             <a:r>
-              <a:rPr lang="nl-NL" dirty="0" err="1" smtClean="0">
+              <a:rPr lang="nl-NL" dirty="0" err="1">
                 <a:solidFill>
                   <a:schemeClr val="tx1"/>
                 </a:solidFill>
@@ -5022,7 +5034,7 @@
           <a:blip r:embed="rId2" cstate="print">
             <a:extLst>
               <a:ext uri="{28A0092B-C50C-407E-A947-70E740481C1C}">
-                <a14:useLocalDpi xmlns:a14="http://schemas.microsoft.com/office/drawing/2010/main" xmlns="" val="0"/>
+                <a14:useLocalDpi xmlns:a14="http://schemas.microsoft.com/office/drawing/2010/main" val="0"/>
               </a:ext>
             </a:extLst>
           </a:blip>
@@ -5045,13 +5057,6 @@
   <p:clrMapOvr>
     <a:masterClrMapping/>
   </p:clrMapOvr>
-  <p:timing>
-    <p:tnLst>
-      <p:par>
-        <p:cTn id="1" dur="indefinite" restart="never" nodeType="tmRoot"/>
-      </p:par>
-    </p:tnLst>
-  </p:timing>
 </p:sld>
 </file>
 
@@ -5128,7 +5133,7 @@
               <a:buChar char="•"/>
             </a:pPr>
             <a:r>
-              <a:rPr lang="en-US" b="1" dirty="0" smtClean="0">
+              <a:rPr lang="en-US" b="1" dirty="0">
                 <a:solidFill>
                   <a:schemeClr val="tx1"/>
                 </a:solidFill>
@@ -5136,42 +5141,24 @@
               <a:t> </a:t>
             </a:r>
             <a:r>
-              <a:rPr lang="en-US" dirty="0" smtClean="0">
+              <a:rPr lang="en-US" dirty="0">
                 <a:solidFill>
                   <a:schemeClr val="tx1"/>
                 </a:solidFill>
               </a:rPr>
               <a:t>Bedtime procrastination study</a:t>
             </a:r>
-            <a:endParaRPr lang="en-US" dirty="0" smtClean="0">
-              <a:solidFill>
-                <a:schemeClr val="tx1"/>
-              </a:solidFill>
-            </a:endParaRPr>
           </a:p>
           <a:p>
             <a:pPr algn="l"/>
             <a:r>
-              <a:rPr lang="en-US" sz="2000" dirty="0" smtClean="0">
-                <a:solidFill>
-                  <a:schemeClr val="tx1"/>
-                </a:solidFill>
-              </a:rPr>
-              <a:t>Many negative conse</a:t>
-            </a:r>
-            <a:r>
-              <a:rPr lang="en-US" sz="2000" dirty="0" smtClean="0">
-                <a:solidFill>
-                  <a:schemeClr val="tx1"/>
-                </a:solidFill>
-              </a:rPr>
-              <a:t>quences of delaying bedtime</a:t>
-            </a:r>
-            <a:endParaRPr lang="en-US" sz="2000" dirty="0" smtClean="0">
-              <a:solidFill>
-                <a:schemeClr val="tx1"/>
-              </a:solidFill>
-            </a:endParaRPr>
+              <a:rPr lang="en-US" sz="2000" dirty="0">
+                <a:solidFill>
+                  <a:schemeClr val="tx1"/>
+                </a:solidFill>
+              </a:rPr>
+              <a:t>Many negative consequences of delaying bedtime</a:t>
+            </a:r>
           </a:p>
           <a:p>
             <a:pPr algn="l">
@@ -5179,7 +5166,7 @@
               <a:buChar char="•"/>
             </a:pPr>
             <a:r>
-              <a:rPr lang="en-US" dirty="0" smtClean="0">
+              <a:rPr lang="en-US" dirty="0">
                 <a:solidFill>
                   <a:schemeClr val="tx1"/>
                 </a:solidFill>
@@ -5190,7 +5177,7 @@
           <a:p>
             <a:pPr algn="l"/>
             <a:r>
-              <a:rPr lang="en-US" sz="2000" dirty="0" smtClean="0">
+              <a:rPr lang="en-US" sz="2000" dirty="0">
                 <a:solidFill>
                   <a:schemeClr val="tx1"/>
                 </a:solidFill>
@@ -5279,7 +5266,7 @@
           <a:blip r:embed="rId2" cstate="print">
             <a:extLst>
               <a:ext uri="{28A0092B-C50C-407E-A947-70E740481C1C}">
-                <a14:useLocalDpi xmlns:a14="http://schemas.microsoft.com/office/drawing/2010/main" xmlns="" val="0"/>
+                <a14:useLocalDpi xmlns:a14="http://schemas.microsoft.com/office/drawing/2010/main" val="0"/>
               </a:ext>
             </a:extLst>
           </a:blip>
@@ -5302,13 +5289,6 @@
   <p:clrMapOvr>
     <a:masterClrMapping/>
   </p:clrMapOvr>
-  <p:timing>
-    <p:tnLst>
-      <p:par>
-        <p:cTn id="1" dur="indefinite" restart="never" nodeType="tmRoot"/>
-      </p:par>
-    </p:tnLst>
-  </p:timing>
 </p:sld>
 </file>
 
@@ -5504,14 +5484,6 @@
               </a:rPr>
               <a:t> experiment?”</a:t>
             </a:r>
-            <a:r>
-              <a:rPr lang="nl-NL" b="1" dirty="0">
-                <a:solidFill>
-                  <a:schemeClr val="tx1"/>
-                </a:solidFill>
-              </a:rPr>
-              <a:t/>
-            </a:r>
             <a:br>
               <a:rPr lang="nl-NL" b="1" dirty="0">
                 <a:solidFill>
@@ -5519,14 +5491,6 @@
                 </a:solidFill>
               </a:rPr>
             </a:br>
-            <a:r>
-              <a:rPr lang="nl-NL" b="1" dirty="0">
-                <a:solidFill>
-                  <a:schemeClr val="tx1"/>
-                </a:solidFill>
-              </a:rPr>
-              <a:t/>
-            </a:r>
             <a:br>
               <a:rPr lang="nl-NL" b="1" dirty="0">
                 <a:solidFill>
@@ -5713,7 +5677,7 @@
           <a:blip r:embed="rId2" cstate="print">
             <a:extLst>
               <a:ext uri="{28A0092B-C50C-407E-A947-70E740481C1C}">
-                <a14:useLocalDpi xmlns:a14="http://schemas.microsoft.com/office/drawing/2010/main" xmlns="" val="0"/>
+                <a14:useLocalDpi xmlns:a14="http://schemas.microsoft.com/office/drawing/2010/main" val="0"/>
               </a:ext>
             </a:extLst>
           </a:blip>
@@ -5736,13 +5700,6 @@
   <p:clrMapOvr>
     <a:masterClrMapping/>
   </p:clrMapOvr>
-  <p:timing>
-    <p:tnLst>
-      <p:par>
-        <p:cTn id="1" dur="indefinite" restart="never" nodeType="tmRoot"/>
-      </p:par>
-    </p:tnLst>
-  </p:timing>
 </p:sld>
 </file>
 
@@ -5948,7 +5905,7 @@
           <a:blip r:embed="rId2" cstate="print">
             <a:extLst>
               <a:ext uri="{28A0092B-C50C-407E-A947-70E740481C1C}">
-                <a14:useLocalDpi xmlns:a14="http://schemas.microsoft.com/office/drawing/2010/main" xmlns="" val="0"/>
+                <a14:useLocalDpi xmlns:a14="http://schemas.microsoft.com/office/drawing/2010/main" val="0"/>
               </a:ext>
             </a:extLst>
           </a:blip>
@@ -6004,13 +5961,6 @@
   <p:clrMapOvr>
     <a:masterClrMapping/>
   </p:clrMapOvr>
-  <p:timing>
-    <p:tnLst>
-      <p:par>
-        <p:cTn id="1" dur="indefinite" restart="never" nodeType="tmRoot"/>
-      </p:par>
-    </p:tnLst>
-  </p:timing>
 </p:sld>
 </file>
 
@@ -6371,7 +6321,7 @@
               <a:t>scale</a:t>
             </a:r>
             <a:r>
-              <a:rPr lang="nl-NL" sz="2000" dirty="0" smtClean="0">
+              <a:rPr lang="nl-NL" sz="2000" dirty="0">
                 <a:solidFill>
                   <a:schemeClr val="tx1"/>
                 </a:solidFill>
@@ -6384,7 +6334,7 @@
               <a:buFont typeface="Arial" pitchFamily="34" charset="0"/>
               <a:buChar char="•"/>
             </a:pPr>
-            <a:endParaRPr lang="nl-NL" sz="2000" dirty="0" smtClean="0">
+            <a:endParaRPr lang="nl-NL" sz="2000" dirty="0">
               <a:solidFill>
                 <a:schemeClr val="tx1"/>
               </a:solidFill>
@@ -6396,7 +6346,7 @@
               <a:buChar char="•"/>
             </a:pPr>
             <a:r>
-              <a:rPr lang="nl-NL" sz="2000" dirty="0" smtClean="0">
+              <a:rPr lang="nl-NL" sz="2000" dirty="0">
                 <a:solidFill>
                   <a:schemeClr val="tx1"/>
                 </a:solidFill>
@@ -6404,7 +6354,7 @@
               <a:t> </a:t>
             </a:r>
             <a:r>
-              <a:rPr lang="nl-NL" sz="2600" b="1" dirty="0" err="1" smtClean="0">
+              <a:rPr lang="nl-NL" sz="2600" b="1" dirty="0" err="1">
                 <a:solidFill>
                   <a:schemeClr val="tx1"/>
                 </a:solidFill>
@@ -6412,7 +6362,7 @@
               <a:t>Daytime</a:t>
             </a:r>
             <a:r>
-              <a:rPr lang="nl-NL" sz="2600" b="1" dirty="0" smtClean="0">
+              <a:rPr lang="nl-NL" sz="2600" b="1" dirty="0">
                 <a:solidFill>
                   <a:schemeClr val="tx1"/>
                 </a:solidFill>
@@ -6420,7 +6370,7 @@
               <a:t>_</a:t>
             </a:r>
             <a:r>
-              <a:rPr lang="nl-NL" sz="2600" b="1" dirty="0" err="1" smtClean="0">
+              <a:rPr lang="nl-NL" sz="2600" b="1" dirty="0" err="1">
                 <a:solidFill>
                   <a:schemeClr val="tx1"/>
                 </a:solidFill>
@@ -6428,7 +6378,7 @@
               <a:t>sleepiness</a:t>
             </a:r>
             <a:r>
-              <a:rPr lang="nl-NL" sz="2600" b="1" dirty="0" smtClean="0">
+              <a:rPr lang="nl-NL" sz="2600" b="1" dirty="0">
                 <a:solidFill>
                   <a:schemeClr val="tx1"/>
                 </a:solidFill>
@@ -6436,7 +6386,7 @@
               <a:t>: </a:t>
             </a:r>
             <a:r>
-              <a:rPr lang="nl-NL" sz="2000" dirty="0" err="1" smtClean="0">
+              <a:rPr lang="nl-NL" sz="2000" dirty="0" err="1">
                 <a:solidFill>
                   <a:schemeClr val="tx1"/>
                 </a:solidFill>
@@ -6444,7 +6394,7 @@
               <a:t>extent</a:t>
             </a:r>
             <a:r>
-              <a:rPr lang="nl-NL" sz="2000" dirty="0" smtClean="0">
+              <a:rPr lang="nl-NL" sz="2000" dirty="0">
                 <a:solidFill>
                   <a:schemeClr val="tx1"/>
                 </a:solidFill>
@@ -6452,7 +6402,7 @@
               <a:t> of </a:t>
             </a:r>
             <a:r>
-              <a:rPr lang="nl-NL" sz="2000" dirty="0" err="1" smtClean="0">
+              <a:rPr lang="nl-NL" sz="2000" dirty="0" err="1">
                 <a:solidFill>
                   <a:schemeClr val="tx1"/>
                 </a:solidFill>
@@ -6460,7 +6410,7 @@
               <a:t>sleepiness</a:t>
             </a:r>
             <a:r>
-              <a:rPr lang="nl-NL" sz="2000" dirty="0" smtClean="0">
+              <a:rPr lang="nl-NL" sz="2000" dirty="0">
                 <a:solidFill>
                   <a:schemeClr val="tx1"/>
                 </a:solidFill>
@@ -6468,7 +6418,7 @@
               <a:t> </a:t>
             </a:r>
             <a:r>
-              <a:rPr lang="nl-NL" sz="2000" dirty="0" err="1" smtClean="0">
+              <a:rPr lang="nl-NL" sz="2000" dirty="0" err="1">
                 <a:solidFill>
                   <a:schemeClr val="tx1"/>
                 </a:solidFill>
@@ -6476,7 +6426,7 @@
               <a:t>during</a:t>
             </a:r>
             <a:r>
-              <a:rPr lang="nl-NL" sz="2000" dirty="0" smtClean="0">
+              <a:rPr lang="nl-NL" sz="2000" dirty="0">
                 <a:solidFill>
                   <a:schemeClr val="tx1"/>
                 </a:solidFill>
@@ -6484,7 +6434,7 @@
               <a:t> the </a:t>
             </a:r>
             <a:r>
-              <a:rPr lang="nl-NL" sz="2000" dirty="0" err="1" smtClean="0">
+              <a:rPr lang="nl-NL" sz="2000" dirty="0" err="1">
                 <a:solidFill>
                   <a:schemeClr val="tx1"/>
                 </a:solidFill>
@@ -6572,7 +6522,7 @@
           <a:blip r:embed="rId2" cstate="print">
             <a:extLst>
               <a:ext uri="{28A0092B-C50C-407E-A947-70E740481C1C}">
-                <a14:useLocalDpi xmlns:a14="http://schemas.microsoft.com/office/drawing/2010/main" xmlns="" val="0"/>
+                <a14:useLocalDpi xmlns:a14="http://schemas.microsoft.com/office/drawing/2010/main" val="0"/>
               </a:ext>
             </a:extLst>
           </a:blip>
@@ -6595,13 +6545,6 @@
   <p:clrMapOvr>
     <a:masterClrMapping/>
   </p:clrMapOvr>
-  <p:timing>
-    <p:tnLst>
-      <p:par>
-        <p:cTn id="1" dur="indefinite" restart="never" nodeType="tmRoot"/>
-      </p:par>
-    </p:tnLst>
-  </p:timing>
 </p:sld>
 </file>
 
@@ -6627,7 +6570,7 @@
           <p:cNvPr id="2" name="Title 1">
             <a:extLst>
               <a:ext uri="{FF2B5EF4-FFF2-40B4-BE49-F238E27FC236}">
-                <a16:creationId xmlns:a16="http://schemas.microsoft.com/office/drawing/2014/main" xmlns="" id="{8BFE6F5D-2207-4F3B-A1DC-F8A10129715D}"/>
+                <a16:creationId xmlns:a16="http://schemas.microsoft.com/office/drawing/2014/main" id="{8BFE6F5D-2207-4F3B-A1DC-F8A10129715D}"/>
               </a:ext>
             </a:extLst>
           </p:cNvPr>
@@ -6663,7 +6606,7 @@
           <p:cNvPr id="4" name="Picture 1">
             <a:extLst>
               <a:ext uri="{FF2B5EF4-FFF2-40B4-BE49-F238E27FC236}">
-                <a16:creationId xmlns:a16="http://schemas.microsoft.com/office/drawing/2014/main" xmlns="" id="{81CC0334-AB8E-462D-B91D-95D0F0AE031F}"/>
+                <a16:creationId xmlns:a16="http://schemas.microsoft.com/office/drawing/2014/main" id="{81CC0334-AB8E-462D-B91D-95D0F0AE031F}"/>
               </a:ext>
             </a:extLst>
           </p:cNvPr>
@@ -6674,7 +6617,7 @@
           <a:blip r:embed="rId2" cstate="print">
             <a:extLst>
               <a:ext uri="{28A0092B-C50C-407E-A947-70E740481C1C}">
-                <a14:useLocalDpi xmlns:a14="http://schemas.microsoft.com/office/drawing/2010/main" xmlns="" val="0"/>
+                <a14:useLocalDpi xmlns:a14="http://schemas.microsoft.com/office/drawing/2010/main" val="0"/>
               </a:ext>
             </a:extLst>
           </a:blip>
@@ -6695,20 +6638,13 @@
     </p:spTree>
     <p:extLst>
       <p:ext uri="{BB962C8B-B14F-4D97-AF65-F5344CB8AC3E}">
-        <p14:creationId xmlns:p14="http://schemas.microsoft.com/office/powerpoint/2010/main" xmlns="" val="2643330989"/>
+        <p14:creationId xmlns:p14="http://schemas.microsoft.com/office/powerpoint/2010/main" val="2643330989"/>
       </p:ext>
     </p:extLst>
   </p:cSld>
   <p:clrMapOvr>
     <a:masterClrMapping/>
   </p:clrMapOvr>
-  <p:timing>
-    <p:tnLst>
-      <p:par>
-        <p:cTn id="1" dur="indefinite" restart="never" nodeType="tmRoot"/>
-      </p:par>
-    </p:tnLst>
-  </p:timing>
 </p:sld>
 </file>
 
@@ -6739,7 +6675,7 @@
           <a:blip r:embed="rId2" cstate="print">
             <a:extLst>
               <a:ext uri="{28A0092B-C50C-407E-A947-70E740481C1C}">
-                <a14:useLocalDpi xmlns:a14="http://schemas.microsoft.com/office/drawing/2010/main" xmlns="" val="0"/>
+                <a14:useLocalDpi xmlns:a14="http://schemas.microsoft.com/office/drawing/2010/main" val="0"/>
               </a:ext>
             </a:extLst>
           </a:blip>
@@ -6762,7 +6698,7 @@
           <p:cNvPr id="6" name="Subtitle 5">
             <a:extLst>
               <a:ext uri="{FF2B5EF4-FFF2-40B4-BE49-F238E27FC236}">
-                <a16:creationId xmlns:a16="http://schemas.microsoft.com/office/drawing/2014/main" xmlns="" id="{578D6301-90AA-41C6-80A2-7208B86341E4}"/>
+                <a16:creationId xmlns:a16="http://schemas.microsoft.com/office/drawing/2014/main" id="{578D6301-90AA-41C6-80A2-7208B86341E4}"/>
               </a:ext>
             </a:extLst>
           </p:cNvPr>
@@ -6787,7 +6723,7 @@
           <p:cNvPr id="8" name="Title 7">
             <a:extLst>
               <a:ext uri="{FF2B5EF4-FFF2-40B4-BE49-F238E27FC236}">
-                <a16:creationId xmlns:a16="http://schemas.microsoft.com/office/drawing/2014/main" xmlns="" id="{F31B4EE8-96E0-4A0F-9ACF-0E434A7D4045}"/>
+                <a16:creationId xmlns:a16="http://schemas.microsoft.com/office/drawing/2014/main" id="{F31B4EE8-96E0-4A0F-9ACF-0E434A7D4045}"/>
               </a:ext>
             </a:extLst>
           </p:cNvPr>
@@ -6812,7 +6748,7 @@
           <p:cNvPr id="9" name="Picture 8">
             <a:extLst>
               <a:ext uri="{FF2B5EF4-FFF2-40B4-BE49-F238E27FC236}">
-                <a16:creationId xmlns:a16="http://schemas.microsoft.com/office/drawing/2014/main" xmlns="" id="{8F283848-B611-4313-925B-6D5C4FC87582}"/>
+                <a16:creationId xmlns:a16="http://schemas.microsoft.com/office/drawing/2014/main" id="{8F283848-B611-4313-925B-6D5C4FC87582}"/>
               </a:ext>
             </a:extLst>
           </p:cNvPr>
@@ -6823,7 +6759,7 @@
           <a:blip r:embed="rId3" cstate="print">
             <a:extLst>
               <a:ext uri="{28A0092B-C50C-407E-A947-70E740481C1C}">
-                <a14:useLocalDpi xmlns:a14="http://schemas.microsoft.com/office/drawing/2010/main" xmlns="" val="0"/>
+                <a14:useLocalDpi xmlns:a14="http://schemas.microsoft.com/office/drawing/2010/main" val="0"/>
               </a:ext>
             </a:extLst>
           </a:blip>
@@ -6846,7 +6782,7 @@
           <p:cNvPr id="10" name="Titel 1">
             <a:extLst>
               <a:ext uri="{FF2B5EF4-FFF2-40B4-BE49-F238E27FC236}">
-                <a16:creationId xmlns:a16="http://schemas.microsoft.com/office/drawing/2014/main" xmlns="" id="{8F5E6155-FB82-4DB4-B197-8B8AB92E70CC}"/>
+                <a16:creationId xmlns:a16="http://schemas.microsoft.com/office/drawing/2014/main" id="{8F5E6155-FB82-4DB4-B197-8B8AB92E70CC}"/>
               </a:ext>
             </a:extLst>
           </p:cNvPr>
@@ -6898,7 +6834,7 @@
           <p:cNvPr id="21" name="Rectangle 20">
             <a:extLst>
               <a:ext uri="{FF2B5EF4-FFF2-40B4-BE49-F238E27FC236}">
-                <a16:creationId xmlns:a16="http://schemas.microsoft.com/office/drawing/2014/main" xmlns="" id="{89FA050A-0580-4C07-B99D-997A46DB8F1F}"/>
+                <a16:creationId xmlns:a16="http://schemas.microsoft.com/office/drawing/2014/main" id="{89FA050A-0580-4C07-B99D-997A46DB8F1F}"/>
               </a:ext>
             </a:extLst>
           </p:cNvPr>
@@ -7058,7 +6994,7 @@
           <a:blip r:embed="rId2" cstate="print">
             <a:extLst>
               <a:ext uri="{28A0092B-C50C-407E-A947-70E740481C1C}">
-                <a14:useLocalDpi xmlns:a14="http://schemas.microsoft.com/office/drawing/2010/main" xmlns="" val="0"/>
+                <a14:useLocalDpi xmlns:a14="http://schemas.microsoft.com/office/drawing/2010/main" val="0"/>
               </a:ext>
             </a:extLst>
           </a:blip>
@@ -7081,7 +7017,7 @@
           <p:cNvPr id="6" name="Title 5">
             <a:extLst>
               <a:ext uri="{FF2B5EF4-FFF2-40B4-BE49-F238E27FC236}">
-                <a16:creationId xmlns:a16="http://schemas.microsoft.com/office/drawing/2014/main" xmlns="" id="{B33F28D2-DB9D-4CA5-9CBD-2424D610BF7E}"/>
+                <a16:creationId xmlns:a16="http://schemas.microsoft.com/office/drawing/2014/main" id="{B33F28D2-DB9D-4CA5-9CBD-2424D610BF7E}"/>
               </a:ext>
             </a:extLst>
           </p:cNvPr>
@@ -7115,7 +7051,7 @@
           <p:cNvPr id="8" name="Subtitle 7">
             <a:extLst>
               <a:ext uri="{FF2B5EF4-FFF2-40B4-BE49-F238E27FC236}">
-                <a16:creationId xmlns:a16="http://schemas.microsoft.com/office/drawing/2014/main" xmlns="" id="{454A8972-9233-4B42-AF20-C88B8520663D}"/>
+                <a16:creationId xmlns:a16="http://schemas.microsoft.com/office/drawing/2014/main" id="{454A8972-9233-4B42-AF20-C88B8520663D}"/>
               </a:ext>
             </a:extLst>
           </p:cNvPr>
@@ -7279,13 +7215,6 @@
   <p:clrMapOvr>
     <a:masterClrMapping/>
   </p:clrMapOvr>
-  <p:timing>
-    <p:tnLst>
-      <p:par>
-        <p:cTn id="1" dur="indefinite" restart="never" nodeType="tmRoot"/>
-      </p:par>
-    </p:tnLst>
-  </p:timing>
 </p:sld>
 </file>
 

--- a/Report/Presentation.pptx
+++ b/Report/Presentation.pptx
@@ -224,7 +224,7 @@
             <a:fld id="{3CD1CA91-51A7-4ECC-91D7-AEEF339E51C4}" type="datetimeFigureOut">
               <a:rPr lang="nl-NL" smtClean="0"/>
               <a:pPr/>
-              <a:t>27-6-2018</a:t>
+              <a:t>28-6-2018</a:t>
             </a:fld>
             <a:endParaRPr lang="nl-NL"/>
           </a:p>
@@ -751,7 +751,7 @@
             <a:fld id="{87C0663B-BC95-4BFA-83BA-447A6B96687E}" type="datetimeFigureOut">
               <a:rPr lang="nl-NL" smtClean="0"/>
               <a:pPr/>
-              <a:t>27-6-2018</a:t>
+              <a:t>28-6-2018</a:t>
             </a:fld>
             <a:endParaRPr lang="nl-NL"/>
           </a:p>
@@ -916,7 +916,7 @@
             <a:fld id="{87C0663B-BC95-4BFA-83BA-447A6B96687E}" type="datetimeFigureOut">
               <a:rPr lang="nl-NL" smtClean="0"/>
               <a:pPr/>
-              <a:t>27-6-2018</a:t>
+              <a:t>28-6-2018</a:t>
             </a:fld>
             <a:endParaRPr lang="nl-NL"/>
           </a:p>
@@ -1091,7 +1091,7 @@
             <a:fld id="{87C0663B-BC95-4BFA-83BA-447A6B96687E}" type="datetimeFigureOut">
               <a:rPr lang="nl-NL" smtClean="0"/>
               <a:pPr/>
-              <a:t>27-6-2018</a:t>
+              <a:t>28-6-2018</a:t>
             </a:fld>
             <a:endParaRPr lang="nl-NL"/>
           </a:p>
@@ -1256,7 +1256,7 @@
             <a:fld id="{87C0663B-BC95-4BFA-83BA-447A6B96687E}" type="datetimeFigureOut">
               <a:rPr lang="nl-NL" smtClean="0"/>
               <a:pPr/>
-              <a:t>27-6-2018</a:t>
+              <a:t>28-6-2018</a:t>
             </a:fld>
             <a:endParaRPr lang="nl-NL"/>
           </a:p>
@@ -1498,7 +1498,7 @@
             <a:fld id="{87C0663B-BC95-4BFA-83BA-447A6B96687E}" type="datetimeFigureOut">
               <a:rPr lang="nl-NL" smtClean="0"/>
               <a:pPr/>
-              <a:t>27-6-2018</a:t>
+              <a:t>28-6-2018</a:t>
             </a:fld>
             <a:endParaRPr lang="nl-NL"/>
           </a:p>
@@ -1780,7 +1780,7 @@
             <a:fld id="{87C0663B-BC95-4BFA-83BA-447A6B96687E}" type="datetimeFigureOut">
               <a:rPr lang="nl-NL" smtClean="0"/>
               <a:pPr/>
-              <a:t>27-6-2018</a:t>
+              <a:t>28-6-2018</a:t>
             </a:fld>
             <a:endParaRPr lang="nl-NL"/>
           </a:p>
@@ -2196,7 +2196,7 @@
             <a:fld id="{87C0663B-BC95-4BFA-83BA-447A6B96687E}" type="datetimeFigureOut">
               <a:rPr lang="nl-NL" smtClean="0"/>
               <a:pPr/>
-              <a:t>27-6-2018</a:t>
+              <a:t>28-6-2018</a:t>
             </a:fld>
             <a:endParaRPr lang="nl-NL"/>
           </a:p>
@@ -2310,7 +2310,7 @@
             <a:fld id="{87C0663B-BC95-4BFA-83BA-447A6B96687E}" type="datetimeFigureOut">
               <a:rPr lang="nl-NL" smtClean="0"/>
               <a:pPr/>
-              <a:t>27-6-2018</a:t>
+              <a:t>28-6-2018</a:t>
             </a:fld>
             <a:endParaRPr lang="nl-NL"/>
           </a:p>
@@ -2402,7 +2402,7 @@
             <a:fld id="{87C0663B-BC95-4BFA-83BA-447A6B96687E}" type="datetimeFigureOut">
               <a:rPr lang="nl-NL" smtClean="0"/>
               <a:pPr/>
-              <a:t>27-6-2018</a:t>
+              <a:t>28-6-2018</a:t>
             </a:fld>
             <a:endParaRPr lang="nl-NL"/>
           </a:p>
@@ -2674,7 +2674,7 @@
             <a:fld id="{87C0663B-BC95-4BFA-83BA-447A6B96687E}" type="datetimeFigureOut">
               <a:rPr lang="nl-NL" smtClean="0"/>
               <a:pPr/>
-              <a:t>27-6-2018</a:t>
+              <a:t>28-6-2018</a:t>
             </a:fld>
             <a:endParaRPr lang="nl-NL"/>
           </a:p>
@@ -2923,7 +2923,7 @@
             <a:fld id="{87C0663B-BC95-4BFA-83BA-447A6B96687E}" type="datetimeFigureOut">
               <a:rPr lang="nl-NL" smtClean="0"/>
               <a:pPr/>
-              <a:t>27-6-2018</a:t>
+              <a:t>28-6-2018</a:t>
             </a:fld>
             <a:endParaRPr lang="nl-NL"/>
           </a:p>
@@ -3131,7 +3131,7 @@
             <a:fld id="{87C0663B-BC95-4BFA-83BA-447A6B96687E}" type="datetimeFigureOut">
               <a:rPr lang="nl-NL" smtClean="0"/>
               <a:pPr/>
-              <a:t>27-6-2018</a:t>
+              <a:t>28-6-2018</a:t>
             </a:fld>
             <a:endParaRPr lang="nl-NL"/>
           </a:p>
@@ -6359,23 +6359,7 @@
                   <a:schemeClr val="tx1"/>
                 </a:solidFill>
               </a:rPr>
-              <a:t>Daytime</a:t>
-            </a:r>
-            <a:r>
-              <a:rPr lang="nl-NL" sz="2600" b="1" dirty="0">
-                <a:solidFill>
-                  <a:schemeClr val="tx1"/>
-                </a:solidFill>
-              </a:rPr>
-              <a:t>_</a:t>
-            </a:r>
-            <a:r>
-              <a:rPr lang="nl-NL" sz="2600" b="1" dirty="0" err="1">
-                <a:solidFill>
-                  <a:schemeClr val="tx1"/>
-                </a:solidFill>
-              </a:rPr>
-              <a:t>sleepiness</a:t>
+              <a:t>daytime_sleepiness</a:t>
             </a:r>
             <a:r>
               <a:rPr lang="nl-NL" sz="2600" b="1" dirty="0">
@@ -6718,31 +6702,6 @@
           </a:p>
         </p:txBody>
       </p:sp>
-      <p:sp>
-        <p:nvSpPr>
-          <p:cNvPr id="8" name="Title 7">
-            <a:extLst>
-              <a:ext uri="{FF2B5EF4-FFF2-40B4-BE49-F238E27FC236}">
-                <a16:creationId xmlns:a16="http://schemas.microsoft.com/office/drawing/2014/main" id="{F31B4EE8-96E0-4A0F-9ACF-0E434A7D4045}"/>
-              </a:ext>
-            </a:extLst>
-          </p:cNvPr>
-          <p:cNvSpPr>
-            <a:spLocks noGrp="1"/>
-          </p:cNvSpPr>
-          <p:nvPr>
-            <p:ph type="ctrTitle"/>
-          </p:nvPr>
-        </p:nvSpPr>
-        <p:spPr/>
-        <p:txBody>
-          <a:bodyPr/>
-          <a:lstStyle/>
-          <a:p>
-            <a:endParaRPr lang="x-none"/>
-          </a:p>
-        </p:txBody>
-      </p:sp>
       <p:pic>
         <p:nvPicPr>
           <p:cNvPr id="9" name="Picture 8">
@@ -6769,8 +6728,8 @@
         </p:blipFill>
         <p:spPr>
           <a:xfrm>
-            <a:off x="685800" y="1916832"/>
-            <a:ext cx="7622951" cy="4752528"/>
+            <a:off x="688155" y="1526736"/>
+            <a:ext cx="7622951" cy="4937041"/>
           </a:xfrm>
           <a:prstGeom prst="rect">
             <a:avLst/>
@@ -6793,8 +6752,8 @@
         </p:nvSpPr>
         <p:spPr>
           <a:xfrm>
-            <a:off x="899592" y="692696"/>
-            <a:ext cx="7772400" cy="1470025"/>
+            <a:off x="866160" y="680639"/>
+            <a:ext cx="7772400" cy="1000671"/>
           </a:xfrm>
           <a:prstGeom prst="rect">
             <a:avLst/>
@@ -6843,8 +6802,8 @@
         </p:nvSpPr>
         <p:spPr>
           <a:xfrm>
-            <a:off x="4932040" y="2130425"/>
-            <a:ext cx="1440160" cy="938535"/>
+            <a:off x="4936504" y="1764424"/>
+            <a:ext cx="1440160" cy="930798"/>
           </a:xfrm>
           <a:prstGeom prst="rect">
             <a:avLst/>
@@ -6878,6 +6837,116 @@
           <a:p>
             <a:pPr algn="ctr"/>
             <a:endParaRPr lang="x-none"/>
+          </a:p>
+        </p:txBody>
+      </p:sp>
+      <p:cxnSp>
+        <p:nvCxnSpPr>
+          <p:cNvPr id="7" name="Straight Arrow Connector 6">
+            <a:extLst>
+              <a:ext uri="{FF2B5EF4-FFF2-40B4-BE49-F238E27FC236}">
+                <a16:creationId xmlns:a16="http://schemas.microsoft.com/office/drawing/2014/main" id="{4B14DBB1-4D67-49DE-B474-64DAD83A8043}"/>
+              </a:ext>
+            </a:extLst>
+          </p:cNvPr>
+          <p:cNvCxnSpPr/>
+          <p:nvPr/>
+        </p:nvCxnSpPr>
+        <p:spPr>
+          <a:xfrm flipH="1">
+            <a:off x="6372200" y="1484784"/>
+            <a:ext cx="864096" cy="504056"/>
+          </a:xfrm>
+          <a:prstGeom prst="straightConnector1">
+            <a:avLst/>
+          </a:prstGeom>
+          <a:ln>
+            <a:tailEnd type="triangle"/>
+          </a:ln>
+        </p:spPr>
+        <p:style>
+          <a:lnRef idx="1">
+            <a:schemeClr val="accent1"/>
+          </a:lnRef>
+          <a:fillRef idx="0">
+            <a:schemeClr val="accent1"/>
+          </a:fillRef>
+          <a:effectRef idx="0">
+            <a:schemeClr val="accent1"/>
+          </a:effectRef>
+          <a:fontRef idx="minor">
+            <a:schemeClr val="tx1"/>
+          </a:fontRef>
+        </p:style>
+      </p:cxnSp>
+      <p:sp>
+        <p:nvSpPr>
+          <p:cNvPr id="11" name="TextBox 10">
+            <a:extLst>
+              <a:ext uri="{FF2B5EF4-FFF2-40B4-BE49-F238E27FC236}">
+                <a16:creationId xmlns:a16="http://schemas.microsoft.com/office/drawing/2014/main" id="{DF62A22A-3F20-4361-A736-3E17BFFA1934}"/>
+              </a:ext>
+            </a:extLst>
+          </p:cNvPr>
+          <p:cNvSpPr txBox="1"/>
+          <p:nvPr/>
+        </p:nvSpPr>
+        <p:spPr>
+          <a:xfrm>
+            <a:off x="6913984" y="1120098"/>
+            <a:ext cx="1040160" cy="369332"/>
+          </a:xfrm>
+          <a:prstGeom prst="rect">
+            <a:avLst/>
+          </a:prstGeom>
+          <a:noFill/>
+        </p:spPr>
+        <p:txBody>
+          <a:bodyPr wrap="square" rtlCol="0">
+            <a:spAutoFit/>
+          </a:bodyPr>
+          <a:lstStyle/>
+          <a:p>
+            <a:pPr algn="ctr"/>
+            <a:r>
+              <a:rPr lang="en-US" dirty="0"/>
+              <a:t>0.61</a:t>
+            </a:r>
+            <a:endParaRPr lang="en-NL" dirty="0"/>
+          </a:p>
+        </p:txBody>
+      </p:sp>
+      <p:sp>
+        <p:nvSpPr>
+          <p:cNvPr id="12" name="Footer Placeholder 11">
+            <a:extLst>
+              <a:ext uri="{FF2B5EF4-FFF2-40B4-BE49-F238E27FC236}">
+                <a16:creationId xmlns:a16="http://schemas.microsoft.com/office/drawing/2014/main" id="{BF042813-ABFA-4411-8BD5-0721BCDA3CF7}"/>
+              </a:ext>
+            </a:extLst>
+          </p:cNvPr>
+          <p:cNvSpPr>
+            <a:spLocks noGrp="1"/>
+          </p:cNvSpPr>
+          <p:nvPr>
+            <p:ph type="ftr" sz="quarter" idx="11"/>
+          </p:nvPr>
+        </p:nvSpPr>
+        <p:spPr>
+          <a:xfrm>
+            <a:off x="179512" y="6572501"/>
+            <a:ext cx="8712968" cy="168868"/>
+          </a:xfrm>
+        </p:spPr>
+        <p:txBody>
+          <a:bodyPr/>
+          <a:lstStyle/>
+          <a:p>
+            <a:pPr algn="l"/>
+            <a:r>
+              <a:rPr lang="nl-NL" dirty="0"/>
+              <a:t>https://explorable.com/statistical-correlation</a:t>
+            </a:r>
           </a:p>
         </p:txBody>
       </p:sp>
@@ -6933,6 +7002,60 @@
                                   </p:childTnLst>
                                 </p:cTn>
                               </p:par>
+                              <p:par>
+                                <p:cTn id="7" presetID="1" presetClass="entr" presetSubtype="0" fill="hold" nodeType="withEffect">
+                                  <p:stCondLst>
+                                    <p:cond delay="0"/>
+                                  </p:stCondLst>
+                                  <p:childTnLst>
+                                    <p:set>
+                                      <p:cBhvr>
+                                        <p:cTn id="8" dur="1" fill="hold">
+                                          <p:stCondLst>
+                                            <p:cond delay="0"/>
+                                          </p:stCondLst>
+                                        </p:cTn>
+                                        <p:tgtEl>
+                                          <p:spTgt spid="7"/>
+                                        </p:tgtEl>
+                                        <p:attrNameLst>
+                                          <p:attrName>style.visibility</p:attrName>
+                                        </p:attrNameLst>
+                                      </p:cBhvr>
+                                      <p:to>
+                                        <p:strVal val="visible"/>
+                                      </p:to>
+                                    </p:set>
+                                  </p:childTnLst>
+                                </p:cTn>
+                              </p:par>
+                              <p:par>
+                                <p:cTn id="9" presetID="1" presetClass="entr" presetSubtype="0" fill="hold" grpId="0" nodeType="withEffect">
+                                  <p:stCondLst>
+                                    <p:cond delay="0"/>
+                                  </p:stCondLst>
+                                  <p:childTnLst>
+                                    <p:set>
+                                      <p:cBhvr>
+                                        <p:cTn id="10" dur="1" fill="hold">
+                                          <p:stCondLst>
+                                            <p:cond delay="0"/>
+                                          </p:stCondLst>
+                                        </p:cTn>
+                                        <p:tgtEl>
+                                          <p:spTgt spid="11"/>
+                                        </p:tgtEl>
+                                        <p:attrNameLst>
+                                          <p:attrName>style.visibility</p:attrName>
+                                        </p:attrNameLst>
+                                      </p:cBhvr>
+                                      <p:to>
+                                        <p:strVal val="visible"/>
+                                      </p:to>
+                                    </p:set>
+                                  </p:childTnLst>
+                                </p:cTn>
+                              </p:par>
                             </p:childTnLst>
                           </p:cTn>
                         </p:par>
@@ -6962,6 +7085,7 @@
     </p:tnLst>
     <p:bldLst>
       <p:bldP spid="21" grpId="0" animBg="1"/>
+      <p:bldP spid="11" grpId="0"/>
     </p:bldLst>
   </p:timing>
 </p:sld>
@@ -7064,8 +7188,8 @@
         </p:nvSpPr>
         <p:spPr>
           <a:xfrm>
-            <a:off x="539552" y="2152142"/>
-            <a:ext cx="8280920" cy="4615208"/>
+            <a:off x="323528" y="2113603"/>
+            <a:ext cx="8604448" cy="4615208"/>
           </a:xfrm>
         </p:spPr>
         <p:txBody>
@@ -7090,7 +7214,7 @@
               <a:buChar char="•"/>
             </a:pPr>
             <a:r>
-              <a:rPr lang="en-US" dirty="0">
+              <a:rPr lang="en-US" sz="2800" dirty="0">
                 <a:solidFill>
                   <a:schemeClr val="tx1"/>
                 </a:solidFill>
@@ -7098,15 +7222,63 @@
               <a:t>Delay nights </a:t>
             </a:r>
             <a:r>
-              <a:rPr lang="en-US" dirty="0">
+              <a:rPr lang="en-US" sz="2800" dirty="0">
                 <a:solidFill>
                   <a:schemeClr val="tx1"/>
                 </a:solidFill>
                 <a:sym typeface="Wingdings" panose="05000000000000000000" pitchFamily="2" charset="2"/>
               </a:rPr>
-              <a:t> No significance</a:t>
-            </a:r>
-            <a:endParaRPr lang="en-US" dirty="0">
+              <a:t> No significance </a:t>
+            </a:r>
+            <a:r>
+              <a:rPr lang="en-US" sz="2800" dirty="0">
+                <a:solidFill>
+                  <a:schemeClr val="tx1"/>
+                </a:solidFill>
+              </a:rPr>
+              <a:t>(p= 0.74)</a:t>
+            </a:r>
+          </a:p>
+          <a:p>
+            <a:pPr marL="457200" indent="-457200" algn="l">
+              <a:buFont typeface="Arial" panose="020B0604020202020204" pitchFamily="34" charset="0"/>
+              <a:buChar char="•"/>
+            </a:pPr>
+            <a:r>
+              <a:rPr lang="en-US" sz="2800" dirty="0">
+                <a:solidFill>
+                  <a:schemeClr val="tx1"/>
+                </a:solidFill>
+              </a:rPr>
+              <a:t>Delay time </a:t>
+            </a:r>
+            <a:r>
+              <a:rPr lang="en-US" sz="2800" dirty="0">
+                <a:solidFill>
+                  <a:schemeClr val="tx1"/>
+                </a:solidFill>
+                <a:sym typeface="Wingdings" panose="05000000000000000000" pitchFamily="2" charset="2"/>
+              </a:rPr>
+              <a:t> No significance </a:t>
+            </a:r>
+            <a:r>
+              <a:rPr lang="en-US" sz="2800" dirty="0">
+                <a:solidFill>
+                  <a:schemeClr val="tx1"/>
+                </a:solidFill>
+              </a:rPr>
+              <a:t>(p= 0.053)</a:t>
+            </a:r>
+            <a:r>
+              <a:rPr lang="en-US" sz="2800" dirty="0">
+                <a:solidFill>
+                  <a:schemeClr val="tx1"/>
+                </a:solidFill>
+                <a:sym typeface="Wingdings" panose="05000000000000000000" pitchFamily="2" charset="2"/>
+              </a:rPr>
+              <a:t>, but on verge!</a:t>
+            </a:r>
+            <a:endParaRPr lang="en-US" sz="2800" dirty="0">
               <a:solidFill>
                 <a:schemeClr val="tx1"/>
               </a:solidFill>
@@ -7118,58 +7290,44 @@
               <a:buChar char="•"/>
             </a:pPr>
             <a:r>
-              <a:rPr lang="en-US" dirty="0">
-                <a:solidFill>
-                  <a:schemeClr val="tx1"/>
-                </a:solidFill>
-              </a:rPr>
-              <a:t>Delay time </a:t>
-            </a:r>
-            <a:r>
-              <a:rPr lang="en-US" dirty="0">
+              <a:rPr lang="en-US" sz="2800" dirty="0" err="1">
+                <a:solidFill>
+                  <a:schemeClr val="tx1"/>
+                </a:solidFill>
+              </a:rPr>
+              <a:t>Sleeptime</a:t>
+            </a:r>
+            <a:r>
+              <a:rPr lang="en-US" sz="2800" dirty="0">
+                <a:solidFill>
+                  <a:schemeClr val="tx1"/>
+                </a:solidFill>
+              </a:rPr>
+              <a:t> </a:t>
+            </a:r>
+            <a:r>
+              <a:rPr lang="en-US" sz="2800" dirty="0">
                 <a:solidFill>
                   <a:schemeClr val="tx1"/>
                 </a:solidFill>
                 <a:sym typeface="Wingdings" panose="05000000000000000000" pitchFamily="2" charset="2"/>
               </a:rPr>
-              <a:t> No significance (but on verge!)</a:t>
-            </a:r>
-            <a:endParaRPr lang="en-US" dirty="0">
+              <a:t> No significance </a:t>
+            </a:r>
+            <a:r>
+              <a:rPr lang="en-US" sz="2800" dirty="0">
+                <a:solidFill>
+                  <a:schemeClr val="tx1"/>
+                </a:solidFill>
+              </a:rPr>
+              <a:t>(p= 0.88)</a:t>
+            </a:r>
+            <a:endParaRPr lang="en-US" sz="2800" dirty="0">
               <a:solidFill>
                 <a:schemeClr val="tx1"/>
               </a:solidFill>
+              <a:sym typeface="Wingdings" panose="05000000000000000000" pitchFamily="2" charset="2"/>
             </a:endParaRPr>
-          </a:p>
-          <a:p>
-            <a:pPr marL="457200" indent="-457200" algn="l">
-              <a:buFont typeface="Arial" panose="020B0604020202020204" pitchFamily="34" charset="0"/>
-              <a:buChar char="•"/>
-            </a:pPr>
-            <a:r>
-              <a:rPr lang="en-US" dirty="0" err="1">
-                <a:solidFill>
-                  <a:schemeClr val="tx1"/>
-                </a:solidFill>
-              </a:rPr>
-              <a:t>Sleeptime</a:t>
-            </a:r>
-            <a:r>
-              <a:rPr lang="en-US" dirty="0">
-                <a:solidFill>
-                  <a:schemeClr val="tx1"/>
-                </a:solidFill>
-              </a:rPr>
-              <a:t> </a:t>
-            </a:r>
-            <a:r>
-              <a:rPr lang="en-US" dirty="0">
-                <a:solidFill>
-                  <a:schemeClr val="tx1"/>
-                </a:solidFill>
-                <a:sym typeface="Wingdings" panose="05000000000000000000" pitchFamily="2" charset="2"/>
-              </a:rPr>
-              <a:t> No significance</a:t>
-            </a:r>
           </a:p>
           <a:p>
             <a:pPr algn="l"/>
